--- a/presentation.pptx
+++ b/presentation.pptx
@@ -4,13 +4,18 @@
   <p:sldMasterIdLst>
     <p:sldMasterId id="2147483648" r:id="rId1"/>
   </p:sldMasterIdLst>
+  <p:notesMasterIdLst>
+    <p:notesMasterId r:id="rId10"/>
+  </p:notesMasterIdLst>
   <p:sldIdLst>
     <p:sldId id="256" r:id="rId2"/>
     <p:sldId id="257" r:id="rId3"/>
     <p:sldId id="258" r:id="rId4"/>
     <p:sldId id="259" r:id="rId5"/>
-    <p:sldId id="260" r:id="rId6"/>
-    <p:sldId id="261" r:id="rId7"/>
+    <p:sldId id="265" r:id="rId6"/>
+    <p:sldId id="266" r:id="rId7"/>
+    <p:sldId id="267" r:id="rId8"/>
+    <p:sldId id="261" r:id="rId9"/>
   </p:sldIdLst>
   <p:sldSz cx="12192000" cy="6858000"/>
   <p:notesSz cx="6858000" cy="9144000"/>
@@ -110,6 +115,981 @@
     </a:lvl9pPr>
   </p:defaultTextStyle>
 </p:presentation>
+</file>
+
+<file path=ppt/commentAuthors.xml><?xml version="1.0" encoding="utf-8"?>
+<p:cmAuthorLst xmlns:a="http://schemas.openxmlformats.org/drawingml/2006/main" xmlns:r="http://schemas.openxmlformats.org/officeDocument/2006/relationships" xmlns:p="http://schemas.openxmlformats.org/presentationml/2006/main">
+  <p:cmAuthor id="1" name="Carozza, Ernie" initials="CE" lastIdx="1" clrIdx="0">
+    <p:extLst>
+      <p:ext uri="{19B8F6BF-5375-455C-9EA6-DF929625EA0E}">
+        <p15:presenceInfo xmlns:p15="http://schemas.microsoft.com/office/powerpoint/2012/main" userId="S-1-5-21-1940666338-227100268-1349548132-144825" providerId="AD"/>
+      </p:ext>
+    </p:extLst>
+  </p:cmAuthor>
+</p:cmAuthorLst>
+</file>
+
+<file path=ppt/notesMasters/notesMaster1.xml><?xml version="1.0" encoding="utf-8"?>
+<p:notesMaster xmlns:a="http://schemas.openxmlformats.org/drawingml/2006/main" xmlns:r="http://schemas.openxmlformats.org/officeDocument/2006/relationships" xmlns:p="http://schemas.openxmlformats.org/presentationml/2006/main">
+  <p:cSld>
+    <p:bg>
+      <p:bgRef idx="1001">
+        <a:schemeClr val="bg1"/>
+      </p:bgRef>
+    </p:bg>
+    <p:spTree>
+      <p:nvGrpSpPr>
+        <p:cNvPr id="1" name=""/>
+        <p:cNvGrpSpPr/>
+        <p:nvPr/>
+      </p:nvGrpSpPr>
+      <p:grpSpPr>
+        <a:xfrm>
+          <a:off x="0" y="0"/>
+          <a:ext cx="0" cy="0"/>
+          <a:chOff x="0" y="0"/>
+          <a:chExt cx="0" cy="0"/>
+        </a:xfrm>
+      </p:grpSpPr>
+      <p:sp>
+        <p:nvSpPr>
+          <p:cNvPr id="2" name="Header Placeholder 1"/>
+          <p:cNvSpPr>
+            <a:spLocks noGrp="1"/>
+          </p:cNvSpPr>
+          <p:nvPr>
+            <p:ph type="hdr" sz="quarter"/>
+          </p:nvPr>
+        </p:nvSpPr>
+        <p:spPr>
+          <a:xfrm>
+            <a:off x="0" y="0"/>
+            <a:ext cx="2971800" cy="458788"/>
+          </a:xfrm>
+          <a:prstGeom prst="rect">
+            <a:avLst/>
+          </a:prstGeom>
+        </p:spPr>
+        <p:txBody>
+          <a:bodyPr vert="horz" lIns="91440" tIns="45720" rIns="91440" bIns="45720" rtlCol="0"/>
+          <a:lstStyle>
+            <a:lvl1pPr algn="l">
+              <a:defRPr sz="1200"/>
+            </a:lvl1pPr>
+          </a:lstStyle>
+          <a:p>
+            <a:endParaRPr lang="en-US"/>
+          </a:p>
+        </p:txBody>
+      </p:sp>
+      <p:sp>
+        <p:nvSpPr>
+          <p:cNvPr id="3" name="Date Placeholder 2"/>
+          <p:cNvSpPr>
+            <a:spLocks noGrp="1"/>
+          </p:cNvSpPr>
+          <p:nvPr>
+            <p:ph type="dt" idx="1"/>
+          </p:nvPr>
+        </p:nvSpPr>
+        <p:spPr>
+          <a:xfrm>
+            <a:off x="3884613" y="0"/>
+            <a:ext cx="2971800" cy="458788"/>
+          </a:xfrm>
+          <a:prstGeom prst="rect">
+            <a:avLst/>
+          </a:prstGeom>
+        </p:spPr>
+        <p:txBody>
+          <a:bodyPr vert="horz" lIns="91440" tIns="45720" rIns="91440" bIns="45720" rtlCol="0"/>
+          <a:lstStyle>
+            <a:lvl1pPr algn="r">
+              <a:defRPr sz="1200"/>
+            </a:lvl1pPr>
+          </a:lstStyle>
+          <a:p>
+            <a:fld id="{816019C4-4BFF-45A4-A1B7-52A07E54D6DD}" type="datetimeFigureOut">
+              <a:rPr lang="en-US" smtClean="0"/>
+              <a:t>12/8/2014</a:t>
+            </a:fld>
+            <a:endParaRPr lang="en-US"/>
+          </a:p>
+        </p:txBody>
+      </p:sp>
+      <p:sp>
+        <p:nvSpPr>
+          <p:cNvPr id="4" name="Slide Image Placeholder 3"/>
+          <p:cNvSpPr>
+            <a:spLocks noGrp="1" noRot="1" noChangeAspect="1"/>
+          </p:cNvSpPr>
+          <p:nvPr>
+            <p:ph type="sldImg" idx="2"/>
+          </p:nvPr>
+        </p:nvSpPr>
+        <p:spPr>
+          <a:xfrm>
+            <a:off x="685800" y="1143000"/>
+            <a:ext cx="5486400" cy="3086100"/>
+          </a:xfrm>
+          <a:prstGeom prst="rect">
+            <a:avLst/>
+          </a:prstGeom>
+          <a:noFill/>
+          <a:ln w="12700">
+            <a:solidFill>
+              <a:prstClr val="black"/>
+            </a:solidFill>
+          </a:ln>
+        </p:spPr>
+        <p:txBody>
+          <a:bodyPr vert="horz" lIns="91440" tIns="45720" rIns="91440" bIns="45720" rtlCol="0" anchor="ctr"/>
+          <a:lstStyle/>
+          <a:p>
+            <a:endParaRPr lang="en-US"/>
+          </a:p>
+        </p:txBody>
+      </p:sp>
+      <p:sp>
+        <p:nvSpPr>
+          <p:cNvPr id="5" name="Notes Placeholder 4"/>
+          <p:cNvSpPr>
+            <a:spLocks noGrp="1"/>
+          </p:cNvSpPr>
+          <p:nvPr>
+            <p:ph type="body" sz="quarter" idx="3"/>
+          </p:nvPr>
+        </p:nvSpPr>
+        <p:spPr>
+          <a:xfrm>
+            <a:off x="685800" y="4400550"/>
+            <a:ext cx="5486400" cy="3600450"/>
+          </a:xfrm>
+          <a:prstGeom prst="rect">
+            <a:avLst/>
+          </a:prstGeom>
+        </p:spPr>
+        <p:txBody>
+          <a:bodyPr vert="horz" lIns="91440" tIns="45720" rIns="91440" bIns="45720" rtlCol="0"/>
+          <a:lstStyle/>
+          <a:p>
+            <a:pPr lvl="0"/>
+            <a:r>
+              <a:rPr lang="en-US" smtClean="0"/>
+              <a:t>Click to edit Master text styles</a:t>
+            </a:r>
+          </a:p>
+          <a:p>
+            <a:pPr lvl="1"/>
+            <a:r>
+              <a:rPr lang="en-US" smtClean="0"/>
+              <a:t>Second level</a:t>
+            </a:r>
+          </a:p>
+          <a:p>
+            <a:pPr lvl="2"/>
+            <a:r>
+              <a:rPr lang="en-US" smtClean="0"/>
+              <a:t>Third level</a:t>
+            </a:r>
+          </a:p>
+          <a:p>
+            <a:pPr lvl="3"/>
+            <a:r>
+              <a:rPr lang="en-US" smtClean="0"/>
+              <a:t>Fourth level</a:t>
+            </a:r>
+          </a:p>
+          <a:p>
+            <a:pPr lvl="4"/>
+            <a:r>
+              <a:rPr lang="en-US" smtClean="0"/>
+              <a:t>Fifth level</a:t>
+            </a:r>
+            <a:endParaRPr lang="en-US"/>
+          </a:p>
+        </p:txBody>
+      </p:sp>
+      <p:sp>
+        <p:nvSpPr>
+          <p:cNvPr id="6" name="Footer Placeholder 5"/>
+          <p:cNvSpPr>
+            <a:spLocks noGrp="1"/>
+          </p:cNvSpPr>
+          <p:nvPr>
+            <p:ph type="ftr" sz="quarter" idx="4"/>
+          </p:nvPr>
+        </p:nvSpPr>
+        <p:spPr>
+          <a:xfrm>
+            <a:off x="0" y="8685213"/>
+            <a:ext cx="2971800" cy="458787"/>
+          </a:xfrm>
+          <a:prstGeom prst="rect">
+            <a:avLst/>
+          </a:prstGeom>
+        </p:spPr>
+        <p:txBody>
+          <a:bodyPr vert="horz" lIns="91440" tIns="45720" rIns="91440" bIns="45720" rtlCol="0" anchor="b"/>
+          <a:lstStyle>
+            <a:lvl1pPr algn="l">
+              <a:defRPr sz="1200"/>
+            </a:lvl1pPr>
+          </a:lstStyle>
+          <a:p>
+            <a:endParaRPr lang="en-US"/>
+          </a:p>
+        </p:txBody>
+      </p:sp>
+      <p:sp>
+        <p:nvSpPr>
+          <p:cNvPr id="7" name="Slide Number Placeholder 6"/>
+          <p:cNvSpPr>
+            <a:spLocks noGrp="1"/>
+          </p:cNvSpPr>
+          <p:nvPr>
+            <p:ph type="sldNum" sz="quarter" idx="5"/>
+          </p:nvPr>
+        </p:nvSpPr>
+        <p:spPr>
+          <a:xfrm>
+            <a:off x="3884613" y="8685213"/>
+            <a:ext cx="2971800" cy="458787"/>
+          </a:xfrm>
+          <a:prstGeom prst="rect">
+            <a:avLst/>
+          </a:prstGeom>
+        </p:spPr>
+        <p:txBody>
+          <a:bodyPr vert="horz" lIns="91440" tIns="45720" rIns="91440" bIns="45720" rtlCol="0" anchor="b"/>
+          <a:lstStyle>
+            <a:lvl1pPr algn="r">
+              <a:defRPr sz="1200"/>
+            </a:lvl1pPr>
+          </a:lstStyle>
+          <a:p>
+            <a:fld id="{280B9B96-5504-45C4-A7D4-ABBE9FEDE67C}" type="slidenum">
+              <a:rPr lang="en-US" smtClean="0"/>
+              <a:t>‹#›</a:t>
+            </a:fld>
+            <a:endParaRPr lang="en-US"/>
+          </a:p>
+        </p:txBody>
+      </p:sp>
+    </p:spTree>
+    <p:extLst>
+      <p:ext uri="{BB962C8B-B14F-4D97-AF65-F5344CB8AC3E}">
+        <p14:creationId xmlns:p14="http://schemas.microsoft.com/office/powerpoint/2010/main" val="4173729401"/>
+      </p:ext>
+    </p:extLst>
+  </p:cSld>
+  <p:clrMap bg1="lt1" tx1="dk1" bg2="lt2" tx2="dk2" accent1="accent1" accent2="accent2" accent3="accent3" accent4="accent4" accent5="accent5" accent6="accent6" hlink="hlink" folHlink="folHlink"/>
+  <p:notesStyle>
+    <a:lvl1pPr marL="0" algn="l" defTabSz="914400" rtl="0" eaLnBrk="1" latinLnBrk="0" hangingPunct="1">
+      <a:defRPr sz="1200" kern="1200">
+        <a:solidFill>
+          <a:schemeClr val="tx1"/>
+        </a:solidFill>
+        <a:latin typeface="+mn-lt"/>
+        <a:ea typeface="+mn-ea"/>
+        <a:cs typeface="+mn-cs"/>
+      </a:defRPr>
+    </a:lvl1pPr>
+    <a:lvl2pPr marL="457200" algn="l" defTabSz="914400" rtl="0" eaLnBrk="1" latinLnBrk="0" hangingPunct="1">
+      <a:defRPr sz="1200" kern="1200">
+        <a:solidFill>
+          <a:schemeClr val="tx1"/>
+        </a:solidFill>
+        <a:latin typeface="+mn-lt"/>
+        <a:ea typeface="+mn-ea"/>
+        <a:cs typeface="+mn-cs"/>
+      </a:defRPr>
+    </a:lvl2pPr>
+    <a:lvl3pPr marL="914400" algn="l" defTabSz="914400" rtl="0" eaLnBrk="1" latinLnBrk="0" hangingPunct="1">
+      <a:defRPr sz="1200" kern="1200">
+        <a:solidFill>
+          <a:schemeClr val="tx1"/>
+        </a:solidFill>
+        <a:latin typeface="+mn-lt"/>
+        <a:ea typeface="+mn-ea"/>
+        <a:cs typeface="+mn-cs"/>
+      </a:defRPr>
+    </a:lvl3pPr>
+    <a:lvl4pPr marL="1371600" algn="l" defTabSz="914400" rtl="0" eaLnBrk="1" latinLnBrk="0" hangingPunct="1">
+      <a:defRPr sz="1200" kern="1200">
+        <a:solidFill>
+          <a:schemeClr val="tx1"/>
+        </a:solidFill>
+        <a:latin typeface="+mn-lt"/>
+        <a:ea typeface="+mn-ea"/>
+        <a:cs typeface="+mn-cs"/>
+      </a:defRPr>
+    </a:lvl4pPr>
+    <a:lvl5pPr marL="1828800" algn="l" defTabSz="914400" rtl="0" eaLnBrk="1" latinLnBrk="0" hangingPunct="1">
+      <a:defRPr sz="1200" kern="1200">
+        <a:solidFill>
+          <a:schemeClr val="tx1"/>
+        </a:solidFill>
+        <a:latin typeface="+mn-lt"/>
+        <a:ea typeface="+mn-ea"/>
+        <a:cs typeface="+mn-cs"/>
+      </a:defRPr>
+    </a:lvl5pPr>
+    <a:lvl6pPr marL="2286000" algn="l" defTabSz="914400" rtl="0" eaLnBrk="1" latinLnBrk="0" hangingPunct="1">
+      <a:defRPr sz="1200" kern="1200">
+        <a:solidFill>
+          <a:schemeClr val="tx1"/>
+        </a:solidFill>
+        <a:latin typeface="+mn-lt"/>
+        <a:ea typeface="+mn-ea"/>
+        <a:cs typeface="+mn-cs"/>
+      </a:defRPr>
+    </a:lvl6pPr>
+    <a:lvl7pPr marL="2743200" algn="l" defTabSz="914400" rtl="0" eaLnBrk="1" latinLnBrk="0" hangingPunct="1">
+      <a:defRPr sz="1200" kern="1200">
+        <a:solidFill>
+          <a:schemeClr val="tx1"/>
+        </a:solidFill>
+        <a:latin typeface="+mn-lt"/>
+        <a:ea typeface="+mn-ea"/>
+        <a:cs typeface="+mn-cs"/>
+      </a:defRPr>
+    </a:lvl7pPr>
+    <a:lvl8pPr marL="3200400" algn="l" defTabSz="914400" rtl="0" eaLnBrk="1" latinLnBrk="0" hangingPunct="1">
+      <a:defRPr sz="1200" kern="1200">
+        <a:solidFill>
+          <a:schemeClr val="tx1"/>
+        </a:solidFill>
+        <a:latin typeface="+mn-lt"/>
+        <a:ea typeface="+mn-ea"/>
+        <a:cs typeface="+mn-cs"/>
+      </a:defRPr>
+    </a:lvl8pPr>
+    <a:lvl9pPr marL="3657600" algn="l" defTabSz="914400" rtl="0" eaLnBrk="1" latinLnBrk="0" hangingPunct="1">
+      <a:defRPr sz="1200" kern="1200">
+        <a:solidFill>
+          <a:schemeClr val="tx1"/>
+        </a:solidFill>
+        <a:latin typeface="+mn-lt"/>
+        <a:ea typeface="+mn-ea"/>
+        <a:cs typeface="+mn-cs"/>
+      </a:defRPr>
+    </a:lvl9pPr>
+  </p:notesStyle>
+</p:notesMaster>
+</file>
+
+<file path=ppt/notesSlides/notesSlide1.xml><?xml version="1.0" encoding="utf-8"?>
+<p:notes xmlns:a="http://schemas.openxmlformats.org/drawingml/2006/main" xmlns:r="http://schemas.openxmlformats.org/officeDocument/2006/relationships" xmlns:p="http://schemas.openxmlformats.org/presentationml/2006/main">
+  <p:cSld>
+    <p:spTree>
+      <p:nvGrpSpPr>
+        <p:cNvPr id="1" name=""/>
+        <p:cNvGrpSpPr/>
+        <p:nvPr/>
+      </p:nvGrpSpPr>
+      <p:grpSpPr>
+        <a:xfrm>
+          <a:off x="0" y="0"/>
+          <a:ext cx="0" cy="0"/>
+          <a:chOff x="0" y="0"/>
+          <a:chExt cx="0" cy="0"/>
+        </a:xfrm>
+      </p:grpSpPr>
+      <p:sp>
+        <p:nvSpPr>
+          <p:cNvPr id="2" name="Slide Image Placeholder 1"/>
+          <p:cNvSpPr>
+            <a:spLocks noGrp="1" noRot="1" noChangeAspect="1"/>
+          </p:cNvSpPr>
+          <p:nvPr>
+            <p:ph type="sldImg"/>
+          </p:nvPr>
+        </p:nvSpPr>
+        <p:spPr/>
+      </p:sp>
+      <p:sp>
+        <p:nvSpPr>
+          <p:cNvPr id="3" name="Notes Placeholder 2"/>
+          <p:cNvSpPr>
+            <a:spLocks noGrp="1"/>
+          </p:cNvSpPr>
+          <p:nvPr>
+            <p:ph type="body" idx="1"/>
+          </p:nvPr>
+        </p:nvSpPr>
+        <p:spPr/>
+        <p:txBody>
+          <a:bodyPr/>
+          <a:lstStyle/>
+          <a:p>
+            <a:r>
+              <a:rPr lang="en-US" dirty="0" smtClean="0"/>
+              <a:t>Aim for 1 minute</a:t>
+            </a:r>
+          </a:p>
+        </p:txBody>
+      </p:sp>
+      <p:sp>
+        <p:nvSpPr>
+          <p:cNvPr id="4" name="Slide Number Placeholder 3"/>
+          <p:cNvSpPr>
+            <a:spLocks noGrp="1"/>
+          </p:cNvSpPr>
+          <p:nvPr>
+            <p:ph type="sldNum" sz="quarter" idx="10"/>
+          </p:nvPr>
+        </p:nvSpPr>
+        <p:spPr/>
+        <p:txBody>
+          <a:bodyPr/>
+          <a:lstStyle/>
+          <a:p>
+            <a:fld id="{280B9B96-5504-45C4-A7D4-ABBE9FEDE67C}" type="slidenum">
+              <a:rPr lang="en-US" smtClean="0"/>
+              <a:t>2</a:t>
+            </a:fld>
+            <a:endParaRPr lang="en-US"/>
+          </a:p>
+        </p:txBody>
+      </p:sp>
+    </p:spTree>
+    <p:extLst>
+      <p:ext uri="{BB962C8B-B14F-4D97-AF65-F5344CB8AC3E}">
+        <p14:creationId xmlns:p14="http://schemas.microsoft.com/office/powerpoint/2010/main" val="2620938586"/>
+      </p:ext>
+    </p:extLst>
+  </p:cSld>
+  <p:clrMapOvr>
+    <a:masterClrMapping/>
+  </p:clrMapOvr>
+</p:notes>
+</file>
+
+<file path=ppt/notesSlides/notesSlide2.xml><?xml version="1.0" encoding="utf-8"?>
+<p:notes xmlns:a="http://schemas.openxmlformats.org/drawingml/2006/main" xmlns:r="http://schemas.openxmlformats.org/officeDocument/2006/relationships" xmlns:p="http://schemas.openxmlformats.org/presentationml/2006/main">
+  <p:cSld>
+    <p:spTree>
+      <p:nvGrpSpPr>
+        <p:cNvPr id="1" name=""/>
+        <p:cNvGrpSpPr/>
+        <p:nvPr/>
+      </p:nvGrpSpPr>
+      <p:grpSpPr>
+        <a:xfrm>
+          <a:off x="0" y="0"/>
+          <a:ext cx="0" cy="0"/>
+          <a:chOff x="0" y="0"/>
+          <a:chExt cx="0" cy="0"/>
+        </a:xfrm>
+      </p:grpSpPr>
+      <p:sp>
+        <p:nvSpPr>
+          <p:cNvPr id="2" name="Slide Image Placeholder 1"/>
+          <p:cNvSpPr>
+            <a:spLocks noGrp="1" noRot="1" noChangeAspect="1"/>
+          </p:cNvSpPr>
+          <p:nvPr>
+            <p:ph type="sldImg"/>
+          </p:nvPr>
+        </p:nvSpPr>
+        <p:spPr/>
+      </p:sp>
+      <p:sp>
+        <p:nvSpPr>
+          <p:cNvPr id="3" name="Notes Placeholder 2"/>
+          <p:cNvSpPr>
+            <a:spLocks noGrp="1"/>
+          </p:cNvSpPr>
+          <p:nvPr>
+            <p:ph type="body" idx="1"/>
+          </p:nvPr>
+        </p:nvSpPr>
+        <p:spPr/>
+        <p:txBody>
+          <a:bodyPr/>
+          <a:lstStyle/>
+          <a:p>
+            <a:r>
+              <a:rPr lang="en-US" dirty="0" smtClean="0"/>
+              <a:t>Aim for 2 minutes</a:t>
+            </a:r>
+          </a:p>
+          <a:p>
+            <a:r>
+              <a:rPr lang="en-US" dirty="0" smtClean="0"/>
+              <a:t>Precise definitions</a:t>
+            </a:r>
+          </a:p>
+          <a:p>
+            <a:r>
+              <a:rPr lang="en-US" dirty="0" smtClean="0"/>
+              <a:t>Formulas/mathematical models</a:t>
+            </a:r>
+          </a:p>
+          <a:p>
+            <a:r>
+              <a:rPr lang="en-US" dirty="0" smtClean="0"/>
+              <a:t>Specific goal</a:t>
+            </a:r>
+          </a:p>
+          <a:p>
+            <a:endParaRPr lang="en-US" dirty="0"/>
+          </a:p>
+        </p:txBody>
+      </p:sp>
+      <p:sp>
+        <p:nvSpPr>
+          <p:cNvPr id="4" name="Slide Number Placeholder 3"/>
+          <p:cNvSpPr>
+            <a:spLocks noGrp="1"/>
+          </p:cNvSpPr>
+          <p:nvPr>
+            <p:ph type="sldNum" sz="quarter" idx="10"/>
+          </p:nvPr>
+        </p:nvSpPr>
+        <p:spPr/>
+        <p:txBody>
+          <a:bodyPr/>
+          <a:lstStyle/>
+          <a:p>
+            <a:fld id="{280B9B96-5504-45C4-A7D4-ABBE9FEDE67C}" type="slidenum">
+              <a:rPr lang="en-US" smtClean="0"/>
+              <a:t>3</a:t>
+            </a:fld>
+            <a:endParaRPr lang="en-US"/>
+          </a:p>
+        </p:txBody>
+      </p:sp>
+    </p:spTree>
+    <p:extLst>
+      <p:ext uri="{BB962C8B-B14F-4D97-AF65-F5344CB8AC3E}">
+        <p14:creationId xmlns:p14="http://schemas.microsoft.com/office/powerpoint/2010/main" val="2506946222"/>
+      </p:ext>
+    </p:extLst>
+  </p:cSld>
+  <p:clrMapOvr>
+    <a:masterClrMapping/>
+  </p:clrMapOvr>
+</p:notes>
+</file>
+
+<file path=ppt/notesSlides/notesSlide3.xml><?xml version="1.0" encoding="utf-8"?>
+<p:notes xmlns:a="http://schemas.openxmlformats.org/drawingml/2006/main" xmlns:r="http://schemas.openxmlformats.org/officeDocument/2006/relationships" xmlns:p="http://schemas.openxmlformats.org/presentationml/2006/main">
+  <p:cSld>
+    <p:spTree>
+      <p:nvGrpSpPr>
+        <p:cNvPr id="1" name=""/>
+        <p:cNvGrpSpPr/>
+        <p:nvPr/>
+      </p:nvGrpSpPr>
+      <p:grpSpPr>
+        <a:xfrm>
+          <a:off x="0" y="0"/>
+          <a:ext cx="0" cy="0"/>
+          <a:chOff x="0" y="0"/>
+          <a:chExt cx="0" cy="0"/>
+        </a:xfrm>
+      </p:grpSpPr>
+      <p:sp>
+        <p:nvSpPr>
+          <p:cNvPr id="2" name="Slide Image Placeholder 1"/>
+          <p:cNvSpPr>
+            <a:spLocks noGrp="1" noRot="1" noChangeAspect="1"/>
+          </p:cNvSpPr>
+          <p:nvPr>
+            <p:ph type="sldImg"/>
+          </p:nvPr>
+        </p:nvSpPr>
+        <p:spPr/>
+      </p:sp>
+      <p:sp>
+        <p:nvSpPr>
+          <p:cNvPr id="3" name="Notes Placeholder 2"/>
+          <p:cNvSpPr>
+            <a:spLocks noGrp="1"/>
+          </p:cNvSpPr>
+          <p:nvPr>
+            <p:ph type="body" idx="1"/>
+          </p:nvPr>
+        </p:nvSpPr>
+        <p:spPr/>
+        <p:txBody>
+          <a:bodyPr/>
+          <a:lstStyle/>
+          <a:p>
+            <a:r>
+              <a:rPr lang="en-US" dirty="0" smtClean="0"/>
+              <a:t>Aim for 3 minutes</a:t>
+            </a:r>
+          </a:p>
+          <a:p>
+            <a:r>
+              <a:rPr lang="en-US" dirty="0" smtClean="0"/>
+              <a:t>Main ideas used to tackle the problem</a:t>
+            </a:r>
+          </a:p>
+          <a:p>
+            <a:r>
+              <a:rPr lang="en-US" dirty="0" smtClean="0"/>
+              <a:t>Key equations</a:t>
+            </a:r>
+          </a:p>
+          <a:p>
+            <a:endParaRPr lang="en-US" dirty="0"/>
+          </a:p>
+        </p:txBody>
+      </p:sp>
+      <p:sp>
+        <p:nvSpPr>
+          <p:cNvPr id="4" name="Slide Number Placeholder 3"/>
+          <p:cNvSpPr>
+            <a:spLocks noGrp="1"/>
+          </p:cNvSpPr>
+          <p:nvPr>
+            <p:ph type="sldNum" sz="quarter" idx="10"/>
+          </p:nvPr>
+        </p:nvSpPr>
+        <p:spPr/>
+        <p:txBody>
+          <a:bodyPr/>
+          <a:lstStyle/>
+          <a:p>
+            <a:fld id="{280B9B96-5504-45C4-A7D4-ABBE9FEDE67C}" type="slidenum">
+              <a:rPr lang="en-US" smtClean="0"/>
+              <a:t>4</a:t>
+            </a:fld>
+            <a:endParaRPr lang="en-US"/>
+          </a:p>
+        </p:txBody>
+      </p:sp>
+    </p:spTree>
+    <p:extLst>
+      <p:ext uri="{BB962C8B-B14F-4D97-AF65-F5344CB8AC3E}">
+        <p14:creationId xmlns:p14="http://schemas.microsoft.com/office/powerpoint/2010/main" val="1211185736"/>
+      </p:ext>
+    </p:extLst>
+  </p:cSld>
+  <p:clrMapOvr>
+    <a:masterClrMapping/>
+  </p:clrMapOvr>
+</p:notes>
+</file>
+
+<file path=ppt/notesSlides/notesSlide4.xml><?xml version="1.0" encoding="utf-8"?>
+<p:notes xmlns:a="http://schemas.openxmlformats.org/drawingml/2006/main" xmlns:r="http://schemas.openxmlformats.org/officeDocument/2006/relationships" xmlns:p="http://schemas.openxmlformats.org/presentationml/2006/main">
+  <p:cSld>
+    <p:spTree>
+      <p:nvGrpSpPr>
+        <p:cNvPr id="1" name=""/>
+        <p:cNvGrpSpPr/>
+        <p:nvPr/>
+      </p:nvGrpSpPr>
+      <p:grpSpPr>
+        <a:xfrm>
+          <a:off x="0" y="0"/>
+          <a:ext cx="0" cy="0"/>
+          <a:chOff x="0" y="0"/>
+          <a:chExt cx="0" cy="0"/>
+        </a:xfrm>
+      </p:grpSpPr>
+      <p:sp>
+        <p:nvSpPr>
+          <p:cNvPr id="2" name="Slide Image Placeholder 1"/>
+          <p:cNvSpPr>
+            <a:spLocks noGrp="1" noRot="1" noChangeAspect="1"/>
+          </p:cNvSpPr>
+          <p:nvPr>
+            <p:ph type="sldImg"/>
+          </p:nvPr>
+        </p:nvSpPr>
+        <p:spPr/>
+      </p:sp>
+      <p:sp>
+        <p:nvSpPr>
+          <p:cNvPr id="3" name="Notes Placeholder 2"/>
+          <p:cNvSpPr>
+            <a:spLocks noGrp="1"/>
+          </p:cNvSpPr>
+          <p:nvPr>
+            <p:ph type="body" idx="1"/>
+          </p:nvPr>
+        </p:nvSpPr>
+        <p:spPr/>
+        <p:txBody>
+          <a:bodyPr/>
+          <a:lstStyle/>
+          <a:p>
+            <a:r>
+              <a:rPr lang="en-US" dirty="0" smtClean="0"/>
+              <a:t>Aim for 1-2 minutes</a:t>
+            </a:r>
+          </a:p>
+          <a:p>
+            <a:r>
+              <a:rPr lang="en-US" dirty="0" smtClean="0"/>
+              <a:t>Why were these simulations chosen?</a:t>
+            </a:r>
+          </a:p>
+          <a:p>
+            <a:r>
+              <a:rPr lang="en-US" dirty="0" smtClean="0"/>
+              <a:t>Clear descriptions of parameter choices</a:t>
+            </a:r>
+          </a:p>
+          <a:p>
+            <a:r>
+              <a:rPr lang="en-US" dirty="0" smtClean="0"/>
+              <a:t>Discuss what the plots mean</a:t>
+            </a:r>
+          </a:p>
+          <a:p>
+            <a:r>
+              <a:rPr lang="en-US" dirty="0" smtClean="0"/>
+              <a:t>Do the plots match the papers? If not, why?</a:t>
+            </a:r>
+          </a:p>
+          <a:p>
+            <a:endParaRPr lang="en-US" dirty="0"/>
+          </a:p>
+        </p:txBody>
+      </p:sp>
+      <p:sp>
+        <p:nvSpPr>
+          <p:cNvPr id="4" name="Slide Number Placeholder 3"/>
+          <p:cNvSpPr>
+            <a:spLocks noGrp="1"/>
+          </p:cNvSpPr>
+          <p:nvPr>
+            <p:ph type="sldNum" sz="quarter" idx="10"/>
+          </p:nvPr>
+        </p:nvSpPr>
+        <p:spPr/>
+        <p:txBody>
+          <a:bodyPr/>
+          <a:lstStyle/>
+          <a:p>
+            <a:fld id="{280B9B96-5504-45C4-A7D4-ABBE9FEDE67C}" type="slidenum">
+              <a:rPr lang="en-US" smtClean="0"/>
+              <a:t>5</a:t>
+            </a:fld>
+            <a:endParaRPr lang="en-US"/>
+          </a:p>
+        </p:txBody>
+      </p:sp>
+    </p:spTree>
+    <p:extLst>
+      <p:ext uri="{BB962C8B-B14F-4D97-AF65-F5344CB8AC3E}">
+        <p14:creationId xmlns:p14="http://schemas.microsoft.com/office/powerpoint/2010/main" val="1791085371"/>
+      </p:ext>
+    </p:extLst>
+  </p:cSld>
+  <p:clrMapOvr>
+    <a:masterClrMapping/>
+  </p:clrMapOvr>
+</p:notes>
+</file>
+
+<file path=ppt/notesSlides/notesSlide5.xml><?xml version="1.0" encoding="utf-8"?>
+<p:notes xmlns:a="http://schemas.openxmlformats.org/drawingml/2006/main" xmlns:r="http://schemas.openxmlformats.org/officeDocument/2006/relationships" xmlns:p="http://schemas.openxmlformats.org/presentationml/2006/main">
+  <p:cSld>
+    <p:spTree>
+      <p:nvGrpSpPr>
+        <p:cNvPr id="1" name=""/>
+        <p:cNvGrpSpPr/>
+        <p:nvPr/>
+      </p:nvGrpSpPr>
+      <p:grpSpPr>
+        <a:xfrm>
+          <a:off x="0" y="0"/>
+          <a:ext cx="0" cy="0"/>
+          <a:chOff x="0" y="0"/>
+          <a:chExt cx="0" cy="0"/>
+        </a:xfrm>
+      </p:grpSpPr>
+      <p:sp>
+        <p:nvSpPr>
+          <p:cNvPr id="2" name="Slide Image Placeholder 1"/>
+          <p:cNvSpPr>
+            <a:spLocks noGrp="1" noRot="1" noChangeAspect="1"/>
+          </p:cNvSpPr>
+          <p:nvPr>
+            <p:ph type="sldImg"/>
+          </p:nvPr>
+        </p:nvSpPr>
+        <p:spPr/>
+      </p:sp>
+      <p:sp>
+        <p:nvSpPr>
+          <p:cNvPr id="3" name="Notes Placeholder 2"/>
+          <p:cNvSpPr>
+            <a:spLocks noGrp="1"/>
+          </p:cNvSpPr>
+          <p:nvPr>
+            <p:ph type="body" idx="1"/>
+          </p:nvPr>
+        </p:nvSpPr>
+        <p:spPr/>
+        <p:txBody>
+          <a:bodyPr/>
+          <a:lstStyle/>
+          <a:p>
+            <a:r>
+              <a:rPr lang="en-US" dirty="0" smtClean="0"/>
+              <a:t>Aim for 1-2 minutes</a:t>
+            </a:r>
+          </a:p>
+          <a:p>
+            <a:r>
+              <a:rPr lang="en-US" dirty="0" smtClean="0"/>
+              <a:t>Why were these simulations chosen?</a:t>
+            </a:r>
+          </a:p>
+          <a:p>
+            <a:r>
+              <a:rPr lang="en-US" dirty="0" smtClean="0"/>
+              <a:t>Clear descriptions of parameter choices</a:t>
+            </a:r>
+          </a:p>
+          <a:p>
+            <a:r>
+              <a:rPr lang="en-US" dirty="0" smtClean="0"/>
+              <a:t>Discuss what the plots mean</a:t>
+            </a:r>
+          </a:p>
+          <a:p>
+            <a:r>
+              <a:rPr lang="en-US" dirty="0" smtClean="0"/>
+              <a:t>Do the plots match the papers? If not, why?</a:t>
+            </a:r>
+          </a:p>
+          <a:p>
+            <a:endParaRPr lang="en-US" dirty="0"/>
+          </a:p>
+        </p:txBody>
+      </p:sp>
+      <p:sp>
+        <p:nvSpPr>
+          <p:cNvPr id="4" name="Slide Number Placeholder 3"/>
+          <p:cNvSpPr>
+            <a:spLocks noGrp="1"/>
+          </p:cNvSpPr>
+          <p:nvPr>
+            <p:ph type="sldNum" sz="quarter" idx="10"/>
+          </p:nvPr>
+        </p:nvSpPr>
+        <p:spPr/>
+        <p:txBody>
+          <a:bodyPr/>
+          <a:lstStyle/>
+          <a:p>
+            <a:fld id="{280B9B96-5504-45C4-A7D4-ABBE9FEDE67C}" type="slidenum">
+              <a:rPr lang="en-US" smtClean="0"/>
+              <a:t>7</a:t>
+            </a:fld>
+            <a:endParaRPr lang="en-US"/>
+          </a:p>
+        </p:txBody>
+      </p:sp>
+    </p:spTree>
+    <p:extLst>
+      <p:ext uri="{BB962C8B-B14F-4D97-AF65-F5344CB8AC3E}">
+        <p14:creationId xmlns:p14="http://schemas.microsoft.com/office/powerpoint/2010/main" val="1776450908"/>
+      </p:ext>
+    </p:extLst>
+  </p:cSld>
+  <p:clrMapOvr>
+    <a:masterClrMapping/>
+  </p:clrMapOvr>
+</p:notes>
+</file>
+
+<file path=ppt/notesSlides/notesSlide6.xml><?xml version="1.0" encoding="utf-8"?>
+<p:notes xmlns:a="http://schemas.openxmlformats.org/drawingml/2006/main" xmlns:r="http://schemas.openxmlformats.org/officeDocument/2006/relationships" xmlns:p="http://schemas.openxmlformats.org/presentationml/2006/main">
+  <p:cSld>
+    <p:spTree>
+      <p:nvGrpSpPr>
+        <p:cNvPr id="1" name=""/>
+        <p:cNvGrpSpPr/>
+        <p:nvPr/>
+      </p:nvGrpSpPr>
+      <p:grpSpPr>
+        <a:xfrm>
+          <a:off x="0" y="0"/>
+          <a:ext cx="0" cy="0"/>
+          <a:chOff x="0" y="0"/>
+          <a:chExt cx="0" cy="0"/>
+        </a:xfrm>
+      </p:grpSpPr>
+      <p:sp>
+        <p:nvSpPr>
+          <p:cNvPr id="2" name="Slide Image Placeholder 1"/>
+          <p:cNvSpPr>
+            <a:spLocks noGrp="1" noRot="1" noChangeAspect="1"/>
+          </p:cNvSpPr>
+          <p:nvPr>
+            <p:ph type="sldImg"/>
+          </p:nvPr>
+        </p:nvSpPr>
+        <p:spPr/>
+      </p:sp>
+      <p:sp>
+        <p:nvSpPr>
+          <p:cNvPr id="3" name="Notes Placeholder 2"/>
+          <p:cNvSpPr>
+            <a:spLocks noGrp="1"/>
+          </p:cNvSpPr>
+          <p:nvPr>
+            <p:ph type="body" idx="1"/>
+          </p:nvPr>
+        </p:nvSpPr>
+        <p:spPr/>
+        <p:txBody>
+          <a:bodyPr/>
+          <a:lstStyle/>
+          <a:p>
+            <a:r>
+              <a:rPr lang="en-US" dirty="0" smtClean="0"/>
+              <a:t>Aim for 1 minute</a:t>
+            </a:r>
+            <a:endParaRPr lang="en-US" dirty="0"/>
+          </a:p>
+        </p:txBody>
+      </p:sp>
+      <p:sp>
+        <p:nvSpPr>
+          <p:cNvPr id="4" name="Slide Number Placeholder 3"/>
+          <p:cNvSpPr>
+            <a:spLocks noGrp="1"/>
+          </p:cNvSpPr>
+          <p:nvPr>
+            <p:ph type="sldNum" sz="quarter" idx="10"/>
+          </p:nvPr>
+        </p:nvSpPr>
+        <p:spPr/>
+        <p:txBody>
+          <a:bodyPr/>
+          <a:lstStyle/>
+          <a:p>
+            <a:fld id="{280B9B96-5504-45C4-A7D4-ABBE9FEDE67C}" type="slidenum">
+              <a:rPr lang="en-US" smtClean="0"/>
+              <a:t>8</a:t>
+            </a:fld>
+            <a:endParaRPr lang="en-US"/>
+          </a:p>
+        </p:txBody>
+      </p:sp>
+    </p:spTree>
+    <p:extLst>
+      <p:ext uri="{BB962C8B-B14F-4D97-AF65-F5344CB8AC3E}">
+        <p14:creationId xmlns:p14="http://schemas.microsoft.com/office/powerpoint/2010/main" val="1619926959"/>
+      </p:ext>
+    </p:extLst>
+  </p:cSld>
+  <p:clrMapOvr>
+    <a:masterClrMapping/>
+  </p:clrMapOvr>
+</p:notes>
 </file>
 
 <file path=ppt/slideLayouts/slideLayout1.xml><?xml version="1.0" encoding="utf-8"?>
@@ -3074,7 +4054,7 @@
           <a:p>
             <a:r>
               <a:rPr lang="en-US" dirty="0" smtClean="0"/>
-              <a:t>Introduction and Motivation (1 minute)</a:t>
+              <a:t>Introduction and Motivation</a:t>
             </a:r>
             <a:endParaRPr lang="en-US" dirty="0"/>
           </a:p>
@@ -3097,14 +4077,55 @@
           <a:p>
             <a:r>
               <a:rPr lang="en-US" dirty="0" smtClean="0"/>
-              <a:t>Why is topic interesting/important</a:t>
-            </a:r>
-          </a:p>
-          <a:p>
+              <a:t>Indoor localization has many applications</a:t>
+            </a:r>
+          </a:p>
+          <a:p>
+            <a:pPr lvl="1"/>
             <a:r>
               <a:rPr lang="en-US" dirty="0" smtClean="0"/>
-              <a:t>Main references</a:t>
-            </a:r>
+              <a:t>Supplement to GPS in absence of line of sight to satellites</a:t>
+            </a:r>
+          </a:p>
+          <a:p>
+            <a:pPr lvl="1"/>
+            <a:r>
+              <a:rPr lang="en-US" dirty="0" smtClean="0"/>
+              <a:t>Tracking equipment in factory</a:t>
+            </a:r>
+          </a:p>
+          <a:p>
+            <a:pPr lvl="1"/>
+            <a:r>
+              <a:rPr lang="en-US" dirty="0" smtClean="0"/>
+              <a:t>Search and rescue</a:t>
+            </a:r>
+          </a:p>
+          <a:p>
+            <a:pPr lvl="1"/>
+            <a:r>
+              <a:rPr lang="en-US" dirty="0" smtClean="0"/>
+              <a:t>Law enforcement</a:t>
+            </a:r>
+            <a:endParaRPr lang="en-US" dirty="0"/>
+          </a:p>
+          <a:p>
+            <a:r>
+              <a:rPr lang="en-US" dirty="0" err="1" smtClean="0"/>
+              <a:t>WiFi</a:t>
+            </a:r>
+            <a:r>
+              <a:rPr lang="en-US" dirty="0" smtClean="0"/>
+              <a:t> is widely used in homes and offices, transmissions reflecting off walls, furniture, people all the time</a:t>
+            </a:r>
+          </a:p>
+          <a:p>
+            <a:r>
+              <a:rPr lang="en-US" dirty="0" smtClean="0"/>
+              <a:t>Analyzing fading can lead to information about objects’ position and movement</a:t>
+            </a:r>
+          </a:p>
+          <a:p>
             <a:endParaRPr lang="en-US" dirty="0"/>
           </a:p>
         </p:txBody>
@@ -3156,7 +4177,7 @@
           <a:p>
             <a:r>
               <a:rPr lang="en-US" dirty="0" smtClean="0"/>
-              <a:t>Problem Statement (2 minutes)</a:t>
+              <a:t>Problem Statement</a:t>
             </a:r>
             <a:endParaRPr lang="en-US" dirty="0"/>
           </a:p>
@@ -3179,19 +4200,58 @@
           <a:p>
             <a:r>
               <a:rPr lang="en-US" dirty="0" smtClean="0"/>
-              <a:t>Precise definitions</a:t>
-            </a:r>
-          </a:p>
-          <a:p>
+              <a:t>Is it feasible to detect the position and speed of a uncooperative target inside a building using signals from an existing </a:t>
+            </a:r>
+            <a:r>
+              <a:rPr lang="en-US" dirty="0" err="1" smtClean="0"/>
+              <a:t>WiFi</a:t>
+            </a:r>
             <a:r>
               <a:rPr lang="en-US" dirty="0" smtClean="0"/>
-              <a:t>Formulas/mathematical models</a:t>
+              <a:t> network?</a:t>
             </a:r>
           </a:p>
           <a:p>
             <a:r>
               <a:rPr lang="en-US" dirty="0" smtClean="0"/>
-              <a:t>Specific goal</a:t>
+              <a:t>Assumptions:</a:t>
+            </a:r>
+          </a:p>
+          <a:p>
+            <a:pPr lvl="1"/>
+            <a:r>
+              <a:rPr lang="en-US" dirty="0" smtClean="0"/>
+              <a:t>Transmitter (</a:t>
+            </a:r>
+            <a:r>
+              <a:rPr lang="en-US" dirty="0" err="1" smtClean="0"/>
+              <a:t>WiFi</a:t>
+            </a:r>
+            <a:r>
+              <a:rPr lang="en-US" dirty="0" smtClean="0"/>
+              <a:t> router) position known</a:t>
+            </a:r>
+          </a:p>
+          <a:p>
+            <a:pPr lvl="1"/>
+            <a:r>
+              <a:rPr lang="en-US" dirty="0" smtClean="0"/>
+              <a:t>Transmitter using 802.11g based on OFDM at 2.4GHz</a:t>
+            </a:r>
+          </a:p>
+          <a:p>
+            <a:r>
+              <a:rPr lang="en-US" dirty="0" smtClean="0"/>
+              <a:t>Main idea: apply radar techniques and understanding of wireless communication protocols </a:t>
+            </a:r>
+          </a:p>
+          <a:p>
+            <a:endParaRPr lang="en-US" dirty="0"/>
+          </a:p>
+          <a:p>
+            <a:r>
+              <a:rPr lang="en-US" dirty="0" smtClean="0"/>
+              <a:t>TODO radar formulas</a:t>
             </a:r>
             <a:endParaRPr lang="en-US" dirty="0"/>
           </a:p>
@@ -3244,41 +4304,163 @@
           <a:p>
             <a:r>
               <a:rPr lang="en-US" dirty="0" smtClean="0"/>
-              <a:t>Approach (3 minutes)</a:t>
+              <a:t>Approach</a:t>
             </a:r>
             <a:endParaRPr lang="en-US" dirty="0"/>
           </a:p>
         </p:txBody>
       </p:sp>
-      <p:sp>
-        <p:nvSpPr>
-          <p:cNvPr id="3" name="Content Placeholder 2"/>
-          <p:cNvSpPr>
-            <a:spLocks noGrp="1"/>
-          </p:cNvSpPr>
-          <p:nvPr>
-            <p:ph idx="1"/>
-          </p:nvPr>
-        </p:nvSpPr>
-        <p:spPr/>
-        <p:txBody>
-          <a:bodyPr/>
-          <a:lstStyle/>
-          <a:p>
-            <a:r>
-              <a:rPr lang="en-US" dirty="0" smtClean="0"/>
-              <a:t>Main ideas used to tackle the problem</a:t>
-            </a:r>
-          </a:p>
-          <a:p>
-            <a:r>
-              <a:rPr lang="en-US" dirty="0" smtClean="0"/>
-              <a:t>Key equations</a:t>
-            </a:r>
-            <a:endParaRPr lang="en-US" dirty="0"/>
-          </a:p>
-        </p:txBody>
-      </p:sp>
+      <mc:AlternateContent xmlns:mc="http://schemas.openxmlformats.org/markup-compatibility/2006">
+        <mc:Choice xmlns:a14="http://schemas.microsoft.com/office/drawing/2010/main" Requires="a14">
+          <p:sp>
+            <p:nvSpPr>
+              <p:cNvPr id="3" name="Content Placeholder 2"/>
+              <p:cNvSpPr>
+                <a:spLocks noGrp="1"/>
+              </p:cNvSpPr>
+              <p:nvPr>
+                <p:ph idx="1"/>
+              </p:nvPr>
+            </p:nvSpPr>
+            <p:spPr/>
+            <p:txBody>
+              <a:bodyPr/>
+              <a:lstStyle/>
+              <a:p>
+                <a:r>
+                  <a:rPr lang="en-US" dirty="0" smtClean="0"/>
+                  <a:t>Develop a simulation of indoor fading with walls and a moving target</a:t>
+                </a:r>
+              </a:p>
+              <a:p>
+                <a:pPr lvl="1"/>
+                <a:r>
+                  <a:rPr lang="en-US" dirty="0" smtClean="0"/>
+                  <a:t>Receiver sees not only the transmissions from the router but also reflections of the moving target</a:t>
+                </a:r>
+              </a:p>
+              <a:p>
+                <a:pPr lvl="1"/>
+                <a:r>
+                  <a:rPr lang="en-US" dirty="0" smtClean="0"/>
+                  <a:t>How does the channel </a:t>
+                </a:r>
+                <a14:m>
+                  <m:oMath xmlns:m="http://schemas.openxmlformats.org/officeDocument/2006/math">
+                    <m:sSub>
+                      <m:sSubPr>
+                        <m:ctrlPr>
+                          <a:rPr lang="en-US" b="0" i="1" smtClean="0">
+                            <a:latin typeface="Cambria Math" panose="02040503050406030204" pitchFamily="18" charset="0"/>
+                          </a:rPr>
+                        </m:ctrlPr>
+                      </m:sSubPr>
+                      <m:e>
+                        <m:r>
+                          <a:rPr lang="en-US" b="0" i="1" smtClean="0">
+                            <a:latin typeface="Cambria Math" panose="02040503050406030204" pitchFamily="18" charset="0"/>
+                          </a:rPr>
+                          <m:t>h</m:t>
+                        </m:r>
+                      </m:e>
+                      <m:sub>
+                        <m:r>
+                          <a:rPr lang="en-US" b="0" i="1" smtClean="0">
+                            <a:latin typeface="Cambria Math" panose="02040503050406030204" pitchFamily="18" charset="0"/>
+                          </a:rPr>
+                          <m:t>𝑙</m:t>
+                        </m:r>
+                      </m:sub>
+                    </m:sSub>
+                    <m:d>
+                      <m:dPr>
+                        <m:begChr m:val="["/>
+                        <m:endChr m:val="]"/>
+                        <m:ctrlPr>
+                          <a:rPr lang="en-US" b="0" i="1" smtClean="0">
+                            <a:latin typeface="Cambria Math" panose="02040503050406030204" pitchFamily="18" charset="0"/>
+                          </a:rPr>
+                        </m:ctrlPr>
+                      </m:dPr>
+                      <m:e>
+                        <m:r>
+                          <a:rPr lang="en-US" b="0" i="1" smtClean="0">
+                            <a:latin typeface="Cambria Math" panose="02040503050406030204" pitchFamily="18" charset="0"/>
+                          </a:rPr>
+                          <m:t>𝑚</m:t>
+                        </m:r>
+                      </m:e>
+                    </m:d>
+                  </m:oMath>
+                </a14:m>
+                <a:r>
+                  <a:rPr lang="en-US" dirty="0" smtClean="0"/>
+                  <a:t> change as the target moves?</a:t>
+                </a:r>
+              </a:p>
+              <a:p>
+                <a:pPr lvl="1"/>
+                <a:r>
+                  <a:rPr lang="en-US" dirty="0" smtClean="0"/>
+                  <a:t>TODO more mathematical description</a:t>
+                </a:r>
+              </a:p>
+              <a:p>
+                <a:pPr lvl="1"/>
+                <a:endParaRPr lang="en-US" dirty="0" smtClean="0"/>
+              </a:p>
+              <a:p>
+                <a:r>
+                  <a:rPr lang="en-US" dirty="0" smtClean="0"/>
+                  <a:t>Simulate OFDM transmissions over the channel </a:t>
+                </a:r>
+              </a:p>
+              <a:p>
+                <a:endParaRPr lang="en-US" dirty="0"/>
+              </a:p>
+              <a:p>
+                <a:r>
+                  <a:rPr lang="en-US" dirty="0" smtClean="0"/>
+                  <a:t>Use radar techniques to correlate transmitted and received signal</a:t>
+                </a:r>
+              </a:p>
+            </p:txBody>
+          </p:sp>
+        </mc:Choice>
+        <mc:Fallback>
+          <p:sp>
+            <p:nvSpPr>
+              <p:cNvPr id="3" name="Content Placeholder 2"/>
+              <p:cNvSpPr>
+                <a:spLocks noGrp="1" noRot="1" noChangeAspect="1" noMove="1" noResize="1" noEditPoints="1" noAdjustHandles="1" noChangeArrowheads="1" noChangeShapeType="1" noTextEdit="1"/>
+              </p:cNvSpPr>
+              <p:nvPr>
+                <p:ph idx="1"/>
+              </p:nvPr>
+            </p:nvSpPr>
+            <p:spPr>
+              <a:blipFill rotWithShape="0">
+                <a:blip r:embed="rId3"/>
+                <a:stretch>
+                  <a:fillRect l="-1043" t="-2241"/>
+                </a:stretch>
+              </a:blipFill>
+            </p:spPr>
+            <p:txBody>
+              <a:bodyPr/>
+              <a:lstStyle/>
+              <a:p>
+                <a:r>
+                  <a:rPr lang="en-US">
+                    <a:noFill/>
+                  </a:rPr>
+                  <a:t> </a:t>
+                </a:r>
+              </a:p>
+            </p:txBody>
+          </p:sp>
+        </mc:Fallback>
+      </mc:AlternateContent>
     </p:spTree>
     <p:extLst>
       <p:ext uri="{BB962C8B-B14F-4D97-AF65-F5344CB8AC3E}">
@@ -3326,57 +4508,171 @@
           <a:p>
             <a:r>
               <a:rPr lang="en-US" dirty="0" smtClean="0"/>
-              <a:t>Simulations (3 minutes)</a:t>
+              <a:t>Simulating the Indoor Channel</a:t>
             </a:r>
             <a:endParaRPr lang="en-US" dirty="0"/>
           </a:p>
         </p:txBody>
       </p:sp>
-      <p:sp>
-        <p:nvSpPr>
-          <p:cNvPr id="3" name="Content Placeholder 2"/>
-          <p:cNvSpPr>
-            <a:spLocks noGrp="1"/>
-          </p:cNvSpPr>
-          <p:nvPr>
-            <p:ph idx="1"/>
-          </p:nvPr>
-        </p:nvSpPr>
-        <p:spPr/>
-        <p:txBody>
-          <a:bodyPr/>
-          <a:lstStyle/>
-          <a:p>
-            <a:r>
-              <a:rPr lang="en-US" dirty="0" smtClean="0"/>
-              <a:t>Why were these simulations chosen?</a:t>
-            </a:r>
-          </a:p>
-          <a:p>
-            <a:r>
-              <a:rPr lang="en-US" dirty="0" smtClean="0"/>
-              <a:t>Clear descriptions of parameter choices</a:t>
-            </a:r>
-          </a:p>
-          <a:p>
-            <a:r>
-              <a:rPr lang="en-US" dirty="0" smtClean="0"/>
-              <a:t>Discuss what the plots mean</a:t>
-            </a:r>
-          </a:p>
-          <a:p>
-            <a:r>
-              <a:rPr lang="en-US" dirty="0" smtClean="0"/>
-              <a:t>Do the plots match the papers? If not, why?</a:t>
-            </a:r>
-            <a:endParaRPr lang="en-US" dirty="0"/>
-          </a:p>
-        </p:txBody>
-      </p:sp>
+      <mc:AlternateContent xmlns:mc="http://schemas.openxmlformats.org/markup-compatibility/2006">
+        <mc:Choice xmlns:a14="http://schemas.microsoft.com/office/drawing/2010/main" Requires="a14">
+          <p:sp>
+            <p:nvSpPr>
+              <p:cNvPr id="3" name="Content Placeholder 2"/>
+              <p:cNvSpPr>
+                <a:spLocks noGrp="1"/>
+              </p:cNvSpPr>
+              <p:nvPr>
+                <p:ph idx="1"/>
+              </p:nvPr>
+            </p:nvSpPr>
+            <p:spPr/>
+            <p:txBody>
+              <a:bodyPr/>
+              <a:lstStyle/>
+              <a:p>
+                <a:r>
+                  <a:rPr lang="en-US" dirty="0" smtClean="0"/>
+                  <a:t>Develop a ray tracing simulation to estimate the impulse response</a:t>
+                </a:r>
+              </a:p>
+              <a:p>
+                <a:r>
+                  <a:rPr lang="en-US" dirty="0" smtClean="0"/>
+                  <a:t>Simplifications:</a:t>
+                </a:r>
+              </a:p>
+              <a:p>
+                <a:pPr lvl="1"/>
+                <a:r>
+                  <a:rPr lang="en-US" dirty="0" smtClean="0"/>
+                  <a:t>Consider single floor building with no reflection from ceiling or floor</a:t>
+                </a:r>
+              </a:p>
+              <a:p>
+                <a:pPr lvl="1"/>
+                <a:r>
+                  <a:rPr lang="en-US" dirty="0" smtClean="0"/>
+                  <a:t>Walls both reflect some energy and transmit some energy</a:t>
+                </a:r>
+              </a:p>
+              <a:p>
+                <a:pPr lvl="1"/>
+                <a:r>
+                  <a:rPr lang="en-US" dirty="0" smtClean="0"/>
+                  <a:t>A moving target also reflects and transmits some energy</a:t>
+                </a:r>
+              </a:p>
+              <a:p>
+                <a:r>
+                  <a:rPr lang="en-US" dirty="0" smtClean="0"/>
+                  <a:t>Techniques based on “A graphical indoor radio channel simulator using 2D ray tracing” by Holt and </a:t>
+                </a:r>
+                <a:r>
+                  <a:rPr lang="en-US" dirty="0" err="1" smtClean="0"/>
+                  <a:t>Pahlavan</a:t>
+                </a:r>
+                <a:endParaRPr lang="en-US" dirty="0" smtClean="0"/>
+              </a:p>
+              <a:p>
+                <a:r>
+                  <a:rPr lang="en-US" dirty="0" smtClean="0"/>
+                  <a:t>Intuition: As distance to target changes, the subset of taps </a:t>
+                </a:r>
+                <a14:m>
+                  <m:oMath xmlns:m="http://schemas.openxmlformats.org/officeDocument/2006/math">
+                    <m:sSub>
+                      <m:sSubPr>
+                        <m:ctrlPr>
+                          <a:rPr lang="en-US" b="0" i="1" smtClean="0">
+                            <a:latin typeface="Cambria Math" panose="02040503050406030204" pitchFamily="18" charset="0"/>
+                          </a:rPr>
+                        </m:ctrlPr>
+                      </m:sSubPr>
+                      <m:e>
+                        <m:r>
+                          <a:rPr lang="en-US" b="0" i="1" smtClean="0">
+                            <a:latin typeface="Cambria Math" panose="02040503050406030204" pitchFamily="18" charset="0"/>
+                          </a:rPr>
+                          <m:t>h</m:t>
+                        </m:r>
+                      </m:e>
+                      <m:sub>
+                        <m:r>
+                          <a:rPr lang="en-US" b="0" i="1" smtClean="0">
+                            <a:latin typeface="Cambria Math" panose="02040503050406030204" pitchFamily="18" charset="0"/>
+                          </a:rPr>
+                          <m:t>𝑙</m:t>
+                        </m:r>
+                      </m:sub>
+                    </m:sSub>
+                    <m:d>
+                      <m:dPr>
+                        <m:begChr m:val="["/>
+                        <m:endChr m:val="]"/>
+                        <m:ctrlPr>
+                          <a:rPr lang="en-US" b="0" i="1" smtClean="0">
+                            <a:latin typeface="Cambria Math" panose="02040503050406030204" pitchFamily="18" charset="0"/>
+                          </a:rPr>
+                        </m:ctrlPr>
+                      </m:dPr>
+                      <m:e>
+                        <m:r>
+                          <a:rPr lang="en-US" b="0" i="1" smtClean="0">
+                            <a:latin typeface="Cambria Math" panose="02040503050406030204" pitchFamily="18" charset="0"/>
+                          </a:rPr>
+                          <m:t>𝑚</m:t>
+                        </m:r>
+                      </m:e>
+                    </m:d>
+                  </m:oMath>
+                </a14:m>
+                <a:r>
+                  <a:rPr lang="en-US" dirty="0" smtClean="0"/>
+                  <a:t> from reflections of target will shift</a:t>
+                </a:r>
+              </a:p>
+            </p:txBody>
+          </p:sp>
+        </mc:Choice>
+        <mc:Fallback>
+          <p:sp>
+            <p:nvSpPr>
+              <p:cNvPr id="3" name="Content Placeholder 2"/>
+              <p:cNvSpPr>
+                <a:spLocks noGrp="1" noRot="1" noChangeAspect="1" noMove="1" noResize="1" noEditPoints="1" noAdjustHandles="1" noChangeArrowheads="1" noChangeShapeType="1" noTextEdit="1"/>
+              </p:cNvSpPr>
+              <p:nvPr>
+                <p:ph idx="1"/>
+              </p:nvPr>
+            </p:nvSpPr>
+            <p:spPr>
+              <a:blipFill rotWithShape="0">
+                <a:blip r:embed="rId3"/>
+                <a:stretch>
+                  <a:fillRect l="-1043" t="-2241" r="-1855"/>
+                </a:stretch>
+              </a:blipFill>
+            </p:spPr>
+            <p:txBody>
+              <a:bodyPr/>
+              <a:lstStyle/>
+              <a:p>
+                <a:r>
+                  <a:rPr lang="en-US">
+                    <a:noFill/>
+                  </a:rPr>
+                  <a:t> </a:t>
+                </a:r>
+              </a:p>
+            </p:txBody>
+          </p:sp>
+        </mc:Fallback>
+      </mc:AlternateContent>
     </p:spTree>
     <p:extLst>
       <p:ext uri="{BB962C8B-B14F-4D97-AF65-F5344CB8AC3E}">
-        <p14:creationId xmlns:p14="http://schemas.microsoft.com/office/powerpoint/2010/main" val="199467413"/>
+        <p14:creationId xmlns:p14="http://schemas.microsoft.com/office/powerpoint/2010/main" val="3164094560"/>
       </p:ext>
     </p:extLst>
   </p:cSld>
@@ -3420,7 +4716,159 @@
           <a:p>
             <a:r>
               <a:rPr lang="en-US" dirty="0" smtClean="0"/>
-              <a:t>Conclusion (1 minute)</a:t>
+              <a:t>Simulating the Indoor Channel</a:t>
+            </a:r>
+            <a:endParaRPr lang="en-US" dirty="0"/>
+          </a:p>
+        </p:txBody>
+      </p:sp>
+      <p:sp>
+        <p:nvSpPr>
+          <p:cNvPr id="3" name="Content Placeholder 2"/>
+          <p:cNvSpPr>
+            <a:spLocks noGrp="1"/>
+          </p:cNvSpPr>
+          <p:nvPr>
+            <p:ph idx="1"/>
+          </p:nvPr>
+        </p:nvSpPr>
+        <p:spPr/>
+        <p:txBody>
+          <a:bodyPr/>
+          <a:lstStyle/>
+          <a:p>
+            <a:r>
+              <a:rPr lang="en-US" dirty="0" smtClean="0"/>
+              <a:t>TODO pictures</a:t>
+            </a:r>
+            <a:endParaRPr lang="en-US" dirty="0"/>
+          </a:p>
+        </p:txBody>
+      </p:sp>
+    </p:spTree>
+    <p:extLst>
+      <p:ext uri="{BB962C8B-B14F-4D97-AF65-F5344CB8AC3E}">
+        <p14:creationId xmlns:p14="http://schemas.microsoft.com/office/powerpoint/2010/main" val="1602356833"/>
+      </p:ext>
+    </p:extLst>
+  </p:cSld>
+  <p:clrMapOvr>
+    <a:masterClrMapping/>
+  </p:clrMapOvr>
+</p:sld>
+</file>
+
+<file path=ppt/slides/slide7.xml><?xml version="1.0" encoding="utf-8"?>
+<p:sld xmlns:a="http://schemas.openxmlformats.org/drawingml/2006/main" xmlns:r="http://schemas.openxmlformats.org/officeDocument/2006/relationships" xmlns:p="http://schemas.openxmlformats.org/presentationml/2006/main">
+  <p:cSld>
+    <p:spTree>
+      <p:nvGrpSpPr>
+        <p:cNvPr id="1" name=""/>
+        <p:cNvGrpSpPr/>
+        <p:nvPr/>
+      </p:nvGrpSpPr>
+      <p:grpSpPr>
+        <a:xfrm>
+          <a:off x="0" y="0"/>
+          <a:ext cx="0" cy="0"/>
+          <a:chOff x="0" y="0"/>
+          <a:chExt cx="0" cy="0"/>
+        </a:xfrm>
+      </p:grpSpPr>
+      <p:sp>
+        <p:nvSpPr>
+          <p:cNvPr id="2" name="Title 1"/>
+          <p:cNvSpPr>
+            <a:spLocks noGrp="1"/>
+          </p:cNvSpPr>
+          <p:nvPr>
+            <p:ph type="title"/>
+          </p:nvPr>
+        </p:nvSpPr>
+        <p:spPr/>
+        <p:txBody>
+          <a:bodyPr/>
+          <a:lstStyle/>
+          <a:p>
+            <a:r>
+              <a:rPr lang="en-US" dirty="0" smtClean="0"/>
+              <a:t>Radar Stuff</a:t>
+            </a:r>
+            <a:endParaRPr lang="en-US" dirty="0"/>
+          </a:p>
+        </p:txBody>
+      </p:sp>
+      <p:sp>
+        <p:nvSpPr>
+          <p:cNvPr id="3" name="Content Placeholder 2"/>
+          <p:cNvSpPr>
+            <a:spLocks noGrp="1"/>
+          </p:cNvSpPr>
+          <p:nvPr>
+            <p:ph idx="1"/>
+          </p:nvPr>
+        </p:nvSpPr>
+        <p:spPr/>
+        <p:txBody>
+          <a:bodyPr/>
+          <a:lstStyle/>
+          <a:p>
+            <a:r>
+              <a:rPr lang="en-US" dirty="0" smtClean="0"/>
+              <a:t>TODO</a:t>
+            </a:r>
+            <a:endParaRPr lang="en-US" dirty="0"/>
+          </a:p>
+        </p:txBody>
+      </p:sp>
+    </p:spTree>
+    <p:extLst>
+      <p:ext uri="{BB962C8B-B14F-4D97-AF65-F5344CB8AC3E}">
+        <p14:creationId xmlns:p14="http://schemas.microsoft.com/office/powerpoint/2010/main" val="284725016"/>
+      </p:ext>
+    </p:extLst>
+  </p:cSld>
+  <p:clrMapOvr>
+    <a:masterClrMapping/>
+  </p:clrMapOvr>
+</p:sld>
+</file>
+
+<file path=ppt/slides/slide8.xml><?xml version="1.0" encoding="utf-8"?>
+<p:sld xmlns:a="http://schemas.openxmlformats.org/drawingml/2006/main" xmlns:r="http://schemas.openxmlformats.org/officeDocument/2006/relationships" xmlns:p="http://schemas.openxmlformats.org/presentationml/2006/main">
+  <p:cSld>
+    <p:spTree>
+      <p:nvGrpSpPr>
+        <p:cNvPr id="1" name=""/>
+        <p:cNvGrpSpPr/>
+        <p:nvPr/>
+      </p:nvGrpSpPr>
+      <p:grpSpPr>
+        <a:xfrm>
+          <a:off x="0" y="0"/>
+          <a:ext cx="0" cy="0"/>
+          <a:chOff x="0" y="0"/>
+          <a:chExt cx="0" cy="0"/>
+        </a:xfrm>
+      </p:grpSpPr>
+      <p:sp>
+        <p:nvSpPr>
+          <p:cNvPr id="2" name="Title 1"/>
+          <p:cNvSpPr>
+            <a:spLocks noGrp="1"/>
+          </p:cNvSpPr>
+          <p:nvPr>
+            <p:ph type="title"/>
+          </p:nvPr>
+        </p:nvSpPr>
+        <p:spPr/>
+        <p:txBody>
+          <a:bodyPr/>
+          <a:lstStyle/>
+          <a:p>
+            <a:r>
+              <a:rPr lang="en-US" dirty="0" smtClean="0"/>
+              <a:t>Conclusion</a:t>
             </a:r>
             <a:endParaRPr lang="en-US" dirty="0"/>
           </a:p>
@@ -3717,4 +5165,265 @@
     </a:ext>
   </a:extLst>
 </a:theme>
+</file>
+
+<file path=ppt/theme/theme2.xml><?xml version="1.0" encoding="utf-8"?>
+<a:theme xmlns:a="http://schemas.openxmlformats.org/drawingml/2006/main" name="Office Theme">
+  <a:themeElements>
+    <a:clrScheme name="Office">
+      <a:dk1>
+        <a:sysClr val="windowText" lastClr="000000"/>
+      </a:dk1>
+      <a:lt1>
+        <a:sysClr val="window" lastClr="FFFFFF"/>
+      </a:lt1>
+      <a:dk2>
+        <a:srgbClr val="44546A"/>
+      </a:dk2>
+      <a:lt2>
+        <a:srgbClr val="E7E6E6"/>
+      </a:lt2>
+      <a:accent1>
+        <a:srgbClr val="5B9BD5"/>
+      </a:accent1>
+      <a:accent2>
+        <a:srgbClr val="ED7D31"/>
+      </a:accent2>
+      <a:accent3>
+        <a:srgbClr val="A5A5A5"/>
+      </a:accent3>
+      <a:accent4>
+        <a:srgbClr val="FFC000"/>
+      </a:accent4>
+      <a:accent5>
+        <a:srgbClr val="4472C4"/>
+      </a:accent5>
+      <a:accent6>
+        <a:srgbClr val="70AD47"/>
+      </a:accent6>
+      <a:hlink>
+        <a:srgbClr val="0563C1"/>
+      </a:hlink>
+      <a:folHlink>
+        <a:srgbClr val="954F72"/>
+      </a:folHlink>
+    </a:clrScheme>
+    <a:fontScheme name="Office">
+      <a:majorFont>
+        <a:latin typeface="Calibri Light" panose="020F0302020204030204"/>
+        <a:ea typeface=""/>
+        <a:cs typeface=""/>
+        <a:font script="Jpan" typeface="ＭＳ Ｐゴシック"/>
+        <a:font script="Hang" typeface="맑은 고딕"/>
+        <a:font script="Hans" typeface="宋体"/>
+        <a:font script="Hant" typeface="新細明體"/>
+        <a:font script="Arab" typeface="Times New Roman"/>
+        <a:font script="Hebr" typeface="Times New Roman"/>
+        <a:font script="Thai" typeface="Angsana New"/>
+        <a:font script="Ethi" typeface="Nyala"/>
+        <a:font script="Beng" typeface="Vrinda"/>
+        <a:font script="Gujr" typeface="Shruti"/>
+        <a:font script="Khmr" typeface="MoolBoran"/>
+        <a:font script="Knda" typeface="Tunga"/>
+        <a:font script="Guru" typeface="Raavi"/>
+        <a:font script="Cans" typeface="Euphemia"/>
+        <a:font script="Cher" typeface="Plantagenet Cherokee"/>
+        <a:font script="Yiii" typeface="Microsoft Yi Baiti"/>
+        <a:font script="Tibt" typeface="Microsoft Himalaya"/>
+        <a:font script="Thaa" typeface="MV Boli"/>
+        <a:font script="Deva" typeface="Mangal"/>
+        <a:font script="Telu" typeface="Gautami"/>
+        <a:font script="Taml" typeface="Latha"/>
+        <a:font script="Syrc" typeface="Estrangelo Edessa"/>
+        <a:font script="Orya" typeface="Kalinga"/>
+        <a:font script="Mlym" typeface="Kartika"/>
+        <a:font script="Laoo" typeface="DokChampa"/>
+        <a:font script="Sinh" typeface="Iskoola Pota"/>
+        <a:font script="Mong" typeface="Mongolian Baiti"/>
+        <a:font script="Viet" typeface="Times New Roman"/>
+        <a:font script="Uigh" typeface="Microsoft Uighur"/>
+        <a:font script="Geor" typeface="Sylfaen"/>
+      </a:majorFont>
+      <a:minorFont>
+        <a:latin typeface="Calibri" panose="020F0502020204030204"/>
+        <a:ea typeface=""/>
+        <a:cs typeface=""/>
+        <a:font script="Jpan" typeface="ＭＳ Ｐゴシック"/>
+        <a:font script="Hang" typeface="맑은 고딕"/>
+        <a:font script="Hans" typeface="宋体"/>
+        <a:font script="Hant" typeface="新細明體"/>
+        <a:font script="Arab" typeface="Arial"/>
+        <a:font script="Hebr" typeface="Arial"/>
+        <a:font script="Thai" typeface="Cordia New"/>
+        <a:font script="Ethi" typeface="Nyala"/>
+        <a:font script="Beng" typeface="Vrinda"/>
+        <a:font script="Gujr" typeface="Shruti"/>
+        <a:font script="Khmr" typeface="DaunPenh"/>
+        <a:font script="Knda" typeface="Tunga"/>
+        <a:font script="Guru" typeface="Raavi"/>
+        <a:font script="Cans" typeface="Euphemia"/>
+        <a:font script="Cher" typeface="Plantagenet Cherokee"/>
+        <a:font script="Yiii" typeface="Microsoft Yi Baiti"/>
+        <a:font script="Tibt" typeface="Microsoft Himalaya"/>
+        <a:font script="Thaa" typeface="MV Boli"/>
+        <a:font script="Deva" typeface="Mangal"/>
+        <a:font script="Telu" typeface="Gautami"/>
+        <a:font script="Taml" typeface="Latha"/>
+        <a:font script="Syrc" typeface="Estrangelo Edessa"/>
+        <a:font script="Orya" typeface="Kalinga"/>
+        <a:font script="Mlym" typeface="Kartika"/>
+        <a:font script="Laoo" typeface="DokChampa"/>
+        <a:font script="Sinh" typeface="Iskoola Pota"/>
+        <a:font script="Mong" typeface="Mongolian Baiti"/>
+        <a:font script="Viet" typeface="Arial"/>
+        <a:font script="Uigh" typeface="Microsoft Uighur"/>
+        <a:font script="Geor" typeface="Sylfaen"/>
+      </a:minorFont>
+    </a:fontScheme>
+    <a:fmtScheme name="Office">
+      <a:fillStyleLst>
+        <a:solidFill>
+          <a:schemeClr val="phClr"/>
+        </a:solidFill>
+        <a:gradFill rotWithShape="1">
+          <a:gsLst>
+            <a:gs pos="0">
+              <a:schemeClr val="phClr">
+                <a:lumMod val="110000"/>
+                <a:satMod val="105000"/>
+                <a:tint val="67000"/>
+              </a:schemeClr>
+            </a:gs>
+            <a:gs pos="50000">
+              <a:schemeClr val="phClr">
+                <a:lumMod val="105000"/>
+                <a:satMod val="103000"/>
+                <a:tint val="73000"/>
+              </a:schemeClr>
+            </a:gs>
+            <a:gs pos="100000">
+              <a:schemeClr val="phClr">
+                <a:lumMod val="105000"/>
+                <a:satMod val="109000"/>
+                <a:tint val="81000"/>
+              </a:schemeClr>
+            </a:gs>
+          </a:gsLst>
+          <a:lin ang="5400000" scaled="0"/>
+        </a:gradFill>
+        <a:gradFill rotWithShape="1">
+          <a:gsLst>
+            <a:gs pos="0">
+              <a:schemeClr val="phClr">
+                <a:satMod val="103000"/>
+                <a:lumMod val="102000"/>
+                <a:tint val="94000"/>
+              </a:schemeClr>
+            </a:gs>
+            <a:gs pos="50000">
+              <a:schemeClr val="phClr">
+                <a:satMod val="110000"/>
+                <a:lumMod val="100000"/>
+                <a:shade val="100000"/>
+              </a:schemeClr>
+            </a:gs>
+            <a:gs pos="100000">
+              <a:schemeClr val="phClr">
+                <a:lumMod val="99000"/>
+                <a:satMod val="120000"/>
+                <a:shade val="78000"/>
+              </a:schemeClr>
+            </a:gs>
+          </a:gsLst>
+          <a:lin ang="5400000" scaled="0"/>
+        </a:gradFill>
+      </a:fillStyleLst>
+      <a:lnStyleLst>
+        <a:ln w="6350" cap="flat" cmpd="sng" algn="ctr">
+          <a:solidFill>
+            <a:schemeClr val="phClr"/>
+          </a:solidFill>
+          <a:prstDash val="solid"/>
+          <a:miter lim="800000"/>
+        </a:ln>
+        <a:ln w="12700" cap="flat" cmpd="sng" algn="ctr">
+          <a:solidFill>
+            <a:schemeClr val="phClr"/>
+          </a:solidFill>
+          <a:prstDash val="solid"/>
+          <a:miter lim="800000"/>
+        </a:ln>
+        <a:ln w="19050" cap="flat" cmpd="sng" algn="ctr">
+          <a:solidFill>
+            <a:schemeClr val="phClr"/>
+          </a:solidFill>
+          <a:prstDash val="solid"/>
+          <a:miter lim="800000"/>
+        </a:ln>
+      </a:lnStyleLst>
+      <a:effectStyleLst>
+        <a:effectStyle>
+          <a:effectLst/>
+        </a:effectStyle>
+        <a:effectStyle>
+          <a:effectLst/>
+        </a:effectStyle>
+        <a:effectStyle>
+          <a:effectLst>
+            <a:outerShdw blurRad="57150" dist="19050" dir="5400000" algn="ctr" rotWithShape="0">
+              <a:srgbClr val="000000">
+                <a:alpha val="63000"/>
+              </a:srgbClr>
+            </a:outerShdw>
+          </a:effectLst>
+        </a:effectStyle>
+      </a:effectStyleLst>
+      <a:bgFillStyleLst>
+        <a:solidFill>
+          <a:schemeClr val="phClr"/>
+        </a:solidFill>
+        <a:solidFill>
+          <a:schemeClr val="phClr">
+            <a:tint val="95000"/>
+            <a:satMod val="170000"/>
+          </a:schemeClr>
+        </a:solidFill>
+        <a:gradFill rotWithShape="1">
+          <a:gsLst>
+            <a:gs pos="0">
+              <a:schemeClr val="phClr">
+                <a:tint val="93000"/>
+                <a:satMod val="150000"/>
+                <a:shade val="98000"/>
+                <a:lumMod val="102000"/>
+              </a:schemeClr>
+            </a:gs>
+            <a:gs pos="50000">
+              <a:schemeClr val="phClr">
+                <a:tint val="98000"/>
+                <a:satMod val="130000"/>
+                <a:shade val="90000"/>
+                <a:lumMod val="103000"/>
+              </a:schemeClr>
+            </a:gs>
+            <a:gs pos="100000">
+              <a:schemeClr val="phClr">
+                <a:shade val="63000"/>
+                <a:satMod val="120000"/>
+              </a:schemeClr>
+            </a:gs>
+          </a:gsLst>
+          <a:lin ang="5400000" scaled="0"/>
+        </a:gradFill>
+      </a:bgFillStyleLst>
+    </a:fmtScheme>
+  </a:themeElements>
+  <a:objectDefaults/>
+  <a:extraClrSchemeLst/>
+  <a:extLst>
+    <a:ext uri="{05A4C25C-085E-4340-85A3-A5531E510DB2}">
+      <thm15:themeFamily xmlns:thm15="http://schemas.microsoft.com/office/thememl/2012/main" name="Office Theme" id="{62F939B6-93AF-4DB8-9C6B-D6C7DFDC589F}" vid="{4A3C46E8-61CC-4603-A589-7422A47A8E4A}"/>
+    </a:ext>
+  </a:extLst>
+</a:theme>
 </file>
--- a/presentation.pptx
+++ b/presentation.pptx
@@ -122,7 +122,7 @@
   <p:cmAuthor id="1" name="Carozza, Ernie" initials="CE" lastIdx="1" clrIdx="0">
     <p:extLst>
       <p:ext uri="{19B8F6BF-5375-455C-9EA6-DF929625EA0E}">
-        <p15:presenceInfo xmlns:p15="http://schemas.microsoft.com/office/powerpoint/2012/main" userId="S-1-5-21-1940666338-227100268-1349548132-144825" providerId="AD"/>
+        <p15:presenceInfo xmlns:p15="http://schemas.microsoft.com/office/powerpoint/2012/main" xmlns="" userId="S-1-5-21-1940666338-227100268-1349548132-144825" providerId="AD"/>
       </p:ext>
     </p:extLst>
   </p:cmAuthor>
@@ -211,7 +211,7 @@
           <a:p>
             <a:fld id="{816019C4-4BFF-45A4-A1B7-52A07E54D6DD}" type="datetimeFigureOut">
               <a:rPr lang="en-US" smtClean="0"/>
-              <a:t>12/8/2014</a:t>
+              <a:t>12/9/2014</a:t>
             </a:fld>
             <a:endParaRPr lang="en-US"/>
           </a:p>
@@ -1223,7 +1223,7 @@
           <a:p>
             <a:fld id="{038A3AD7-A3E6-41BD-A1B0-3E6D6C5895D5}" type="datetimeFigureOut">
               <a:rPr lang="en-US" smtClean="0"/>
-              <a:t>12/8/2014</a:t>
+              <a:t>12/9/2014</a:t>
             </a:fld>
             <a:endParaRPr lang="en-US"/>
           </a:p>
@@ -1393,7 +1393,7 @@
           <a:p>
             <a:fld id="{038A3AD7-A3E6-41BD-A1B0-3E6D6C5895D5}" type="datetimeFigureOut">
               <a:rPr lang="en-US" smtClean="0"/>
-              <a:t>12/8/2014</a:t>
+              <a:t>12/9/2014</a:t>
             </a:fld>
             <a:endParaRPr lang="en-US"/>
           </a:p>
@@ -1573,7 +1573,7 @@
           <a:p>
             <a:fld id="{038A3AD7-A3E6-41BD-A1B0-3E6D6C5895D5}" type="datetimeFigureOut">
               <a:rPr lang="en-US" smtClean="0"/>
-              <a:t>12/8/2014</a:t>
+              <a:t>12/9/2014</a:t>
             </a:fld>
             <a:endParaRPr lang="en-US"/>
           </a:p>
@@ -1743,7 +1743,7 @@
           <a:p>
             <a:fld id="{038A3AD7-A3E6-41BD-A1B0-3E6D6C5895D5}" type="datetimeFigureOut">
               <a:rPr lang="en-US" smtClean="0"/>
-              <a:t>12/8/2014</a:t>
+              <a:t>12/9/2014</a:t>
             </a:fld>
             <a:endParaRPr lang="en-US"/>
           </a:p>
@@ -1989,7 +1989,7 @@
           <a:p>
             <a:fld id="{038A3AD7-A3E6-41BD-A1B0-3E6D6C5895D5}" type="datetimeFigureOut">
               <a:rPr lang="en-US" smtClean="0"/>
-              <a:t>12/8/2014</a:t>
+              <a:t>12/9/2014</a:t>
             </a:fld>
             <a:endParaRPr lang="en-US"/>
           </a:p>
@@ -2221,7 +2221,7 @@
           <a:p>
             <a:fld id="{038A3AD7-A3E6-41BD-A1B0-3E6D6C5895D5}" type="datetimeFigureOut">
               <a:rPr lang="en-US" smtClean="0"/>
-              <a:t>12/8/2014</a:t>
+              <a:t>12/9/2014</a:t>
             </a:fld>
             <a:endParaRPr lang="en-US"/>
           </a:p>
@@ -2588,7 +2588,7 @@
           <a:p>
             <a:fld id="{038A3AD7-A3E6-41BD-A1B0-3E6D6C5895D5}" type="datetimeFigureOut">
               <a:rPr lang="en-US" smtClean="0"/>
-              <a:t>12/8/2014</a:t>
+              <a:t>12/9/2014</a:t>
             </a:fld>
             <a:endParaRPr lang="en-US"/>
           </a:p>
@@ -2706,7 +2706,7 @@
           <a:p>
             <a:fld id="{038A3AD7-A3E6-41BD-A1B0-3E6D6C5895D5}" type="datetimeFigureOut">
               <a:rPr lang="en-US" smtClean="0"/>
-              <a:t>12/8/2014</a:t>
+              <a:t>12/9/2014</a:t>
             </a:fld>
             <a:endParaRPr lang="en-US"/>
           </a:p>
@@ -2801,7 +2801,7 @@
           <a:p>
             <a:fld id="{038A3AD7-A3E6-41BD-A1B0-3E6D6C5895D5}" type="datetimeFigureOut">
               <a:rPr lang="en-US" smtClean="0"/>
-              <a:t>12/8/2014</a:t>
+              <a:t>12/9/2014</a:t>
             </a:fld>
             <a:endParaRPr lang="en-US"/>
           </a:p>
@@ -3078,7 +3078,7 @@
           <a:p>
             <a:fld id="{038A3AD7-A3E6-41BD-A1B0-3E6D6C5895D5}" type="datetimeFigureOut">
               <a:rPr lang="en-US" smtClean="0"/>
-              <a:t>12/8/2014</a:t>
+              <a:t>12/9/2014</a:t>
             </a:fld>
             <a:endParaRPr lang="en-US"/>
           </a:p>
@@ -3331,7 +3331,7 @@
           <a:p>
             <a:fld id="{038A3AD7-A3E6-41BD-A1B0-3E6D6C5895D5}" type="datetimeFigureOut">
               <a:rPr lang="en-US" smtClean="0"/>
-              <a:t>12/8/2014</a:t>
+              <a:t>12/9/2014</a:t>
             </a:fld>
             <a:endParaRPr lang="en-US"/>
           </a:p>
@@ -3544,7 +3544,7 @@
           <a:p>
             <a:fld id="{038A3AD7-A3E6-41BD-A1B0-3E6D6C5895D5}" type="datetimeFigureOut">
               <a:rPr lang="en-US" smtClean="0"/>
-              <a:t>12/8/2014</a:t>
+              <a:t>12/9/2014</a:t>
             </a:fld>
             <a:endParaRPr lang="en-US"/>
           </a:p>
@@ -4324,7 +4324,9 @@
             </p:nvSpPr>
             <p:spPr/>
             <p:txBody>
-              <a:bodyPr/>
+              <a:bodyPr>
+                <a:normAutofit lnSpcReduction="10000"/>
+              </a:bodyPr>
               <a:lstStyle/>
               <a:p>
                 <a:r>
@@ -4351,7 +4353,7 @@
                       <m:sSubPr>
                         <m:ctrlPr>
                           <a:rPr lang="en-US" b="0" i="1" smtClean="0">
-                            <a:latin typeface="Cambria Math" panose="02040503050406030204" pitchFamily="18" charset="0"/>
+                            <a:latin typeface="Cambria Math"/>
                           </a:rPr>
                         </m:ctrlPr>
                       </m:sSubPr>
@@ -4378,7 +4380,7 @@
                         <m:endChr m:val="]"/>
                         <m:ctrlPr>
                           <a:rPr lang="en-US" b="0" i="1" smtClean="0">
-                            <a:latin typeface="Cambria Math" panose="02040503050406030204" pitchFamily="18" charset="0"/>
+                            <a:latin typeface="Cambria Math"/>
                           </a:rPr>
                         </m:ctrlPr>
                       </m:dPr>
@@ -4414,6 +4416,22 @@
                   <a:rPr lang="en-US" dirty="0" smtClean="0"/>
                   <a:t>Simulate OFDM transmissions over the channel </a:t>
                 </a:r>
+                <a:endParaRPr lang="en-US" dirty="0" smtClean="0"/>
+              </a:p>
+              <a:p>
+                <a:pPr lvl="1"/>
+                <a:r>
+                  <a:rPr lang="en-US" dirty="0" smtClean="0"/>
+                  <a:t>All 802.11g data rates</a:t>
+                </a:r>
+              </a:p>
+              <a:p>
+                <a:pPr lvl="1"/>
+                <a:r>
+                  <a:rPr lang="en-US" dirty="0" smtClean="0"/>
+                  <a:t>Assume OFDM symbols constantly transmitted</a:t>
+                </a:r>
+                <a:endParaRPr lang="en-US" dirty="0" smtClean="0"/>
               </a:p>
               <a:p>
                 <a:endParaRPr lang="en-US" dirty="0"/>
@@ -4439,10 +4457,10 @@
               </p:nvPr>
             </p:nvSpPr>
             <p:spPr>
-              <a:blipFill rotWithShape="0">
+              <a:blipFill rotWithShape="1">
                 <a:blip r:embed="rId3"/>
                 <a:stretch>
-                  <a:fillRect l="-1043" t="-2241"/>
+                  <a:fillRect l="-1043" t="-3081" b="-2241"/>
                 </a:stretch>
               </a:blipFill>
             </p:spPr>
@@ -4514,8 +4532,8 @@
           </a:p>
         </p:txBody>
       </p:sp>
-      <mc:AlternateContent xmlns:mc="http://schemas.openxmlformats.org/markup-compatibility/2006">
-        <mc:Choice xmlns:a14="http://schemas.microsoft.com/office/drawing/2010/main" Requires="a14">
+      <mc:AlternateContent xmlns:mc="http://schemas.openxmlformats.org/markup-compatibility/2006" xmlns:a14="http://schemas.microsoft.com/office/drawing/2010/main">
+        <mc:Choice Requires="a14">
           <p:sp>
             <p:nvSpPr>
               <p:cNvPr id="3" name="Content Placeholder 2"/>
@@ -4585,7 +4603,7 @@
                       <m:sSubPr>
                         <m:ctrlPr>
                           <a:rPr lang="en-US" b="0" i="1" smtClean="0">
-                            <a:latin typeface="Cambria Math" panose="02040503050406030204" pitchFamily="18" charset="0"/>
+                            <a:latin typeface="Cambria Math"/>
                           </a:rPr>
                         </m:ctrlPr>
                       </m:sSubPr>
@@ -4612,7 +4630,7 @@
                         <m:endChr m:val="]"/>
                         <m:ctrlPr>
                           <a:rPr lang="en-US" b="0" i="1" smtClean="0">
-                            <a:latin typeface="Cambria Math" panose="02040503050406030204" pitchFamily="18" charset="0"/>
+                            <a:latin typeface="Cambria Math"/>
                           </a:rPr>
                         </m:ctrlPr>
                       </m:dPr>
@@ -4635,7 +4653,7 @@
             </p:txBody>
           </p:sp>
         </mc:Choice>
-        <mc:Fallback>
+        <mc:Fallback xmlns="">
           <p:sp>
             <p:nvSpPr>
               <p:cNvPr id="3" name="Content Placeholder 2"/>
@@ -4792,7 +4810,7 @@
           <a:p>
             <a:r>
               <a:rPr lang="en-US" dirty="0" smtClean="0"/>
-              <a:t>Radar Stuff</a:t>
+              <a:t>Forming Range-Doppler Maps</a:t>
             </a:r>
             <a:endParaRPr lang="en-US" dirty="0"/>
           </a:p>
@@ -4814,8 +4832,8 @@
           <a:lstStyle/>
           <a:p>
             <a:r>
-              <a:rPr lang="en-US" dirty="0" smtClean="0"/>
-              <a:t>TODO</a:t>
+              <a:rPr lang="en-US" smtClean="0"/>
+              <a:t>RDMs are ………..</a:t>
             </a:r>
             <a:endParaRPr lang="en-US" dirty="0"/>
           </a:p>
@@ -4949,7 +4967,7 @@
     </a:clrScheme>
     <a:fontScheme name="Office">
       <a:majorFont>
-        <a:latin typeface="Calibri Light" panose="020F0302020204030204"/>
+        <a:latin typeface="Calibri Light"/>
         <a:ea typeface=""/>
         <a:cs typeface=""/>
         <a:font script="Jpan" typeface="ＭＳ Ｐゴシック"/>
@@ -4984,7 +5002,7 @@
         <a:font script="Geor" typeface="Sylfaen"/>
       </a:majorFont>
       <a:minorFont>
-        <a:latin typeface="Calibri" panose="020F0502020204030204"/>
+        <a:latin typeface="Calibri"/>
         <a:ea typeface=""/>
         <a:cs typeface=""/>
         <a:font script="Jpan" typeface="ＭＳ Ｐゴシック"/>
@@ -5161,7 +5179,7 @@
   <a:extraClrSchemeLst/>
   <a:extLst>
     <a:ext uri="{05A4C25C-085E-4340-85A3-A5531E510DB2}">
-      <thm15:themeFamily xmlns:thm15="http://schemas.microsoft.com/office/thememl/2012/main" name="Office Theme" id="{62F939B6-93AF-4DB8-9C6B-D6C7DFDC589F}" vid="{4A3C46E8-61CC-4603-A589-7422A47A8E4A}"/>
+      <thm15:themeFamily xmlns:thm15="http://schemas.microsoft.com/office/thememl/2012/main" xmlns="" name="Office Theme" id="{62F939B6-93AF-4DB8-9C6B-D6C7DFDC589F}" vid="{4A3C46E8-61CC-4603-A589-7422A47A8E4A}"/>
     </a:ext>
   </a:extLst>
 </a:theme>
@@ -5210,7 +5228,7 @@
     </a:clrScheme>
     <a:fontScheme name="Office">
       <a:majorFont>
-        <a:latin typeface="Calibri Light" panose="020F0302020204030204"/>
+        <a:latin typeface="Calibri Light"/>
         <a:ea typeface=""/>
         <a:cs typeface=""/>
         <a:font script="Jpan" typeface="ＭＳ Ｐゴシック"/>
@@ -5245,7 +5263,7 @@
         <a:font script="Geor" typeface="Sylfaen"/>
       </a:majorFont>
       <a:minorFont>
-        <a:latin typeface="Calibri" panose="020F0502020204030204"/>
+        <a:latin typeface="Calibri"/>
         <a:ea typeface=""/>
         <a:cs typeface=""/>
         <a:font script="Jpan" typeface="ＭＳ Ｐゴシック"/>
@@ -5422,7 +5440,7 @@
   <a:extraClrSchemeLst/>
   <a:extLst>
     <a:ext uri="{05A4C25C-085E-4340-85A3-A5531E510DB2}">
-      <thm15:themeFamily xmlns:thm15="http://schemas.microsoft.com/office/thememl/2012/main" name="Office Theme" id="{62F939B6-93AF-4DB8-9C6B-D6C7DFDC589F}" vid="{4A3C46E8-61CC-4603-A589-7422A47A8E4A}"/>
+      <thm15:themeFamily xmlns:thm15="http://schemas.microsoft.com/office/thememl/2012/main" xmlns="" name="Office Theme" id="{62F939B6-93AF-4DB8-9C6B-D6C7DFDC589F}" vid="{4A3C46E8-61CC-4603-A589-7422A47A8E4A}"/>
     </a:ext>
   </a:extLst>
 </a:theme>

--- a/presentation.pptx
+++ b/presentation.pptx
@@ -114,6 +114,22 @@
       </a:defRPr>
     </a:lvl9pPr>
   </p:defaultTextStyle>
+  <p:extLst>
+    <p:ext uri="{EFAFB233-063F-42B5-8137-9DF3F51BA10A}">
+      <p15:sldGuideLst xmlns:p15="http://schemas.microsoft.com/office/powerpoint/2012/main">
+        <p15:guide id="1" orient="horz" pos="2160">
+          <p15:clr>
+            <a:srgbClr val="A4A3A4"/>
+          </p15:clr>
+        </p15:guide>
+        <p15:guide id="2" pos="3840">
+          <p15:clr>
+            <a:srgbClr val="A4A3A4"/>
+          </p15:clr>
+        </p15:guide>
+      </p15:sldGuideLst>
+    </p:ext>
+  </p:extLst>
 </p:presentation>
 </file>
 
@@ -122,7 +138,7 @@
   <p:cmAuthor id="1" name="Carozza, Ernie" initials="CE" lastIdx="1" clrIdx="0">
     <p:extLst>
       <p:ext uri="{19B8F6BF-5375-455C-9EA6-DF929625EA0E}">
-        <p15:presenceInfo xmlns:p15="http://schemas.microsoft.com/office/powerpoint/2012/main" xmlns="" userId="S-1-5-21-1940666338-227100268-1349548132-144825" providerId="AD"/>
+        <p15:presenceInfo xmlns:p15="http://schemas.microsoft.com/office/powerpoint/2012/main" userId="S-1-5-21-1940666338-227100268-1349548132-144825" providerId="AD"/>
       </p:ext>
     </p:extLst>
   </p:cmAuthor>
@@ -4116,7 +4132,15 @@
             </a:r>
             <a:r>
               <a:rPr lang="en-US" dirty="0" smtClean="0"/>
-              <a:t> is widely used in homes and offices, transmissions reflecting off walls, furniture, people all the time</a:t>
+              <a:t> is widely used in homes and offices, transmissions </a:t>
+            </a:r>
+            <a:r>
+              <a:rPr lang="en-US" dirty="0" smtClean="0"/>
+              <a:t>reflect off </a:t>
+            </a:r>
+            <a:r>
+              <a:rPr lang="en-US" dirty="0" smtClean="0"/>
+              <a:t>walls, furniture, people all the time</a:t>
             </a:r>
           </a:p>
           <a:p>
@@ -4338,8 +4362,252 @@
                 <a:pPr lvl="1"/>
                 <a:r>
                   <a:rPr lang="en-US" dirty="0" smtClean="0"/>
-                  <a:t>Receiver sees not only the transmissions from the router but also reflections of the moving target</a:t>
+                  <a:t>Receiver sees not only the transmissions from the router but also reflections of the moving </a:t>
                 </a:r>
+                <a:r>
+                  <a:rPr lang="en-US" dirty="0" smtClean="0"/>
+                  <a:t>target</a:t>
+                </a:r>
+              </a:p>
+              <a:p>
+                <a:pPr lvl="1"/>
+                <a:r>
+                  <a:rPr lang="en-US" dirty="0" smtClean="0"/>
+                  <a:t>Model </a:t>
+                </a:r>
+                <a14:m>
+                  <m:oMath xmlns:m="http://schemas.openxmlformats.org/officeDocument/2006/math">
+                    <m:r>
+                      <a:rPr lang="en-US" b="0" i="1" smtClean="0">
+                        <a:latin typeface="Cambria Math" panose="02040503050406030204" pitchFamily="18" charset="0"/>
+                      </a:rPr>
+                      <m:t>h</m:t>
+                    </m:r>
+                    <m:d>
+                      <m:dPr>
+                        <m:ctrlPr>
+                          <a:rPr lang="en-US" b="0" i="1" smtClean="0">
+                            <a:latin typeface="Cambria Math" panose="02040503050406030204" pitchFamily="18" charset="0"/>
+                          </a:rPr>
+                        </m:ctrlPr>
+                      </m:dPr>
+                      <m:e>
+                        <m:r>
+                          <a:rPr lang="en-US" b="0" i="1" smtClean="0">
+                            <a:latin typeface="Cambria Math" panose="02040503050406030204" pitchFamily="18" charset="0"/>
+                          </a:rPr>
+                          <m:t>𝑡</m:t>
+                        </m:r>
+                      </m:e>
+                    </m:d>
+                    <m:r>
+                      <a:rPr lang="en-US" b="0" i="1" smtClean="0">
+                        <a:latin typeface="Cambria Math" panose="02040503050406030204" pitchFamily="18" charset="0"/>
+                      </a:rPr>
+                      <m:t>=</m:t>
+                    </m:r>
+                    <m:nary>
+                      <m:naryPr>
+                        <m:chr m:val="∑"/>
+                        <m:ctrlPr>
+                          <a:rPr lang="en-US" b="0" i="1" smtClean="0">
+                            <a:latin typeface="Cambria Math" panose="02040503050406030204" pitchFamily="18" charset="0"/>
+                          </a:rPr>
+                        </m:ctrlPr>
+                      </m:naryPr>
+                      <m:sub>
+                        <m:r>
+                          <m:rPr>
+                            <m:brk m:alnAt="23"/>
+                          </m:rPr>
+                          <a:rPr lang="en-US" b="0" i="1" smtClean="0">
+                            <a:latin typeface="Cambria Math" panose="02040503050406030204" pitchFamily="18" charset="0"/>
+                          </a:rPr>
+                          <m:t>𝑘</m:t>
+                        </m:r>
+                        <m:r>
+                          <a:rPr lang="en-US" b="0" i="1" smtClean="0">
+                            <a:latin typeface="Cambria Math" panose="02040503050406030204" pitchFamily="18" charset="0"/>
+                          </a:rPr>
+                          <m:t>=0</m:t>
+                        </m:r>
+                      </m:sub>
+                      <m:sup>
+                        <m:r>
+                          <a:rPr lang="en-US" b="0" i="1" smtClean="0">
+                            <a:latin typeface="Cambria Math" panose="02040503050406030204" pitchFamily="18" charset="0"/>
+                          </a:rPr>
+                          <m:t>𝑛</m:t>
+                        </m:r>
+                      </m:sup>
+                      <m:e>
+                        <m:sSub>
+                          <m:sSubPr>
+                            <m:ctrlPr>
+                              <a:rPr lang="en-US" b="0" i="1" smtClean="0">
+                                <a:latin typeface="Cambria Math" panose="02040503050406030204" pitchFamily="18" charset="0"/>
+                              </a:rPr>
+                            </m:ctrlPr>
+                          </m:sSubPr>
+                          <m:e>
+                            <m:r>
+                              <a:rPr lang="en-US" b="0" i="1" smtClean="0">
+                                <a:latin typeface="Cambria Math" panose="02040503050406030204" pitchFamily="18" charset="0"/>
+                              </a:rPr>
+                              <m:t>𝐴</m:t>
+                            </m:r>
+                          </m:e>
+                          <m:sub>
+                            <m:r>
+                              <a:rPr lang="en-US" b="0" i="1" smtClean="0">
+                                <a:latin typeface="Cambria Math" panose="02040503050406030204" pitchFamily="18" charset="0"/>
+                              </a:rPr>
+                              <m:t>𝑘</m:t>
+                            </m:r>
+                          </m:sub>
+                        </m:sSub>
+                        <m:sSup>
+                          <m:sSupPr>
+                            <m:ctrlPr>
+                              <a:rPr lang="en-US" b="0" i="1" smtClean="0">
+                                <a:latin typeface="Cambria Math" panose="02040503050406030204" pitchFamily="18" charset="0"/>
+                              </a:rPr>
+                            </m:ctrlPr>
+                          </m:sSupPr>
+                          <m:e>
+                            <m:r>
+                              <a:rPr lang="en-US" b="0" i="1" smtClean="0">
+                                <a:latin typeface="Cambria Math" panose="02040503050406030204" pitchFamily="18" charset="0"/>
+                              </a:rPr>
+                              <m:t>𝑒</m:t>
+                            </m:r>
+                          </m:e>
+                          <m:sup>
+                            <m:r>
+                              <a:rPr lang="en-US" b="0" i="1" smtClean="0">
+                                <a:latin typeface="Cambria Math" panose="02040503050406030204" pitchFamily="18" charset="0"/>
+                              </a:rPr>
+                              <m:t>−</m:t>
+                            </m:r>
+                            <m:r>
+                              <a:rPr lang="en-US" b="0" i="1" smtClean="0">
+                                <a:latin typeface="Cambria Math" panose="02040503050406030204" pitchFamily="18" charset="0"/>
+                              </a:rPr>
+                              <m:t>𝑖</m:t>
+                            </m:r>
+                            <m:sSub>
+                              <m:sSubPr>
+                                <m:ctrlPr>
+                                  <a:rPr lang="en-US" b="0" i="1" smtClean="0">
+                                    <a:latin typeface="Cambria Math" panose="02040503050406030204" pitchFamily="18" charset="0"/>
+                                    <a:ea typeface="Cambria Math" panose="02040503050406030204" pitchFamily="18" charset="0"/>
+                                  </a:rPr>
+                                </m:ctrlPr>
+                              </m:sSubPr>
+                              <m:e>
+                                <m:r>
+                                  <a:rPr lang="en-US" b="0" i="1" smtClean="0">
+                                    <a:latin typeface="Cambria Math" panose="02040503050406030204" pitchFamily="18" charset="0"/>
+                                    <a:ea typeface="Cambria Math" panose="02040503050406030204" pitchFamily="18" charset="0"/>
+                                  </a:rPr>
+                                  <m:t>𝜃</m:t>
+                                </m:r>
+                              </m:e>
+                              <m:sub>
+                                <m:r>
+                                  <a:rPr lang="en-US" b="0" i="1" smtClean="0">
+                                    <a:latin typeface="Cambria Math" panose="02040503050406030204" pitchFamily="18" charset="0"/>
+                                    <a:ea typeface="Cambria Math" panose="02040503050406030204" pitchFamily="18" charset="0"/>
+                                  </a:rPr>
+                                  <m:t>𝑘</m:t>
+                                </m:r>
+                              </m:sub>
+                            </m:sSub>
+                          </m:sup>
+                        </m:sSup>
+                        <m:r>
+                          <a:rPr lang="en-US" b="0" i="1" smtClean="0">
+                            <a:latin typeface="Cambria Math" panose="02040503050406030204" pitchFamily="18" charset="0"/>
+                            <a:ea typeface="Cambria Math" panose="02040503050406030204" pitchFamily="18" charset="0"/>
+                          </a:rPr>
+                          <m:t>𝛿</m:t>
+                        </m:r>
+                        <m:r>
+                          <a:rPr lang="en-US" b="0" i="1" smtClean="0">
+                            <a:latin typeface="Cambria Math" panose="02040503050406030204" pitchFamily="18" charset="0"/>
+                            <a:ea typeface="Cambria Math" panose="02040503050406030204" pitchFamily="18" charset="0"/>
+                          </a:rPr>
+                          <m:t>(</m:t>
+                        </m:r>
+                        <m:r>
+                          <a:rPr lang="en-US" b="0" i="1" smtClean="0">
+                            <a:latin typeface="Cambria Math" panose="02040503050406030204" pitchFamily="18" charset="0"/>
+                            <a:ea typeface="Cambria Math" panose="02040503050406030204" pitchFamily="18" charset="0"/>
+                          </a:rPr>
+                          <m:t>𝑡</m:t>
+                        </m:r>
+                        <m:r>
+                          <a:rPr lang="en-US" b="0" i="1" smtClean="0">
+                            <a:latin typeface="Cambria Math" panose="02040503050406030204" pitchFamily="18" charset="0"/>
+                            <a:ea typeface="Cambria Math" panose="02040503050406030204" pitchFamily="18" charset="0"/>
+                          </a:rPr>
+                          <m:t>−</m:t>
+                        </m:r>
+                        <m:sSub>
+                          <m:sSubPr>
+                            <m:ctrlPr>
+                              <a:rPr lang="en-US" b="0" i="1" smtClean="0">
+                                <a:latin typeface="Cambria Math" panose="02040503050406030204" pitchFamily="18" charset="0"/>
+                                <a:ea typeface="Cambria Math" panose="02040503050406030204" pitchFamily="18" charset="0"/>
+                              </a:rPr>
+                            </m:ctrlPr>
+                          </m:sSubPr>
+                          <m:e>
+                            <m:r>
+                              <a:rPr lang="en-US" b="0" i="1" smtClean="0">
+                                <a:latin typeface="Cambria Math" panose="02040503050406030204" pitchFamily="18" charset="0"/>
+                                <a:ea typeface="Cambria Math" panose="02040503050406030204" pitchFamily="18" charset="0"/>
+                              </a:rPr>
+                              <m:t>𝜏</m:t>
+                            </m:r>
+                          </m:e>
+                          <m:sub>
+                            <m:r>
+                              <a:rPr lang="en-US" b="0" i="1" smtClean="0">
+                                <a:latin typeface="Cambria Math" panose="02040503050406030204" pitchFamily="18" charset="0"/>
+                                <a:ea typeface="Cambria Math" panose="02040503050406030204" pitchFamily="18" charset="0"/>
+                              </a:rPr>
+                              <m:t>𝑘</m:t>
+                            </m:r>
+                          </m:sub>
+                        </m:sSub>
+                        <m:r>
+                          <a:rPr lang="en-US" b="0" i="1" smtClean="0">
+                            <a:latin typeface="Cambria Math" panose="02040503050406030204" pitchFamily="18" charset="0"/>
+                            <a:ea typeface="Cambria Math" panose="02040503050406030204" pitchFamily="18" charset="0"/>
+                          </a:rPr>
+                          <m:t>)</m:t>
+                        </m:r>
+                      </m:e>
+                    </m:nary>
+                  </m:oMath>
+                </a14:m>
+                <a:endParaRPr lang="en-US" b="0" dirty="0" smtClean="0"/>
+              </a:p>
+              <a:p>
+                <a:pPr lvl="1"/>
+                <a:r>
+                  <a:rPr lang="en-US" b="0" dirty="0" smtClean="0"/>
+                  <a:t>Use ray tracing to sample the impulse response</a:t>
+                </a:r>
+              </a:p>
+              <a:p>
+                <a:pPr lvl="1"/>
+                <a:r>
+                  <a:rPr lang="en-US" dirty="0" smtClean="0"/>
+                  <a:t>Track gains, phase shifts, and propagation delays</a:t>
+                </a:r>
+                <a:endParaRPr lang="en-US" dirty="0" smtClean="0"/>
               </a:p>
               <a:p>
                 <a:pPr lvl="1"/>
@@ -4353,7 +4621,7 @@
                       <m:sSubPr>
                         <m:ctrlPr>
                           <a:rPr lang="en-US" b="0" i="1" smtClean="0">
-                            <a:latin typeface="Cambria Math"/>
+                            <a:latin typeface="Cambria Math" panose="02040503050406030204" pitchFamily="18" charset="0"/>
                           </a:rPr>
                         </m:ctrlPr>
                       </m:sSubPr>
@@ -4380,7 +4648,7 @@
                         <m:endChr m:val="]"/>
                         <m:ctrlPr>
                           <a:rPr lang="en-US" b="0" i="1" smtClean="0">
-                            <a:latin typeface="Cambria Math"/>
+                            <a:latin typeface="Cambria Math" panose="02040503050406030204" pitchFamily="18" charset="0"/>
                           </a:rPr>
                         </m:ctrlPr>
                       </m:dPr>
@@ -4397,26 +4665,23 @@
                 </a14:m>
                 <a:r>
                   <a:rPr lang="en-US" dirty="0" smtClean="0"/>
-                  <a:t> change as the target moves?</a:t>
+                  <a:t> change as the target moves</a:t>
                 </a:r>
-              </a:p>
-              <a:p>
-                <a:pPr lvl="1"/>
                 <a:r>
                   <a:rPr lang="en-US" dirty="0" smtClean="0"/>
-                  <a:t>TODO more mathematical description</a:t>
+                  <a:t>?</a:t>
                 </a:r>
-              </a:p>
-              <a:p>
-                <a:pPr lvl="1"/>
                 <a:endParaRPr lang="en-US" dirty="0" smtClean="0"/>
               </a:p>
               <a:p>
                 <a:r>
                   <a:rPr lang="en-US" dirty="0" smtClean="0"/>
-                  <a:t>Simulate OFDM transmissions over the channel </a:t>
+                  <a:t>Simulate </a:t>
                 </a:r>
-                <a:endParaRPr lang="en-US" dirty="0" smtClean="0"/>
+                <a:r>
+                  <a:rPr lang="en-US" dirty="0" smtClean="0"/>
+                  <a:t>OFDM transmissions over the channel </a:t>
+                </a:r>
               </a:p>
               <a:p>
                 <a:pPr lvl="1"/>
@@ -4429,11 +4694,12 @@
                 <a:pPr lvl="1"/>
                 <a:r>
                   <a:rPr lang="en-US" dirty="0" smtClean="0"/>
-                  <a:t>Assume OFDM symbols constantly transmitted</a:t>
+                  <a:t>Assume OFDM symbols constantly </a:t>
                 </a:r>
-                <a:endParaRPr lang="en-US" dirty="0" smtClean="0"/>
-              </a:p>
-              <a:p>
+                <a:r>
+                  <a:rPr lang="en-US" dirty="0" smtClean="0"/>
+                  <a:t>transmitted</a:t>
+                </a:r>
                 <a:endParaRPr lang="en-US" dirty="0"/>
               </a:p>
               <a:p>
@@ -4457,10 +4723,10 @@
               </p:nvPr>
             </p:nvSpPr>
             <p:spPr>
-              <a:blipFill rotWithShape="1">
+              <a:blipFill rotWithShape="0">
                 <a:blip r:embed="rId3"/>
                 <a:stretch>
-                  <a:fillRect l="-1043" t="-3081" b="-2241"/>
+                  <a:fillRect l="-1043" t="-3081" b="-140"/>
                 </a:stretch>
               </a:blipFill>
             </p:spPr>
@@ -4532,8 +4798,8 @@
           </a:p>
         </p:txBody>
       </p:sp>
-      <mc:AlternateContent xmlns:mc="http://schemas.openxmlformats.org/markup-compatibility/2006" xmlns:a14="http://schemas.microsoft.com/office/drawing/2010/main">
-        <mc:Choice Requires="a14">
+      <mc:AlternateContent xmlns:mc="http://schemas.openxmlformats.org/markup-compatibility/2006">
+        <mc:Choice xmlns:a14="http://schemas.microsoft.com/office/drawing/2010/main" Requires="a14">
           <p:sp>
             <p:nvSpPr>
               <p:cNvPr id="3" name="Content Placeholder 2"/>
@@ -4546,7 +4812,9 @@
             </p:nvSpPr>
             <p:spPr/>
             <p:txBody>
-              <a:bodyPr/>
+              <a:bodyPr>
+                <a:normAutofit lnSpcReduction="10000"/>
+              </a:bodyPr>
               <a:lstStyle/>
               <a:p>
                 <a:r>
@@ -4571,8 +4839,101 @@
                 <a:pPr lvl="1"/>
                 <a:r>
                   <a:rPr lang="en-US" dirty="0" smtClean="0"/>
-                  <a:t>Walls both reflect some energy and transmit some energy</a:t>
+                  <a:t>Walls both </a:t>
                 </a:r>
+                <a:r>
+                  <a:rPr lang="en-US" dirty="0" smtClean="0"/>
+                  <a:t>reflect (</a:t>
+                </a:r>
+                <a14:m>
+                  <m:oMath xmlns:m="http://schemas.openxmlformats.org/officeDocument/2006/math">
+                    <m:sSub>
+                      <m:sSubPr>
+                        <m:ctrlPr>
+                          <a:rPr lang="en-US" i="1" smtClean="0">
+                            <a:latin typeface="Cambria Math" panose="02040503050406030204" pitchFamily="18" charset="0"/>
+                          </a:rPr>
+                        </m:ctrlPr>
+                      </m:sSubPr>
+                      <m:e>
+                        <m:r>
+                          <a:rPr lang="en-US" b="0" i="1" smtClean="0">
+                            <a:latin typeface="Cambria Math" panose="02040503050406030204" pitchFamily="18" charset="0"/>
+                          </a:rPr>
+                          <m:t>𝐴</m:t>
+                        </m:r>
+                      </m:e>
+                      <m:sub>
+                        <m:r>
+                          <a:rPr lang="en-US" b="0" i="1" smtClean="0">
+                            <a:latin typeface="Cambria Math" panose="02040503050406030204" pitchFamily="18" charset="0"/>
+                          </a:rPr>
+                          <m:t>𝑟𝑒𝑓𝑙</m:t>
+                        </m:r>
+                      </m:sub>
+                    </m:sSub>
+                    <m:r>
+                      <a:rPr lang="en-US" b="0" i="1" smtClean="0">
+                        <a:latin typeface="Cambria Math" panose="02040503050406030204" pitchFamily="18" charset="0"/>
+                      </a:rPr>
+                      <m:t>=0.7)</m:t>
+                    </m:r>
+                  </m:oMath>
+                </a14:m>
+                <a:r>
+                  <a:rPr lang="en-US" dirty="0" smtClean="0"/>
+                  <a:t> and </a:t>
+                </a:r>
+                <a:r>
+                  <a:rPr lang="en-US" dirty="0" smtClean="0"/>
+                  <a:t>transmit </a:t>
+                </a:r>
+                <a14:m>
+                  <m:oMath xmlns:m="http://schemas.openxmlformats.org/officeDocument/2006/math">
+                    <m:r>
+                      <a:rPr lang="en-US" b="0" i="1" smtClean="0">
+                        <a:latin typeface="Cambria Math" panose="02040503050406030204" pitchFamily="18" charset="0"/>
+                      </a:rPr>
+                      <m:t>(</m:t>
+                    </m:r>
+                    <m:sSub>
+                      <m:sSubPr>
+                        <m:ctrlPr>
+                          <a:rPr lang="en-US" b="0" i="1" smtClean="0">
+                            <a:latin typeface="Cambria Math" panose="02040503050406030204" pitchFamily="18" charset="0"/>
+                          </a:rPr>
+                        </m:ctrlPr>
+                      </m:sSubPr>
+                      <m:e>
+                        <m:r>
+                          <a:rPr lang="en-US" b="0" i="1" smtClean="0">
+                            <a:latin typeface="Cambria Math" panose="02040503050406030204" pitchFamily="18" charset="0"/>
+                          </a:rPr>
+                          <m:t>𝐴</m:t>
+                        </m:r>
+                      </m:e>
+                      <m:sub>
+                        <m:r>
+                          <a:rPr lang="en-US" b="0" i="1" smtClean="0">
+                            <a:latin typeface="Cambria Math" panose="02040503050406030204" pitchFamily="18" charset="0"/>
+                          </a:rPr>
+                          <m:t>𝑡𝑟𝑎𝑛𝑠</m:t>
+                        </m:r>
+                      </m:sub>
+                    </m:sSub>
+                    <m:r>
+                      <a:rPr lang="en-US" b="0" i="1" smtClean="0">
+                        <a:latin typeface="Cambria Math" panose="02040503050406030204" pitchFamily="18" charset="0"/>
+                      </a:rPr>
+                      <m:t>=0.5)</m:t>
+                    </m:r>
+                  </m:oMath>
+                </a14:m>
+                <a:r>
+                  <a:rPr lang="en-US" dirty="0"/>
+                  <a:t> some energy </a:t>
+                </a:r>
+                <a:endParaRPr lang="en-US" dirty="0" smtClean="0"/>
               </a:p>
               <a:p>
                 <a:pPr lvl="1"/>
@@ -4603,7 +4964,7 @@
                       <m:sSubPr>
                         <m:ctrlPr>
                           <a:rPr lang="en-US" b="0" i="1" smtClean="0">
-                            <a:latin typeface="Cambria Math"/>
+                            <a:latin typeface="Cambria Math" panose="02040503050406030204" pitchFamily="18" charset="0"/>
                           </a:rPr>
                         </m:ctrlPr>
                       </m:sSubPr>
@@ -4630,7 +4991,7 @@
                         <m:endChr m:val="]"/>
                         <m:ctrlPr>
                           <a:rPr lang="en-US" b="0" i="1" smtClean="0">
-                            <a:latin typeface="Cambria Math"/>
+                            <a:latin typeface="Cambria Math" panose="02040503050406030204" pitchFamily="18" charset="0"/>
                           </a:rPr>
                         </m:ctrlPr>
                       </m:dPr>
@@ -4647,13 +5008,18 @@
                 </a14:m>
                 <a:r>
                   <a:rPr lang="en-US" dirty="0" smtClean="0"/>
-                  <a:t> from reflections of target will shift</a:t>
+                  <a:t> from reflections of target will </a:t>
                 </a:r>
+                <a:r>
+                  <a:rPr lang="en-US" dirty="0" smtClean="0"/>
+                  <a:t>shift in amplitude, phase, and propagation delay</a:t>
+                </a:r>
+                <a:endParaRPr lang="en-US" dirty="0" smtClean="0"/>
               </a:p>
             </p:txBody>
           </p:sp>
         </mc:Choice>
-        <mc:Fallback xmlns="">
+        <mc:Fallback>
           <p:sp>
             <p:nvSpPr>
               <p:cNvPr id="3" name="Content Placeholder 2"/>
@@ -4668,7 +5034,7 @@
               <a:blipFill rotWithShape="0">
                 <a:blip r:embed="rId3"/>
                 <a:stretch>
-                  <a:fillRect l="-1043" t="-2241" r="-1855"/>
+                  <a:fillRect l="-1043" t="-3081" r="-1855"/>
                 </a:stretch>
               </a:blipFill>
             </p:spPr>
@@ -5179,7 +5545,7 @@
   <a:extraClrSchemeLst/>
   <a:extLst>
     <a:ext uri="{05A4C25C-085E-4340-85A3-A5531E510DB2}">
-      <thm15:themeFamily xmlns:thm15="http://schemas.microsoft.com/office/thememl/2012/main" xmlns="" name="Office Theme" id="{62F939B6-93AF-4DB8-9C6B-D6C7DFDC589F}" vid="{4A3C46E8-61CC-4603-A589-7422A47A8E4A}"/>
+      <thm15:themeFamily xmlns:thm15="http://schemas.microsoft.com/office/thememl/2012/main" name="Office Theme" id="{62F939B6-93AF-4DB8-9C6B-D6C7DFDC589F}" vid="{4A3C46E8-61CC-4603-A589-7422A47A8E4A}"/>
     </a:ext>
   </a:extLst>
 </a:theme>
@@ -5440,7 +5806,7 @@
   <a:extraClrSchemeLst/>
   <a:extLst>
     <a:ext uri="{05A4C25C-085E-4340-85A3-A5531E510DB2}">
-      <thm15:themeFamily xmlns:thm15="http://schemas.microsoft.com/office/thememl/2012/main" xmlns="" name="Office Theme" id="{62F939B6-93AF-4DB8-9C6B-D6C7DFDC589F}" vid="{4A3C46E8-61CC-4603-A589-7422A47A8E4A}"/>
+      <thm15:themeFamily xmlns:thm15="http://schemas.microsoft.com/office/thememl/2012/main" name="Office Theme" id="{62F939B6-93AF-4DB8-9C6B-D6C7DFDC589F}" vid="{4A3C46E8-61CC-4603-A589-7422A47A8E4A}"/>
     </a:ext>
   </a:extLst>
 </a:theme>

--- a/presentation.pptx
+++ b/presentation.pptx
@@ -5,7 +5,7 @@
     <p:sldMasterId id="2147483648" r:id="rId1"/>
   </p:sldMasterIdLst>
   <p:notesMasterIdLst>
-    <p:notesMasterId r:id="rId10"/>
+    <p:notesMasterId r:id="rId11"/>
   </p:notesMasterIdLst>
   <p:sldIdLst>
     <p:sldId id="256" r:id="rId2"/>
@@ -14,8 +14,9 @@
     <p:sldId id="259" r:id="rId5"/>
     <p:sldId id="265" r:id="rId6"/>
     <p:sldId id="266" r:id="rId7"/>
-    <p:sldId id="267" r:id="rId8"/>
-    <p:sldId id="261" r:id="rId9"/>
+    <p:sldId id="261" r:id="rId8"/>
+    <p:sldId id="267" r:id="rId9"/>
+    <p:sldId id="268" r:id="rId10"/>
   </p:sldIdLst>
   <p:sldSz cx="12192000" cy="6858000"/>
   <p:notesSz cx="6858000" cy="9144000"/>
@@ -116,7 +117,7 @@
   </p:defaultTextStyle>
   <p:extLst>
     <p:ext uri="{EFAFB233-063F-42B5-8137-9DF3F51BA10A}">
-      <p15:sldGuideLst xmlns:p15="http://schemas.microsoft.com/office/powerpoint/2012/main">
+      <p15:sldGuideLst xmlns:p15="http://schemas.microsoft.com/office/powerpoint/2012/main" xmlns="">
         <p15:guide id="1" orient="horz" pos="2160">
           <p15:clr>
             <a:srgbClr val="A4A3A4"/>
@@ -138,7 +139,7 @@
   <p:cmAuthor id="1" name="Carozza, Ernie" initials="CE" lastIdx="1" clrIdx="0">
     <p:extLst>
       <p:ext uri="{19B8F6BF-5375-455C-9EA6-DF929625EA0E}">
-        <p15:presenceInfo xmlns:p15="http://schemas.microsoft.com/office/powerpoint/2012/main" userId="S-1-5-21-1940666338-227100268-1349548132-144825" providerId="AD"/>
+        <p15:presenceInfo xmlns:p15="http://schemas.microsoft.com/office/powerpoint/2012/main" xmlns="" userId="S-1-5-21-1940666338-227100268-1349548132-144825" providerId="AD"/>
       </p:ext>
     </p:extLst>
   </p:cmAuthor>
@@ -952,34 +953,8 @@
           <a:p>
             <a:r>
               <a:rPr lang="en-US" dirty="0" smtClean="0"/>
-              <a:t>Aim for 1-2 minutes</a:t>
-            </a:r>
-          </a:p>
-          <a:p>
-            <a:r>
-              <a:rPr lang="en-US" dirty="0" smtClean="0"/>
-              <a:t>Why were these simulations chosen?</a:t>
-            </a:r>
-          </a:p>
-          <a:p>
-            <a:r>
-              <a:rPr lang="en-US" dirty="0" smtClean="0"/>
-              <a:t>Clear descriptions of parameter choices</a:t>
-            </a:r>
-          </a:p>
-          <a:p>
-            <a:r>
-              <a:rPr lang="en-US" dirty="0" smtClean="0"/>
-              <a:t>Discuss what the plots mean</a:t>
-            </a:r>
-          </a:p>
-          <a:p>
-            <a:r>
-              <a:rPr lang="en-US" dirty="0" smtClean="0"/>
-              <a:t>Do the plots match the papers? If not, why?</a:t>
-            </a:r>
-          </a:p>
-          <a:p>
+              <a:t>Aim for 1 minute</a:t>
+            </a:r>
             <a:endParaRPr lang="en-US" dirty="0"/>
           </a:p>
         </p:txBody>
@@ -1010,7 +985,7 @@
     </p:spTree>
     <p:extLst>
       <p:ext uri="{BB962C8B-B14F-4D97-AF65-F5344CB8AC3E}">
-        <p14:creationId xmlns:p14="http://schemas.microsoft.com/office/powerpoint/2010/main" val="1776450908"/>
+        <p14:creationId xmlns:p14="http://schemas.microsoft.com/office/powerpoint/2010/main" val="1619926959"/>
       </p:ext>
     </p:extLst>
   </p:cSld>
@@ -1066,8 +1041,34 @@
           <a:p>
             <a:r>
               <a:rPr lang="en-US" dirty="0" smtClean="0"/>
-              <a:t>Aim for 1 minute</a:t>
-            </a:r>
+              <a:t>Aim for 1-2 minutes</a:t>
+            </a:r>
+          </a:p>
+          <a:p>
+            <a:r>
+              <a:rPr lang="en-US" dirty="0" smtClean="0"/>
+              <a:t>Why were these simulations chosen?</a:t>
+            </a:r>
+          </a:p>
+          <a:p>
+            <a:r>
+              <a:rPr lang="en-US" dirty="0" smtClean="0"/>
+              <a:t>Clear descriptions of parameter choices</a:t>
+            </a:r>
+          </a:p>
+          <a:p>
+            <a:r>
+              <a:rPr lang="en-US" dirty="0" smtClean="0"/>
+              <a:t>Discuss what the plots mean</a:t>
+            </a:r>
+          </a:p>
+          <a:p>
+            <a:r>
+              <a:rPr lang="en-US" dirty="0" smtClean="0"/>
+              <a:t>Do the plots match the papers? If not, why?</a:t>
+            </a:r>
+          </a:p>
+          <a:p>
             <a:endParaRPr lang="en-US" dirty="0"/>
           </a:p>
         </p:txBody>
@@ -1098,7 +1099,7 @@
     </p:spTree>
     <p:extLst>
       <p:ext uri="{BB962C8B-B14F-4D97-AF65-F5344CB8AC3E}">
-        <p14:creationId xmlns:p14="http://schemas.microsoft.com/office/powerpoint/2010/main" val="1619926959"/>
+        <p14:creationId xmlns:p14="http://schemas.microsoft.com/office/powerpoint/2010/main" val="1776450908"/>
       </p:ext>
     </p:extLst>
   </p:cSld>
@@ -4132,15 +4133,7 @@
             </a:r>
             <a:r>
               <a:rPr lang="en-US" dirty="0" smtClean="0"/>
-              <a:t> is widely used in homes and offices, transmissions </a:t>
-            </a:r>
-            <a:r>
-              <a:rPr lang="en-US" dirty="0" smtClean="0"/>
-              <a:t>reflect off </a:t>
-            </a:r>
-            <a:r>
-              <a:rPr lang="en-US" dirty="0" smtClean="0"/>
-              <a:t>walls, furniture, people all the time</a:t>
+              <a:t> is widely used in homes and offices, transmissions reflect off walls, furniture, people all the time</a:t>
             </a:r>
           </a:p>
           <a:p>
@@ -4334,8 +4327,8 @@
           </a:p>
         </p:txBody>
       </p:sp>
-      <mc:AlternateContent xmlns:mc="http://schemas.openxmlformats.org/markup-compatibility/2006">
-        <mc:Choice xmlns:a14="http://schemas.microsoft.com/office/drawing/2010/main" Requires="a14">
+      <mc:AlternateContent xmlns:mc="http://schemas.openxmlformats.org/markup-compatibility/2006" xmlns:a14="http://schemas.microsoft.com/office/drawing/2010/main">
+        <mc:Choice Requires="a14">
           <p:sp>
             <p:nvSpPr>
               <p:cNvPr id="3" name="Content Placeholder 2"/>
@@ -4362,11 +4355,7 @@
                 <a:pPr lvl="1"/>
                 <a:r>
                   <a:rPr lang="en-US" dirty="0" smtClean="0"/>
-                  <a:t>Receiver sees not only the transmissions from the router but also reflections of the moving </a:t>
-                </a:r>
-                <a:r>
-                  <a:rPr lang="en-US" dirty="0" smtClean="0"/>
-                  <a:t>target</a:t>
+                  <a:t>Receiver sees not only the transmissions from the router but also reflections of the moving target</a:t>
                 </a:r>
               </a:p>
               <a:p>
@@ -4387,7 +4376,7 @@
                       <m:dPr>
                         <m:ctrlPr>
                           <a:rPr lang="en-US" b="0" i="1" smtClean="0">
-                            <a:latin typeface="Cambria Math" panose="02040503050406030204" pitchFamily="18" charset="0"/>
+                            <a:latin typeface="Cambria Math"/>
                           </a:rPr>
                         </m:ctrlPr>
                       </m:dPr>
@@ -4411,7 +4400,7 @@
                         <m:chr m:val="∑"/>
                         <m:ctrlPr>
                           <a:rPr lang="en-US" b="0" i="1" smtClean="0">
-                            <a:latin typeface="Cambria Math" panose="02040503050406030204" pitchFamily="18" charset="0"/>
+                            <a:latin typeface="Cambria Math"/>
                           </a:rPr>
                         </m:ctrlPr>
                       </m:naryPr>
@@ -4445,7 +4434,7 @@
                           <m:sSubPr>
                             <m:ctrlPr>
                               <a:rPr lang="en-US" b="0" i="1" smtClean="0">
-                                <a:latin typeface="Cambria Math" panose="02040503050406030204" pitchFamily="18" charset="0"/>
+                                <a:latin typeface="Cambria Math"/>
                               </a:rPr>
                             </m:ctrlPr>
                           </m:sSubPr>
@@ -4470,7 +4459,7 @@
                           <m:sSupPr>
                             <m:ctrlPr>
                               <a:rPr lang="en-US" b="0" i="1" smtClean="0">
-                                <a:latin typeface="Cambria Math" panose="02040503050406030204" pitchFamily="18" charset="0"/>
+                                <a:latin typeface="Cambria Math"/>
                               </a:rPr>
                             </m:ctrlPr>
                           </m:sSupPr>
@@ -4499,7 +4488,7 @@
                               <m:sSubPr>
                                 <m:ctrlPr>
                                   <a:rPr lang="en-US" b="0" i="1" smtClean="0">
-                                    <a:latin typeface="Cambria Math" panose="02040503050406030204" pitchFamily="18" charset="0"/>
+                                    <a:latin typeface="Cambria Math"/>
                                     <a:ea typeface="Cambria Math" panose="02040503050406030204" pitchFamily="18" charset="0"/>
                                   </a:rPr>
                                 </m:ctrlPr>
@@ -4557,7 +4546,7 @@
                           <m:sSubPr>
                             <m:ctrlPr>
                               <a:rPr lang="en-US" b="0" i="1" smtClean="0">
-                                <a:latin typeface="Cambria Math" panose="02040503050406030204" pitchFamily="18" charset="0"/>
+                                <a:latin typeface="Cambria Math"/>
                                 <a:ea typeface="Cambria Math" panose="02040503050406030204" pitchFamily="18" charset="0"/>
                               </a:rPr>
                             </m:ctrlPr>
@@ -4607,7 +4596,6 @@
                   <a:rPr lang="en-US" dirty="0" smtClean="0"/>
                   <a:t>Track gains, phase shifts, and propagation delays</a:t>
                 </a:r>
-                <a:endParaRPr lang="en-US" dirty="0" smtClean="0"/>
               </a:p>
               <a:p>
                 <a:pPr lvl="1"/>
@@ -4621,7 +4609,7 @@
                       <m:sSubPr>
                         <m:ctrlPr>
                           <a:rPr lang="en-US" b="0" i="1" smtClean="0">
-                            <a:latin typeface="Cambria Math" panose="02040503050406030204" pitchFamily="18" charset="0"/>
+                            <a:latin typeface="Cambria Math"/>
                           </a:rPr>
                         </m:ctrlPr>
                       </m:sSubPr>
@@ -4648,7 +4636,7 @@
                         <m:endChr m:val="]"/>
                         <m:ctrlPr>
                           <a:rPr lang="en-US" b="0" i="1" smtClean="0">
-                            <a:latin typeface="Cambria Math" panose="02040503050406030204" pitchFamily="18" charset="0"/>
+                            <a:latin typeface="Cambria Math"/>
                           </a:rPr>
                         </m:ctrlPr>
                       </m:dPr>
@@ -4665,22 +4653,13 @@
                 </a14:m>
                 <a:r>
                   <a:rPr lang="en-US" dirty="0" smtClean="0"/>
-                  <a:t> change as the target moves</a:t>
+                  <a:t> change as the target moves?</a:t>
                 </a:r>
-                <a:r>
-                  <a:rPr lang="en-US" dirty="0" smtClean="0"/>
-                  <a:t>?</a:t>
-                </a:r>
-                <a:endParaRPr lang="en-US" dirty="0" smtClean="0"/>
               </a:p>
               <a:p>
                 <a:r>
                   <a:rPr lang="en-US" dirty="0" smtClean="0"/>
-                  <a:t>Simulate </a:t>
-                </a:r>
-                <a:r>
-                  <a:rPr lang="en-US" dirty="0" smtClean="0"/>
-                  <a:t>OFDM transmissions over the channel </a:t>
+                  <a:t>Simulate OFDM transmissions over the channel </a:t>
                 </a:r>
               </a:p>
               <a:p>
@@ -4694,11 +4673,7 @@
                 <a:pPr lvl="1"/>
                 <a:r>
                   <a:rPr lang="en-US" dirty="0" smtClean="0"/>
-                  <a:t>Assume OFDM symbols constantly </a:t>
-                </a:r>
-                <a:r>
-                  <a:rPr lang="en-US" dirty="0" smtClean="0"/>
-                  <a:t>transmitted</a:t>
+                  <a:t>Assume OFDM symbols constantly transmitted</a:t>
                 </a:r>
                 <a:endParaRPr lang="en-US" dirty="0"/>
               </a:p>
@@ -4711,7 +4686,7 @@
             </p:txBody>
           </p:sp>
         </mc:Choice>
-        <mc:Fallback>
+        <mc:Fallback xmlns="">
           <p:sp>
             <p:nvSpPr>
               <p:cNvPr id="3" name="Content Placeholder 2"/>
@@ -4798,8 +4773,8 @@
           </a:p>
         </p:txBody>
       </p:sp>
-      <mc:AlternateContent xmlns:mc="http://schemas.openxmlformats.org/markup-compatibility/2006">
-        <mc:Choice xmlns:a14="http://schemas.microsoft.com/office/drawing/2010/main" Requires="a14">
+      <mc:AlternateContent xmlns:mc="http://schemas.openxmlformats.org/markup-compatibility/2006" xmlns:a14="http://schemas.microsoft.com/office/drawing/2010/main">
+        <mc:Choice Requires="a14">
           <p:sp>
             <p:nvSpPr>
               <p:cNvPr id="3" name="Content Placeholder 2"/>
@@ -4839,11 +4814,7 @@
                 <a:pPr lvl="1"/>
                 <a:r>
                   <a:rPr lang="en-US" dirty="0" smtClean="0"/>
-                  <a:t>Walls both </a:t>
-                </a:r>
-                <a:r>
-                  <a:rPr lang="en-US" dirty="0" smtClean="0"/>
-                  <a:t>reflect (</a:t>
+                  <a:t>Walls both reflect (</a:t>
                 </a:r>
                 <a14:m>
                   <m:oMath xmlns:m="http://schemas.openxmlformats.org/officeDocument/2006/math">
@@ -4851,7 +4822,7 @@
                       <m:sSubPr>
                         <m:ctrlPr>
                           <a:rPr lang="en-US" i="1" smtClean="0">
-                            <a:latin typeface="Cambria Math" panose="02040503050406030204" pitchFamily="18" charset="0"/>
+                            <a:latin typeface="Cambria Math"/>
                           </a:rPr>
                         </m:ctrlPr>
                       </m:sSubPr>
@@ -4882,11 +4853,7 @@
                 </a14:m>
                 <a:r>
                   <a:rPr lang="en-US" dirty="0" smtClean="0"/>
-                  <a:t> and </a:t>
-                </a:r>
-                <a:r>
-                  <a:rPr lang="en-US" dirty="0" smtClean="0"/>
-                  <a:t>transmit </a:t>
+                  <a:t> and transmit </a:t>
                 </a:r>
                 <a14:m>
                   <m:oMath xmlns:m="http://schemas.openxmlformats.org/officeDocument/2006/math">
@@ -4900,7 +4867,7 @@
                       <m:sSubPr>
                         <m:ctrlPr>
                           <a:rPr lang="en-US" b="0" i="1" smtClean="0">
-                            <a:latin typeface="Cambria Math" panose="02040503050406030204" pitchFamily="18" charset="0"/>
+                            <a:latin typeface="Cambria Math"/>
                           </a:rPr>
                         </m:ctrlPr>
                       </m:sSubPr>
@@ -4964,7 +4931,7 @@
                       <m:sSubPr>
                         <m:ctrlPr>
                           <a:rPr lang="en-US" b="0" i="1" smtClean="0">
-                            <a:latin typeface="Cambria Math" panose="02040503050406030204" pitchFamily="18" charset="0"/>
+                            <a:latin typeface="Cambria Math"/>
                           </a:rPr>
                         </m:ctrlPr>
                       </m:sSubPr>
@@ -4991,7 +4958,7 @@
                         <m:endChr m:val="]"/>
                         <m:ctrlPr>
                           <a:rPr lang="en-US" b="0" i="1" smtClean="0">
-                            <a:latin typeface="Cambria Math" panose="02040503050406030204" pitchFamily="18" charset="0"/>
+                            <a:latin typeface="Cambria Math"/>
                           </a:rPr>
                         </m:ctrlPr>
                       </m:dPr>
@@ -5008,18 +4975,13 @@
                 </a14:m>
                 <a:r>
                   <a:rPr lang="en-US" dirty="0" smtClean="0"/>
-                  <a:t> from reflections of target will </a:t>
+                  <a:t> from reflections of target will shift in amplitude, phase, and propagation delay</a:t>
                 </a:r>
-                <a:r>
-                  <a:rPr lang="en-US" dirty="0" smtClean="0"/>
-                  <a:t>shift in amplitude, phase, and propagation delay</a:t>
-                </a:r>
-                <a:endParaRPr lang="en-US" dirty="0" smtClean="0"/>
               </a:p>
             </p:txBody>
           </p:sp>
         </mc:Choice>
-        <mc:Fallback>
+        <mc:Fallback xmlns="">
           <p:sp>
             <p:nvSpPr>
               <p:cNvPr id="3" name="Content Placeholder 2"/>
@@ -5176,7 +5138,7 @@
           <a:p>
             <a:r>
               <a:rPr lang="en-US" dirty="0" smtClean="0"/>
-              <a:t>Forming Range-Doppler Maps</a:t>
+              <a:t>Conclusion</a:t>
             </a:r>
             <a:endParaRPr lang="en-US" dirty="0"/>
           </a:p>
@@ -5197,18 +5159,14 @@
           <a:bodyPr/>
           <a:lstStyle/>
           <a:p>
-            <a:r>
-              <a:rPr lang="en-US" smtClean="0"/>
-              <a:t>RDMs are ………..</a:t>
-            </a:r>
-            <a:endParaRPr lang="en-US" dirty="0"/>
+            <a:endParaRPr lang="en-US"/>
           </a:p>
         </p:txBody>
       </p:sp>
     </p:spTree>
     <p:extLst>
       <p:ext uri="{BB962C8B-B14F-4D97-AF65-F5344CB8AC3E}">
-        <p14:creationId xmlns:p14="http://schemas.microsoft.com/office/powerpoint/2010/main" val="284725016"/>
+        <p14:creationId xmlns:p14="http://schemas.microsoft.com/office/powerpoint/2010/main" val="3194405820"/>
       </p:ext>
     </p:extLst>
   </p:cSld>
@@ -5252,7 +5210,7 @@
           <a:p>
             <a:r>
               <a:rPr lang="en-US" dirty="0" smtClean="0"/>
-              <a:t>Conclusion</a:t>
+              <a:t>Forming Range-Doppler Maps</a:t>
             </a:r>
             <a:endParaRPr lang="en-US" dirty="0"/>
           </a:p>
@@ -5270,17 +5228,675 @@
         </p:nvSpPr>
         <p:spPr/>
         <p:txBody>
-          <a:bodyPr/>
-          <a:lstStyle/>
-          <a:p>
-            <a:endParaRPr lang="en-US"/>
+          <a:bodyPr>
+            <a:normAutofit lnSpcReduction="10000"/>
+          </a:bodyPr>
+          <a:lstStyle/>
+          <a:p>
+            <a:r>
+              <a:rPr lang="en-US" dirty="0" smtClean="0"/>
+              <a:t>RDMs are a basic tool in radar</a:t>
+            </a:r>
+          </a:p>
+          <a:p>
+            <a:r>
+              <a:rPr lang="en-US" dirty="0" smtClean="0"/>
+              <a:t>Moving objects in field of view of the receiver show up as high-power spots at their range and velocity</a:t>
+            </a:r>
+          </a:p>
+          <a:p>
+            <a:pPr lvl="1"/>
+            <a:r>
+              <a:rPr lang="en-US" dirty="0" smtClean="0"/>
+              <a:t>Maps are formed constantly over time and a target’s movement can be tracked</a:t>
+            </a:r>
+          </a:p>
+          <a:p>
+            <a:r>
+              <a:rPr lang="en-US" dirty="0" err="1" smtClean="0"/>
+              <a:t>WiFi</a:t>
+            </a:r>
+            <a:r>
+              <a:rPr lang="en-US" dirty="0" smtClean="0"/>
+              <a:t> signals are difficult to use for radar due to low power, multipath, and poor autocorrelation properties</a:t>
+            </a:r>
           </a:p>
         </p:txBody>
       </p:sp>
     </p:spTree>
     <p:extLst>
       <p:ext uri="{BB962C8B-B14F-4D97-AF65-F5344CB8AC3E}">
-        <p14:creationId xmlns:p14="http://schemas.microsoft.com/office/powerpoint/2010/main" val="3194405820"/>
+        <p14:creationId xmlns:p14="http://schemas.microsoft.com/office/powerpoint/2010/main" val="3937463607"/>
+      </p:ext>
+    </p:extLst>
+  </p:cSld>
+  <p:clrMapOvr>
+    <a:masterClrMapping/>
+  </p:clrMapOvr>
+</p:sld>
+</file>
+
+<file path=ppt/slides/slide9.xml><?xml version="1.0" encoding="utf-8"?>
+<p:sld xmlns:a="http://schemas.openxmlformats.org/drawingml/2006/main" xmlns:r="http://schemas.openxmlformats.org/officeDocument/2006/relationships" xmlns:p="http://schemas.openxmlformats.org/presentationml/2006/main">
+  <p:cSld>
+    <p:spTree>
+      <p:nvGrpSpPr>
+        <p:cNvPr id="1" name=""/>
+        <p:cNvGrpSpPr/>
+        <p:nvPr/>
+      </p:nvGrpSpPr>
+      <p:grpSpPr>
+        <a:xfrm>
+          <a:off x="0" y="0"/>
+          <a:ext cx="0" cy="0"/>
+          <a:chOff x="0" y="0"/>
+          <a:chExt cx="0" cy="0"/>
+        </a:xfrm>
+      </p:grpSpPr>
+      <p:sp>
+        <p:nvSpPr>
+          <p:cNvPr id="2" name="Title 1"/>
+          <p:cNvSpPr>
+            <a:spLocks noGrp="1"/>
+          </p:cNvSpPr>
+          <p:nvPr>
+            <p:ph type="title"/>
+          </p:nvPr>
+        </p:nvSpPr>
+        <p:spPr/>
+        <p:txBody>
+          <a:bodyPr/>
+          <a:lstStyle/>
+          <a:p>
+            <a:r>
+              <a:rPr lang="en-US" dirty="0" smtClean="0"/>
+              <a:t>Forming Range-Doppler Maps</a:t>
+            </a:r>
+            <a:endParaRPr lang="en-US" dirty="0"/>
+          </a:p>
+        </p:txBody>
+      </p:sp>
+      <mc:AlternateContent xmlns:mc="http://schemas.openxmlformats.org/markup-compatibility/2006">
+        <mc:Choice xmlns:a14="http://schemas.microsoft.com/office/drawing/2010/main" Requires="a14">
+          <p:sp>
+            <p:nvSpPr>
+              <p:cNvPr id="3" name="Content Placeholder 2"/>
+              <p:cNvSpPr>
+                <a:spLocks noGrp="1"/>
+              </p:cNvSpPr>
+              <p:nvPr>
+                <p:ph idx="1"/>
+              </p:nvPr>
+            </p:nvSpPr>
+            <p:spPr>
+              <a:xfrm>
+                <a:off x="609600" y="1600200"/>
+                <a:ext cx="10972800" cy="4876800"/>
+              </a:xfrm>
+            </p:spPr>
+            <p:txBody>
+              <a:bodyPr>
+                <a:normAutofit fontScale="85000" lnSpcReduction="10000"/>
+              </a:bodyPr>
+              <a:lstStyle/>
+              <a:p>
+                <a:r>
+                  <a:rPr lang="en-US" sz="3000" dirty="0" smtClean="0"/>
+                  <a:t>The RDMs are a 2D cross-correlation over time delay and Doppler shift</a:t>
+                </a:r>
+              </a:p>
+              <a:p>
+                <a:r>
+                  <a:rPr lang="en-US" sz="3000" dirty="0" smtClean="0"/>
+                  <a:t>Frequency shifted and delayed version of the reference signal are correlated with the observed signal at the Rx</a:t>
+                </a:r>
+              </a:p>
+              <a:p>
+                <a:pPr marL="0" indent="0">
+                  <a:buNone/>
+                </a:pPr>
+                <a14:m>
+                  <m:oMathPara xmlns:m="http://schemas.openxmlformats.org/officeDocument/2006/math">
+                    <m:oMathParaPr>
+                      <m:jc m:val="centerGroup"/>
+                    </m:oMathParaPr>
+                    <m:oMath xmlns:m="http://schemas.openxmlformats.org/officeDocument/2006/math">
+                      <m:r>
+                        <a:rPr lang="en-US" sz="2400" b="0" i="1" smtClean="0">
+                          <a:latin typeface="Cambria Math"/>
+                        </a:rPr>
+                        <m:t>𝐶</m:t>
+                      </m:r>
+                      <m:d>
+                        <m:dPr>
+                          <m:begChr m:val="["/>
+                          <m:endChr m:val="]"/>
+                          <m:ctrlPr>
+                            <a:rPr lang="en-US" sz="2400" b="0" i="1" smtClean="0">
+                              <a:latin typeface="Cambria Math"/>
+                            </a:rPr>
+                          </m:ctrlPr>
+                        </m:dPr>
+                        <m:e>
+                          <m:r>
+                            <a:rPr lang="en-US" sz="2400" b="0" i="1" smtClean="0">
+                              <a:latin typeface="Cambria Math"/>
+                            </a:rPr>
+                            <m:t>𝑙</m:t>
+                          </m:r>
+                          <m:r>
+                            <a:rPr lang="en-US" sz="2400" b="0" i="1" smtClean="0">
+                              <a:latin typeface="Cambria Math"/>
+                            </a:rPr>
+                            <m:t>, </m:t>
+                          </m:r>
+                          <m:r>
+                            <a:rPr lang="en-US" sz="2400" b="0" i="1" smtClean="0">
+                              <a:latin typeface="Cambria Math"/>
+                            </a:rPr>
+                            <m:t>𝑝</m:t>
+                          </m:r>
+                        </m:e>
+                      </m:d>
+                      <m:r>
+                        <a:rPr lang="en-US" sz="2400" b="0" i="1" smtClean="0">
+                          <a:latin typeface="Cambria Math"/>
+                        </a:rPr>
+                        <m:t>=</m:t>
+                      </m:r>
+                      <m:d>
+                        <m:dPr>
+                          <m:begChr m:val="|"/>
+                          <m:endChr m:val="|"/>
+                          <m:ctrlPr>
+                            <a:rPr lang="en-US" sz="2400" b="0" i="1" smtClean="0">
+                              <a:latin typeface="Cambria Math"/>
+                            </a:rPr>
+                          </m:ctrlPr>
+                        </m:dPr>
+                        <m:e>
+                          <m:nary>
+                            <m:naryPr>
+                              <m:chr m:val="∑"/>
+                              <m:ctrlPr>
+                                <a:rPr lang="en-US" sz="2400" b="0" i="1" smtClean="0">
+                                  <a:latin typeface="Cambria Math"/>
+                                </a:rPr>
+                              </m:ctrlPr>
+                            </m:naryPr>
+                            <m:sub>
+                              <m:r>
+                                <m:rPr>
+                                  <m:brk m:alnAt="23"/>
+                                </m:rPr>
+                                <a:rPr lang="en-US" sz="2400" b="0" i="1" smtClean="0">
+                                  <a:latin typeface="Cambria Math"/>
+                                </a:rPr>
+                                <m:t>𝑚</m:t>
+                              </m:r>
+                              <m:r>
+                                <a:rPr lang="en-US" sz="2400" b="0" i="1" smtClean="0">
+                                  <a:latin typeface="Cambria Math"/>
+                                </a:rPr>
+                                <m:t>=0</m:t>
+                              </m:r>
+                            </m:sub>
+                            <m:sup>
+                              <m:r>
+                                <a:rPr lang="en-US" sz="2400" b="0" i="1" smtClean="0">
+                                  <a:latin typeface="Cambria Math"/>
+                                </a:rPr>
+                                <m:t>𝑀</m:t>
+                              </m:r>
+                            </m:sup>
+                            <m:e>
+                              <m:sSup>
+                                <m:sSupPr>
+                                  <m:ctrlPr>
+                                    <a:rPr lang="en-US" sz="2400" b="0" i="1" smtClean="0">
+                                      <a:latin typeface="Cambria Math"/>
+                                    </a:rPr>
+                                  </m:ctrlPr>
+                                </m:sSupPr>
+                                <m:e>
+                                  <m:r>
+                                    <a:rPr lang="en-US" sz="2400" b="0" i="1" smtClean="0">
+                                      <a:latin typeface="Cambria Math"/>
+                                    </a:rPr>
+                                    <m:t>𝑒</m:t>
+                                  </m:r>
+                                </m:e>
+                                <m:sup>
+                                  <m:r>
+                                    <a:rPr lang="en-US" sz="2400" b="0" i="1" smtClean="0">
+                                      <a:latin typeface="Cambria Math"/>
+                                    </a:rPr>
+                                    <m:t>−</m:t>
+                                  </m:r>
+                                  <m:r>
+                                    <a:rPr lang="en-US" sz="2400" b="0" i="1" smtClean="0">
+                                      <a:latin typeface="Cambria Math"/>
+                                    </a:rPr>
+                                    <m:t>𝑗</m:t>
+                                  </m:r>
+                                  <m:r>
+                                    <a:rPr lang="en-US" sz="2400" b="0" i="1" smtClean="0">
+                                      <a:latin typeface="Cambria Math"/>
+                                    </a:rPr>
+                                    <m:t>2</m:t>
+                                  </m:r>
+                                  <m:r>
+                                    <a:rPr lang="en-US" sz="2400" b="0" i="1" smtClean="0">
+                                      <a:latin typeface="Cambria Math"/>
+                                      <a:ea typeface="Cambria Math"/>
+                                    </a:rPr>
+                                    <m:t>𝜋</m:t>
+                                  </m:r>
+                                  <m:sSub>
+                                    <m:sSubPr>
+                                      <m:ctrlPr>
+                                        <a:rPr lang="en-US" sz="2400" b="0" i="1" smtClean="0">
+                                          <a:latin typeface="Cambria Math"/>
+                                          <a:ea typeface="Cambria Math"/>
+                                        </a:rPr>
+                                      </m:ctrlPr>
+                                    </m:sSubPr>
+                                    <m:e>
+                                      <m:r>
+                                        <a:rPr lang="en-US" sz="2400" b="0" i="1" smtClean="0">
+                                          <a:latin typeface="Cambria Math"/>
+                                          <a:ea typeface="Cambria Math"/>
+                                        </a:rPr>
+                                        <m:t>𝑖</m:t>
+                                      </m:r>
+                                    </m:e>
+                                    <m:sub>
+                                      <m:r>
+                                        <a:rPr lang="en-US" sz="2400" b="0" i="1" smtClean="0">
+                                          <a:latin typeface="Cambria Math"/>
+                                          <a:ea typeface="Cambria Math"/>
+                                        </a:rPr>
+                                        <m:t>𝑚</m:t>
+                                      </m:r>
+                                    </m:sub>
+                                  </m:sSub>
+                                  <m:r>
+                                    <a:rPr lang="en-US" sz="2400" b="0" i="1" smtClean="0">
+                                      <a:latin typeface="Cambria Math"/>
+                                      <a:ea typeface="Cambria Math"/>
+                                    </a:rPr>
+                                    <m:t>/</m:t>
+                                  </m:r>
+                                  <m:sSub>
+                                    <m:sSubPr>
+                                      <m:ctrlPr>
+                                        <a:rPr lang="en-US" sz="2400" b="0" i="1" smtClean="0">
+                                          <a:latin typeface="Cambria Math"/>
+                                          <a:ea typeface="Cambria Math"/>
+                                        </a:rPr>
+                                      </m:ctrlPr>
+                                    </m:sSubPr>
+                                    <m:e>
+                                      <m:r>
+                                        <a:rPr lang="en-US" sz="2400" b="0" i="1" smtClean="0">
+                                          <a:latin typeface="Cambria Math"/>
+                                          <a:ea typeface="Cambria Math"/>
+                                        </a:rPr>
+                                        <m:t>𝑁</m:t>
+                                      </m:r>
+                                    </m:e>
+                                    <m:sub>
+                                      <m:r>
+                                        <a:rPr lang="en-US" sz="2400" b="0" i="1" smtClean="0">
+                                          <a:latin typeface="Cambria Math"/>
+                                          <a:ea typeface="Cambria Math"/>
+                                        </a:rPr>
+                                        <m:t>𝑖𝑛𝑡</m:t>
+                                      </m:r>
+                                    </m:sub>
+                                  </m:sSub>
+                                </m:sup>
+                              </m:sSup>
+                            </m:e>
+                          </m:nary>
+                          <m:nary>
+                            <m:naryPr>
+                              <m:chr m:val="∑"/>
+                              <m:ctrlPr>
+                                <a:rPr lang="en-US" sz="2400" b="0" i="1" smtClean="0">
+                                  <a:latin typeface="Cambria Math"/>
+                                </a:rPr>
+                              </m:ctrlPr>
+                            </m:naryPr>
+                            <m:sub>
+                              <m:r>
+                                <a:rPr lang="en-US" sz="2400" b="0" i="1" smtClean="0">
+                                  <a:latin typeface="Cambria Math"/>
+                                </a:rPr>
+                                <m:t>𝑛</m:t>
+                              </m:r>
+                              <m:r>
+                                <a:rPr lang="en-US" sz="2400" b="0" i="1" smtClean="0">
+                                  <a:latin typeface="Cambria Math"/>
+                                </a:rPr>
+                                <m:t>=0</m:t>
+                              </m:r>
+                            </m:sub>
+                            <m:sup>
+                              <m:sSub>
+                                <m:sSubPr>
+                                  <m:ctrlPr>
+                                    <a:rPr lang="en-US" sz="2400" b="0" i="1" smtClean="0">
+                                      <a:latin typeface="Cambria Math"/>
+                                    </a:rPr>
+                                  </m:ctrlPr>
+                                </m:sSubPr>
+                                <m:e>
+                                  <m:r>
+                                    <a:rPr lang="en-US" sz="2400" b="0" i="1" smtClean="0">
+                                      <a:latin typeface="Cambria Math"/>
+                                    </a:rPr>
+                                    <m:t>𝑁</m:t>
+                                  </m:r>
+                                </m:e>
+                                <m:sub>
+                                  <m:r>
+                                    <a:rPr lang="en-US" sz="2400" b="0" i="1" smtClean="0">
+                                      <a:latin typeface="Cambria Math"/>
+                                    </a:rPr>
+                                    <m:t>𝑚</m:t>
+                                  </m:r>
+                                </m:sub>
+                              </m:sSub>
+                              <m:r>
+                                <a:rPr lang="en-US" sz="2400" b="0" i="1" smtClean="0">
+                                  <a:latin typeface="Cambria Math"/>
+                                </a:rPr>
+                                <m:t>−1</m:t>
+                              </m:r>
+                            </m:sup>
+                            <m:e>
+                              <m:sSub>
+                                <m:sSubPr>
+                                  <m:ctrlPr>
+                                    <a:rPr lang="en-US" sz="2400" b="0" i="1" smtClean="0">
+                                      <a:latin typeface="Cambria Math"/>
+                                    </a:rPr>
+                                  </m:ctrlPr>
+                                </m:sSubPr>
+                                <m:e>
+                                  <m:r>
+                                    <a:rPr lang="en-US" sz="2400" b="0" i="1" smtClean="0">
+                                      <a:latin typeface="Cambria Math"/>
+                                    </a:rPr>
+                                    <m:t>𝑠</m:t>
+                                  </m:r>
+                                </m:e>
+                                <m:sub>
+                                  <m:r>
+                                    <a:rPr lang="en-US" sz="2400" b="0" i="1" smtClean="0">
+                                      <a:latin typeface="Cambria Math"/>
+                                    </a:rPr>
+                                    <m:t>𝑜𝑏𝑠</m:t>
+                                  </m:r>
+                                </m:sub>
+                              </m:sSub>
+                              <m:d>
+                                <m:dPr>
+                                  <m:begChr m:val="["/>
+                                  <m:endChr m:val="]"/>
+                                  <m:ctrlPr>
+                                    <a:rPr lang="en-US" sz="2400" b="0" i="1" smtClean="0">
+                                      <a:latin typeface="Cambria Math"/>
+                                    </a:rPr>
+                                  </m:ctrlPr>
+                                </m:dPr>
+                                <m:e>
+                                  <m:sSub>
+                                    <m:sSubPr>
+                                      <m:ctrlPr>
+                                        <a:rPr lang="en-US" sz="2400" b="0" i="1" smtClean="0">
+                                          <a:latin typeface="Cambria Math"/>
+                                        </a:rPr>
+                                      </m:ctrlPr>
+                                    </m:sSubPr>
+                                    <m:e>
+                                      <m:r>
+                                        <a:rPr lang="en-US" sz="2400" b="0" i="1" smtClean="0">
+                                          <a:latin typeface="Cambria Math"/>
+                                        </a:rPr>
+                                        <m:t>𝑖</m:t>
+                                      </m:r>
+                                    </m:e>
+                                    <m:sub>
+                                      <m:r>
+                                        <a:rPr lang="en-US" sz="2400" b="0" i="1" smtClean="0">
+                                          <a:latin typeface="Cambria Math"/>
+                                        </a:rPr>
+                                        <m:t>𝑚</m:t>
+                                      </m:r>
+                                    </m:sub>
+                                  </m:sSub>
+                                  <m:r>
+                                    <a:rPr lang="en-US" sz="2400" b="0" i="1" smtClean="0">
+                                      <a:latin typeface="Cambria Math"/>
+                                    </a:rPr>
+                                    <m:t>+</m:t>
+                                  </m:r>
+                                  <m:r>
+                                    <a:rPr lang="en-US" sz="2400" b="0" i="1" smtClean="0">
+                                      <a:latin typeface="Cambria Math"/>
+                                    </a:rPr>
+                                    <m:t>𝑛</m:t>
+                                  </m:r>
+                                </m:e>
+                              </m:d>
+                              <m:sSubSup>
+                                <m:sSubSupPr>
+                                  <m:ctrlPr>
+                                    <a:rPr lang="en-US" sz="2400" b="0" i="1" smtClean="0">
+                                      <a:latin typeface="Cambria Math"/>
+                                    </a:rPr>
+                                  </m:ctrlPr>
+                                </m:sSubSupPr>
+                                <m:e>
+                                  <m:sSub>
+                                    <m:sSubPr>
+                                      <m:ctrlPr>
+                                        <a:rPr lang="en-US" sz="2400" b="0" i="1" smtClean="0">
+                                          <a:latin typeface="Cambria Math"/>
+                                        </a:rPr>
+                                      </m:ctrlPr>
+                                    </m:sSubPr>
+                                    <m:e>
+                                      <m:r>
+                                        <a:rPr lang="en-US" sz="2400" b="0" i="1" smtClean="0">
+                                          <a:latin typeface="Cambria Math"/>
+                                        </a:rPr>
+                                        <m:t>𝑠</m:t>
+                                      </m:r>
+                                    </m:e>
+                                    <m:sub>
+                                      <m:r>
+                                        <a:rPr lang="en-US" sz="2400" b="0" i="1" smtClean="0">
+                                          <a:latin typeface="Cambria Math"/>
+                                        </a:rPr>
+                                        <m:t>𝑟𝑒𝑓</m:t>
+                                      </m:r>
+                                    </m:sub>
+                                  </m:sSub>
+                                </m:e>
+                                <m:sub/>
+                                <m:sup>
+                                  <m:r>
+                                    <a:rPr lang="en-US" sz="2400" b="0" i="1" smtClean="0">
+                                      <a:latin typeface="Cambria Math"/>
+                                    </a:rPr>
+                                    <m:t>∗</m:t>
+                                  </m:r>
+                                </m:sup>
+                              </m:sSubSup>
+                              <m:r>
+                                <a:rPr lang="en-US" sz="2400" b="0" i="1" smtClean="0">
+                                  <a:latin typeface="Cambria Math"/>
+                                </a:rPr>
+                                <m:t> [</m:t>
+                              </m:r>
+                              <m:sSub>
+                                <m:sSubPr>
+                                  <m:ctrlPr>
+                                    <a:rPr lang="en-US" sz="2400" b="0" i="1" smtClean="0">
+                                      <a:latin typeface="Cambria Math"/>
+                                    </a:rPr>
+                                  </m:ctrlPr>
+                                </m:sSubPr>
+                                <m:e>
+                                  <m:r>
+                                    <a:rPr lang="en-US" sz="2400" b="0" i="1" smtClean="0">
+                                      <a:latin typeface="Cambria Math"/>
+                                    </a:rPr>
+                                    <m:t>𝑖</m:t>
+                                  </m:r>
+                                </m:e>
+                                <m:sub>
+                                  <m:r>
+                                    <a:rPr lang="en-US" sz="2400" b="0" i="1" smtClean="0">
+                                      <a:latin typeface="Cambria Math"/>
+                                    </a:rPr>
+                                    <m:t>𝑚</m:t>
+                                  </m:r>
+                                </m:sub>
+                              </m:sSub>
+                              <m:r>
+                                <a:rPr lang="en-US" sz="2400" b="0" i="1" smtClean="0">
+                                  <a:latin typeface="Cambria Math"/>
+                                </a:rPr>
+                                <m:t>+</m:t>
+                              </m:r>
+                              <m:r>
+                                <a:rPr lang="en-US" sz="2400" b="0" i="1" smtClean="0">
+                                  <a:latin typeface="Cambria Math"/>
+                                </a:rPr>
+                                <m:t>𝑛</m:t>
+                              </m:r>
+                              <m:r>
+                                <a:rPr lang="en-US" sz="2400" b="0" i="1" smtClean="0">
+                                  <a:latin typeface="Cambria Math"/>
+                                </a:rPr>
+                                <m:t>−</m:t>
+                              </m:r>
+                              <m:r>
+                                <a:rPr lang="en-US" sz="2400" b="0" i="1" smtClean="0">
+                                  <a:latin typeface="Cambria Math"/>
+                                </a:rPr>
+                                <m:t>𝑙</m:t>
+                              </m:r>
+                              <m:r>
+                                <a:rPr lang="en-US" sz="2400" b="0" i="1" smtClean="0">
+                                  <a:latin typeface="Cambria Math"/>
+                                </a:rPr>
+                                <m:t>]</m:t>
+                              </m:r>
+                            </m:e>
+                          </m:nary>
+                        </m:e>
+                      </m:d>
+                    </m:oMath>
+                  </m:oMathPara>
+                </a14:m>
+                <a:endParaRPr lang="en-US" sz="2400" dirty="0" smtClean="0"/>
+              </a:p>
+              <a:p>
+                <a:r>
+                  <a:rPr lang="en-US" sz="2800" dirty="0" smtClean="0"/>
+                  <a:t>Sums over number of pulses M, number of samples per pulse </a:t>
+                </a:r>
+                <a14:m>
+                  <m:oMath xmlns:m="http://schemas.openxmlformats.org/officeDocument/2006/math">
+                    <m:sSub>
+                      <m:sSubPr>
+                        <m:ctrlPr>
+                          <a:rPr lang="en-US" sz="2800" i="1" smtClean="0">
+                            <a:latin typeface="Cambria Math"/>
+                          </a:rPr>
+                        </m:ctrlPr>
+                      </m:sSubPr>
+                      <m:e>
+                        <m:r>
+                          <a:rPr lang="en-US" sz="2800" b="0" i="1" smtClean="0">
+                            <a:latin typeface="Cambria Math"/>
+                          </a:rPr>
+                          <m:t>𝑁</m:t>
+                        </m:r>
+                      </m:e>
+                      <m:sub>
+                        <m:r>
+                          <a:rPr lang="en-US" sz="2800" b="0" i="1" smtClean="0">
+                            <a:latin typeface="Cambria Math"/>
+                          </a:rPr>
+                          <m:t>𝑚</m:t>
+                        </m:r>
+                      </m:sub>
+                    </m:sSub>
+                  </m:oMath>
+                </a14:m>
+                <a:r>
+                  <a:rPr lang="en-US" sz="3000" dirty="0" smtClean="0"/>
+                  <a:t>. Second sum term correlates over time, first correlates over Doppler shift frequency.</a:t>
+                </a:r>
+              </a:p>
+              <a:p>
+                <a:r>
+                  <a:rPr lang="en-US" sz="3000" dirty="0" smtClean="0"/>
+                  <a:t>Intuition: the delayed / Doppler shifted version of the observed signal will correlate well with the ref signal that has same delay and shift applied to it</a:t>
+                </a:r>
+                <a:endParaRPr lang="en-US" sz="3000" dirty="0"/>
+              </a:p>
+            </p:txBody>
+          </p:sp>
+        </mc:Choice>
+        <mc:Fallback>
+          <p:sp>
+            <p:nvSpPr>
+              <p:cNvPr id="3" name="Content Placeholder 2"/>
+              <p:cNvSpPr>
+                <a:spLocks noGrp="1" noRot="1" noChangeAspect="1" noMove="1" noResize="1" noEditPoints="1" noAdjustHandles="1" noChangeArrowheads="1" noChangeShapeType="1" noTextEdit="1"/>
+              </p:cNvSpPr>
+              <p:nvPr>
+                <p:ph idx="1"/>
+              </p:nvPr>
+            </p:nvSpPr>
+            <p:spPr>
+              <a:xfrm>
+                <a:off x="609600" y="1600200"/>
+                <a:ext cx="10972800" cy="4876800"/>
+              </a:xfrm>
+              <a:blipFill rotWithShape="1">
+                <a:blip r:embed="rId2"/>
+                <a:stretch>
+                  <a:fillRect l="-833" t="-2500"/>
+                </a:stretch>
+              </a:blipFill>
+            </p:spPr>
+            <p:txBody>
+              <a:bodyPr/>
+              <a:lstStyle/>
+              <a:p>
+                <a:r>
+                  <a:rPr lang="en-US">
+                    <a:noFill/>
+                  </a:rPr>
+                  <a:t> </a:t>
+                </a:r>
+              </a:p>
+            </p:txBody>
+          </p:sp>
+        </mc:Fallback>
+      </mc:AlternateContent>
+    </p:spTree>
+    <p:extLst>
+      <p:ext uri="{BB962C8B-B14F-4D97-AF65-F5344CB8AC3E}">
+        <p14:creationId xmlns:p14="http://schemas.microsoft.com/office/powerpoint/2010/main" val="539532945"/>
       </p:ext>
     </p:extLst>
   </p:cSld>
@@ -5545,7 +6161,7 @@
   <a:extraClrSchemeLst/>
   <a:extLst>
     <a:ext uri="{05A4C25C-085E-4340-85A3-A5531E510DB2}">
-      <thm15:themeFamily xmlns:thm15="http://schemas.microsoft.com/office/thememl/2012/main" name="Office Theme" id="{62F939B6-93AF-4DB8-9C6B-D6C7DFDC589F}" vid="{4A3C46E8-61CC-4603-A589-7422A47A8E4A}"/>
+      <thm15:themeFamily xmlns:thm15="http://schemas.microsoft.com/office/thememl/2012/main" xmlns="" name="Office Theme" id="{62F939B6-93AF-4DB8-9C6B-D6C7DFDC589F}" vid="{4A3C46E8-61CC-4603-A589-7422A47A8E4A}"/>
     </a:ext>
   </a:extLst>
 </a:theme>
@@ -5806,7 +6422,7 @@
   <a:extraClrSchemeLst/>
   <a:extLst>
     <a:ext uri="{05A4C25C-085E-4340-85A3-A5531E510DB2}">
-      <thm15:themeFamily xmlns:thm15="http://schemas.microsoft.com/office/thememl/2012/main" name="Office Theme" id="{62F939B6-93AF-4DB8-9C6B-D6C7DFDC589F}" vid="{4A3C46E8-61CC-4603-A589-7422A47A8E4A}"/>
+      <thm15:themeFamily xmlns:thm15="http://schemas.microsoft.com/office/thememl/2012/main" xmlns="" name="Office Theme" id="{62F939B6-93AF-4DB8-9C6B-D6C7DFDC589F}" vid="{4A3C46E8-61CC-4603-A589-7422A47A8E4A}"/>
     </a:ext>
   </a:extLst>
 </a:theme>

--- a/presentation.pptx
+++ b/presentation.pptx
@@ -5,7 +5,7 @@
     <p:sldMasterId id="2147483648" r:id="rId1"/>
   </p:sldMasterIdLst>
   <p:notesMasterIdLst>
-    <p:notesMasterId r:id="rId11"/>
+    <p:notesMasterId r:id="rId13"/>
   </p:notesMasterIdLst>
   <p:sldIdLst>
     <p:sldId id="256" r:id="rId2"/>
@@ -16,7 +16,9 @@
     <p:sldId id="266" r:id="rId7"/>
     <p:sldId id="261" r:id="rId8"/>
     <p:sldId id="267" r:id="rId9"/>
-    <p:sldId id="268" r:id="rId10"/>
+    <p:sldId id="269" r:id="rId10"/>
+    <p:sldId id="270" r:id="rId11"/>
+    <p:sldId id="268" r:id="rId12"/>
   </p:sldIdLst>
   <p:sldSz cx="12192000" cy="6858000"/>
   <p:notesSz cx="6858000" cy="9144000"/>
@@ -4037,7 +4039,7 @@
 </p:sld>
 </file>
 
-<file path=ppt/slides/slide2.xml><?xml version="1.0" encoding="utf-8"?>
+<file path=ppt/slides/slide10.xml><?xml version="1.0" encoding="utf-8"?>
 <p:sld xmlns:a="http://schemas.openxmlformats.org/drawingml/2006/main" xmlns:r="http://schemas.openxmlformats.org/officeDocument/2006/relationships" xmlns:p="http://schemas.openxmlformats.org/presentationml/2006/main">
   <p:cSld>
     <p:spTree>
@@ -4071,7 +4073,7 @@
           <a:p>
             <a:r>
               <a:rPr lang="en-US" dirty="0" smtClean="0"/>
-              <a:t>Introduction and Motivation</a:t>
+              <a:t>Forming Range-Doppler Maps</a:t>
             </a:r>
             <a:endParaRPr lang="en-US" dirty="0"/>
           </a:p>
@@ -4094,63 +4096,88 @@
           <a:p>
             <a:r>
               <a:rPr lang="en-US" dirty="0" smtClean="0"/>
-              <a:t>Indoor localization has many applications</a:t>
-            </a:r>
-          </a:p>
-          <a:p>
-            <a:pPr lvl="1"/>
-            <a:r>
-              <a:rPr lang="en-US" dirty="0" smtClean="0"/>
-              <a:t>Supplement to GPS in absence of line of sight to satellites</a:t>
-            </a:r>
-          </a:p>
-          <a:p>
-            <a:pPr lvl="1"/>
-            <a:r>
-              <a:rPr lang="en-US" dirty="0" smtClean="0"/>
-              <a:t>Tracking equipment in factory</a:t>
-            </a:r>
-          </a:p>
-          <a:p>
-            <a:pPr lvl="1"/>
-            <a:r>
-              <a:rPr lang="en-US" dirty="0" smtClean="0"/>
-              <a:t>Search and rescue</a:t>
-            </a:r>
-          </a:p>
-          <a:p>
-            <a:pPr lvl="1"/>
-            <a:r>
-              <a:rPr lang="en-US" dirty="0" smtClean="0"/>
-              <a:t>Law enforcement</a:t>
-            </a:r>
-            <a:endParaRPr lang="en-US" dirty="0"/>
-          </a:p>
-          <a:p>
+              <a:t>Autocorrelation function of simulated </a:t>
+            </a:r>
             <a:r>
               <a:rPr lang="en-US" dirty="0" err="1" smtClean="0"/>
               <a:t>WiFi</a:t>
             </a:r>
             <a:r>
               <a:rPr lang="en-US" dirty="0" smtClean="0"/>
-              <a:t> is widely used in homes and offices, transmissions reflect off walls, furniture, people all the time</a:t>
-            </a:r>
-          </a:p>
-          <a:p>
-            <a:r>
-              <a:rPr lang="en-US" dirty="0" smtClean="0"/>
-              <a:t>Analyzing fading can lead to information about objects’ position and movement</a:t>
-            </a:r>
-          </a:p>
-          <a:p>
+              <a:t> data used in project</a:t>
+            </a:r>
             <a:endParaRPr lang="en-US" dirty="0"/>
           </a:p>
         </p:txBody>
       </p:sp>
+      <p:pic>
+        <p:nvPicPr>
+          <p:cNvPr id="1026" name="Picture 2"/>
+          <p:cNvPicPr>
+            <a:picLocks noChangeAspect="1" noChangeArrowheads="1"/>
+          </p:cNvPicPr>
+          <p:nvPr/>
+        </p:nvPicPr>
+        <p:blipFill>
+          <a:blip r:embed="rId2">
+            <a:extLst>
+              <a:ext uri="{28A0092B-C50C-407E-A947-70E740481C1C}">
+                <a14:useLocalDpi xmlns:a14="http://schemas.microsoft.com/office/drawing/2010/main" val="0"/>
+              </a:ext>
+            </a:extLst>
+          </a:blip>
+          <a:srcRect/>
+          <a:stretch>
+            <a:fillRect/>
+          </a:stretch>
+        </p:blipFill>
+        <p:spPr bwMode="auto">
+          <a:xfrm>
+            <a:off x="2336800" y="2506579"/>
+            <a:ext cx="7315200" cy="4114800"/>
+          </a:xfrm>
+          <a:prstGeom prst="rect">
+            <a:avLst/>
+          </a:prstGeom>
+          <a:noFill/>
+          <a:ln>
+            <a:noFill/>
+          </a:ln>
+          <a:effectLst/>
+          <a:extLst>
+            <a:ext uri="{909E8E84-426E-40DD-AFC4-6F175D3DCCD1}">
+              <a14:hiddenFill xmlns:a14="http://schemas.microsoft.com/office/drawing/2010/main">
+                <a:solidFill>
+                  <a:schemeClr val="accent1"/>
+                </a:solidFill>
+              </a14:hiddenFill>
+            </a:ext>
+            <a:ext uri="{91240B29-F687-4F45-9708-019B960494DF}">
+              <a14:hiddenLine xmlns:a14="http://schemas.microsoft.com/office/drawing/2010/main" w="9525">
+                <a:solidFill>
+                  <a:schemeClr val="tx1"/>
+                </a:solidFill>
+                <a:miter lim="800000"/>
+                <a:headEnd/>
+                <a:tailEnd/>
+              </a14:hiddenLine>
+            </a:ext>
+            <a:ext uri="{AF507438-7753-43E0-B8FC-AC1667EBCBE1}">
+              <a14:hiddenEffects xmlns:a14="http://schemas.microsoft.com/office/drawing/2010/main">
+                <a:effectLst>
+                  <a:outerShdw dist="35921" dir="2700000" algn="ctr" rotWithShape="0">
+                    <a:schemeClr val="bg2"/>
+                  </a:outerShdw>
+                </a:effectLst>
+              </a14:hiddenEffects>
+            </a:ext>
+          </a:extLst>
+        </p:spPr>
+      </p:pic>
     </p:spTree>
     <p:extLst>
       <p:ext uri="{BB962C8B-B14F-4D97-AF65-F5344CB8AC3E}">
-        <p14:creationId xmlns:p14="http://schemas.microsoft.com/office/powerpoint/2010/main" val="753707166"/>
+        <p14:creationId xmlns:p14="http://schemas.microsoft.com/office/powerpoint/2010/main" val="2498023344"/>
       </p:ext>
     </p:extLst>
   </p:cSld>
@@ -4160,1123 +4187,7 @@
 </p:sld>
 </file>
 
-<file path=ppt/slides/slide3.xml><?xml version="1.0" encoding="utf-8"?>
-<p:sld xmlns:a="http://schemas.openxmlformats.org/drawingml/2006/main" xmlns:r="http://schemas.openxmlformats.org/officeDocument/2006/relationships" xmlns:p="http://schemas.openxmlformats.org/presentationml/2006/main">
-  <p:cSld>
-    <p:spTree>
-      <p:nvGrpSpPr>
-        <p:cNvPr id="1" name=""/>
-        <p:cNvGrpSpPr/>
-        <p:nvPr/>
-      </p:nvGrpSpPr>
-      <p:grpSpPr>
-        <a:xfrm>
-          <a:off x="0" y="0"/>
-          <a:ext cx="0" cy="0"/>
-          <a:chOff x="0" y="0"/>
-          <a:chExt cx="0" cy="0"/>
-        </a:xfrm>
-      </p:grpSpPr>
-      <p:sp>
-        <p:nvSpPr>
-          <p:cNvPr id="2" name="Title 1"/>
-          <p:cNvSpPr>
-            <a:spLocks noGrp="1"/>
-          </p:cNvSpPr>
-          <p:nvPr>
-            <p:ph type="title"/>
-          </p:nvPr>
-        </p:nvSpPr>
-        <p:spPr/>
-        <p:txBody>
-          <a:bodyPr/>
-          <a:lstStyle/>
-          <a:p>
-            <a:r>
-              <a:rPr lang="en-US" dirty="0" smtClean="0"/>
-              <a:t>Problem Statement</a:t>
-            </a:r>
-            <a:endParaRPr lang="en-US" dirty="0"/>
-          </a:p>
-        </p:txBody>
-      </p:sp>
-      <p:sp>
-        <p:nvSpPr>
-          <p:cNvPr id="3" name="Content Placeholder 2"/>
-          <p:cNvSpPr>
-            <a:spLocks noGrp="1"/>
-          </p:cNvSpPr>
-          <p:nvPr>
-            <p:ph idx="1"/>
-          </p:nvPr>
-        </p:nvSpPr>
-        <p:spPr/>
-        <p:txBody>
-          <a:bodyPr/>
-          <a:lstStyle/>
-          <a:p>
-            <a:r>
-              <a:rPr lang="en-US" dirty="0" smtClean="0"/>
-              <a:t>Is it feasible to detect the position and speed of a uncooperative target inside a building using signals from an existing </a:t>
-            </a:r>
-            <a:r>
-              <a:rPr lang="en-US" dirty="0" err="1" smtClean="0"/>
-              <a:t>WiFi</a:t>
-            </a:r>
-            <a:r>
-              <a:rPr lang="en-US" dirty="0" smtClean="0"/>
-              <a:t> network?</a:t>
-            </a:r>
-          </a:p>
-          <a:p>
-            <a:r>
-              <a:rPr lang="en-US" dirty="0" smtClean="0"/>
-              <a:t>Assumptions:</a:t>
-            </a:r>
-          </a:p>
-          <a:p>
-            <a:pPr lvl="1"/>
-            <a:r>
-              <a:rPr lang="en-US" dirty="0" smtClean="0"/>
-              <a:t>Transmitter (</a:t>
-            </a:r>
-            <a:r>
-              <a:rPr lang="en-US" dirty="0" err="1" smtClean="0"/>
-              <a:t>WiFi</a:t>
-            </a:r>
-            <a:r>
-              <a:rPr lang="en-US" dirty="0" smtClean="0"/>
-              <a:t> router) position known</a:t>
-            </a:r>
-          </a:p>
-          <a:p>
-            <a:pPr lvl="1"/>
-            <a:r>
-              <a:rPr lang="en-US" dirty="0" smtClean="0"/>
-              <a:t>Transmitter using 802.11g based on OFDM at 2.4GHz</a:t>
-            </a:r>
-          </a:p>
-          <a:p>
-            <a:r>
-              <a:rPr lang="en-US" dirty="0" smtClean="0"/>
-              <a:t>Main idea: apply radar techniques and understanding of wireless communication protocols </a:t>
-            </a:r>
-          </a:p>
-          <a:p>
-            <a:endParaRPr lang="en-US" dirty="0"/>
-          </a:p>
-          <a:p>
-            <a:r>
-              <a:rPr lang="en-US" dirty="0" smtClean="0"/>
-              <a:t>TODO radar formulas</a:t>
-            </a:r>
-            <a:endParaRPr lang="en-US" dirty="0"/>
-          </a:p>
-        </p:txBody>
-      </p:sp>
-    </p:spTree>
-    <p:extLst>
-      <p:ext uri="{BB962C8B-B14F-4D97-AF65-F5344CB8AC3E}">
-        <p14:creationId xmlns:p14="http://schemas.microsoft.com/office/powerpoint/2010/main" val="2068994936"/>
-      </p:ext>
-    </p:extLst>
-  </p:cSld>
-  <p:clrMapOvr>
-    <a:masterClrMapping/>
-  </p:clrMapOvr>
-</p:sld>
-</file>
-
-<file path=ppt/slides/slide4.xml><?xml version="1.0" encoding="utf-8"?>
-<p:sld xmlns:a="http://schemas.openxmlformats.org/drawingml/2006/main" xmlns:r="http://schemas.openxmlformats.org/officeDocument/2006/relationships" xmlns:p="http://schemas.openxmlformats.org/presentationml/2006/main">
-  <p:cSld>
-    <p:spTree>
-      <p:nvGrpSpPr>
-        <p:cNvPr id="1" name=""/>
-        <p:cNvGrpSpPr/>
-        <p:nvPr/>
-      </p:nvGrpSpPr>
-      <p:grpSpPr>
-        <a:xfrm>
-          <a:off x="0" y="0"/>
-          <a:ext cx="0" cy="0"/>
-          <a:chOff x="0" y="0"/>
-          <a:chExt cx="0" cy="0"/>
-        </a:xfrm>
-      </p:grpSpPr>
-      <p:sp>
-        <p:nvSpPr>
-          <p:cNvPr id="2" name="Title 1"/>
-          <p:cNvSpPr>
-            <a:spLocks noGrp="1"/>
-          </p:cNvSpPr>
-          <p:nvPr>
-            <p:ph type="title"/>
-          </p:nvPr>
-        </p:nvSpPr>
-        <p:spPr/>
-        <p:txBody>
-          <a:bodyPr/>
-          <a:lstStyle/>
-          <a:p>
-            <a:r>
-              <a:rPr lang="en-US" dirty="0" smtClean="0"/>
-              <a:t>Approach</a:t>
-            </a:r>
-            <a:endParaRPr lang="en-US" dirty="0"/>
-          </a:p>
-        </p:txBody>
-      </p:sp>
-      <mc:AlternateContent xmlns:mc="http://schemas.openxmlformats.org/markup-compatibility/2006" xmlns:a14="http://schemas.microsoft.com/office/drawing/2010/main">
-        <mc:Choice Requires="a14">
-          <p:sp>
-            <p:nvSpPr>
-              <p:cNvPr id="3" name="Content Placeholder 2"/>
-              <p:cNvSpPr>
-                <a:spLocks noGrp="1"/>
-              </p:cNvSpPr>
-              <p:nvPr>
-                <p:ph idx="1"/>
-              </p:nvPr>
-            </p:nvSpPr>
-            <p:spPr/>
-            <p:txBody>
-              <a:bodyPr>
-                <a:normAutofit lnSpcReduction="10000"/>
-              </a:bodyPr>
-              <a:lstStyle/>
-              <a:p>
-                <a:r>
-                  <a:rPr lang="en-US" dirty="0" smtClean="0"/>
-                  <a:t>Develop a simulation of indoor fading with walls and a moving target</a:t>
-                </a:r>
-              </a:p>
-              <a:p>
-                <a:pPr lvl="1"/>
-                <a:r>
-                  <a:rPr lang="en-US" dirty="0" smtClean="0"/>
-                  <a:t>Receiver sees not only the transmissions from the router but also reflections of the moving target</a:t>
-                </a:r>
-              </a:p>
-              <a:p>
-                <a:pPr lvl="1"/>
-                <a:r>
-                  <a:rPr lang="en-US" dirty="0" smtClean="0"/>
-                  <a:t>Model </a:t>
-                </a:r>
-                <a14:m>
-                  <m:oMath xmlns:m="http://schemas.openxmlformats.org/officeDocument/2006/math">
-                    <m:r>
-                      <a:rPr lang="en-US" b="0" i="1" smtClean="0">
-                        <a:latin typeface="Cambria Math" panose="02040503050406030204" pitchFamily="18" charset="0"/>
-                      </a:rPr>
-                      <m:t>h</m:t>
-                    </m:r>
-                    <m:d>
-                      <m:dPr>
-                        <m:ctrlPr>
-                          <a:rPr lang="en-US" b="0" i="1" smtClean="0">
-                            <a:latin typeface="Cambria Math"/>
-                          </a:rPr>
-                        </m:ctrlPr>
-                      </m:dPr>
-                      <m:e>
-                        <m:r>
-                          <a:rPr lang="en-US" b="0" i="1" smtClean="0">
-                            <a:latin typeface="Cambria Math" panose="02040503050406030204" pitchFamily="18" charset="0"/>
-                          </a:rPr>
-                          <m:t>𝑡</m:t>
-                        </m:r>
-                      </m:e>
-                    </m:d>
-                    <m:r>
-                      <a:rPr lang="en-US" b="0" i="1" smtClean="0">
-                        <a:latin typeface="Cambria Math" panose="02040503050406030204" pitchFamily="18" charset="0"/>
-                      </a:rPr>
-                      <m:t>=</m:t>
-                    </m:r>
-                    <m:nary>
-                      <m:naryPr>
-                        <m:chr m:val="∑"/>
-                        <m:ctrlPr>
-                          <a:rPr lang="en-US" b="0" i="1" smtClean="0">
-                            <a:latin typeface="Cambria Math"/>
-                          </a:rPr>
-                        </m:ctrlPr>
-                      </m:naryPr>
-                      <m:sub>
-                        <m:r>
-                          <m:rPr>
-                            <m:brk m:alnAt="23"/>
-                          </m:rPr>
-                          <a:rPr lang="en-US" b="0" i="1" smtClean="0">
-                            <a:latin typeface="Cambria Math" panose="02040503050406030204" pitchFamily="18" charset="0"/>
-                          </a:rPr>
-                          <m:t>𝑘</m:t>
-                        </m:r>
-                        <m:r>
-                          <a:rPr lang="en-US" b="0" i="1" smtClean="0">
-                            <a:latin typeface="Cambria Math" panose="02040503050406030204" pitchFamily="18" charset="0"/>
-                          </a:rPr>
-                          <m:t>=0</m:t>
-                        </m:r>
-                      </m:sub>
-                      <m:sup>
-                        <m:r>
-                          <a:rPr lang="en-US" b="0" i="1" smtClean="0">
-                            <a:latin typeface="Cambria Math" panose="02040503050406030204" pitchFamily="18" charset="0"/>
-                          </a:rPr>
-                          <m:t>𝑛</m:t>
-                        </m:r>
-                      </m:sup>
-                      <m:e>
-                        <m:sSub>
-                          <m:sSubPr>
-                            <m:ctrlPr>
-                              <a:rPr lang="en-US" b="0" i="1" smtClean="0">
-                                <a:latin typeface="Cambria Math"/>
-                              </a:rPr>
-                            </m:ctrlPr>
-                          </m:sSubPr>
-                          <m:e>
-                            <m:r>
-                              <a:rPr lang="en-US" b="0" i="1" smtClean="0">
-                                <a:latin typeface="Cambria Math" panose="02040503050406030204" pitchFamily="18" charset="0"/>
-                              </a:rPr>
-                              <m:t>𝐴</m:t>
-                            </m:r>
-                          </m:e>
-                          <m:sub>
-                            <m:r>
-                              <a:rPr lang="en-US" b="0" i="1" smtClean="0">
-                                <a:latin typeface="Cambria Math" panose="02040503050406030204" pitchFamily="18" charset="0"/>
-                              </a:rPr>
-                              <m:t>𝑘</m:t>
-                            </m:r>
-                          </m:sub>
-                        </m:sSub>
-                        <m:sSup>
-                          <m:sSupPr>
-                            <m:ctrlPr>
-                              <a:rPr lang="en-US" b="0" i="1" smtClean="0">
-                                <a:latin typeface="Cambria Math"/>
-                              </a:rPr>
-                            </m:ctrlPr>
-                          </m:sSupPr>
-                          <m:e>
-                            <m:r>
-                              <a:rPr lang="en-US" b="0" i="1" smtClean="0">
-                                <a:latin typeface="Cambria Math" panose="02040503050406030204" pitchFamily="18" charset="0"/>
-                              </a:rPr>
-                              <m:t>𝑒</m:t>
-                            </m:r>
-                          </m:e>
-                          <m:sup>
-                            <m:r>
-                              <a:rPr lang="en-US" b="0" i="1" smtClean="0">
-                                <a:latin typeface="Cambria Math" panose="02040503050406030204" pitchFamily="18" charset="0"/>
-                              </a:rPr>
-                              <m:t>−</m:t>
-                            </m:r>
-                            <m:r>
-                              <a:rPr lang="en-US" b="0" i="1" smtClean="0">
-                                <a:latin typeface="Cambria Math" panose="02040503050406030204" pitchFamily="18" charset="0"/>
-                              </a:rPr>
-                              <m:t>𝑖</m:t>
-                            </m:r>
-                            <m:sSub>
-                              <m:sSubPr>
-                                <m:ctrlPr>
-                                  <a:rPr lang="en-US" b="0" i="1" smtClean="0">
-                                    <a:latin typeface="Cambria Math"/>
-                                    <a:ea typeface="Cambria Math" panose="02040503050406030204" pitchFamily="18" charset="0"/>
-                                  </a:rPr>
-                                </m:ctrlPr>
-                              </m:sSubPr>
-                              <m:e>
-                                <m:r>
-                                  <a:rPr lang="en-US" b="0" i="1" smtClean="0">
-                                    <a:latin typeface="Cambria Math" panose="02040503050406030204" pitchFamily="18" charset="0"/>
-                                    <a:ea typeface="Cambria Math" panose="02040503050406030204" pitchFamily="18" charset="0"/>
-                                  </a:rPr>
-                                  <m:t>𝜃</m:t>
-                                </m:r>
-                              </m:e>
-                              <m:sub>
-                                <m:r>
-                                  <a:rPr lang="en-US" b="0" i="1" smtClean="0">
-                                    <a:latin typeface="Cambria Math" panose="02040503050406030204" pitchFamily="18" charset="0"/>
-                                    <a:ea typeface="Cambria Math" panose="02040503050406030204" pitchFamily="18" charset="0"/>
-                                  </a:rPr>
-                                  <m:t>𝑘</m:t>
-                                </m:r>
-                              </m:sub>
-                            </m:sSub>
-                          </m:sup>
-                        </m:sSup>
-                        <m:r>
-                          <a:rPr lang="en-US" b="0" i="1" smtClean="0">
-                            <a:latin typeface="Cambria Math" panose="02040503050406030204" pitchFamily="18" charset="0"/>
-                            <a:ea typeface="Cambria Math" panose="02040503050406030204" pitchFamily="18" charset="0"/>
-                          </a:rPr>
-                          <m:t>𝛿</m:t>
-                        </m:r>
-                        <m:r>
-                          <a:rPr lang="en-US" b="0" i="1" smtClean="0">
-                            <a:latin typeface="Cambria Math" panose="02040503050406030204" pitchFamily="18" charset="0"/>
-                            <a:ea typeface="Cambria Math" panose="02040503050406030204" pitchFamily="18" charset="0"/>
-                          </a:rPr>
-                          <m:t>(</m:t>
-                        </m:r>
-                        <m:r>
-                          <a:rPr lang="en-US" b="0" i="1" smtClean="0">
-                            <a:latin typeface="Cambria Math" panose="02040503050406030204" pitchFamily="18" charset="0"/>
-                            <a:ea typeface="Cambria Math" panose="02040503050406030204" pitchFamily="18" charset="0"/>
-                          </a:rPr>
-                          <m:t>𝑡</m:t>
-                        </m:r>
-                        <m:r>
-                          <a:rPr lang="en-US" b="0" i="1" smtClean="0">
-                            <a:latin typeface="Cambria Math" panose="02040503050406030204" pitchFamily="18" charset="0"/>
-                            <a:ea typeface="Cambria Math" panose="02040503050406030204" pitchFamily="18" charset="0"/>
-                          </a:rPr>
-                          <m:t>−</m:t>
-                        </m:r>
-                        <m:sSub>
-                          <m:sSubPr>
-                            <m:ctrlPr>
-                              <a:rPr lang="en-US" b="0" i="1" smtClean="0">
-                                <a:latin typeface="Cambria Math"/>
-                                <a:ea typeface="Cambria Math" panose="02040503050406030204" pitchFamily="18" charset="0"/>
-                              </a:rPr>
-                            </m:ctrlPr>
-                          </m:sSubPr>
-                          <m:e>
-                            <m:r>
-                              <a:rPr lang="en-US" b="0" i="1" smtClean="0">
-                                <a:latin typeface="Cambria Math" panose="02040503050406030204" pitchFamily="18" charset="0"/>
-                                <a:ea typeface="Cambria Math" panose="02040503050406030204" pitchFamily="18" charset="0"/>
-                              </a:rPr>
-                              <m:t>𝜏</m:t>
-                            </m:r>
-                          </m:e>
-                          <m:sub>
-                            <m:r>
-                              <a:rPr lang="en-US" b="0" i="1" smtClean="0">
-                                <a:latin typeface="Cambria Math" panose="02040503050406030204" pitchFamily="18" charset="0"/>
-                                <a:ea typeface="Cambria Math" panose="02040503050406030204" pitchFamily="18" charset="0"/>
-                              </a:rPr>
-                              <m:t>𝑘</m:t>
-                            </m:r>
-                          </m:sub>
-                        </m:sSub>
-                        <m:r>
-                          <a:rPr lang="en-US" b="0" i="1" smtClean="0">
-                            <a:latin typeface="Cambria Math" panose="02040503050406030204" pitchFamily="18" charset="0"/>
-                            <a:ea typeface="Cambria Math" panose="02040503050406030204" pitchFamily="18" charset="0"/>
-                          </a:rPr>
-                          <m:t>)</m:t>
-                        </m:r>
-                      </m:e>
-                    </m:nary>
-                  </m:oMath>
-                </a14:m>
-                <a:endParaRPr lang="en-US" b="0" dirty="0" smtClean="0"/>
-              </a:p>
-              <a:p>
-                <a:pPr lvl="1"/>
-                <a:r>
-                  <a:rPr lang="en-US" b="0" dirty="0" smtClean="0"/>
-                  <a:t>Use ray tracing to sample the impulse response</a:t>
-                </a:r>
-              </a:p>
-              <a:p>
-                <a:pPr lvl="1"/>
-                <a:r>
-                  <a:rPr lang="en-US" dirty="0" smtClean="0"/>
-                  <a:t>Track gains, phase shifts, and propagation delays</a:t>
-                </a:r>
-              </a:p>
-              <a:p>
-                <a:pPr lvl="1"/>
-                <a:r>
-                  <a:rPr lang="en-US" dirty="0" smtClean="0"/>
-                  <a:t>How does the channel </a:t>
-                </a:r>
-                <a14:m>
-                  <m:oMath xmlns:m="http://schemas.openxmlformats.org/officeDocument/2006/math">
-                    <m:sSub>
-                      <m:sSubPr>
-                        <m:ctrlPr>
-                          <a:rPr lang="en-US" b="0" i="1" smtClean="0">
-                            <a:latin typeface="Cambria Math"/>
-                          </a:rPr>
-                        </m:ctrlPr>
-                      </m:sSubPr>
-                      <m:e>
-                        <m:r>
-                          <a:rPr lang="en-US" b="0" i="1" smtClean="0">
-                            <a:latin typeface="Cambria Math" panose="02040503050406030204" pitchFamily="18" charset="0"/>
-                          </a:rPr>
-                          <m:t>h</m:t>
-                        </m:r>
-                      </m:e>
-                      <m:sub>
-                        <m:r>
-                          <a:rPr lang="en-US" b="0" i="1" smtClean="0">
-                            <a:latin typeface="Cambria Math" panose="02040503050406030204" pitchFamily="18" charset="0"/>
-                          </a:rPr>
-                          <m:t>𝑙</m:t>
-                        </m:r>
-                      </m:sub>
-                    </m:sSub>
-                    <m:d>
-                      <m:dPr>
-                        <m:begChr m:val="["/>
-                        <m:endChr m:val="]"/>
-                        <m:ctrlPr>
-                          <a:rPr lang="en-US" b="0" i="1" smtClean="0">
-                            <a:latin typeface="Cambria Math"/>
-                          </a:rPr>
-                        </m:ctrlPr>
-                      </m:dPr>
-                      <m:e>
-                        <m:r>
-                          <a:rPr lang="en-US" b="0" i="1" smtClean="0">
-                            <a:latin typeface="Cambria Math" panose="02040503050406030204" pitchFamily="18" charset="0"/>
-                          </a:rPr>
-                          <m:t>𝑚</m:t>
-                        </m:r>
-                      </m:e>
-                    </m:d>
-                  </m:oMath>
-                </a14:m>
-                <a:r>
-                  <a:rPr lang="en-US" dirty="0" smtClean="0"/>
-                  <a:t> change as the target moves?</a:t>
-                </a:r>
-              </a:p>
-              <a:p>
-                <a:r>
-                  <a:rPr lang="en-US" dirty="0" smtClean="0"/>
-                  <a:t>Simulate OFDM transmissions over the channel </a:t>
-                </a:r>
-              </a:p>
-              <a:p>
-                <a:pPr lvl="1"/>
-                <a:r>
-                  <a:rPr lang="en-US" dirty="0" smtClean="0"/>
-                  <a:t>All 802.11g data rates</a:t>
-                </a:r>
-              </a:p>
-              <a:p>
-                <a:pPr lvl="1"/>
-                <a:r>
-                  <a:rPr lang="en-US" dirty="0" smtClean="0"/>
-                  <a:t>Assume OFDM symbols constantly transmitted</a:t>
-                </a:r>
-                <a:endParaRPr lang="en-US" dirty="0"/>
-              </a:p>
-              <a:p>
-                <a:r>
-                  <a:rPr lang="en-US" dirty="0" smtClean="0"/>
-                  <a:t>Use radar techniques to correlate transmitted and received signal</a:t>
-                </a:r>
-              </a:p>
-            </p:txBody>
-          </p:sp>
-        </mc:Choice>
-        <mc:Fallback xmlns="">
-          <p:sp>
-            <p:nvSpPr>
-              <p:cNvPr id="3" name="Content Placeholder 2"/>
-              <p:cNvSpPr>
-                <a:spLocks noGrp="1" noRot="1" noChangeAspect="1" noMove="1" noResize="1" noEditPoints="1" noAdjustHandles="1" noChangeArrowheads="1" noChangeShapeType="1" noTextEdit="1"/>
-              </p:cNvSpPr>
-              <p:nvPr>
-                <p:ph idx="1"/>
-              </p:nvPr>
-            </p:nvSpPr>
-            <p:spPr>
-              <a:blipFill rotWithShape="0">
-                <a:blip r:embed="rId3"/>
-                <a:stretch>
-                  <a:fillRect l="-1043" t="-3081" b="-140"/>
-                </a:stretch>
-              </a:blipFill>
-            </p:spPr>
-            <p:txBody>
-              <a:bodyPr/>
-              <a:lstStyle/>
-              <a:p>
-                <a:r>
-                  <a:rPr lang="en-US">
-                    <a:noFill/>
-                  </a:rPr>
-                  <a:t> </a:t>
-                </a:r>
-              </a:p>
-            </p:txBody>
-          </p:sp>
-        </mc:Fallback>
-      </mc:AlternateContent>
-    </p:spTree>
-    <p:extLst>
-      <p:ext uri="{BB962C8B-B14F-4D97-AF65-F5344CB8AC3E}">
-        <p14:creationId xmlns:p14="http://schemas.microsoft.com/office/powerpoint/2010/main" val="3806675125"/>
-      </p:ext>
-    </p:extLst>
-  </p:cSld>
-  <p:clrMapOvr>
-    <a:masterClrMapping/>
-  </p:clrMapOvr>
-</p:sld>
-</file>
-
-<file path=ppt/slides/slide5.xml><?xml version="1.0" encoding="utf-8"?>
-<p:sld xmlns:a="http://schemas.openxmlformats.org/drawingml/2006/main" xmlns:r="http://schemas.openxmlformats.org/officeDocument/2006/relationships" xmlns:p="http://schemas.openxmlformats.org/presentationml/2006/main">
-  <p:cSld>
-    <p:spTree>
-      <p:nvGrpSpPr>
-        <p:cNvPr id="1" name=""/>
-        <p:cNvGrpSpPr/>
-        <p:nvPr/>
-      </p:nvGrpSpPr>
-      <p:grpSpPr>
-        <a:xfrm>
-          <a:off x="0" y="0"/>
-          <a:ext cx="0" cy="0"/>
-          <a:chOff x="0" y="0"/>
-          <a:chExt cx="0" cy="0"/>
-        </a:xfrm>
-      </p:grpSpPr>
-      <p:sp>
-        <p:nvSpPr>
-          <p:cNvPr id="2" name="Title 1"/>
-          <p:cNvSpPr>
-            <a:spLocks noGrp="1"/>
-          </p:cNvSpPr>
-          <p:nvPr>
-            <p:ph type="title"/>
-          </p:nvPr>
-        </p:nvSpPr>
-        <p:spPr/>
-        <p:txBody>
-          <a:bodyPr/>
-          <a:lstStyle/>
-          <a:p>
-            <a:r>
-              <a:rPr lang="en-US" dirty="0" smtClean="0"/>
-              <a:t>Simulating the Indoor Channel</a:t>
-            </a:r>
-            <a:endParaRPr lang="en-US" dirty="0"/>
-          </a:p>
-        </p:txBody>
-      </p:sp>
-      <mc:AlternateContent xmlns:mc="http://schemas.openxmlformats.org/markup-compatibility/2006" xmlns:a14="http://schemas.microsoft.com/office/drawing/2010/main">
-        <mc:Choice Requires="a14">
-          <p:sp>
-            <p:nvSpPr>
-              <p:cNvPr id="3" name="Content Placeholder 2"/>
-              <p:cNvSpPr>
-                <a:spLocks noGrp="1"/>
-              </p:cNvSpPr>
-              <p:nvPr>
-                <p:ph idx="1"/>
-              </p:nvPr>
-            </p:nvSpPr>
-            <p:spPr/>
-            <p:txBody>
-              <a:bodyPr>
-                <a:normAutofit lnSpcReduction="10000"/>
-              </a:bodyPr>
-              <a:lstStyle/>
-              <a:p>
-                <a:r>
-                  <a:rPr lang="en-US" dirty="0" smtClean="0"/>
-                  <a:t>Develop a ray tracing simulation to estimate the impulse response</a:t>
-                </a:r>
-              </a:p>
-              <a:p>
-                <a:r>
-                  <a:rPr lang="en-US" dirty="0" smtClean="0"/>
-                  <a:t>Simplifications:</a:t>
-                </a:r>
-              </a:p>
-              <a:p>
-                <a:pPr lvl="1"/>
-                <a:r>
-                  <a:rPr lang="en-US" dirty="0" smtClean="0"/>
-                  <a:t>Consider single floor building with no reflection from ceiling or floor</a:t>
-                </a:r>
-              </a:p>
-              <a:p>
-                <a:pPr lvl="1"/>
-                <a:r>
-                  <a:rPr lang="en-US" dirty="0" smtClean="0"/>
-                  <a:t>Walls both reflect (</a:t>
-                </a:r>
-                <a14:m>
-                  <m:oMath xmlns:m="http://schemas.openxmlformats.org/officeDocument/2006/math">
-                    <m:sSub>
-                      <m:sSubPr>
-                        <m:ctrlPr>
-                          <a:rPr lang="en-US" i="1" smtClean="0">
-                            <a:latin typeface="Cambria Math"/>
-                          </a:rPr>
-                        </m:ctrlPr>
-                      </m:sSubPr>
-                      <m:e>
-                        <m:r>
-                          <a:rPr lang="en-US" b="0" i="1" smtClean="0">
-                            <a:latin typeface="Cambria Math" panose="02040503050406030204" pitchFamily="18" charset="0"/>
-                          </a:rPr>
-                          <m:t>𝐴</m:t>
-                        </m:r>
-                      </m:e>
-                      <m:sub>
-                        <m:r>
-                          <a:rPr lang="en-US" b="0" i="1" smtClean="0">
-                            <a:latin typeface="Cambria Math" panose="02040503050406030204" pitchFamily="18" charset="0"/>
-                          </a:rPr>
-                          <m:t>𝑟𝑒𝑓𝑙</m:t>
-                        </m:r>
-                      </m:sub>
-                    </m:sSub>
-                    <m:r>
-                      <a:rPr lang="en-US" b="0" i="1" smtClean="0">
-                        <a:latin typeface="Cambria Math" panose="02040503050406030204" pitchFamily="18" charset="0"/>
-                      </a:rPr>
-                      <m:t>=0.7)</m:t>
-                    </m:r>
-                  </m:oMath>
-                </a14:m>
-                <a:r>
-                  <a:rPr lang="en-US" dirty="0" smtClean="0"/>
-                  <a:t> and transmit </a:t>
-                </a:r>
-                <a14:m>
-                  <m:oMath xmlns:m="http://schemas.openxmlformats.org/officeDocument/2006/math">
-                    <m:r>
-                      <a:rPr lang="en-US" b="0" i="1" smtClean="0">
-                        <a:latin typeface="Cambria Math" panose="02040503050406030204" pitchFamily="18" charset="0"/>
-                      </a:rPr>
-                      <m:t>(</m:t>
-                    </m:r>
-                    <m:sSub>
-                      <m:sSubPr>
-                        <m:ctrlPr>
-                          <a:rPr lang="en-US" b="0" i="1" smtClean="0">
-                            <a:latin typeface="Cambria Math"/>
-                          </a:rPr>
-                        </m:ctrlPr>
-                      </m:sSubPr>
-                      <m:e>
-                        <m:r>
-                          <a:rPr lang="en-US" b="0" i="1" smtClean="0">
-                            <a:latin typeface="Cambria Math" panose="02040503050406030204" pitchFamily="18" charset="0"/>
-                          </a:rPr>
-                          <m:t>𝐴</m:t>
-                        </m:r>
-                      </m:e>
-                      <m:sub>
-                        <m:r>
-                          <a:rPr lang="en-US" b="0" i="1" smtClean="0">
-                            <a:latin typeface="Cambria Math" panose="02040503050406030204" pitchFamily="18" charset="0"/>
-                          </a:rPr>
-                          <m:t>𝑡𝑟𝑎𝑛𝑠</m:t>
-                        </m:r>
-                      </m:sub>
-                    </m:sSub>
-                    <m:r>
-                      <a:rPr lang="en-US" b="0" i="1" smtClean="0">
-                        <a:latin typeface="Cambria Math" panose="02040503050406030204" pitchFamily="18" charset="0"/>
-                      </a:rPr>
-                      <m:t>=0.5)</m:t>
-                    </m:r>
-                  </m:oMath>
-                </a14:m>
-                <a:r>
-                  <a:rPr lang="en-US" dirty="0"/>
-                  <a:t> some energy </a:t>
-                </a:r>
-                <a:endParaRPr lang="en-US" dirty="0" smtClean="0"/>
-              </a:p>
-              <a:p>
-                <a:pPr lvl="1"/>
-                <a:r>
-                  <a:rPr lang="en-US" dirty="0" smtClean="0"/>
-                  <a:t>A moving target also reflects and transmits some energy</a:t>
-                </a:r>
-              </a:p>
-              <a:p>
-                <a:r>
-                  <a:rPr lang="en-US" dirty="0" smtClean="0"/>
-                  <a:t>Techniques based on “A graphical indoor radio channel simulator using 2D ray tracing” by Holt and </a:t>
-                </a:r>
-                <a:r>
-                  <a:rPr lang="en-US" dirty="0" err="1" smtClean="0"/>
-                  <a:t>Pahlavan</a:t>
-                </a:r>
-                <a:endParaRPr lang="en-US" dirty="0" smtClean="0"/>
-              </a:p>
-              <a:p>
-                <a:r>
-                  <a:rPr lang="en-US" dirty="0" smtClean="0"/>
-                  <a:t>Intuition: As distance to target changes, the subset of taps </a:t>
-                </a:r>
-                <a14:m>
-                  <m:oMath xmlns:m="http://schemas.openxmlformats.org/officeDocument/2006/math">
-                    <m:sSub>
-                      <m:sSubPr>
-                        <m:ctrlPr>
-                          <a:rPr lang="en-US" b="0" i="1" smtClean="0">
-                            <a:latin typeface="Cambria Math"/>
-                          </a:rPr>
-                        </m:ctrlPr>
-                      </m:sSubPr>
-                      <m:e>
-                        <m:r>
-                          <a:rPr lang="en-US" b="0" i="1" smtClean="0">
-                            <a:latin typeface="Cambria Math" panose="02040503050406030204" pitchFamily="18" charset="0"/>
-                          </a:rPr>
-                          <m:t>h</m:t>
-                        </m:r>
-                      </m:e>
-                      <m:sub>
-                        <m:r>
-                          <a:rPr lang="en-US" b="0" i="1" smtClean="0">
-                            <a:latin typeface="Cambria Math" panose="02040503050406030204" pitchFamily="18" charset="0"/>
-                          </a:rPr>
-                          <m:t>𝑙</m:t>
-                        </m:r>
-                      </m:sub>
-                    </m:sSub>
-                    <m:d>
-                      <m:dPr>
-                        <m:begChr m:val="["/>
-                        <m:endChr m:val="]"/>
-                        <m:ctrlPr>
-                          <a:rPr lang="en-US" b="0" i="1" smtClean="0">
-                            <a:latin typeface="Cambria Math"/>
-                          </a:rPr>
-                        </m:ctrlPr>
-                      </m:dPr>
-                      <m:e>
-                        <m:r>
-                          <a:rPr lang="en-US" b="0" i="1" smtClean="0">
-                            <a:latin typeface="Cambria Math" panose="02040503050406030204" pitchFamily="18" charset="0"/>
-                          </a:rPr>
-                          <m:t>𝑚</m:t>
-                        </m:r>
-                      </m:e>
-                    </m:d>
-                  </m:oMath>
-                </a14:m>
-                <a:r>
-                  <a:rPr lang="en-US" dirty="0" smtClean="0"/>
-                  <a:t> from reflections of target will shift in amplitude, phase, and propagation delay</a:t>
-                </a:r>
-              </a:p>
-            </p:txBody>
-          </p:sp>
-        </mc:Choice>
-        <mc:Fallback xmlns="">
-          <p:sp>
-            <p:nvSpPr>
-              <p:cNvPr id="3" name="Content Placeholder 2"/>
-              <p:cNvSpPr>
-                <a:spLocks noGrp="1" noRot="1" noChangeAspect="1" noMove="1" noResize="1" noEditPoints="1" noAdjustHandles="1" noChangeArrowheads="1" noChangeShapeType="1" noTextEdit="1"/>
-              </p:cNvSpPr>
-              <p:nvPr>
-                <p:ph idx="1"/>
-              </p:nvPr>
-            </p:nvSpPr>
-            <p:spPr>
-              <a:blipFill rotWithShape="0">
-                <a:blip r:embed="rId3"/>
-                <a:stretch>
-                  <a:fillRect l="-1043" t="-3081" r="-1855"/>
-                </a:stretch>
-              </a:blipFill>
-            </p:spPr>
-            <p:txBody>
-              <a:bodyPr/>
-              <a:lstStyle/>
-              <a:p>
-                <a:r>
-                  <a:rPr lang="en-US">
-                    <a:noFill/>
-                  </a:rPr>
-                  <a:t> </a:t>
-                </a:r>
-              </a:p>
-            </p:txBody>
-          </p:sp>
-        </mc:Fallback>
-      </mc:AlternateContent>
-    </p:spTree>
-    <p:extLst>
-      <p:ext uri="{BB962C8B-B14F-4D97-AF65-F5344CB8AC3E}">
-        <p14:creationId xmlns:p14="http://schemas.microsoft.com/office/powerpoint/2010/main" val="3164094560"/>
-      </p:ext>
-    </p:extLst>
-  </p:cSld>
-  <p:clrMapOvr>
-    <a:masterClrMapping/>
-  </p:clrMapOvr>
-</p:sld>
-</file>
-
-<file path=ppt/slides/slide6.xml><?xml version="1.0" encoding="utf-8"?>
-<p:sld xmlns:a="http://schemas.openxmlformats.org/drawingml/2006/main" xmlns:r="http://schemas.openxmlformats.org/officeDocument/2006/relationships" xmlns:p="http://schemas.openxmlformats.org/presentationml/2006/main">
-  <p:cSld>
-    <p:spTree>
-      <p:nvGrpSpPr>
-        <p:cNvPr id="1" name=""/>
-        <p:cNvGrpSpPr/>
-        <p:nvPr/>
-      </p:nvGrpSpPr>
-      <p:grpSpPr>
-        <a:xfrm>
-          <a:off x="0" y="0"/>
-          <a:ext cx="0" cy="0"/>
-          <a:chOff x="0" y="0"/>
-          <a:chExt cx="0" cy="0"/>
-        </a:xfrm>
-      </p:grpSpPr>
-      <p:sp>
-        <p:nvSpPr>
-          <p:cNvPr id="2" name="Title 1"/>
-          <p:cNvSpPr>
-            <a:spLocks noGrp="1"/>
-          </p:cNvSpPr>
-          <p:nvPr>
-            <p:ph type="title"/>
-          </p:nvPr>
-        </p:nvSpPr>
-        <p:spPr/>
-        <p:txBody>
-          <a:bodyPr/>
-          <a:lstStyle/>
-          <a:p>
-            <a:r>
-              <a:rPr lang="en-US" dirty="0" smtClean="0"/>
-              <a:t>Simulating the Indoor Channel</a:t>
-            </a:r>
-            <a:endParaRPr lang="en-US" dirty="0"/>
-          </a:p>
-        </p:txBody>
-      </p:sp>
-      <p:sp>
-        <p:nvSpPr>
-          <p:cNvPr id="3" name="Content Placeholder 2"/>
-          <p:cNvSpPr>
-            <a:spLocks noGrp="1"/>
-          </p:cNvSpPr>
-          <p:nvPr>
-            <p:ph idx="1"/>
-          </p:nvPr>
-        </p:nvSpPr>
-        <p:spPr/>
-        <p:txBody>
-          <a:bodyPr/>
-          <a:lstStyle/>
-          <a:p>
-            <a:r>
-              <a:rPr lang="en-US" dirty="0" smtClean="0"/>
-              <a:t>TODO pictures</a:t>
-            </a:r>
-            <a:endParaRPr lang="en-US" dirty="0"/>
-          </a:p>
-        </p:txBody>
-      </p:sp>
-    </p:spTree>
-    <p:extLst>
-      <p:ext uri="{BB962C8B-B14F-4D97-AF65-F5344CB8AC3E}">
-        <p14:creationId xmlns:p14="http://schemas.microsoft.com/office/powerpoint/2010/main" val="1602356833"/>
-      </p:ext>
-    </p:extLst>
-  </p:cSld>
-  <p:clrMapOvr>
-    <a:masterClrMapping/>
-  </p:clrMapOvr>
-</p:sld>
-</file>
-
-<file path=ppt/slides/slide7.xml><?xml version="1.0" encoding="utf-8"?>
-<p:sld xmlns:a="http://schemas.openxmlformats.org/drawingml/2006/main" xmlns:r="http://schemas.openxmlformats.org/officeDocument/2006/relationships" xmlns:p="http://schemas.openxmlformats.org/presentationml/2006/main">
-  <p:cSld>
-    <p:spTree>
-      <p:nvGrpSpPr>
-        <p:cNvPr id="1" name=""/>
-        <p:cNvGrpSpPr/>
-        <p:nvPr/>
-      </p:nvGrpSpPr>
-      <p:grpSpPr>
-        <a:xfrm>
-          <a:off x="0" y="0"/>
-          <a:ext cx="0" cy="0"/>
-          <a:chOff x="0" y="0"/>
-          <a:chExt cx="0" cy="0"/>
-        </a:xfrm>
-      </p:grpSpPr>
-      <p:sp>
-        <p:nvSpPr>
-          <p:cNvPr id="2" name="Title 1"/>
-          <p:cNvSpPr>
-            <a:spLocks noGrp="1"/>
-          </p:cNvSpPr>
-          <p:nvPr>
-            <p:ph type="title"/>
-          </p:nvPr>
-        </p:nvSpPr>
-        <p:spPr/>
-        <p:txBody>
-          <a:bodyPr/>
-          <a:lstStyle/>
-          <a:p>
-            <a:r>
-              <a:rPr lang="en-US" dirty="0" smtClean="0"/>
-              <a:t>Conclusion</a:t>
-            </a:r>
-            <a:endParaRPr lang="en-US" dirty="0"/>
-          </a:p>
-        </p:txBody>
-      </p:sp>
-      <p:sp>
-        <p:nvSpPr>
-          <p:cNvPr id="3" name="Content Placeholder 2"/>
-          <p:cNvSpPr>
-            <a:spLocks noGrp="1"/>
-          </p:cNvSpPr>
-          <p:nvPr>
-            <p:ph idx="1"/>
-          </p:nvPr>
-        </p:nvSpPr>
-        <p:spPr/>
-        <p:txBody>
-          <a:bodyPr/>
-          <a:lstStyle/>
-          <a:p>
-            <a:endParaRPr lang="en-US"/>
-          </a:p>
-        </p:txBody>
-      </p:sp>
-    </p:spTree>
-    <p:extLst>
-      <p:ext uri="{BB962C8B-B14F-4D97-AF65-F5344CB8AC3E}">
-        <p14:creationId xmlns:p14="http://schemas.microsoft.com/office/powerpoint/2010/main" val="3194405820"/>
-      </p:ext>
-    </p:extLst>
-  </p:cSld>
-  <p:clrMapOvr>
-    <a:masterClrMapping/>
-  </p:clrMapOvr>
-</p:sld>
-</file>
-
-<file path=ppt/slides/slide8.xml><?xml version="1.0" encoding="utf-8"?>
-<p:sld xmlns:a="http://schemas.openxmlformats.org/drawingml/2006/main" xmlns:r="http://schemas.openxmlformats.org/officeDocument/2006/relationships" xmlns:p="http://schemas.openxmlformats.org/presentationml/2006/main">
-  <p:cSld>
-    <p:spTree>
-      <p:nvGrpSpPr>
-        <p:cNvPr id="1" name=""/>
-        <p:cNvGrpSpPr/>
-        <p:nvPr/>
-      </p:nvGrpSpPr>
-      <p:grpSpPr>
-        <a:xfrm>
-          <a:off x="0" y="0"/>
-          <a:ext cx="0" cy="0"/>
-          <a:chOff x="0" y="0"/>
-          <a:chExt cx="0" cy="0"/>
-        </a:xfrm>
-      </p:grpSpPr>
-      <p:sp>
-        <p:nvSpPr>
-          <p:cNvPr id="2" name="Title 1"/>
-          <p:cNvSpPr>
-            <a:spLocks noGrp="1"/>
-          </p:cNvSpPr>
-          <p:nvPr>
-            <p:ph type="title"/>
-          </p:nvPr>
-        </p:nvSpPr>
-        <p:spPr/>
-        <p:txBody>
-          <a:bodyPr/>
-          <a:lstStyle/>
-          <a:p>
-            <a:r>
-              <a:rPr lang="en-US" dirty="0" smtClean="0"/>
-              <a:t>Forming Range-Doppler Maps</a:t>
-            </a:r>
-            <a:endParaRPr lang="en-US" dirty="0"/>
-          </a:p>
-        </p:txBody>
-      </p:sp>
-      <p:sp>
-        <p:nvSpPr>
-          <p:cNvPr id="3" name="Content Placeholder 2"/>
-          <p:cNvSpPr>
-            <a:spLocks noGrp="1"/>
-          </p:cNvSpPr>
-          <p:nvPr>
-            <p:ph idx="1"/>
-          </p:nvPr>
-        </p:nvSpPr>
-        <p:spPr/>
-        <p:txBody>
-          <a:bodyPr>
-            <a:normAutofit lnSpcReduction="10000"/>
-          </a:bodyPr>
-          <a:lstStyle/>
-          <a:p>
-            <a:r>
-              <a:rPr lang="en-US" dirty="0" smtClean="0"/>
-              <a:t>RDMs are a basic tool in radar</a:t>
-            </a:r>
-          </a:p>
-          <a:p>
-            <a:r>
-              <a:rPr lang="en-US" dirty="0" smtClean="0"/>
-              <a:t>Moving objects in field of view of the receiver show up as high-power spots at their range and velocity</a:t>
-            </a:r>
-          </a:p>
-          <a:p>
-            <a:pPr lvl="1"/>
-            <a:r>
-              <a:rPr lang="en-US" dirty="0" smtClean="0"/>
-              <a:t>Maps are formed constantly over time and a target’s movement can be tracked</a:t>
-            </a:r>
-          </a:p>
-          <a:p>
-            <a:r>
-              <a:rPr lang="en-US" dirty="0" err="1" smtClean="0"/>
-              <a:t>WiFi</a:t>
-            </a:r>
-            <a:r>
-              <a:rPr lang="en-US" dirty="0" smtClean="0"/>
-              <a:t> signals are difficult to use for radar due to low power, multipath, and poor autocorrelation properties</a:t>
-            </a:r>
-          </a:p>
-        </p:txBody>
-      </p:sp>
-    </p:spTree>
-    <p:extLst>
-      <p:ext uri="{BB962C8B-B14F-4D97-AF65-F5344CB8AC3E}">
-        <p14:creationId xmlns:p14="http://schemas.microsoft.com/office/powerpoint/2010/main" val="3937463607"/>
-      </p:ext>
-    </p:extLst>
-  </p:cSld>
-  <p:clrMapOvr>
-    <a:masterClrMapping/>
-  </p:clrMapOvr>
-</p:sld>
-</file>
-
-<file path=ppt/slides/slide9.xml><?xml version="1.0" encoding="utf-8"?>
+<file path=ppt/slides/slide11.xml><?xml version="1.0" encoding="utf-8"?>
 <p:sld xmlns:a="http://schemas.openxmlformats.org/drawingml/2006/main" xmlns:r="http://schemas.openxmlformats.org/officeDocument/2006/relationships" xmlns:p="http://schemas.openxmlformats.org/presentationml/2006/main">
   <p:cSld>
     <p:spTree>
@@ -5336,7 +4247,7 @@
             </p:spPr>
             <p:txBody>
               <a:bodyPr>
-                <a:normAutofit fontScale="85000" lnSpcReduction="10000"/>
+                <a:normAutofit fontScale="92500" lnSpcReduction="10000"/>
               </a:bodyPr>
               <a:lstStyle/>
               <a:p>
@@ -5874,7 +4785,7 @@
               <a:blipFill rotWithShape="1">
                 <a:blip r:embed="rId2"/>
                 <a:stretch>
-                  <a:fillRect l="-833" t="-2500"/>
+                  <a:fillRect l="-944" t="-2750"/>
                 </a:stretch>
               </a:blipFill>
             </p:spPr>
@@ -5897,6 +4808,1329 @@
     <p:extLst>
       <p:ext uri="{BB962C8B-B14F-4D97-AF65-F5344CB8AC3E}">
         <p14:creationId xmlns:p14="http://schemas.microsoft.com/office/powerpoint/2010/main" val="539532945"/>
+      </p:ext>
+    </p:extLst>
+  </p:cSld>
+  <p:clrMapOvr>
+    <a:masterClrMapping/>
+  </p:clrMapOvr>
+</p:sld>
+</file>
+
+<file path=ppt/slides/slide2.xml><?xml version="1.0" encoding="utf-8"?>
+<p:sld xmlns:a="http://schemas.openxmlformats.org/drawingml/2006/main" xmlns:r="http://schemas.openxmlformats.org/officeDocument/2006/relationships" xmlns:p="http://schemas.openxmlformats.org/presentationml/2006/main">
+  <p:cSld>
+    <p:spTree>
+      <p:nvGrpSpPr>
+        <p:cNvPr id="1" name=""/>
+        <p:cNvGrpSpPr/>
+        <p:nvPr/>
+      </p:nvGrpSpPr>
+      <p:grpSpPr>
+        <a:xfrm>
+          <a:off x="0" y="0"/>
+          <a:ext cx="0" cy="0"/>
+          <a:chOff x="0" y="0"/>
+          <a:chExt cx="0" cy="0"/>
+        </a:xfrm>
+      </p:grpSpPr>
+      <p:sp>
+        <p:nvSpPr>
+          <p:cNvPr id="2" name="Title 1"/>
+          <p:cNvSpPr>
+            <a:spLocks noGrp="1"/>
+          </p:cNvSpPr>
+          <p:nvPr>
+            <p:ph type="title"/>
+          </p:nvPr>
+        </p:nvSpPr>
+        <p:spPr/>
+        <p:txBody>
+          <a:bodyPr/>
+          <a:lstStyle/>
+          <a:p>
+            <a:r>
+              <a:rPr lang="en-US" dirty="0" smtClean="0"/>
+              <a:t>Introduction and Motivation</a:t>
+            </a:r>
+            <a:endParaRPr lang="en-US" dirty="0"/>
+          </a:p>
+        </p:txBody>
+      </p:sp>
+      <p:sp>
+        <p:nvSpPr>
+          <p:cNvPr id="3" name="Content Placeholder 2"/>
+          <p:cNvSpPr>
+            <a:spLocks noGrp="1"/>
+          </p:cNvSpPr>
+          <p:nvPr>
+            <p:ph idx="1"/>
+          </p:nvPr>
+        </p:nvSpPr>
+        <p:spPr/>
+        <p:txBody>
+          <a:bodyPr/>
+          <a:lstStyle/>
+          <a:p>
+            <a:r>
+              <a:rPr lang="en-US" dirty="0" smtClean="0"/>
+              <a:t>Indoor localization has many applications</a:t>
+            </a:r>
+          </a:p>
+          <a:p>
+            <a:pPr lvl="1"/>
+            <a:r>
+              <a:rPr lang="en-US" dirty="0" smtClean="0"/>
+              <a:t>Supplement to GPS in absence of line of sight to satellites</a:t>
+            </a:r>
+          </a:p>
+          <a:p>
+            <a:pPr lvl="1"/>
+            <a:r>
+              <a:rPr lang="en-US" dirty="0" smtClean="0"/>
+              <a:t>Tracking equipment in factory</a:t>
+            </a:r>
+          </a:p>
+          <a:p>
+            <a:pPr lvl="1"/>
+            <a:r>
+              <a:rPr lang="en-US" dirty="0" smtClean="0"/>
+              <a:t>Search and rescue</a:t>
+            </a:r>
+          </a:p>
+          <a:p>
+            <a:pPr lvl="1"/>
+            <a:r>
+              <a:rPr lang="en-US" dirty="0" smtClean="0"/>
+              <a:t>Law enforcement</a:t>
+            </a:r>
+            <a:endParaRPr lang="en-US" dirty="0"/>
+          </a:p>
+          <a:p>
+            <a:r>
+              <a:rPr lang="en-US" dirty="0" err="1" smtClean="0"/>
+              <a:t>WiFi</a:t>
+            </a:r>
+            <a:r>
+              <a:rPr lang="en-US" dirty="0" smtClean="0"/>
+              <a:t> is widely used in homes and offices, transmissions reflect off walls, furniture, people all the time</a:t>
+            </a:r>
+          </a:p>
+          <a:p>
+            <a:r>
+              <a:rPr lang="en-US" dirty="0" smtClean="0"/>
+              <a:t>Analyzing fading can lead to information about objects’ position and movement</a:t>
+            </a:r>
+          </a:p>
+          <a:p>
+            <a:endParaRPr lang="en-US" dirty="0"/>
+          </a:p>
+        </p:txBody>
+      </p:sp>
+    </p:spTree>
+    <p:extLst>
+      <p:ext uri="{BB962C8B-B14F-4D97-AF65-F5344CB8AC3E}">
+        <p14:creationId xmlns:p14="http://schemas.microsoft.com/office/powerpoint/2010/main" val="753707166"/>
+      </p:ext>
+    </p:extLst>
+  </p:cSld>
+  <p:clrMapOvr>
+    <a:masterClrMapping/>
+  </p:clrMapOvr>
+</p:sld>
+</file>
+
+<file path=ppt/slides/slide3.xml><?xml version="1.0" encoding="utf-8"?>
+<p:sld xmlns:a="http://schemas.openxmlformats.org/drawingml/2006/main" xmlns:r="http://schemas.openxmlformats.org/officeDocument/2006/relationships" xmlns:p="http://schemas.openxmlformats.org/presentationml/2006/main">
+  <p:cSld>
+    <p:spTree>
+      <p:nvGrpSpPr>
+        <p:cNvPr id="1" name=""/>
+        <p:cNvGrpSpPr/>
+        <p:nvPr/>
+      </p:nvGrpSpPr>
+      <p:grpSpPr>
+        <a:xfrm>
+          <a:off x="0" y="0"/>
+          <a:ext cx="0" cy="0"/>
+          <a:chOff x="0" y="0"/>
+          <a:chExt cx="0" cy="0"/>
+        </a:xfrm>
+      </p:grpSpPr>
+      <p:sp>
+        <p:nvSpPr>
+          <p:cNvPr id="2" name="Title 1"/>
+          <p:cNvSpPr>
+            <a:spLocks noGrp="1"/>
+          </p:cNvSpPr>
+          <p:nvPr>
+            <p:ph type="title"/>
+          </p:nvPr>
+        </p:nvSpPr>
+        <p:spPr/>
+        <p:txBody>
+          <a:bodyPr/>
+          <a:lstStyle/>
+          <a:p>
+            <a:r>
+              <a:rPr lang="en-US" dirty="0" smtClean="0"/>
+              <a:t>Problem Statement</a:t>
+            </a:r>
+            <a:endParaRPr lang="en-US" dirty="0"/>
+          </a:p>
+        </p:txBody>
+      </p:sp>
+      <p:sp>
+        <p:nvSpPr>
+          <p:cNvPr id="3" name="Content Placeholder 2"/>
+          <p:cNvSpPr>
+            <a:spLocks noGrp="1"/>
+          </p:cNvSpPr>
+          <p:nvPr>
+            <p:ph idx="1"/>
+          </p:nvPr>
+        </p:nvSpPr>
+        <p:spPr/>
+        <p:txBody>
+          <a:bodyPr/>
+          <a:lstStyle/>
+          <a:p>
+            <a:r>
+              <a:rPr lang="en-US" dirty="0" smtClean="0"/>
+              <a:t>Is it feasible to detect the position and speed of a uncooperative target inside a building using signals from an existing </a:t>
+            </a:r>
+            <a:r>
+              <a:rPr lang="en-US" dirty="0" err="1" smtClean="0"/>
+              <a:t>WiFi</a:t>
+            </a:r>
+            <a:r>
+              <a:rPr lang="en-US" dirty="0" smtClean="0"/>
+              <a:t> network?</a:t>
+            </a:r>
+          </a:p>
+          <a:p>
+            <a:r>
+              <a:rPr lang="en-US" dirty="0" smtClean="0"/>
+              <a:t>Assumptions:</a:t>
+            </a:r>
+          </a:p>
+          <a:p>
+            <a:pPr lvl="1"/>
+            <a:r>
+              <a:rPr lang="en-US" dirty="0" smtClean="0"/>
+              <a:t>Transmitter (</a:t>
+            </a:r>
+            <a:r>
+              <a:rPr lang="en-US" dirty="0" err="1" smtClean="0"/>
+              <a:t>WiFi</a:t>
+            </a:r>
+            <a:r>
+              <a:rPr lang="en-US" dirty="0" smtClean="0"/>
+              <a:t> router) position known</a:t>
+            </a:r>
+          </a:p>
+          <a:p>
+            <a:pPr lvl="1"/>
+            <a:r>
+              <a:rPr lang="en-US" dirty="0" smtClean="0"/>
+              <a:t>Transmitter using 802.11g based on OFDM at 2.4GHz</a:t>
+            </a:r>
+          </a:p>
+          <a:p>
+            <a:r>
+              <a:rPr lang="en-US" dirty="0" smtClean="0"/>
+              <a:t>Main idea: apply radar techniques and understanding of wireless communication protocols </a:t>
+            </a:r>
+          </a:p>
+          <a:p>
+            <a:endParaRPr lang="en-US" dirty="0"/>
+          </a:p>
+          <a:p>
+            <a:r>
+              <a:rPr lang="en-US" dirty="0" smtClean="0"/>
+              <a:t>TODO radar formulas</a:t>
+            </a:r>
+            <a:endParaRPr lang="en-US" dirty="0"/>
+          </a:p>
+        </p:txBody>
+      </p:sp>
+    </p:spTree>
+    <p:extLst>
+      <p:ext uri="{BB962C8B-B14F-4D97-AF65-F5344CB8AC3E}">
+        <p14:creationId xmlns:p14="http://schemas.microsoft.com/office/powerpoint/2010/main" val="2068994936"/>
+      </p:ext>
+    </p:extLst>
+  </p:cSld>
+  <p:clrMapOvr>
+    <a:masterClrMapping/>
+  </p:clrMapOvr>
+</p:sld>
+</file>
+
+<file path=ppt/slides/slide4.xml><?xml version="1.0" encoding="utf-8"?>
+<p:sld xmlns:a="http://schemas.openxmlformats.org/drawingml/2006/main" xmlns:r="http://schemas.openxmlformats.org/officeDocument/2006/relationships" xmlns:p="http://schemas.openxmlformats.org/presentationml/2006/main">
+  <p:cSld>
+    <p:spTree>
+      <p:nvGrpSpPr>
+        <p:cNvPr id="1" name=""/>
+        <p:cNvGrpSpPr/>
+        <p:nvPr/>
+      </p:nvGrpSpPr>
+      <p:grpSpPr>
+        <a:xfrm>
+          <a:off x="0" y="0"/>
+          <a:ext cx="0" cy="0"/>
+          <a:chOff x="0" y="0"/>
+          <a:chExt cx="0" cy="0"/>
+        </a:xfrm>
+      </p:grpSpPr>
+      <p:sp>
+        <p:nvSpPr>
+          <p:cNvPr id="2" name="Title 1"/>
+          <p:cNvSpPr>
+            <a:spLocks noGrp="1"/>
+          </p:cNvSpPr>
+          <p:nvPr>
+            <p:ph type="title"/>
+          </p:nvPr>
+        </p:nvSpPr>
+        <p:spPr/>
+        <p:txBody>
+          <a:bodyPr/>
+          <a:lstStyle/>
+          <a:p>
+            <a:r>
+              <a:rPr lang="en-US" dirty="0" smtClean="0"/>
+              <a:t>Approach</a:t>
+            </a:r>
+            <a:endParaRPr lang="en-US" dirty="0"/>
+          </a:p>
+        </p:txBody>
+      </p:sp>
+      <mc:AlternateContent xmlns:mc="http://schemas.openxmlformats.org/markup-compatibility/2006" xmlns:a14="http://schemas.microsoft.com/office/drawing/2010/main">
+        <mc:Choice Requires="a14">
+          <p:sp>
+            <p:nvSpPr>
+              <p:cNvPr id="3" name="Content Placeholder 2"/>
+              <p:cNvSpPr>
+                <a:spLocks noGrp="1"/>
+              </p:cNvSpPr>
+              <p:nvPr>
+                <p:ph idx="1"/>
+              </p:nvPr>
+            </p:nvSpPr>
+            <p:spPr/>
+            <p:txBody>
+              <a:bodyPr>
+                <a:normAutofit lnSpcReduction="10000"/>
+              </a:bodyPr>
+              <a:lstStyle/>
+              <a:p>
+                <a:r>
+                  <a:rPr lang="en-US" dirty="0" smtClean="0"/>
+                  <a:t>Develop a simulation of indoor fading with walls and a moving target</a:t>
+                </a:r>
+              </a:p>
+              <a:p>
+                <a:pPr lvl="1"/>
+                <a:r>
+                  <a:rPr lang="en-US" dirty="0" smtClean="0"/>
+                  <a:t>Receiver sees not only the transmissions from the router but also reflections of the moving target</a:t>
+                </a:r>
+              </a:p>
+              <a:p>
+                <a:pPr lvl="1"/>
+                <a:r>
+                  <a:rPr lang="en-US" dirty="0" smtClean="0"/>
+                  <a:t>Model </a:t>
+                </a:r>
+                <a14:m>
+                  <m:oMath xmlns:m="http://schemas.openxmlformats.org/officeDocument/2006/math">
+                    <m:r>
+                      <a:rPr lang="en-US" b="0" i="1" smtClean="0">
+                        <a:latin typeface="Cambria Math" panose="02040503050406030204" pitchFamily="18" charset="0"/>
+                      </a:rPr>
+                      <m:t>h</m:t>
+                    </m:r>
+                    <m:d>
+                      <m:dPr>
+                        <m:ctrlPr>
+                          <a:rPr lang="en-US" b="0" i="1" smtClean="0">
+                            <a:latin typeface="Cambria Math"/>
+                          </a:rPr>
+                        </m:ctrlPr>
+                      </m:dPr>
+                      <m:e>
+                        <m:r>
+                          <a:rPr lang="en-US" b="0" i="1" smtClean="0">
+                            <a:latin typeface="Cambria Math" panose="02040503050406030204" pitchFamily="18" charset="0"/>
+                          </a:rPr>
+                          <m:t>𝑡</m:t>
+                        </m:r>
+                      </m:e>
+                    </m:d>
+                    <m:r>
+                      <a:rPr lang="en-US" b="0" i="1" smtClean="0">
+                        <a:latin typeface="Cambria Math" panose="02040503050406030204" pitchFamily="18" charset="0"/>
+                      </a:rPr>
+                      <m:t>=</m:t>
+                    </m:r>
+                    <m:nary>
+                      <m:naryPr>
+                        <m:chr m:val="∑"/>
+                        <m:ctrlPr>
+                          <a:rPr lang="en-US" b="0" i="1" smtClean="0">
+                            <a:latin typeface="Cambria Math"/>
+                          </a:rPr>
+                        </m:ctrlPr>
+                      </m:naryPr>
+                      <m:sub>
+                        <m:r>
+                          <m:rPr>
+                            <m:brk m:alnAt="23"/>
+                          </m:rPr>
+                          <a:rPr lang="en-US" b="0" i="1" smtClean="0">
+                            <a:latin typeface="Cambria Math" panose="02040503050406030204" pitchFamily="18" charset="0"/>
+                          </a:rPr>
+                          <m:t>𝑘</m:t>
+                        </m:r>
+                        <m:r>
+                          <a:rPr lang="en-US" b="0" i="1" smtClean="0">
+                            <a:latin typeface="Cambria Math" panose="02040503050406030204" pitchFamily="18" charset="0"/>
+                          </a:rPr>
+                          <m:t>=0</m:t>
+                        </m:r>
+                      </m:sub>
+                      <m:sup>
+                        <m:r>
+                          <a:rPr lang="en-US" b="0" i="1" smtClean="0">
+                            <a:latin typeface="Cambria Math" panose="02040503050406030204" pitchFamily="18" charset="0"/>
+                          </a:rPr>
+                          <m:t>𝑛</m:t>
+                        </m:r>
+                      </m:sup>
+                      <m:e>
+                        <m:sSub>
+                          <m:sSubPr>
+                            <m:ctrlPr>
+                              <a:rPr lang="en-US" b="0" i="1" smtClean="0">
+                                <a:latin typeface="Cambria Math"/>
+                              </a:rPr>
+                            </m:ctrlPr>
+                          </m:sSubPr>
+                          <m:e>
+                            <m:r>
+                              <a:rPr lang="en-US" b="0" i="1" smtClean="0">
+                                <a:latin typeface="Cambria Math" panose="02040503050406030204" pitchFamily="18" charset="0"/>
+                              </a:rPr>
+                              <m:t>𝐴</m:t>
+                            </m:r>
+                          </m:e>
+                          <m:sub>
+                            <m:r>
+                              <a:rPr lang="en-US" b="0" i="1" smtClean="0">
+                                <a:latin typeface="Cambria Math" panose="02040503050406030204" pitchFamily="18" charset="0"/>
+                              </a:rPr>
+                              <m:t>𝑘</m:t>
+                            </m:r>
+                          </m:sub>
+                        </m:sSub>
+                        <m:sSup>
+                          <m:sSupPr>
+                            <m:ctrlPr>
+                              <a:rPr lang="en-US" b="0" i="1" smtClean="0">
+                                <a:latin typeface="Cambria Math"/>
+                              </a:rPr>
+                            </m:ctrlPr>
+                          </m:sSupPr>
+                          <m:e>
+                            <m:r>
+                              <a:rPr lang="en-US" b="0" i="1" smtClean="0">
+                                <a:latin typeface="Cambria Math" panose="02040503050406030204" pitchFamily="18" charset="0"/>
+                              </a:rPr>
+                              <m:t>𝑒</m:t>
+                            </m:r>
+                          </m:e>
+                          <m:sup>
+                            <m:r>
+                              <a:rPr lang="en-US" b="0" i="1" smtClean="0">
+                                <a:latin typeface="Cambria Math" panose="02040503050406030204" pitchFamily="18" charset="0"/>
+                              </a:rPr>
+                              <m:t>−</m:t>
+                            </m:r>
+                            <m:r>
+                              <a:rPr lang="en-US" b="0" i="1" smtClean="0">
+                                <a:latin typeface="Cambria Math" panose="02040503050406030204" pitchFamily="18" charset="0"/>
+                              </a:rPr>
+                              <m:t>𝑖</m:t>
+                            </m:r>
+                            <m:sSub>
+                              <m:sSubPr>
+                                <m:ctrlPr>
+                                  <a:rPr lang="en-US" b="0" i="1" smtClean="0">
+                                    <a:latin typeface="Cambria Math"/>
+                                    <a:ea typeface="Cambria Math" panose="02040503050406030204" pitchFamily="18" charset="0"/>
+                                  </a:rPr>
+                                </m:ctrlPr>
+                              </m:sSubPr>
+                              <m:e>
+                                <m:r>
+                                  <a:rPr lang="en-US" b="0" i="1" smtClean="0">
+                                    <a:latin typeface="Cambria Math" panose="02040503050406030204" pitchFamily="18" charset="0"/>
+                                    <a:ea typeface="Cambria Math" panose="02040503050406030204" pitchFamily="18" charset="0"/>
+                                  </a:rPr>
+                                  <m:t>𝜃</m:t>
+                                </m:r>
+                              </m:e>
+                              <m:sub>
+                                <m:r>
+                                  <a:rPr lang="en-US" b="0" i="1" smtClean="0">
+                                    <a:latin typeface="Cambria Math" panose="02040503050406030204" pitchFamily="18" charset="0"/>
+                                    <a:ea typeface="Cambria Math" panose="02040503050406030204" pitchFamily="18" charset="0"/>
+                                  </a:rPr>
+                                  <m:t>𝑘</m:t>
+                                </m:r>
+                              </m:sub>
+                            </m:sSub>
+                          </m:sup>
+                        </m:sSup>
+                        <m:r>
+                          <a:rPr lang="en-US" b="0" i="1" smtClean="0">
+                            <a:latin typeface="Cambria Math" panose="02040503050406030204" pitchFamily="18" charset="0"/>
+                            <a:ea typeface="Cambria Math" panose="02040503050406030204" pitchFamily="18" charset="0"/>
+                          </a:rPr>
+                          <m:t>𝛿</m:t>
+                        </m:r>
+                        <m:r>
+                          <a:rPr lang="en-US" b="0" i="1" smtClean="0">
+                            <a:latin typeface="Cambria Math" panose="02040503050406030204" pitchFamily="18" charset="0"/>
+                            <a:ea typeface="Cambria Math" panose="02040503050406030204" pitchFamily="18" charset="0"/>
+                          </a:rPr>
+                          <m:t>(</m:t>
+                        </m:r>
+                        <m:r>
+                          <a:rPr lang="en-US" b="0" i="1" smtClean="0">
+                            <a:latin typeface="Cambria Math" panose="02040503050406030204" pitchFamily="18" charset="0"/>
+                            <a:ea typeface="Cambria Math" panose="02040503050406030204" pitchFamily="18" charset="0"/>
+                          </a:rPr>
+                          <m:t>𝑡</m:t>
+                        </m:r>
+                        <m:r>
+                          <a:rPr lang="en-US" b="0" i="1" smtClean="0">
+                            <a:latin typeface="Cambria Math" panose="02040503050406030204" pitchFamily="18" charset="0"/>
+                            <a:ea typeface="Cambria Math" panose="02040503050406030204" pitchFamily="18" charset="0"/>
+                          </a:rPr>
+                          <m:t>−</m:t>
+                        </m:r>
+                        <m:sSub>
+                          <m:sSubPr>
+                            <m:ctrlPr>
+                              <a:rPr lang="en-US" b="0" i="1" smtClean="0">
+                                <a:latin typeface="Cambria Math"/>
+                                <a:ea typeface="Cambria Math" panose="02040503050406030204" pitchFamily="18" charset="0"/>
+                              </a:rPr>
+                            </m:ctrlPr>
+                          </m:sSubPr>
+                          <m:e>
+                            <m:r>
+                              <a:rPr lang="en-US" b="0" i="1" smtClean="0">
+                                <a:latin typeface="Cambria Math" panose="02040503050406030204" pitchFamily="18" charset="0"/>
+                                <a:ea typeface="Cambria Math" panose="02040503050406030204" pitchFamily="18" charset="0"/>
+                              </a:rPr>
+                              <m:t>𝜏</m:t>
+                            </m:r>
+                          </m:e>
+                          <m:sub>
+                            <m:r>
+                              <a:rPr lang="en-US" b="0" i="1" smtClean="0">
+                                <a:latin typeface="Cambria Math" panose="02040503050406030204" pitchFamily="18" charset="0"/>
+                                <a:ea typeface="Cambria Math" panose="02040503050406030204" pitchFamily="18" charset="0"/>
+                              </a:rPr>
+                              <m:t>𝑘</m:t>
+                            </m:r>
+                          </m:sub>
+                        </m:sSub>
+                        <m:r>
+                          <a:rPr lang="en-US" b="0" i="1" smtClean="0">
+                            <a:latin typeface="Cambria Math" panose="02040503050406030204" pitchFamily="18" charset="0"/>
+                            <a:ea typeface="Cambria Math" panose="02040503050406030204" pitchFamily="18" charset="0"/>
+                          </a:rPr>
+                          <m:t>)</m:t>
+                        </m:r>
+                      </m:e>
+                    </m:nary>
+                  </m:oMath>
+                </a14:m>
+                <a:endParaRPr lang="en-US" b="0" dirty="0" smtClean="0"/>
+              </a:p>
+              <a:p>
+                <a:pPr lvl="1"/>
+                <a:r>
+                  <a:rPr lang="en-US" b="0" dirty="0" smtClean="0"/>
+                  <a:t>Use ray tracing to sample the impulse response</a:t>
+                </a:r>
+              </a:p>
+              <a:p>
+                <a:pPr lvl="1"/>
+                <a:r>
+                  <a:rPr lang="en-US" dirty="0" smtClean="0"/>
+                  <a:t>Track gains, phase shifts, and propagation delays</a:t>
+                </a:r>
+              </a:p>
+              <a:p>
+                <a:pPr lvl="1"/>
+                <a:r>
+                  <a:rPr lang="en-US" dirty="0" smtClean="0"/>
+                  <a:t>How does the channel </a:t>
+                </a:r>
+                <a14:m>
+                  <m:oMath xmlns:m="http://schemas.openxmlformats.org/officeDocument/2006/math">
+                    <m:sSub>
+                      <m:sSubPr>
+                        <m:ctrlPr>
+                          <a:rPr lang="en-US" b="0" i="1" smtClean="0">
+                            <a:latin typeface="Cambria Math"/>
+                          </a:rPr>
+                        </m:ctrlPr>
+                      </m:sSubPr>
+                      <m:e>
+                        <m:r>
+                          <a:rPr lang="en-US" b="0" i="1" smtClean="0">
+                            <a:latin typeface="Cambria Math" panose="02040503050406030204" pitchFamily="18" charset="0"/>
+                          </a:rPr>
+                          <m:t>h</m:t>
+                        </m:r>
+                      </m:e>
+                      <m:sub>
+                        <m:r>
+                          <a:rPr lang="en-US" b="0" i="1" smtClean="0">
+                            <a:latin typeface="Cambria Math" panose="02040503050406030204" pitchFamily="18" charset="0"/>
+                          </a:rPr>
+                          <m:t>𝑙</m:t>
+                        </m:r>
+                      </m:sub>
+                    </m:sSub>
+                    <m:d>
+                      <m:dPr>
+                        <m:begChr m:val="["/>
+                        <m:endChr m:val="]"/>
+                        <m:ctrlPr>
+                          <a:rPr lang="en-US" b="0" i="1" smtClean="0">
+                            <a:latin typeface="Cambria Math"/>
+                          </a:rPr>
+                        </m:ctrlPr>
+                      </m:dPr>
+                      <m:e>
+                        <m:r>
+                          <a:rPr lang="en-US" b="0" i="1" smtClean="0">
+                            <a:latin typeface="Cambria Math" panose="02040503050406030204" pitchFamily="18" charset="0"/>
+                          </a:rPr>
+                          <m:t>𝑚</m:t>
+                        </m:r>
+                      </m:e>
+                    </m:d>
+                  </m:oMath>
+                </a14:m>
+                <a:r>
+                  <a:rPr lang="en-US" dirty="0" smtClean="0"/>
+                  <a:t> change as the target moves?</a:t>
+                </a:r>
+              </a:p>
+              <a:p>
+                <a:r>
+                  <a:rPr lang="en-US" dirty="0" smtClean="0"/>
+                  <a:t>Simulate OFDM transmissions over the channel </a:t>
+                </a:r>
+              </a:p>
+              <a:p>
+                <a:pPr lvl="1"/>
+                <a:r>
+                  <a:rPr lang="en-US" dirty="0" smtClean="0"/>
+                  <a:t>All 802.11g data rates</a:t>
+                </a:r>
+              </a:p>
+              <a:p>
+                <a:pPr lvl="1"/>
+                <a:r>
+                  <a:rPr lang="en-US" dirty="0" smtClean="0"/>
+                  <a:t>Assume OFDM symbols constantly transmitted</a:t>
+                </a:r>
+                <a:endParaRPr lang="en-US" dirty="0"/>
+              </a:p>
+              <a:p>
+                <a:r>
+                  <a:rPr lang="en-US" dirty="0" smtClean="0"/>
+                  <a:t>Use radar techniques to correlate transmitted and received signal</a:t>
+                </a:r>
+              </a:p>
+            </p:txBody>
+          </p:sp>
+        </mc:Choice>
+        <mc:Fallback xmlns="">
+          <p:sp>
+            <p:nvSpPr>
+              <p:cNvPr id="3" name="Content Placeholder 2"/>
+              <p:cNvSpPr>
+                <a:spLocks noGrp="1" noRot="1" noChangeAspect="1" noMove="1" noResize="1" noEditPoints="1" noAdjustHandles="1" noChangeArrowheads="1" noChangeShapeType="1" noTextEdit="1"/>
+              </p:cNvSpPr>
+              <p:nvPr>
+                <p:ph idx="1"/>
+              </p:nvPr>
+            </p:nvSpPr>
+            <p:spPr>
+              <a:blipFill rotWithShape="0">
+                <a:blip r:embed="rId3"/>
+                <a:stretch>
+                  <a:fillRect l="-1043" t="-3081" b="-140"/>
+                </a:stretch>
+              </a:blipFill>
+            </p:spPr>
+            <p:txBody>
+              <a:bodyPr/>
+              <a:lstStyle/>
+              <a:p>
+                <a:r>
+                  <a:rPr lang="en-US">
+                    <a:noFill/>
+                  </a:rPr>
+                  <a:t> </a:t>
+                </a:r>
+              </a:p>
+            </p:txBody>
+          </p:sp>
+        </mc:Fallback>
+      </mc:AlternateContent>
+    </p:spTree>
+    <p:extLst>
+      <p:ext uri="{BB962C8B-B14F-4D97-AF65-F5344CB8AC3E}">
+        <p14:creationId xmlns:p14="http://schemas.microsoft.com/office/powerpoint/2010/main" val="3806675125"/>
+      </p:ext>
+    </p:extLst>
+  </p:cSld>
+  <p:clrMapOvr>
+    <a:masterClrMapping/>
+  </p:clrMapOvr>
+</p:sld>
+</file>
+
+<file path=ppt/slides/slide5.xml><?xml version="1.0" encoding="utf-8"?>
+<p:sld xmlns:a="http://schemas.openxmlformats.org/drawingml/2006/main" xmlns:r="http://schemas.openxmlformats.org/officeDocument/2006/relationships" xmlns:p="http://schemas.openxmlformats.org/presentationml/2006/main">
+  <p:cSld>
+    <p:spTree>
+      <p:nvGrpSpPr>
+        <p:cNvPr id="1" name=""/>
+        <p:cNvGrpSpPr/>
+        <p:nvPr/>
+      </p:nvGrpSpPr>
+      <p:grpSpPr>
+        <a:xfrm>
+          <a:off x="0" y="0"/>
+          <a:ext cx="0" cy="0"/>
+          <a:chOff x="0" y="0"/>
+          <a:chExt cx="0" cy="0"/>
+        </a:xfrm>
+      </p:grpSpPr>
+      <p:sp>
+        <p:nvSpPr>
+          <p:cNvPr id="2" name="Title 1"/>
+          <p:cNvSpPr>
+            <a:spLocks noGrp="1"/>
+          </p:cNvSpPr>
+          <p:nvPr>
+            <p:ph type="title"/>
+          </p:nvPr>
+        </p:nvSpPr>
+        <p:spPr/>
+        <p:txBody>
+          <a:bodyPr/>
+          <a:lstStyle/>
+          <a:p>
+            <a:r>
+              <a:rPr lang="en-US" dirty="0" smtClean="0"/>
+              <a:t>Simulating the Indoor Channel</a:t>
+            </a:r>
+            <a:endParaRPr lang="en-US" dirty="0"/>
+          </a:p>
+        </p:txBody>
+      </p:sp>
+      <mc:AlternateContent xmlns:mc="http://schemas.openxmlformats.org/markup-compatibility/2006" xmlns:a14="http://schemas.microsoft.com/office/drawing/2010/main">
+        <mc:Choice Requires="a14">
+          <p:sp>
+            <p:nvSpPr>
+              <p:cNvPr id="3" name="Content Placeholder 2"/>
+              <p:cNvSpPr>
+                <a:spLocks noGrp="1"/>
+              </p:cNvSpPr>
+              <p:nvPr>
+                <p:ph idx="1"/>
+              </p:nvPr>
+            </p:nvSpPr>
+            <p:spPr/>
+            <p:txBody>
+              <a:bodyPr>
+                <a:normAutofit lnSpcReduction="10000"/>
+              </a:bodyPr>
+              <a:lstStyle/>
+              <a:p>
+                <a:r>
+                  <a:rPr lang="en-US" dirty="0" smtClean="0"/>
+                  <a:t>Develop a ray tracing simulation to estimate the impulse response</a:t>
+                </a:r>
+              </a:p>
+              <a:p>
+                <a:r>
+                  <a:rPr lang="en-US" dirty="0" smtClean="0"/>
+                  <a:t>Simplifications:</a:t>
+                </a:r>
+              </a:p>
+              <a:p>
+                <a:pPr lvl="1"/>
+                <a:r>
+                  <a:rPr lang="en-US" dirty="0" smtClean="0"/>
+                  <a:t>Consider single floor building with no reflection from ceiling or floor</a:t>
+                </a:r>
+              </a:p>
+              <a:p>
+                <a:pPr lvl="1"/>
+                <a:r>
+                  <a:rPr lang="en-US" dirty="0" smtClean="0"/>
+                  <a:t>Walls both reflect (</a:t>
+                </a:r>
+                <a14:m>
+                  <m:oMath xmlns:m="http://schemas.openxmlformats.org/officeDocument/2006/math">
+                    <m:sSub>
+                      <m:sSubPr>
+                        <m:ctrlPr>
+                          <a:rPr lang="en-US" i="1" smtClean="0">
+                            <a:latin typeface="Cambria Math"/>
+                          </a:rPr>
+                        </m:ctrlPr>
+                      </m:sSubPr>
+                      <m:e>
+                        <m:r>
+                          <a:rPr lang="en-US" b="0" i="1" smtClean="0">
+                            <a:latin typeface="Cambria Math" panose="02040503050406030204" pitchFamily="18" charset="0"/>
+                          </a:rPr>
+                          <m:t>𝐴</m:t>
+                        </m:r>
+                      </m:e>
+                      <m:sub>
+                        <m:r>
+                          <a:rPr lang="en-US" b="0" i="1" smtClean="0">
+                            <a:latin typeface="Cambria Math" panose="02040503050406030204" pitchFamily="18" charset="0"/>
+                          </a:rPr>
+                          <m:t>𝑟𝑒𝑓𝑙</m:t>
+                        </m:r>
+                      </m:sub>
+                    </m:sSub>
+                    <m:r>
+                      <a:rPr lang="en-US" b="0" i="1" smtClean="0">
+                        <a:latin typeface="Cambria Math" panose="02040503050406030204" pitchFamily="18" charset="0"/>
+                      </a:rPr>
+                      <m:t>=0.7)</m:t>
+                    </m:r>
+                  </m:oMath>
+                </a14:m>
+                <a:r>
+                  <a:rPr lang="en-US" dirty="0" smtClean="0"/>
+                  <a:t> and transmit </a:t>
+                </a:r>
+                <a14:m>
+                  <m:oMath xmlns:m="http://schemas.openxmlformats.org/officeDocument/2006/math">
+                    <m:r>
+                      <a:rPr lang="en-US" b="0" i="1" smtClean="0">
+                        <a:latin typeface="Cambria Math" panose="02040503050406030204" pitchFamily="18" charset="0"/>
+                      </a:rPr>
+                      <m:t>(</m:t>
+                    </m:r>
+                    <m:sSub>
+                      <m:sSubPr>
+                        <m:ctrlPr>
+                          <a:rPr lang="en-US" b="0" i="1" smtClean="0">
+                            <a:latin typeface="Cambria Math"/>
+                          </a:rPr>
+                        </m:ctrlPr>
+                      </m:sSubPr>
+                      <m:e>
+                        <m:r>
+                          <a:rPr lang="en-US" b="0" i="1" smtClean="0">
+                            <a:latin typeface="Cambria Math" panose="02040503050406030204" pitchFamily="18" charset="0"/>
+                          </a:rPr>
+                          <m:t>𝐴</m:t>
+                        </m:r>
+                      </m:e>
+                      <m:sub>
+                        <m:r>
+                          <a:rPr lang="en-US" b="0" i="1" smtClean="0">
+                            <a:latin typeface="Cambria Math" panose="02040503050406030204" pitchFamily="18" charset="0"/>
+                          </a:rPr>
+                          <m:t>𝑡𝑟𝑎𝑛𝑠</m:t>
+                        </m:r>
+                      </m:sub>
+                    </m:sSub>
+                    <m:r>
+                      <a:rPr lang="en-US" b="0" i="1" smtClean="0">
+                        <a:latin typeface="Cambria Math" panose="02040503050406030204" pitchFamily="18" charset="0"/>
+                      </a:rPr>
+                      <m:t>=0.5)</m:t>
+                    </m:r>
+                  </m:oMath>
+                </a14:m>
+                <a:r>
+                  <a:rPr lang="en-US" dirty="0"/>
+                  <a:t> some energy </a:t>
+                </a:r>
+                <a:endParaRPr lang="en-US" dirty="0" smtClean="0"/>
+              </a:p>
+              <a:p>
+                <a:pPr lvl="1"/>
+                <a:r>
+                  <a:rPr lang="en-US" dirty="0" smtClean="0"/>
+                  <a:t>A moving target also reflects and transmits some energy</a:t>
+                </a:r>
+              </a:p>
+              <a:p>
+                <a:r>
+                  <a:rPr lang="en-US" dirty="0" smtClean="0"/>
+                  <a:t>Techniques based on “A graphical indoor radio channel simulator using 2D ray tracing” by Holt and </a:t>
+                </a:r>
+                <a:r>
+                  <a:rPr lang="en-US" dirty="0" err="1" smtClean="0"/>
+                  <a:t>Pahlavan</a:t>
+                </a:r>
+                <a:endParaRPr lang="en-US" dirty="0" smtClean="0"/>
+              </a:p>
+              <a:p>
+                <a:r>
+                  <a:rPr lang="en-US" dirty="0" smtClean="0"/>
+                  <a:t>Intuition: As distance to target changes, the subset of taps </a:t>
+                </a:r>
+                <a14:m>
+                  <m:oMath xmlns:m="http://schemas.openxmlformats.org/officeDocument/2006/math">
+                    <m:sSub>
+                      <m:sSubPr>
+                        <m:ctrlPr>
+                          <a:rPr lang="en-US" b="0" i="1" smtClean="0">
+                            <a:latin typeface="Cambria Math"/>
+                          </a:rPr>
+                        </m:ctrlPr>
+                      </m:sSubPr>
+                      <m:e>
+                        <m:r>
+                          <a:rPr lang="en-US" b="0" i="1" smtClean="0">
+                            <a:latin typeface="Cambria Math" panose="02040503050406030204" pitchFamily="18" charset="0"/>
+                          </a:rPr>
+                          <m:t>h</m:t>
+                        </m:r>
+                      </m:e>
+                      <m:sub>
+                        <m:r>
+                          <a:rPr lang="en-US" b="0" i="1" smtClean="0">
+                            <a:latin typeface="Cambria Math" panose="02040503050406030204" pitchFamily="18" charset="0"/>
+                          </a:rPr>
+                          <m:t>𝑙</m:t>
+                        </m:r>
+                      </m:sub>
+                    </m:sSub>
+                    <m:d>
+                      <m:dPr>
+                        <m:begChr m:val="["/>
+                        <m:endChr m:val="]"/>
+                        <m:ctrlPr>
+                          <a:rPr lang="en-US" b="0" i="1" smtClean="0">
+                            <a:latin typeface="Cambria Math"/>
+                          </a:rPr>
+                        </m:ctrlPr>
+                      </m:dPr>
+                      <m:e>
+                        <m:r>
+                          <a:rPr lang="en-US" b="0" i="1" smtClean="0">
+                            <a:latin typeface="Cambria Math" panose="02040503050406030204" pitchFamily="18" charset="0"/>
+                          </a:rPr>
+                          <m:t>𝑚</m:t>
+                        </m:r>
+                      </m:e>
+                    </m:d>
+                  </m:oMath>
+                </a14:m>
+                <a:r>
+                  <a:rPr lang="en-US" dirty="0" smtClean="0"/>
+                  <a:t> from reflections of target will shift in amplitude, phase, and propagation delay</a:t>
+                </a:r>
+              </a:p>
+            </p:txBody>
+          </p:sp>
+        </mc:Choice>
+        <mc:Fallback xmlns="">
+          <p:sp>
+            <p:nvSpPr>
+              <p:cNvPr id="3" name="Content Placeholder 2"/>
+              <p:cNvSpPr>
+                <a:spLocks noGrp="1" noRot="1" noChangeAspect="1" noMove="1" noResize="1" noEditPoints="1" noAdjustHandles="1" noChangeArrowheads="1" noChangeShapeType="1" noTextEdit="1"/>
+              </p:cNvSpPr>
+              <p:nvPr>
+                <p:ph idx="1"/>
+              </p:nvPr>
+            </p:nvSpPr>
+            <p:spPr>
+              <a:blipFill rotWithShape="0">
+                <a:blip r:embed="rId3"/>
+                <a:stretch>
+                  <a:fillRect l="-1043" t="-3081" r="-1855"/>
+                </a:stretch>
+              </a:blipFill>
+            </p:spPr>
+            <p:txBody>
+              <a:bodyPr/>
+              <a:lstStyle/>
+              <a:p>
+                <a:r>
+                  <a:rPr lang="en-US">
+                    <a:noFill/>
+                  </a:rPr>
+                  <a:t> </a:t>
+                </a:r>
+              </a:p>
+            </p:txBody>
+          </p:sp>
+        </mc:Fallback>
+      </mc:AlternateContent>
+    </p:spTree>
+    <p:extLst>
+      <p:ext uri="{BB962C8B-B14F-4D97-AF65-F5344CB8AC3E}">
+        <p14:creationId xmlns:p14="http://schemas.microsoft.com/office/powerpoint/2010/main" val="3164094560"/>
+      </p:ext>
+    </p:extLst>
+  </p:cSld>
+  <p:clrMapOvr>
+    <a:masterClrMapping/>
+  </p:clrMapOvr>
+</p:sld>
+</file>
+
+<file path=ppt/slides/slide6.xml><?xml version="1.0" encoding="utf-8"?>
+<p:sld xmlns:a="http://schemas.openxmlformats.org/drawingml/2006/main" xmlns:r="http://schemas.openxmlformats.org/officeDocument/2006/relationships" xmlns:p="http://schemas.openxmlformats.org/presentationml/2006/main">
+  <p:cSld>
+    <p:spTree>
+      <p:nvGrpSpPr>
+        <p:cNvPr id="1" name=""/>
+        <p:cNvGrpSpPr/>
+        <p:nvPr/>
+      </p:nvGrpSpPr>
+      <p:grpSpPr>
+        <a:xfrm>
+          <a:off x="0" y="0"/>
+          <a:ext cx="0" cy="0"/>
+          <a:chOff x="0" y="0"/>
+          <a:chExt cx="0" cy="0"/>
+        </a:xfrm>
+      </p:grpSpPr>
+      <p:sp>
+        <p:nvSpPr>
+          <p:cNvPr id="2" name="Title 1"/>
+          <p:cNvSpPr>
+            <a:spLocks noGrp="1"/>
+          </p:cNvSpPr>
+          <p:nvPr>
+            <p:ph type="title"/>
+          </p:nvPr>
+        </p:nvSpPr>
+        <p:spPr/>
+        <p:txBody>
+          <a:bodyPr/>
+          <a:lstStyle/>
+          <a:p>
+            <a:r>
+              <a:rPr lang="en-US" dirty="0" smtClean="0"/>
+              <a:t>Simulating the Indoor Channel</a:t>
+            </a:r>
+            <a:endParaRPr lang="en-US" dirty="0"/>
+          </a:p>
+        </p:txBody>
+      </p:sp>
+      <p:sp>
+        <p:nvSpPr>
+          <p:cNvPr id="3" name="Content Placeholder 2"/>
+          <p:cNvSpPr>
+            <a:spLocks noGrp="1"/>
+          </p:cNvSpPr>
+          <p:nvPr>
+            <p:ph idx="1"/>
+          </p:nvPr>
+        </p:nvSpPr>
+        <p:spPr/>
+        <p:txBody>
+          <a:bodyPr/>
+          <a:lstStyle/>
+          <a:p>
+            <a:r>
+              <a:rPr lang="en-US" dirty="0" smtClean="0"/>
+              <a:t>TODO pictures</a:t>
+            </a:r>
+            <a:endParaRPr lang="en-US" dirty="0"/>
+          </a:p>
+        </p:txBody>
+      </p:sp>
+    </p:spTree>
+    <p:extLst>
+      <p:ext uri="{BB962C8B-B14F-4D97-AF65-F5344CB8AC3E}">
+        <p14:creationId xmlns:p14="http://schemas.microsoft.com/office/powerpoint/2010/main" val="1602356833"/>
+      </p:ext>
+    </p:extLst>
+  </p:cSld>
+  <p:clrMapOvr>
+    <a:masterClrMapping/>
+  </p:clrMapOvr>
+</p:sld>
+</file>
+
+<file path=ppt/slides/slide7.xml><?xml version="1.0" encoding="utf-8"?>
+<p:sld xmlns:a="http://schemas.openxmlformats.org/drawingml/2006/main" xmlns:r="http://schemas.openxmlformats.org/officeDocument/2006/relationships" xmlns:p="http://schemas.openxmlformats.org/presentationml/2006/main">
+  <p:cSld>
+    <p:spTree>
+      <p:nvGrpSpPr>
+        <p:cNvPr id="1" name=""/>
+        <p:cNvGrpSpPr/>
+        <p:nvPr/>
+      </p:nvGrpSpPr>
+      <p:grpSpPr>
+        <a:xfrm>
+          <a:off x="0" y="0"/>
+          <a:ext cx="0" cy="0"/>
+          <a:chOff x="0" y="0"/>
+          <a:chExt cx="0" cy="0"/>
+        </a:xfrm>
+      </p:grpSpPr>
+      <p:sp>
+        <p:nvSpPr>
+          <p:cNvPr id="2" name="Title 1"/>
+          <p:cNvSpPr>
+            <a:spLocks noGrp="1"/>
+          </p:cNvSpPr>
+          <p:nvPr>
+            <p:ph type="title"/>
+          </p:nvPr>
+        </p:nvSpPr>
+        <p:spPr/>
+        <p:txBody>
+          <a:bodyPr/>
+          <a:lstStyle/>
+          <a:p>
+            <a:r>
+              <a:rPr lang="en-US" dirty="0" smtClean="0"/>
+              <a:t>Conclusion</a:t>
+            </a:r>
+            <a:endParaRPr lang="en-US" dirty="0"/>
+          </a:p>
+        </p:txBody>
+      </p:sp>
+      <p:sp>
+        <p:nvSpPr>
+          <p:cNvPr id="3" name="Content Placeholder 2"/>
+          <p:cNvSpPr>
+            <a:spLocks noGrp="1"/>
+          </p:cNvSpPr>
+          <p:nvPr>
+            <p:ph idx="1"/>
+          </p:nvPr>
+        </p:nvSpPr>
+        <p:spPr/>
+        <p:txBody>
+          <a:bodyPr/>
+          <a:lstStyle/>
+          <a:p>
+            <a:endParaRPr lang="en-US"/>
+          </a:p>
+        </p:txBody>
+      </p:sp>
+    </p:spTree>
+    <p:extLst>
+      <p:ext uri="{BB962C8B-B14F-4D97-AF65-F5344CB8AC3E}">
+        <p14:creationId xmlns:p14="http://schemas.microsoft.com/office/powerpoint/2010/main" val="3194405820"/>
+      </p:ext>
+    </p:extLst>
+  </p:cSld>
+  <p:clrMapOvr>
+    <a:masterClrMapping/>
+  </p:clrMapOvr>
+</p:sld>
+</file>
+
+<file path=ppt/slides/slide8.xml><?xml version="1.0" encoding="utf-8"?>
+<p:sld xmlns:a="http://schemas.openxmlformats.org/drawingml/2006/main" xmlns:r="http://schemas.openxmlformats.org/officeDocument/2006/relationships" xmlns:p="http://schemas.openxmlformats.org/presentationml/2006/main">
+  <p:cSld>
+    <p:spTree>
+      <p:nvGrpSpPr>
+        <p:cNvPr id="1" name=""/>
+        <p:cNvGrpSpPr/>
+        <p:nvPr/>
+      </p:nvGrpSpPr>
+      <p:grpSpPr>
+        <a:xfrm>
+          <a:off x="0" y="0"/>
+          <a:ext cx="0" cy="0"/>
+          <a:chOff x="0" y="0"/>
+          <a:chExt cx="0" cy="0"/>
+        </a:xfrm>
+      </p:grpSpPr>
+      <p:sp>
+        <p:nvSpPr>
+          <p:cNvPr id="2" name="Title 1"/>
+          <p:cNvSpPr>
+            <a:spLocks noGrp="1"/>
+          </p:cNvSpPr>
+          <p:nvPr>
+            <p:ph type="title"/>
+          </p:nvPr>
+        </p:nvSpPr>
+        <p:spPr/>
+        <p:txBody>
+          <a:bodyPr/>
+          <a:lstStyle/>
+          <a:p>
+            <a:r>
+              <a:rPr lang="en-US" dirty="0" smtClean="0"/>
+              <a:t>Forming Range-Doppler Maps</a:t>
+            </a:r>
+            <a:endParaRPr lang="en-US" dirty="0"/>
+          </a:p>
+        </p:txBody>
+      </p:sp>
+      <p:sp>
+        <p:nvSpPr>
+          <p:cNvPr id="3" name="Content Placeholder 2"/>
+          <p:cNvSpPr>
+            <a:spLocks noGrp="1"/>
+          </p:cNvSpPr>
+          <p:nvPr>
+            <p:ph idx="1"/>
+          </p:nvPr>
+        </p:nvSpPr>
+        <p:spPr/>
+        <p:txBody>
+          <a:bodyPr>
+            <a:normAutofit/>
+          </a:bodyPr>
+          <a:lstStyle/>
+          <a:p>
+            <a:r>
+              <a:rPr lang="en-US" dirty="0" smtClean="0"/>
+              <a:t>RDMs are a basic tool in radar</a:t>
+            </a:r>
+          </a:p>
+          <a:p>
+            <a:r>
+              <a:rPr lang="en-US" dirty="0" smtClean="0"/>
+              <a:t>Moving objects in field of view of the receiver show up as high-power spots at their range and velocity</a:t>
+            </a:r>
+          </a:p>
+          <a:p>
+            <a:pPr lvl="1"/>
+            <a:r>
+              <a:rPr lang="en-US" dirty="0" smtClean="0"/>
+              <a:t>Maps are formed constantly over time and a target’s movement can be tracked</a:t>
+            </a:r>
+          </a:p>
+          <a:p>
+            <a:r>
+              <a:rPr lang="en-US" dirty="0" err="1" smtClean="0"/>
+              <a:t>WiFi</a:t>
+            </a:r>
+            <a:r>
+              <a:rPr lang="en-US" dirty="0" smtClean="0"/>
+              <a:t> signals are difficult to use for radar due to low power, multipath, and poor autocorrelation properties</a:t>
+            </a:r>
+          </a:p>
+        </p:txBody>
+      </p:sp>
+    </p:spTree>
+    <p:extLst>
+      <p:ext uri="{BB962C8B-B14F-4D97-AF65-F5344CB8AC3E}">
+        <p14:creationId xmlns:p14="http://schemas.microsoft.com/office/powerpoint/2010/main" val="3937463607"/>
+      </p:ext>
+    </p:extLst>
+  </p:cSld>
+  <p:clrMapOvr>
+    <a:masterClrMapping/>
+  </p:clrMapOvr>
+</p:sld>
+</file>
+
+<file path=ppt/slides/slide9.xml><?xml version="1.0" encoding="utf-8"?>
+<p:sld xmlns:a="http://schemas.openxmlformats.org/drawingml/2006/main" xmlns:r="http://schemas.openxmlformats.org/officeDocument/2006/relationships" xmlns:p="http://schemas.openxmlformats.org/presentationml/2006/main">
+  <p:cSld>
+    <p:spTree>
+      <p:nvGrpSpPr>
+        <p:cNvPr id="1" name=""/>
+        <p:cNvGrpSpPr/>
+        <p:nvPr/>
+      </p:nvGrpSpPr>
+      <p:grpSpPr>
+        <a:xfrm>
+          <a:off x="0" y="0"/>
+          <a:ext cx="0" cy="0"/>
+          <a:chOff x="0" y="0"/>
+          <a:chExt cx="0" cy="0"/>
+        </a:xfrm>
+      </p:grpSpPr>
+      <p:sp>
+        <p:nvSpPr>
+          <p:cNvPr id="2" name="Title 1"/>
+          <p:cNvSpPr>
+            <a:spLocks noGrp="1"/>
+          </p:cNvSpPr>
+          <p:nvPr>
+            <p:ph type="title"/>
+          </p:nvPr>
+        </p:nvSpPr>
+        <p:spPr/>
+        <p:txBody>
+          <a:bodyPr/>
+          <a:lstStyle/>
+          <a:p>
+            <a:r>
+              <a:rPr lang="en-US" dirty="0" smtClean="0"/>
+              <a:t>Forming Range-Doppler Maps</a:t>
+            </a:r>
+            <a:endParaRPr lang="en-US" dirty="0"/>
+          </a:p>
+        </p:txBody>
+      </p:sp>
+      <p:sp>
+        <p:nvSpPr>
+          <p:cNvPr id="3" name="Content Placeholder 2"/>
+          <p:cNvSpPr>
+            <a:spLocks noGrp="1"/>
+          </p:cNvSpPr>
+          <p:nvPr>
+            <p:ph idx="1"/>
+          </p:nvPr>
+        </p:nvSpPr>
+        <p:spPr/>
+        <p:txBody>
+          <a:bodyPr/>
+          <a:lstStyle/>
+          <a:p>
+            <a:r>
+              <a:rPr lang="en-US" dirty="0" smtClean="0"/>
+              <a:t>Autocorrelation function of simulated </a:t>
+            </a:r>
+            <a:r>
+              <a:rPr lang="en-US" dirty="0" err="1" smtClean="0"/>
+              <a:t>WiFi</a:t>
+            </a:r>
+            <a:r>
+              <a:rPr lang="en-US" dirty="0" smtClean="0"/>
+              <a:t> data used in project</a:t>
+            </a:r>
+            <a:endParaRPr lang="en-US" dirty="0"/>
+          </a:p>
+        </p:txBody>
+      </p:sp>
+    </p:spTree>
+    <p:extLst>
+      <p:ext uri="{BB962C8B-B14F-4D97-AF65-F5344CB8AC3E}">
+        <p14:creationId xmlns:p14="http://schemas.microsoft.com/office/powerpoint/2010/main" val="2498023344"/>
       </p:ext>
     </p:extLst>
   </p:cSld>

--- a/presentation.pptx
+++ b/presentation.pptx
@@ -14,11 +14,11 @@
     <p:sldId id="259" r:id="rId5"/>
     <p:sldId id="265" r:id="rId6"/>
     <p:sldId id="266" r:id="rId7"/>
-    <p:sldId id="261" r:id="rId8"/>
+    <p:sldId id="271" r:id="rId8"/>
     <p:sldId id="267" r:id="rId9"/>
-    <p:sldId id="269" r:id="rId10"/>
-    <p:sldId id="270" r:id="rId11"/>
-    <p:sldId id="268" r:id="rId12"/>
+    <p:sldId id="270" r:id="rId10"/>
+    <p:sldId id="268" r:id="rId11"/>
+    <p:sldId id="261" r:id="rId12"/>
   </p:sldIdLst>
   <p:sldSz cx="12192000" cy="6858000"/>
   <p:notesSz cx="6858000" cy="9144000"/>
@@ -955,8 +955,34 @@
           <a:p>
             <a:r>
               <a:rPr lang="en-US" dirty="0" smtClean="0"/>
-              <a:t>Aim for 1 minute</a:t>
-            </a:r>
+              <a:t>Aim for 1-2 minutes</a:t>
+            </a:r>
+          </a:p>
+          <a:p>
+            <a:r>
+              <a:rPr lang="en-US" dirty="0" smtClean="0"/>
+              <a:t>Why were these simulations chosen?</a:t>
+            </a:r>
+          </a:p>
+          <a:p>
+            <a:r>
+              <a:rPr lang="en-US" dirty="0" smtClean="0"/>
+              <a:t>Clear descriptions of parameter choices</a:t>
+            </a:r>
+          </a:p>
+          <a:p>
+            <a:r>
+              <a:rPr lang="en-US" dirty="0" smtClean="0"/>
+              <a:t>Discuss what the plots mean</a:t>
+            </a:r>
+          </a:p>
+          <a:p>
+            <a:r>
+              <a:rPr lang="en-US" dirty="0" smtClean="0"/>
+              <a:t>Do the plots match the papers? If not, why?</a:t>
+            </a:r>
+          </a:p>
+          <a:p>
             <a:endParaRPr lang="en-US" dirty="0"/>
           </a:p>
         </p:txBody>
@@ -978,7 +1004,7 @@
           <a:p>
             <a:fld id="{280B9B96-5504-45C4-A7D4-ABBE9FEDE67C}" type="slidenum">
               <a:rPr lang="en-US" smtClean="0"/>
-              <a:t>7</a:t>
+              <a:t>8</a:t>
             </a:fld>
             <a:endParaRPr lang="en-US"/>
           </a:p>
@@ -987,7 +1013,7 @@
     </p:spTree>
     <p:extLst>
       <p:ext uri="{BB962C8B-B14F-4D97-AF65-F5344CB8AC3E}">
-        <p14:creationId xmlns:p14="http://schemas.microsoft.com/office/powerpoint/2010/main" val="1619926959"/>
+        <p14:creationId xmlns:p14="http://schemas.microsoft.com/office/powerpoint/2010/main" val="1776450908"/>
       </p:ext>
     </p:extLst>
   </p:cSld>
@@ -1043,34 +1069,8 @@
           <a:p>
             <a:r>
               <a:rPr lang="en-US" dirty="0" smtClean="0"/>
-              <a:t>Aim for 1-2 minutes</a:t>
-            </a:r>
-          </a:p>
-          <a:p>
-            <a:r>
-              <a:rPr lang="en-US" dirty="0" smtClean="0"/>
-              <a:t>Why were these simulations chosen?</a:t>
-            </a:r>
-          </a:p>
-          <a:p>
-            <a:r>
-              <a:rPr lang="en-US" dirty="0" smtClean="0"/>
-              <a:t>Clear descriptions of parameter choices</a:t>
-            </a:r>
-          </a:p>
-          <a:p>
-            <a:r>
-              <a:rPr lang="en-US" dirty="0" smtClean="0"/>
-              <a:t>Discuss what the plots mean</a:t>
-            </a:r>
-          </a:p>
-          <a:p>
-            <a:r>
-              <a:rPr lang="en-US" dirty="0" smtClean="0"/>
-              <a:t>Do the plots match the papers? If not, why?</a:t>
-            </a:r>
-          </a:p>
-          <a:p>
+              <a:t>Aim for 1 minute</a:t>
+            </a:r>
             <a:endParaRPr lang="en-US" dirty="0"/>
           </a:p>
         </p:txBody>
@@ -1092,7 +1092,7 @@
           <a:p>
             <a:fld id="{280B9B96-5504-45C4-A7D4-ABBE9FEDE67C}" type="slidenum">
               <a:rPr lang="en-US" smtClean="0"/>
-              <a:t>8</a:t>
+              <a:t>11</a:t>
             </a:fld>
             <a:endParaRPr lang="en-US"/>
           </a:p>
@@ -1101,7 +1101,7 @@
     </p:spTree>
     <p:extLst>
       <p:ext uri="{BB962C8B-B14F-4D97-AF65-F5344CB8AC3E}">
-        <p14:creationId xmlns:p14="http://schemas.microsoft.com/office/powerpoint/2010/main" val="1776450908"/>
+        <p14:creationId xmlns:p14="http://schemas.microsoft.com/office/powerpoint/2010/main" val="1619926959"/>
       </p:ext>
     </p:extLst>
   </p:cSld>
@@ -4040,154 +4040,6 @@
 </file>
 
 <file path=ppt/slides/slide10.xml><?xml version="1.0" encoding="utf-8"?>
-<p:sld xmlns:a="http://schemas.openxmlformats.org/drawingml/2006/main" xmlns:r="http://schemas.openxmlformats.org/officeDocument/2006/relationships" xmlns:p="http://schemas.openxmlformats.org/presentationml/2006/main">
-  <p:cSld>
-    <p:spTree>
-      <p:nvGrpSpPr>
-        <p:cNvPr id="1" name=""/>
-        <p:cNvGrpSpPr/>
-        <p:nvPr/>
-      </p:nvGrpSpPr>
-      <p:grpSpPr>
-        <a:xfrm>
-          <a:off x="0" y="0"/>
-          <a:ext cx="0" cy="0"/>
-          <a:chOff x="0" y="0"/>
-          <a:chExt cx="0" cy="0"/>
-        </a:xfrm>
-      </p:grpSpPr>
-      <p:sp>
-        <p:nvSpPr>
-          <p:cNvPr id="2" name="Title 1"/>
-          <p:cNvSpPr>
-            <a:spLocks noGrp="1"/>
-          </p:cNvSpPr>
-          <p:nvPr>
-            <p:ph type="title"/>
-          </p:nvPr>
-        </p:nvSpPr>
-        <p:spPr/>
-        <p:txBody>
-          <a:bodyPr/>
-          <a:lstStyle/>
-          <a:p>
-            <a:r>
-              <a:rPr lang="en-US" dirty="0" smtClean="0"/>
-              <a:t>Forming Range-Doppler Maps</a:t>
-            </a:r>
-            <a:endParaRPr lang="en-US" dirty="0"/>
-          </a:p>
-        </p:txBody>
-      </p:sp>
-      <p:sp>
-        <p:nvSpPr>
-          <p:cNvPr id="3" name="Content Placeholder 2"/>
-          <p:cNvSpPr>
-            <a:spLocks noGrp="1"/>
-          </p:cNvSpPr>
-          <p:nvPr>
-            <p:ph idx="1"/>
-          </p:nvPr>
-        </p:nvSpPr>
-        <p:spPr/>
-        <p:txBody>
-          <a:bodyPr/>
-          <a:lstStyle/>
-          <a:p>
-            <a:r>
-              <a:rPr lang="en-US" dirty="0" smtClean="0"/>
-              <a:t>Autocorrelation function of simulated </a:t>
-            </a:r>
-            <a:r>
-              <a:rPr lang="en-US" dirty="0" err="1" smtClean="0"/>
-              <a:t>WiFi</a:t>
-            </a:r>
-            <a:r>
-              <a:rPr lang="en-US" dirty="0" smtClean="0"/>
-              <a:t> data used in project</a:t>
-            </a:r>
-            <a:endParaRPr lang="en-US" dirty="0"/>
-          </a:p>
-        </p:txBody>
-      </p:sp>
-      <p:pic>
-        <p:nvPicPr>
-          <p:cNvPr id="1026" name="Picture 2"/>
-          <p:cNvPicPr>
-            <a:picLocks noChangeAspect="1" noChangeArrowheads="1"/>
-          </p:cNvPicPr>
-          <p:nvPr/>
-        </p:nvPicPr>
-        <p:blipFill>
-          <a:blip r:embed="rId2">
-            <a:extLst>
-              <a:ext uri="{28A0092B-C50C-407E-A947-70E740481C1C}">
-                <a14:useLocalDpi xmlns:a14="http://schemas.microsoft.com/office/drawing/2010/main" val="0"/>
-              </a:ext>
-            </a:extLst>
-          </a:blip>
-          <a:srcRect/>
-          <a:stretch>
-            <a:fillRect/>
-          </a:stretch>
-        </p:blipFill>
-        <p:spPr bwMode="auto">
-          <a:xfrm>
-            <a:off x="2336800" y="2506579"/>
-            <a:ext cx="7315200" cy="4114800"/>
-          </a:xfrm>
-          <a:prstGeom prst="rect">
-            <a:avLst/>
-          </a:prstGeom>
-          <a:noFill/>
-          <a:ln>
-            <a:noFill/>
-          </a:ln>
-          <a:effectLst/>
-          <a:extLst>
-            <a:ext uri="{909E8E84-426E-40DD-AFC4-6F175D3DCCD1}">
-              <a14:hiddenFill xmlns:a14="http://schemas.microsoft.com/office/drawing/2010/main">
-                <a:solidFill>
-                  <a:schemeClr val="accent1"/>
-                </a:solidFill>
-              </a14:hiddenFill>
-            </a:ext>
-            <a:ext uri="{91240B29-F687-4F45-9708-019B960494DF}">
-              <a14:hiddenLine xmlns:a14="http://schemas.microsoft.com/office/drawing/2010/main" w="9525">
-                <a:solidFill>
-                  <a:schemeClr val="tx1"/>
-                </a:solidFill>
-                <a:miter lim="800000"/>
-                <a:headEnd/>
-                <a:tailEnd/>
-              </a14:hiddenLine>
-            </a:ext>
-            <a:ext uri="{AF507438-7753-43E0-B8FC-AC1667EBCBE1}">
-              <a14:hiddenEffects xmlns:a14="http://schemas.microsoft.com/office/drawing/2010/main">
-                <a:effectLst>
-                  <a:outerShdw dist="35921" dir="2700000" algn="ctr" rotWithShape="0">
-                    <a:schemeClr val="bg2"/>
-                  </a:outerShdw>
-                </a:effectLst>
-              </a14:hiddenEffects>
-            </a:ext>
-          </a:extLst>
-        </p:spPr>
-      </p:pic>
-    </p:spTree>
-    <p:extLst>
-      <p:ext uri="{BB962C8B-B14F-4D97-AF65-F5344CB8AC3E}">
-        <p14:creationId xmlns:p14="http://schemas.microsoft.com/office/powerpoint/2010/main" val="2498023344"/>
-      </p:ext>
-    </p:extLst>
-  </p:cSld>
-  <p:clrMapOvr>
-    <a:masterClrMapping/>
-  </p:clrMapOvr>
-</p:sld>
-</file>
-
-<file path=ppt/slides/slide11.xml><?xml version="1.0" encoding="utf-8"?>
 <p:sld xmlns:a="http://schemas.openxmlformats.org/drawingml/2006/main" xmlns:r="http://schemas.openxmlformats.org/officeDocument/2006/relationships" xmlns:p="http://schemas.openxmlformats.org/presentationml/2006/main">
   <p:cSld>
     <p:spTree>
@@ -4817,6 +4669,78 @@
 </p:sld>
 </file>
 
+<file path=ppt/slides/slide11.xml><?xml version="1.0" encoding="utf-8"?>
+<p:sld xmlns:a="http://schemas.openxmlformats.org/drawingml/2006/main" xmlns:r="http://schemas.openxmlformats.org/officeDocument/2006/relationships" xmlns:p="http://schemas.openxmlformats.org/presentationml/2006/main">
+  <p:cSld>
+    <p:spTree>
+      <p:nvGrpSpPr>
+        <p:cNvPr id="1" name=""/>
+        <p:cNvGrpSpPr/>
+        <p:nvPr/>
+      </p:nvGrpSpPr>
+      <p:grpSpPr>
+        <a:xfrm>
+          <a:off x="0" y="0"/>
+          <a:ext cx="0" cy="0"/>
+          <a:chOff x="0" y="0"/>
+          <a:chExt cx="0" cy="0"/>
+        </a:xfrm>
+      </p:grpSpPr>
+      <p:sp>
+        <p:nvSpPr>
+          <p:cNvPr id="2" name="Title 1"/>
+          <p:cNvSpPr>
+            <a:spLocks noGrp="1"/>
+          </p:cNvSpPr>
+          <p:nvPr>
+            <p:ph type="title"/>
+          </p:nvPr>
+        </p:nvSpPr>
+        <p:spPr/>
+        <p:txBody>
+          <a:bodyPr/>
+          <a:lstStyle/>
+          <a:p>
+            <a:r>
+              <a:rPr lang="en-US" dirty="0" smtClean="0"/>
+              <a:t>Conclusion</a:t>
+            </a:r>
+            <a:endParaRPr lang="en-US" dirty="0"/>
+          </a:p>
+        </p:txBody>
+      </p:sp>
+      <p:sp>
+        <p:nvSpPr>
+          <p:cNvPr id="3" name="Content Placeholder 2"/>
+          <p:cNvSpPr>
+            <a:spLocks noGrp="1"/>
+          </p:cNvSpPr>
+          <p:nvPr>
+            <p:ph idx="1"/>
+          </p:nvPr>
+        </p:nvSpPr>
+        <p:spPr/>
+        <p:txBody>
+          <a:bodyPr/>
+          <a:lstStyle/>
+          <a:p>
+            <a:endParaRPr lang="en-US"/>
+          </a:p>
+        </p:txBody>
+      </p:sp>
+    </p:spTree>
+    <p:extLst>
+      <p:ext uri="{BB962C8B-B14F-4D97-AF65-F5344CB8AC3E}">
+        <p14:creationId xmlns:p14="http://schemas.microsoft.com/office/powerpoint/2010/main" val="3194405820"/>
+      </p:ext>
+    </p:extLst>
+  </p:cSld>
+  <p:clrMapOvr>
+    <a:masterClrMapping/>
+  </p:clrMapOvr>
+</p:sld>
+</file>
+
 <file path=ppt/slides/slide2.xml><?xml version="1.0" encoding="utf-8"?>
 <p:sld xmlns:a="http://schemas.openxmlformats.org/drawingml/2006/main" xmlns:r="http://schemas.openxmlformats.org/officeDocument/2006/relationships" xmlns:p="http://schemas.openxmlformats.org/presentationml/2006/main">
   <p:cSld>
@@ -5918,7 +5842,15 @@
           <a:p>
             <a:r>
               <a:rPr lang="en-US" dirty="0" smtClean="0"/>
-              <a:t>Conclusion</a:t>
+              <a:t>Simulating </a:t>
+            </a:r>
+            <a:r>
+              <a:rPr lang="en-US" dirty="0" err="1" smtClean="0"/>
+              <a:t>WiFi</a:t>
+            </a:r>
+            <a:r>
+              <a:rPr lang="en-US" dirty="0" smtClean="0"/>
+              <a:t> OFDM Transmissions</a:t>
             </a:r>
             <a:endParaRPr lang="en-US" dirty="0"/>
           </a:p>
@@ -5934,19 +5866,89 @@
             <p:ph idx="1"/>
           </p:nvPr>
         </p:nvSpPr>
-        <p:spPr/>
-        <p:txBody>
-          <a:bodyPr/>
-          <a:lstStyle/>
-          <a:p>
-            <a:endParaRPr lang="en-US"/>
+        <p:spPr>
+          <a:xfrm>
+            <a:off x="850231" y="1645151"/>
+            <a:ext cx="10515600" cy="4900028"/>
+          </a:xfrm>
+        </p:spPr>
+        <p:txBody>
+          <a:bodyPr>
+            <a:normAutofit/>
+          </a:bodyPr>
+          <a:lstStyle/>
+          <a:p>
+            <a:r>
+              <a:rPr lang="en-US" dirty="0" smtClean="0"/>
+              <a:t>Used and verified against IEEE 802.11g standard document a Simulink model available on MATLAB File Exchange</a:t>
+            </a:r>
+            <a:r>
+              <a:rPr lang="en-US" dirty="0"/>
+              <a:t>:  </a:t>
+            </a:r>
+            <a:r>
+              <a:rPr lang="en-US" dirty="0" smtClean="0"/>
+              <a:t> </a:t>
+            </a:r>
+          </a:p>
+          <a:p>
+            <a:r>
+              <a:rPr lang="en-US" sz="2000" dirty="0" smtClean="0">
+                <a:hlinkClick r:id="rId2"/>
+              </a:rPr>
+              <a:t>http</a:t>
+            </a:r>
+            <a:r>
+              <a:rPr lang="en-US" sz="2000" dirty="0">
+                <a:hlinkClick r:id="rId2"/>
+              </a:rPr>
+              <a:t>://</a:t>
+            </a:r>
+            <a:r>
+              <a:rPr lang="en-US" sz="2000" dirty="0" smtClean="0">
+                <a:hlinkClick r:id="rId2"/>
+              </a:rPr>
+              <a:t>www.mathworks.com/matlabcentral/fileexchange/38073-802-11g-wlan-phy-model</a:t>
+            </a:r>
+            <a:endParaRPr lang="en-US" sz="2000" dirty="0" smtClean="0"/>
+          </a:p>
+          <a:p>
+            <a:endParaRPr lang="en-US" sz="2000" dirty="0"/>
+          </a:p>
+          <a:p>
+            <a:r>
+              <a:rPr lang="en-US" dirty="0" smtClean="0"/>
+              <a:t>Each pulse contains a preamble with training data for channel estimation, data rate selection, diversity selection, etc. </a:t>
+            </a:r>
+            <a:endParaRPr lang="en-US" dirty="0"/>
+          </a:p>
+          <a:p>
+            <a:r>
+              <a:rPr lang="en-US" dirty="0" smtClean="0"/>
+              <a:t>Data frames follow, each of which is 4us long, including 0.8us guard interval</a:t>
+            </a:r>
+          </a:p>
+          <a:p>
+            <a:pPr lvl="1"/>
+            <a:r>
+              <a:rPr lang="en-US" dirty="0" smtClean="0"/>
+              <a:t>Assumption: data is constantly transmitted</a:t>
+            </a:r>
+          </a:p>
+          <a:p>
+            <a:pPr lvl="1"/>
+            <a:r>
+              <a:rPr lang="en-US" dirty="0" smtClean="0"/>
+              <a:t>A more detailed simulation could partially decode the incoming reference data to determine pulse start times, since typically there will be time gaps between sent packets</a:t>
+            </a:r>
+            <a:endParaRPr lang="en-US" dirty="0"/>
           </a:p>
         </p:txBody>
       </p:sp>
     </p:spTree>
     <p:extLst>
       <p:ext uri="{BB962C8B-B14F-4D97-AF65-F5344CB8AC3E}">
-        <p14:creationId xmlns:p14="http://schemas.microsoft.com/office/powerpoint/2010/main" val="3194405820"/>
+        <p14:creationId xmlns:p14="http://schemas.microsoft.com/office/powerpoint/2010/main" val="2147660021"/>
       </p:ext>
     </p:extLst>
   </p:cSld>
@@ -6127,6 +6129,70 @@
           </a:p>
         </p:txBody>
       </p:sp>
+      <p:pic>
+        <p:nvPicPr>
+          <p:cNvPr id="1026" name="Picture 2"/>
+          <p:cNvPicPr>
+            <a:picLocks noChangeAspect="1" noChangeArrowheads="1"/>
+          </p:cNvPicPr>
+          <p:nvPr/>
+        </p:nvPicPr>
+        <p:blipFill>
+          <a:blip r:embed="rId2">
+            <a:extLst>
+              <a:ext uri="{28A0092B-C50C-407E-A947-70E740481C1C}">
+                <a14:useLocalDpi xmlns:a14="http://schemas.microsoft.com/office/drawing/2010/main" val="0"/>
+              </a:ext>
+            </a:extLst>
+          </a:blip>
+          <a:srcRect/>
+          <a:stretch>
+            <a:fillRect/>
+          </a:stretch>
+        </p:blipFill>
+        <p:spPr bwMode="auto">
+          <a:xfrm>
+            <a:off x="2336800" y="2506579"/>
+            <a:ext cx="7315200" cy="4114800"/>
+          </a:xfrm>
+          <a:prstGeom prst="rect">
+            <a:avLst/>
+          </a:prstGeom>
+          <a:noFill/>
+          <a:ln>
+            <a:noFill/>
+          </a:ln>
+          <a:effectLst/>
+          <a:extLst>
+            <a:ext uri="{909E8E84-426E-40DD-AFC4-6F175D3DCCD1}">
+              <a14:hiddenFill xmlns:a14="http://schemas.microsoft.com/office/drawing/2010/main">
+                <a:solidFill>
+                  <a:schemeClr val="accent1"/>
+                </a:solidFill>
+              </a14:hiddenFill>
+            </a:ext>
+            <a:ext uri="{91240B29-F687-4F45-9708-019B960494DF}">
+              <a14:hiddenLine xmlns:a14="http://schemas.microsoft.com/office/drawing/2010/main" w="9525">
+                <a:solidFill>
+                  <a:schemeClr val="tx1"/>
+                </a:solidFill>
+                <a:miter lim="800000"/>
+                <a:headEnd/>
+                <a:tailEnd/>
+              </a14:hiddenLine>
+            </a:ext>
+            <a:ext uri="{AF507438-7753-43E0-B8FC-AC1667EBCBE1}">
+              <a14:hiddenEffects xmlns:a14="http://schemas.microsoft.com/office/drawing/2010/main">
+                <a:effectLst>
+                  <a:outerShdw dist="35921" dir="2700000" algn="ctr" rotWithShape="0">
+                    <a:schemeClr val="bg2"/>
+                  </a:outerShdw>
+                </a:effectLst>
+              </a14:hiddenEffects>
+            </a:ext>
+          </a:extLst>
+        </p:spPr>
+      </p:pic>
     </p:spTree>
     <p:extLst>
       <p:ext uri="{BB962C8B-B14F-4D97-AF65-F5344CB8AC3E}">

--- a/presentation.pptx
+++ b/presentation.pptx
@@ -5,7 +5,7 @@
     <p:sldMasterId id="2147483648" r:id="rId1"/>
   </p:sldMasterIdLst>
   <p:notesMasterIdLst>
-    <p:notesMasterId r:id="rId13"/>
+    <p:notesMasterId r:id="rId16"/>
   </p:notesMasterIdLst>
   <p:sldIdLst>
     <p:sldId id="256" r:id="rId2"/>
@@ -14,11 +14,14 @@
     <p:sldId id="259" r:id="rId5"/>
     <p:sldId id="265" r:id="rId6"/>
     <p:sldId id="266" r:id="rId7"/>
-    <p:sldId id="271" r:id="rId8"/>
-    <p:sldId id="267" r:id="rId9"/>
-    <p:sldId id="270" r:id="rId10"/>
-    <p:sldId id="268" r:id="rId11"/>
-    <p:sldId id="261" r:id="rId12"/>
+    <p:sldId id="273" r:id="rId8"/>
+    <p:sldId id="271" r:id="rId9"/>
+    <p:sldId id="267" r:id="rId10"/>
+    <p:sldId id="270" r:id="rId11"/>
+    <p:sldId id="268" r:id="rId12"/>
+    <p:sldId id="272" r:id="rId13"/>
+    <p:sldId id="275" r:id="rId14"/>
+    <p:sldId id="261" r:id="rId15"/>
   </p:sldIdLst>
   <p:sldSz cx="12192000" cy="6858000"/>
   <p:notesSz cx="6858000" cy="9144000"/>
@@ -119,7 +122,7 @@
   </p:defaultTextStyle>
   <p:extLst>
     <p:ext uri="{EFAFB233-063F-42B5-8137-9DF3F51BA10A}">
-      <p15:sldGuideLst xmlns:p15="http://schemas.microsoft.com/office/powerpoint/2012/main" xmlns="">
+      <p15:sldGuideLst xmlns:p15="http://schemas.microsoft.com/office/powerpoint/2012/main">
         <p15:guide id="1" orient="horz" pos="2160">
           <p15:clr>
             <a:srgbClr val="A4A3A4"/>
@@ -141,7 +144,7 @@
   <p:cmAuthor id="1" name="Carozza, Ernie" initials="CE" lastIdx="1" clrIdx="0">
     <p:extLst>
       <p:ext uri="{19B8F6BF-5375-455C-9EA6-DF929625EA0E}">
-        <p15:presenceInfo xmlns:p15="http://schemas.microsoft.com/office/powerpoint/2012/main" xmlns="" userId="S-1-5-21-1940666338-227100268-1349548132-144825" providerId="AD"/>
+        <p15:presenceInfo xmlns:p15="http://schemas.microsoft.com/office/powerpoint/2012/main" userId="S-1-5-21-1940666338-227100268-1349548132-144825" providerId="AD"/>
       </p:ext>
     </p:extLst>
   </p:cmAuthor>
@@ -1004,7 +1007,7 @@
           <a:p>
             <a:fld id="{280B9B96-5504-45C4-A7D4-ABBE9FEDE67C}" type="slidenum">
               <a:rPr lang="en-US" smtClean="0"/>
-              <a:t>8</a:t>
+              <a:t>9</a:t>
             </a:fld>
             <a:endParaRPr lang="en-US"/>
           </a:p>
@@ -1092,7 +1095,7 @@
           <a:p>
             <a:fld id="{280B9B96-5504-45C4-A7D4-ABBE9FEDE67C}" type="slidenum">
               <a:rPr lang="en-US" smtClean="0"/>
-              <a:t>11</a:t>
+              <a:t>14</a:t>
             </a:fld>
             <a:endParaRPr lang="en-US"/>
           </a:p>
@@ -4079,8 +4082,156 @@
           </a:p>
         </p:txBody>
       </p:sp>
-      <mc:AlternateContent xmlns:mc="http://schemas.openxmlformats.org/markup-compatibility/2006">
-        <mc:Choice xmlns:a14="http://schemas.microsoft.com/office/drawing/2010/main" Requires="a14">
+      <p:sp>
+        <p:nvSpPr>
+          <p:cNvPr id="3" name="Content Placeholder 2"/>
+          <p:cNvSpPr>
+            <a:spLocks noGrp="1"/>
+          </p:cNvSpPr>
+          <p:nvPr>
+            <p:ph idx="1"/>
+          </p:nvPr>
+        </p:nvSpPr>
+        <p:spPr/>
+        <p:txBody>
+          <a:bodyPr/>
+          <a:lstStyle/>
+          <a:p>
+            <a:r>
+              <a:rPr lang="en-US" dirty="0" smtClean="0"/>
+              <a:t>Autocorrelation function of simulated </a:t>
+            </a:r>
+            <a:r>
+              <a:rPr lang="en-US" dirty="0" err="1" smtClean="0"/>
+              <a:t>WiFi</a:t>
+            </a:r>
+            <a:r>
+              <a:rPr lang="en-US" dirty="0" smtClean="0"/>
+              <a:t> data used in project</a:t>
+            </a:r>
+            <a:endParaRPr lang="en-US" dirty="0"/>
+          </a:p>
+        </p:txBody>
+      </p:sp>
+      <p:pic>
+        <p:nvPicPr>
+          <p:cNvPr id="1026" name="Picture 2"/>
+          <p:cNvPicPr>
+            <a:picLocks noChangeAspect="1" noChangeArrowheads="1"/>
+          </p:cNvPicPr>
+          <p:nvPr/>
+        </p:nvPicPr>
+        <p:blipFill>
+          <a:blip r:embed="rId2">
+            <a:extLst>
+              <a:ext uri="{28A0092B-C50C-407E-A947-70E740481C1C}">
+                <a14:useLocalDpi xmlns:a14="http://schemas.microsoft.com/office/drawing/2010/main" val="0"/>
+              </a:ext>
+            </a:extLst>
+          </a:blip>
+          <a:srcRect/>
+          <a:stretch>
+            <a:fillRect/>
+          </a:stretch>
+        </p:blipFill>
+        <p:spPr bwMode="auto">
+          <a:xfrm>
+            <a:off x="2336800" y="2506579"/>
+            <a:ext cx="7315200" cy="4114800"/>
+          </a:xfrm>
+          <a:prstGeom prst="rect">
+            <a:avLst/>
+          </a:prstGeom>
+          <a:noFill/>
+          <a:ln>
+            <a:noFill/>
+          </a:ln>
+          <a:effectLst/>
+          <a:extLst>
+            <a:ext uri="{909E8E84-426E-40DD-AFC4-6F175D3DCCD1}">
+              <a14:hiddenFill xmlns:a14="http://schemas.microsoft.com/office/drawing/2010/main">
+                <a:solidFill>
+                  <a:schemeClr val="accent1"/>
+                </a:solidFill>
+              </a14:hiddenFill>
+            </a:ext>
+            <a:ext uri="{91240B29-F687-4F45-9708-019B960494DF}">
+              <a14:hiddenLine xmlns:a14="http://schemas.microsoft.com/office/drawing/2010/main" w="9525">
+                <a:solidFill>
+                  <a:schemeClr val="tx1"/>
+                </a:solidFill>
+                <a:miter lim="800000"/>
+                <a:headEnd/>
+                <a:tailEnd/>
+              </a14:hiddenLine>
+            </a:ext>
+            <a:ext uri="{AF507438-7753-43E0-B8FC-AC1667EBCBE1}">
+              <a14:hiddenEffects xmlns:a14="http://schemas.microsoft.com/office/drawing/2010/main">
+                <a:effectLst>
+                  <a:outerShdw dist="35921" dir="2700000" algn="ctr" rotWithShape="0">
+                    <a:schemeClr val="bg2"/>
+                  </a:outerShdw>
+                </a:effectLst>
+              </a14:hiddenEffects>
+            </a:ext>
+          </a:extLst>
+        </p:spPr>
+      </p:pic>
+    </p:spTree>
+    <p:extLst>
+      <p:ext uri="{BB962C8B-B14F-4D97-AF65-F5344CB8AC3E}">
+        <p14:creationId xmlns:p14="http://schemas.microsoft.com/office/powerpoint/2010/main" val="2498023344"/>
+      </p:ext>
+    </p:extLst>
+  </p:cSld>
+  <p:clrMapOvr>
+    <a:masterClrMapping/>
+  </p:clrMapOvr>
+</p:sld>
+</file>
+
+<file path=ppt/slides/slide11.xml><?xml version="1.0" encoding="utf-8"?>
+<p:sld xmlns:a="http://schemas.openxmlformats.org/drawingml/2006/main" xmlns:r="http://schemas.openxmlformats.org/officeDocument/2006/relationships" xmlns:p="http://schemas.openxmlformats.org/presentationml/2006/main">
+  <p:cSld>
+    <p:spTree>
+      <p:nvGrpSpPr>
+        <p:cNvPr id="1" name=""/>
+        <p:cNvGrpSpPr/>
+        <p:nvPr/>
+      </p:nvGrpSpPr>
+      <p:grpSpPr>
+        <a:xfrm>
+          <a:off x="0" y="0"/>
+          <a:ext cx="0" cy="0"/>
+          <a:chOff x="0" y="0"/>
+          <a:chExt cx="0" cy="0"/>
+        </a:xfrm>
+      </p:grpSpPr>
+      <p:sp>
+        <p:nvSpPr>
+          <p:cNvPr id="2" name="Title 1"/>
+          <p:cNvSpPr>
+            <a:spLocks noGrp="1"/>
+          </p:cNvSpPr>
+          <p:nvPr>
+            <p:ph type="title"/>
+          </p:nvPr>
+        </p:nvSpPr>
+        <p:spPr/>
+        <p:txBody>
+          <a:bodyPr/>
+          <a:lstStyle/>
+          <a:p>
+            <a:r>
+              <a:rPr lang="en-US" dirty="0" smtClean="0"/>
+              <a:t>Forming Range-Doppler Maps</a:t>
+            </a:r>
+            <a:endParaRPr lang="en-US" dirty="0"/>
+          </a:p>
+        </p:txBody>
+      </p:sp>
+      <mc:AlternateContent xmlns:mc="http://schemas.openxmlformats.org/markup-compatibility/2006" xmlns:a14="http://schemas.microsoft.com/office/drawing/2010/main">
+        <mc:Choice Requires="a14">
           <p:sp>
             <p:nvSpPr>
               <p:cNvPr id="3" name="Content Placeholder 2"/>
@@ -4136,7 +4287,7 @@
                           <m:endChr m:val="]"/>
                           <m:ctrlPr>
                             <a:rPr lang="en-US" sz="2400" b="0" i="1" smtClean="0">
-                              <a:latin typeface="Cambria Math"/>
+                              <a:latin typeface="Cambria Math" panose="02040503050406030204" pitchFamily="18" charset="0"/>
                             </a:rPr>
                           </m:ctrlPr>
                         </m:dPr>
@@ -4173,7 +4324,7 @@
                           <m:endChr m:val="|"/>
                           <m:ctrlPr>
                             <a:rPr lang="en-US" sz="2400" b="0" i="1" smtClean="0">
-                              <a:latin typeface="Cambria Math"/>
+                              <a:latin typeface="Cambria Math" panose="02040503050406030204" pitchFamily="18" charset="0"/>
                             </a:rPr>
                           </m:ctrlPr>
                         </m:dPr>
@@ -4183,7 +4334,7 @@
                               <m:chr m:val="∑"/>
                               <m:ctrlPr>
                                 <a:rPr lang="en-US" sz="2400" b="0" i="1" smtClean="0">
-                                  <a:latin typeface="Cambria Math"/>
+                                  <a:latin typeface="Cambria Math" panose="02040503050406030204" pitchFamily="18" charset="0"/>
                                 </a:rPr>
                               </m:ctrlPr>
                             </m:naryPr>
@@ -4217,7 +4368,7 @@
                                 <m:sSupPr>
                                   <m:ctrlPr>
                                     <a:rPr lang="en-US" sz="2400" b="0" i="1" smtClean="0">
-                                      <a:latin typeface="Cambria Math"/>
+                                      <a:latin typeface="Cambria Math" panose="02040503050406030204" pitchFamily="18" charset="0"/>
                                     </a:rPr>
                                   </m:ctrlPr>
                                 </m:sSupPr>
@@ -4259,7 +4410,7 @@
                                     <m:sSubPr>
                                       <m:ctrlPr>
                                         <a:rPr lang="en-US" sz="2400" b="0" i="1" smtClean="0">
-                                          <a:latin typeface="Cambria Math"/>
+                                          <a:latin typeface="Cambria Math" panose="02040503050406030204" pitchFamily="18" charset="0"/>
                                           <a:ea typeface="Cambria Math"/>
                                         </a:rPr>
                                       </m:ctrlPr>
@@ -4294,7 +4445,7 @@
                                     <m:sSubPr>
                                       <m:ctrlPr>
                                         <a:rPr lang="en-US" sz="2400" b="0" i="1" smtClean="0">
-                                          <a:latin typeface="Cambria Math"/>
+                                          <a:latin typeface="Cambria Math" panose="02040503050406030204" pitchFamily="18" charset="0"/>
                                           <a:ea typeface="Cambria Math"/>
                                         </a:rPr>
                                       </m:ctrlPr>
@@ -4327,7 +4478,7 @@
                               <m:chr m:val="∑"/>
                               <m:ctrlPr>
                                 <a:rPr lang="en-US" sz="2400" b="0" i="1" smtClean="0">
-                                  <a:latin typeface="Cambria Math"/>
+                                  <a:latin typeface="Cambria Math" panose="02040503050406030204" pitchFamily="18" charset="0"/>
                                 </a:rPr>
                               </m:ctrlPr>
                             </m:naryPr>
@@ -4350,7 +4501,7 @@
                                 <m:sSubPr>
                                   <m:ctrlPr>
                                     <a:rPr lang="en-US" sz="2400" b="0" i="1" smtClean="0">
-                                      <a:latin typeface="Cambria Math"/>
+                                      <a:latin typeface="Cambria Math" panose="02040503050406030204" pitchFamily="18" charset="0"/>
                                     </a:rPr>
                                   </m:ctrlPr>
                                 </m:sSubPr>
@@ -4383,7 +4534,7 @@
                                 <m:sSubPr>
                                   <m:ctrlPr>
                                     <a:rPr lang="en-US" sz="2400" b="0" i="1" smtClean="0">
-                                      <a:latin typeface="Cambria Math"/>
+                                      <a:latin typeface="Cambria Math" panose="02040503050406030204" pitchFamily="18" charset="0"/>
                                     </a:rPr>
                                   </m:ctrlPr>
                                 </m:sSubPr>
@@ -4410,7 +4561,7 @@
                                   <m:endChr m:val="]"/>
                                   <m:ctrlPr>
                                     <a:rPr lang="en-US" sz="2400" b="0" i="1" smtClean="0">
-                                      <a:latin typeface="Cambria Math"/>
+                                      <a:latin typeface="Cambria Math" panose="02040503050406030204" pitchFamily="18" charset="0"/>
                                     </a:rPr>
                                   </m:ctrlPr>
                                 </m:dPr>
@@ -4419,7 +4570,7 @@
                                     <m:sSubPr>
                                       <m:ctrlPr>
                                         <a:rPr lang="en-US" sz="2400" b="0" i="1" smtClean="0">
-                                          <a:latin typeface="Cambria Math"/>
+                                          <a:latin typeface="Cambria Math" panose="02040503050406030204" pitchFamily="18" charset="0"/>
                                         </a:rPr>
                                       </m:ctrlPr>
                                     </m:sSubPr>
@@ -4458,7 +4609,7 @@
                                 <m:sSubSupPr>
                                   <m:ctrlPr>
                                     <a:rPr lang="en-US" sz="2400" b="0" i="1" smtClean="0">
-                                      <a:latin typeface="Cambria Math"/>
+                                      <a:latin typeface="Cambria Math" panose="02040503050406030204" pitchFamily="18" charset="0"/>
                                     </a:rPr>
                                   </m:ctrlPr>
                                 </m:sSubSupPr>
@@ -4467,7 +4618,7 @@
                                     <m:sSubPr>
                                       <m:ctrlPr>
                                         <a:rPr lang="en-US" sz="2400" b="0" i="1" smtClean="0">
-                                          <a:latin typeface="Cambria Math"/>
+                                          <a:latin typeface="Cambria Math" panose="02040503050406030204" pitchFamily="18" charset="0"/>
                                         </a:rPr>
                                       </m:ctrlPr>
                                     </m:sSubPr>
@@ -4509,7 +4660,7 @@
                                 <m:sSubPr>
                                   <m:ctrlPr>
                                     <a:rPr lang="en-US" sz="2400" b="0" i="1" smtClean="0">
-                                      <a:latin typeface="Cambria Math"/>
+                                      <a:latin typeface="Cambria Math" panose="02040503050406030204" pitchFamily="18" charset="0"/>
                                     </a:rPr>
                                   </m:ctrlPr>
                                 </m:sSubPr>
@@ -4580,7 +4731,7 @@
                       <m:sSubPr>
                         <m:ctrlPr>
                           <a:rPr lang="en-US" sz="2800" i="1" smtClean="0">
-                            <a:latin typeface="Cambria Math"/>
+                            <a:latin typeface="Cambria Math" panose="02040503050406030204" pitchFamily="18" charset="0"/>
                           </a:rPr>
                         </m:ctrlPr>
                       </m:sSubPr>
@@ -4618,7 +4769,7 @@
             </p:txBody>
           </p:sp>
         </mc:Choice>
-        <mc:Fallback>
+        <mc:Fallback xmlns="">
           <p:sp>
             <p:nvSpPr>
               <p:cNvPr id="3" name="Content Placeholder 2"/>
@@ -4669,7 +4820,311 @@
 </p:sld>
 </file>
 
-<file path=ppt/slides/slide11.xml><?xml version="1.0" encoding="utf-8"?>
+<file path=ppt/slides/slide12.xml><?xml version="1.0" encoding="utf-8"?>
+<p:sld xmlns:a="http://schemas.openxmlformats.org/drawingml/2006/main" xmlns:r="http://schemas.openxmlformats.org/officeDocument/2006/relationships" xmlns:p="http://schemas.openxmlformats.org/presentationml/2006/main">
+  <p:cSld>
+    <p:spTree>
+      <p:nvGrpSpPr>
+        <p:cNvPr id="1" name=""/>
+        <p:cNvGrpSpPr/>
+        <p:nvPr/>
+      </p:nvGrpSpPr>
+      <p:grpSpPr>
+        <a:xfrm>
+          <a:off x="0" y="0"/>
+          <a:ext cx="0" cy="0"/>
+          <a:chOff x="0" y="0"/>
+          <a:chExt cx="0" cy="0"/>
+        </a:xfrm>
+      </p:grpSpPr>
+      <p:sp>
+        <p:nvSpPr>
+          <p:cNvPr id="2" name="Title 1"/>
+          <p:cNvSpPr>
+            <a:spLocks noGrp="1"/>
+          </p:cNvSpPr>
+          <p:nvPr>
+            <p:ph type="title"/>
+          </p:nvPr>
+        </p:nvSpPr>
+        <p:spPr/>
+        <p:txBody>
+          <a:bodyPr/>
+          <a:lstStyle/>
+          <a:p>
+            <a:r>
+              <a:rPr lang="en-US" dirty="0" smtClean="0"/>
+              <a:t>Full Simulation Results</a:t>
+            </a:r>
+            <a:endParaRPr lang="en-US" dirty="0"/>
+          </a:p>
+        </p:txBody>
+      </p:sp>
+      <p:sp>
+        <p:nvSpPr>
+          <p:cNvPr id="3" name="Content Placeholder 2"/>
+          <p:cNvSpPr>
+            <a:spLocks noGrp="1"/>
+          </p:cNvSpPr>
+          <p:nvPr>
+            <p:ph idx="1"/>
+          </p:nvPr>
+        </p:nvSpPr>
+        <p:spPr>
+          <a:xfrm>
+            <a:off x="838200" y="1825625"/>
+            <a:ext cx="4680487" cy="4351338"/>
+          </a:xfrm>
+        </p:spPr>
+        <p:txBody>
+          <a:bodyPr/>
+          <a:lstStyle/>
+          <a:p>
+            <a:r>
+              <a:rPr lang="en-US" dirty="0" smtClean="0"/>
+              <a:t>44m from </a:t>
+            </a:r>
+            <a:r>
+              <a:rPr lang="en-US" dirty="0" err="1" smtClean="0"/>
+              <a:t>Tx</a:t>
+            </a:r>
+            <a:r>
+              <a:rPr lang="en-US" dirty="0" smtClean="0"/>
+              <a:t> to target to Rx </a:t>
+            </a:r>
+          </a:p>
+          <a:p>
+            <a:r>
+              <a:rPr lang="en-US" dirty="0" smtClean="0"/>
+              <a:t>Target </a:t>
+            </a:r>
+            <a:r>
+              <a:rPr lang="en-US" dirty="0" smtClean="0"/>
+              <a:t>moving </a:t>
+            </a:r>
+            <a:r>
+              <a:rPr lang="en-US" dirty="0" smtClean="0"/>
+              <a:t>4m/s away from </a:t>
+            </a:r>
+            <a:r>
+              <a:rPr lang="en-US" dirty="0" err="1" smtClean="0"/>
+              <a:t>Tx</a:t>
+            </a:r>
+            <a:r>
+              <a:rPr lang="en-US" dirty="0" smtClean="0"/>
+              <a:t> and </a:t>
+            </a:r>
+            <a:r>
+              <a:rPr lang="en-US" dirty="0" smtClean="0"/>
+              <a:t>Rx</a:t>
+            </a:r>
+          </a:p>
+          <a:p>
+            <a:r>
+              <a:rPr lang="en-US" dirty="0" smtClean="0"/>
+              <a:t>1 </a:t>
+            </a:r>
+            <a:r>
+              <a:rPr lang="en-US" dirty="0" smtClean="0"/>
+              <a:t>wall in </a:t>
+            </a:r>
+            <a:r>
+              <a:rPr lang="en-US" dirty="0" smtClean="0"/>
+              <a:t>between </a:t>
+            </a:r>
+            <a:r>
+              <a:rPr lang="en-US" dirty="0" err="1" smtClean="0"/>
+              <a:t>Tx</a:t>
+            </a:r>
+            <a:r>
+              <a:rPr lang="en-US" dirty="0" smtClean="0"/>
+              <a:t> and target</a:t>
+            </a:r>
+            <a:endParaRPr lang="en-US" dirty="0"/>
+          </a:p>
+        </p:txBody>
+      </p:sp>
+      <p:pic>
+        <p:nvPicPr>
+          <p:cNvPr id="4" name="Picture 3"/>
+          <p:cNvPicPr>
+            <a:picLocks noChangeAspect="1"/>
+          </p:cNvPicPr>
+          <p:nvPr/>
+        </p:nvPicPr>
+        <p:blipFill>
+          <a:blip r:embed="rId2">
+            <a:extLst>
+              <a:ext uri="{28A0092B-C50C-407E-A947-70E740481C1C}">
+                <a14:useLocalDpi xmlns:a14="http://schemas.microsoft.com/office/drawing/2010/main" val="0"/>
+              </a:ext>
+            </a:extLst>
+          </a:blip>
+          <a:stretch>
+            <a:fillRect/>
+          </a:stretch>
+        </p:blipFill>
+        <p:spPr>
+          <a:xfrm>
+            <a:off x="5092263" y="1439397"/>
+            <a:ext cx="6831724" cy="5123793"/>
+          </a:xfrm>
+          <a:prstGeom prst="rect">
+            <a:avLst/>
+          </a:prstGeom>
+        </p:spPr>
+      </p:pic>
+    </p:spTree>
+    <p:extLst>
+      <p:ext uri="{BB962C8B-B14F-4D97-AF65-F5344CB8AC3E}">
+        <p14:creationId xmlns:p14="http://schemas.microsoft.com/office/powerpoint/2010/main" val="3550842965"/>
+      </p:ext>
+    </p:extLst>
+  </p:cSld>
+  <p:clrMapOvr>
+    <a:masterClrMapping/>
+  </p:clrMapOvr>
+</p:sld>
+</file>
+
+<file path=ppt/slides/slide13.xml><?xml version="1.0" encoding="utf-8"?>
+<p:sld xmlns:a="http://schemas.openxmlformats.org/drawingml/2006/main" xmlns:r="http://schemas.openxmlformats.org/officeDocument/2006/relationships" xmlns:p="http://schemas.openxmlformats.org/presentationml/2006/main">
+  <p:cSld>
+    <p:spTree>
+      <p:nvGrpSpPr>
+        <p:cNvPr id="1" name=""/>
+        <p:cNvGrpSpPr/>
+        <p:nvPr/>
+      </p:nvGrpSpPr>
+      <p:grpSpPr>
+        <a:xfrm>
+          <a:off x="0" y="0"/>
+          <a:ext cx="0" cy="0"/>
+          <a:chOff x="0" y="0"/>
+          <a:chExt cx="0" cy="0"/>
+        </a:xfrm>
+      </p:grpSpPr>
+      <p:sp>
+        <p:nvSpPr>
+          <p:cNvPr id="2" name="Title 1"/>
+          <p:cNvSpPr>
+            <a:spLocks noGrp="1"/>
+          </p:cNvSpPr>
+          <p:nvPr>
+            <p:ph type="title"/>
+          </p:nvPr>
+        </p:nvSpPr>
+        <p:spPr/>
+        <p:txBody>
+          <a:bodyPr/>
+          <a:lstStyle/>
+          <a:p>
+            <a:r>
+              <a:rPr lang="en-US" dirty="0" smtClean="0"/>
+              <a:t>Full Simulation Results</a:t>
+            </a:r>
+            <a:endParaRPr lang="en-US" dirty="0"/>
+          </a:p>
+        </p:txBody>
+      </p:sp>
+      <p:sp>
+        <p:nvSpPr>
+          <p:cNvPr id="3" name="Content Placeholder 2"/>
+          <p:cNvSpPr>
+            <a:spLocks noGrp="1"/>
+          </p:cNvSpPr>
+          <p:nvPr>
+            <p:ph idx="1"/>
+          </p:nvPr>
+        </p:nvSpPr>
+        <p:spPr>
+          <a:xfrm>
+            <a:off x="838200" y="1825625"/>
+            <a:ext cx="4254063" cy="4351338"/>
+          </a:xfrm>
+        </p:spPr>
+        <p:txBody>
+          <a:bodyPr/>
+          <a:lstStyle/>
+          <a:p>
+            <a:r>
+              <a:rPr lang="en-US" dirty="0" smtClean="0"/>
+              <a:t>TODO</a:t>
+            </a:r>
+          </a:p>
+          <a:p>
+            <a:r>
+              <a:rPr lang="en-US" dirty="0" smtClean="0"/>
+              <a:t>Target </a:t>
+            </a:r>
+            <a:r>
+              <a:rPr lang="en-US" dirty="0" smtClean="0"/>
+              <a:t>moving </a:t>
+            </a:r>
+            <a:r>
+              <a:rPr lang="en-US" dirty="0" smtClean="0"/>
+              <a:t>??? m/s towards </a:t>
+            </a:r>
+            <a:r>
+              <a:rPr lang="en-US" dirty="0" err="1" smtClean="0"/>
+              <a:t>Tx</a:t>
+            </a:r>
+            <a:r>
+              <a:rPr lang="en-US" dirty="0" smtClean="0"/>
+              <a:t> </a:t>
+            </a:r>
+            <a:r>
+              <a:rPr lang="en-US" dirty="0" smtClean="0"/>
+              <a:t>and Rx, 1 wall in between</a:t>
+            </a:r>
+            <a:endParaRPr lang="en-US" dirty="0"/>
+          </a:p>
+        </p:txBody>
+      </p:sp>
+      <p:pic>
+        <p:nvPicPr>
+          <p:cNvPr id="4" name="Picture 3"/>
+          <p:cNvPicPr>
+            <a:picLocks noChangeAspect="1"/>
+          </p:cNvPicPr>
+          <p:nvPr/>
+        </p:nvPicPr>
+        <p:blipFill>
+          <a:blip r:embed="rId2">
+            <a:extLst>
+              <a:ext uri="{28A0092B-C50C-407E-A947-70E740481C1C}">
+                <a14:useLocalDpi xmlns:a14="http://schemas.microsoft.com/office/drawing/2010/main" val="0"/>
+              </a:ext>
+            </a:extLst>
+          </a:blip>
+          <a:stretch>
+            <a:fillRect/>
+          </a:stretch>
+        </p:blipFill>
+        <p:spPr>
+          <a:xfrm>
+            <a:off x="5092263" y="1480497"/>
+            <a:ext cx="6831724" cy="5041593"/>
+          </a:xfrm>
+          <a:prstGeom prst="rect">
+            <a:avLst/>
+          </a:prstGeom>
+        </p:spPr>
+      </p:pic>
+    </p:spTree>
+    <p:extLst>
+      <p:ext uri="{BB962C8B-B14F-4D97-AF65-F5344CB8AC3E}">
+        <p14:creationId xmlns:p14="http://schemas.microsoft.com/office/powerpoint/2010/main" val="4192959977"/>
+      </p:ext>
+    </p:extLst>
+  </p:cSld>
+  <p:clrMapOvr>
+    <a:masterClrMapping/>
+  </p:clrMapOvr>
+</p:sld>
+</file>
+
+<file path=ppt/slides/slide14.xml><?xml version="1.0" encoding="utf-8"?>
 <p:sld xmlns:a="http://schemas.openxmlformats.org/drawingml/2006/main" xmlns:r="http://schemas.openxmlformats.org/officeDocument/2006/relationships" xmlns:p="http://schemas.openxmlformats.org/presentationml/2006/main">
   <p:cSld>
     <p:spTree>
@@ -4933,6 +5388,9 @@
             </a:r>
           </a:p>
           <a:p>
+            <a:endParaRPr lang="en-US" dirty="0" smtClean="0"/>
+          </a:p>
+          <a:p>
             <a:r>
               <a:rPr lang="en-US" dirty="0" smtClean="0"/>
               <a:t>Assumptions:</a:t>
@@ -4961,19 +5419,16 @@
             </a:r>
           </a:p>
           <a:p>
+            <a:pPr lvl="1"/>
+            <a:endParaRPr lang="en-US" dirty="0" smtClean="0"/>
+          </a:p>
+          <a:p>
             <a:r>
               <a:rPr lang="en-US" dirty="0" smtClean="0"/>
               <a:t>Main idea: apply radar techniques and understanding of wireless communication protocols </a:t>
             </a:r>
           </a:p>
           <a:p>
-            <a:endParaRPr lang="en-US" dirty="0"/>
-          </a:p>
-          <a:p>
-            <a:r>
-              <a:rPr lang="en-US" dirty="0" smtClean="0"/>
-              <a:t>TODO radar formulas</a:t>
-            </a:r>
             <a:endParaRPr lang="en-US" dirty="0"/>
           </a:p>
         </p:txBody>
@@ -5080,7 +5535,7 @@
                       <m:dPr>
                         <m:ctrlPr>
                           <a:rPr lang="en-US" b="0" i="1" smtClean="0">
-                            <a:latin typeface="Cambria Math"/>
+                            <a:latin typeface="Cambria Math" panose="02040503050406030204" pitchFamily="18" charset="0"/>
                           </a:rPr>
                         </m:ctrlPr>
                       </m:dPr>
@@ -5104,7 +5559,7 @@
                         <m:chr m:val="∑"/>
                         <m:ctrlPr>
                           <a:rPr lang="en-US" b="0" i="1" smtClean="0">
-                            <a:latin typeface="Cambria Math"/>
+                            <a:latin typeface="Cambria Math" panose="02040503050406030204" pitchFamily="18" charset="0"/>
                           </a:rPr>
                         </m:ctrlPr>
                       </m:naryPr>
@@ -5138,7 +5593,7 @@
                           <m:sSubPr>
                             <m:ctrlPr>
                               <a:rPr lang="en-US" b="0" i="1" smtClean="0">
-                                <a:latin typeface="Cambria Math"/>
+                                <a:latin typeface="Cambria Math" panose="02040503050406030204" pitchFamily="18" charset="0"/>
                               </a:rPr>
                             </m:ctrlPr>
                           </m:sSubPr>
@@ -5163,7 +5618,7 @@
                           <m:sSupPr>
                             <m:ctrlPr>
                               <a:rPr lang="en-US" b="0" i="1" smtClean="0">
-                                <a:latin typeface="Cambria Math"/>
+                                <a:latin typeface="Cambria Math" panose="02040503050406030204" pitchFamily="18" charset="0"/>
                               </a:rPr>
                             </m:ctrlPr>
                           </m:sSupPr>
@@ -5192,7 +5647,7 @@
                               <m:sSubPr>
                                 <m:ctrlPr>
                                   <a:rPr lang="en-US" b="0" i="1" smtClean="0">
-                                    <a:latin typeface="Cambria Math"/>
+                                    <a:latin typeface="Cambria Math" panose="02040503050406030204" pitchFamily="18" charset="0"/>
                                     <a:ea typeface="Cambria Math" panose="02040503050406030204" pitchFamily="18" charset="0"/>
                                   </a:rPr>
                                 </m:ctrlPr>
@@ -5250,7 +5705,7 @@
                           <m:sSubPr>
                             <m:ctrlPr>
                               <a:rPr lang="en-US" b="0" i="1" smtClean="0">
-                                <a:latin typeface="Cambria Math"/>
+                                <a:latin typeface="Cambria Math" panose="02040503050406030204" pitchFamily="18" charset="0"/>
                                 <a:ea typeface="Cambria Math" panose="02040503050406030204" pitchFamily="18" charset="0"/>
                               </a:rPr>
                             </m:ctrlPr>
@@ -5313,7 +5768,7 @@
                       <m:sSubPr>
                         <m:ctrlPr>
                           <a:rPr lang="en-US" b="0" i="1" smtClean="0">
-                            <a:latin typeface="Cambria Math"/>
+                            <a:latin typeface="Cambria Math" panose="02040503050406030204" pitchFamily="18" charset="0"/>
                           </a:rPr>
                         </m:ctrlPr>
                       </m:sSubPr>
@@ -5340,7 +5795,7 @@
                         <m:endChr m:val="]"/>
                         <m:ctrlPr>
                           <a:rPr lang="en-US" b="0" i="1" smtClean="0">
-                            <a:latin typeface="Cambria Math"/>
+                            <a:latin typeface="Cambria Math" panose="02040503050406030204" pitchFamily="18" charset="0"/>
                           </a:rPr>
                         </m:ctrlPr>
                       </m:dPr>
@@ -5526,7 +5981,7 @@
                       <m:sSubPr>
                         <m:ctrlPr>
                           <a:rPr lang="en-US" i="1" smtClean="0">
-                            <a:latin typeface="Cambria Math"/>
+                            <a:latin typeface="Cambria Math" panose="02040503050406030204" pitchFamily="18" charset="0"/>
                           </a:rPr>
                         </m:ctrlPr>
                       </m:sSubPr>
@@ -5571,7 +6026,7 @@
                       <m:sSubPr>
                         <m:ctrlPr>
                           <a:rPr lang="en-US" b="0" i="1" smtClean="0">
-                            <a:latin typeface="Cambria Math"/>
+                            <a:latin typeface="Cambria Math" panose="02040503050406030204" pitchFamily="18" charset="0"/>
                           </a:rPr>
                         </m:ctrlPr>
                       </m:sSubPr>
@@ -5635,7 +6090,7 @@
                       <m:sSubPr>
                         <m:ctrlPr>
                           <a:rPr lang="en-US" b="0" i="1" smtClean="0">
-                            <a:latin typeface="Cambria Math"/>
+                            <a:latin typeface="Cambria Math" panose="02040503050406030204" pitchFamily="18" charset="0"/>
                           </a:rPr>
                         </m:ctrlPr>
                       </m:sSubPr>
@@ -5662,7 +6117,7 @@
                         <m:endChr m:val="]"/>
                         <m:ctrlPr>
                           <a:rPr lang="en-US" b="0" i="1" smtClean="0">
-                            <a:latin typeface="Cambria Math"/>
+                            <a:latin typeface="Cambria Math" panose="02040503050406030204" pitchFamily="18" charset="0"/>
                           </a:rPr>
                         </m:ctrlPr>
                       </m:dPr>
@@ -5772,29 +6227,35 @@
           </a:p>
         </p:txBody>
       </p:sp>
-      <p:sp>
-        <p:nvSpPr>
-          <p:cNvPr id="3" name="Content Placeholder 2"/>
-          <p:cNvSpPr>
-            <a:spLocks noGrp="1"/>
-          </p:cNvSpPr>
+      <p:pic>
+        <p:nvPicPr>
+          <p:cNvPr id="4" name="Content Placeholder 3"/>
+          <p:cNvPicPr>
+            <a:picLocks noGrp="1" noChangeAspect="1"/>
+          </p:cNvPicPr>
           <p:nvPr>
             <p:ph idx="1"/>
           </p:nvPr>
-        </p:nvSpPr>
-        <p:spPr/>
-        <p:txBody>
-          <a:bodyPr/>
-          <a:lstStyle/>
-          <a:p>
-            <a:r>
-              <a:rPr lang="en-US" dirty="0" smtClean="0"/>
-              <a:t>TODO pictures</a:t>
-            </a:r>
-            <a:endParaRPr lang="en-US" dirty="0"/>
-          </a:p>
-        </p:txBody>
-      </p:sp>
+        </p:nvPicPr>
+        <p:blipFill>
+          <a:blip r:embed="rId2">
+            <a:extLst>
+              <a:ext uri="{28A0092B-C50C-407E-A947-70E740481C1C}">
+                <a14:useLocalDpi xmlns:a14="http://schemas.microsoft.com/office/drawing/2010/main" val="0"/>
+              </a:ext>
+            </a:extLst>
+          </a:blip>
+          <a:stretch>
+            <a:fillRect/>
+          </a:stretch>
+        </p:blipFill>
+        <p:spPr>
+          <a:xfrm>
+            <a:off x="3016623" y="1570738"/>
+            <a:ext cx="6158753" cy="4619065"/>
+          </a:xfrm>
+        </p:spPr>
+      </p:pic>
     </p:spTree>
     <p:extLst>
       <p:ext uri="{BB962C8B-B14F-4D97-AF65-F5344CB8AC3E}">
@@ -5805,6 +6266,13 @@
   <p:clrMapOvr>
     <a:masterClrMapping/>
   </p:clrMapOvr>
+  <p:timing>
+    <p:tnLst>
+      <p:par>
+        <p:cTn id="1" dur="indefinite" restart="never" nodeType="tmRoot"/>
+      </p:par>
+    </p:tnLst>
+  </p:timing>
 </p:sld>
 </file>
 
@@ -5825,136 +6293,206 @@
           <a:chExt cx="0" cy="0"/>
         </a:xfrm>
       </p:grpSpPr>
-      <p:sp>
-        <p:nvSpPr>
-          <p:cNvPr id="2" name="Title 1"/>
-          <p:cNvSpPr>
-            <a:spLocks noGrp="1"/>
-          </p:cNvSpPr>
-          <p:nvPr>
-            <p:ph type="title"/>
-          </p:nvPr>
-        </p:nvSpPr>
-        <p:spPr/>
-        <p:txBody>
-          <a:bodyPr/>
-          <a:lstStyle/>
-          <a:p>
-            <a:r>
-              <a:rPr lang="en-US" dirty="0" smtClean="0"/>
-              <a:t>Simulating </a:t>
-            </a:r>
-            <a:r>
-              <a:rPr lang="en-US" dirty="0" err="1" smtClean="0"/>
-              <a:t>WiFi</a:t>
-            </a:r>
-            <a:r>
-              <a:rPr lang="en-US" dirty="0" smtClean="0"/>
-              <a:t> OFDM Transmissions</a:t>
-            </a:r>
-            <a:endParaRPr lang="en-US" dirty="0"/>
-          </a:p>
-        </p:txBody>
-      </p:sp>
-      <p:sp>
-        <p:nvSpPr>
-          <p:cNvPr id="3" name="Content Placeholder 2"/>
-          <p:cNvSpPr>
-            <a:spLocks noGrp="1"/>
-          </p:cNvSpPr>
+      <mc:AlternateContent xmlns:mc="http://schemas.openxmlformats.org/markup-compatibility/2006" xmlns:a14="http://schemas.microsoft.com/office/drawing/2010/main">
+        <mc:Choice Requires="a14">
+          <p:sp>
+            <p:nvSpPr>
+              <p:cNvPr id="2" name="Title 1"/>
+              <p:cNvSpPr>
+                <a:spLocks noGrp="1"/>
+              </p:cNvSpPr>
+              <p:nvPr>
+                <p:ph type="title"/>
+              </p:nvPr>
+            </p:nvSpPr>
+            <p:spPr>
+              <a:xfrm>
+                <a:off x="256032" y="365125"/>
+                <a:ext cx="11722608" cy="1325563"/>
+              </a:xfrm>
+            </p:spPr>
+            <p:txBody>
+              <a:bodyPr>
+                <a:normAutofit fontScale="90000"/>
+              </a:bodyPr>
+              <a:lstStyle/>
+              <a:p>
+                <a:r>
+                  <a:rPr lang="en-US" dirty="0" smtClean="0"/>
+                  <a:t>Simulating the Indoor Channel</a:t>
+                </a:r>
+                <a:br>
+                  <a:rPr lang="en-US" dirty="0" smtClean="0"/>
+                </a:br>
+                <a14:m>
+                  <m:oMath xmlns:m="http://schemas.openxmlformats.org/officeDocument/2006/math">
+                    <m:d>
+                      <m:dPr>
+                        <m:begChr m:val="|"/>
+                        <m:endChr m:val="|"/>
+                        <m:ctrlPr>
+                          <a:rPr lang="en-US" b="0" i="1" smtClean="0">
+                            <a:latin typeface="Cambria Math" panose="02040503050406030204" pitchFamily="18" charset="0"/>
+                          </a:rPr>
+                        </m:ctrlPr>
+                      </m:dPr>
+                      <m:e>
+                        <m:sSub>
+                          <m:sSubPr>
+                            <m:ctrlPr>
+                              <a:rPr lang="en-US" b="0" i="1" smtClean="0">
+                                <a:latin typeface="Cambria Math" panose="02040503050406030204" pitchFamily="18" charset="0"/>
+                              </a:rPr>
+                            </m:ctrlPr>
+                          </m:sSubPr>
+                          <m:e>
+                            <m:r>
+                              <a:rPr lang="en-US" b="0" i="1" smtClean="0">
+                                <a:latin typeface="Cambria Math" panose="02040503050406030204" pitchFamily="18" charset="0"/>
+                              </a:rPr>
+                              <m:t>h</m:t>
+                            </m:r>
+                          </m:e>
+                          <m:sub>
+                            <m:r>
+                              <a:rPr lang="en-US" b="0" i="1" smtClean="0">
+                                <a:latin typeface="Cambria Math" panose="02040503050406030204" pitchFamily="18" charset="0"/>
+                              </a:rPr>
+                              <m:t>𝑙</m:t>
+                            </m:r>
+                          </m:sub>
+                        </m:sSub>
+                        <m:d>
+                          <m:dPr>
+                            <m:begChr m:val="["/>
+                            <m:endChr m:val="]"/>
+                            <m:ctrlPr>
+                              <a:rPr lang="en-US" b="0" i="1" smtClean="0">
+                                <a:latin typeface="Cambria Math" panose="02040503050406030204" pitchFamily="18" charset="0"/>
+                              </a:rPr>
+                            </m:ctrlPr>
+                          </m:dPr>
+                          <m:e>
+                            <m:r>
+                              <a:rPr lang="en-US" b="0" i="1" smtClean="0">
+                                <a:latin typeface="Cambria Math" panose="02040503050406030204" pitchFamily="18" charset="0"/>
+                              </a:rPr>
+                              <m:t>𝑚</m:t>
+                            </m:r>
+                          </m:e>
+                        </m:d>
+                      </m:e>
+                    </m:d>
+                  </m:oMath>
+                </a14:m>
+                <a:r>
+                  <a:rPr lang="en-US" dirty="0" smtClean="0"/>
+                  <a:t> at m corresponding to t=[0, 0.25, 0.5, 0.75] sec</a:t>
+                </a:r>
+                <a:br>
+                  <a:rPr lang="en-US" dirty="0" smtClean="0"/>
+                </a:br>
+                <a:r>
+                  <a:rPr lang="en-US" dirty="0" smtClean="0"/>
+                  <a:t>Target moving 4m/s away from </a:t>
+                </a:r>
+                <a:r>
+                  <a:rPr lang="en-US" dirty="0" err="1" smtClean="0"/>
+                  <a:t>Tx</a:t>
+                </a:r>
+                <a:r>
+                  <a:rPr lang="en-US" dirty="0" smtClean="0"/>
+                  <a:t> and Rx</a:t>
+                </a:r>
+                <a:endParaRPr lang="en-US" dirty="0"/>
+              </a:p>
+            </p:txBody>
+          </p:sp>
+        </mc:Choice>
+        <mc:Fallback xmlns="">
+          <p:sp>
+            <p:nvSpPr>
+              <p:cNvPr id="2" name="Title 1"/>
+              <p:cNvSpPr>
+                <a:spLocks noGrp="1" noRot="1" noChangeAspect="1" noMove="1" noResize="1" noEditPoints="1" noAdjustHandles="1" noChangeArrowheads="1" noChangeShapeType="1" noTextEdit="1"/>
+              </p:cNvSpPr>
+              <p:nvPr>
+                <p:ph type="title"/>
+              </p:nvPr>
+            </p:nvSpPr>
+            <p:spPr>
+              <a:xfrm>
+                <a:off x="256032" y="365125"/>
+                <a:ext cx="11722608" cy="1325563"/>
+              </a:xfrm>
+              <a:blipFill rotWithShape="0">
+                <a:blip r:embed="rId2"/>
+                <a:stretch>
+                  <a:fillRect l="-1820" t="-28571" b="-35484"/>
+                </a:stretch>
+              </a:blipFill>
+            </p:spPr>
+            <p:txBody>
+              <a:bodyPr/>
+              <a:lstStyle/>
+              <a:p>
+                <a:r>
+                  <a:rPr lang="en-US">
+                    <a:noFill/>
+                  </a:rPr>
+                  <a:t> </a:t>
+                </a:r>
+              </a:p>
+            </p:txBody>
+          </p:sp>
+        </mc:Fallback>
+      </mc:AlternateContent>
+      <p:pic>
+        <p:nvPicPr>
+          <p:cNvPr id="4" name="Content Placeholder 3"/>
+          <p:cNvPicPr>
+            <a:picLocks noGrp="1" noChangeAspect="1"/>
+          </p:cNvPicPr>
           <p:nvPr>
             <p:ph idx="1"/>
           </p:nvPr>
-        </p:nvSpPr>
+        </p:nvPicPr>
+        <p:blipFill>
+          <a:blip r:embed="rId3">
+            <a:extLst>
+              <a:ext uri="{28A0092B-C50C-407E-A947-70E740481C1C}">
+                <a14:useLocalDpi xmlns:a14="http://schemas.microsoft.com/office/drawing/2010/main" val="0"/>
+              </a:ext>
+            </a:extLst>
+          </a:blip>
+          <a:stretch>
+            <a:fillRect/>
+          </a:stretch>
+        </p:blipFill>
         <p:spPr>
           <a:xfrm>
-            <a:off x="850231" y="1645151"/>
-            <a:ext cx="10515600" cy="4900028"/>
+            <a:off x="694945" y="1801626"/>
+            <a:ext cx="9765244" cy="5125145"/>
           </a:xfrm>
         </p:spPr>
-        <p:txBody>
-          <a:bodyPr>
-            <a:normAutofit/>
-          </a:bodyPr>
-          <a:lstStyle/>
-          <a:p>
-            <a:r>
-              <a:rPr lang="en-US" dirty="0" smtClean="0"/>
-              <a:t>Used and verified against IEEE 802.11g standard document a Simulink model available on MATLAB File Exchange</a:t>
-            </a:r>
-            <a:r>
-              <a:rPr lang="en-US" dirty="0"/>
-              <a:t>:  </a:t>
-            </a:r>
-            <a:r>
-              <a:rPr lang="en-US" dirty="0" smtClean="0"/>
-              <a:t> </a:t>
-            </a:r>
-          </a:p>
-          <a:p>
-            <a:r>
-              <a:rPr lang="en-US" sz="2000" dirty="0" smtClean="0">
-                <a:hlinkClick r:id="rId2"/>
-              </a:rPr>
-              <a:t>http</a:t>
-            </a:r>
-            <a:r>
-              <a:rPr lang="en-US" sz="2000" dirty="0">
-                <a:hlinkClick r:id="rId2"/>
-              </a:rPr>
-              <a:t>://</a:t>
-            </a:r>
-            <a:r>
-              <a:rPr lang="en-US" sz="2000" dirty="0" smtClean="0">
-                <a:hlinkClick r:id="rId2"/>
-              </a:rPr>
-              <a:t>www.mathworks.com/matlabcentral/fileexchange/38073-802-11g-wlan-phy-model</a:t>
-            </a:r>
-            <a:endParaRPr lang="en-US" sz="2000" dirty="0" smtClean="0"/>
-          </a:p>
-          <a:p>
-            <a:endParaRPr lang="en-US" sz="2000" dirty="0"/>
-          </a:p>
-          <a:p>
-            <a:r>
-              <a:rPr lang="en-US" dirty="0" smtClean="0"/>
-              <a:t>Each pulse contains a preamble with training data for channel estimation, data rate selection, diversity selection, etc. </a:t>
-            </a:r>
-            <a:endParaRPr lang="en-US" dirty="0"/>
-          </a:p>
-          <a:p>
-            <a:r>
-              <a:rPr lang="en-US" dirty="0" smtClean="0"/>
-              <a:t>Data frames follow, each of which is 4us long, including 0.8us guard interval</a:t>
-            </a:r>
-          </a:p>
-          <a:p>
-            <a:pPr lvl="1"/>
-            <a:r>
-              <a:rPr lang="en-US" dirty="0" smtClean="0"/>
-              <a:t>Assumption: data is constantly transmitted</a:t>
-            </a:r>
-          </a:p>
-          <a:p>
-            <a:pPr lvl="1"/>
-            <a:r>
-              <a:rPr lang="en-US" dirty="0" smtClean="0"/>
-              <a:t>A more detailed simulation could partially decode the incoming reference data to determine pulse start times, since typically there will be time gaps between sent packets</a:t>
-            </a:r>
-            <a:endParaRPr lang="en-US" dirty="0"/>
-          </a:p>
-        </p:txBody>
-      </p:sp>
+      </p:pic>
     </p:spTree>
     <p:extLst>
       <p:ext uri="{BB962C8B-B14F-4D97-AF65-F5344CB8AC3E}">
-        <p14:creationId xmlns:p14="http://schemas.microsoft.com/office/powerpoint/2010/main" val="2147660021"/>
+        <p14:creationId xmlns:p14="http://schemas.microsoft.com/office/powerpoint/2010/main" val="2724342147"/>
       </p:ext>
     </p:extLst>
   </p:cSld>
   <p:clrMapOvr>
     <a:masterClrMapping/>
   </p:clrMapOvr>
+  <p:timing>
+    <p:tnLst>
+      <p:par>
+        <p:cTn id="1" dur="indefinite" restart="never" nodeType="tmRoot"/>
+      </p:par>
+    </p:tnLst>
+  </p:timing>
 </p:sld>
 </file>
 
@@ -5992,7 +6530,15 @@
           <a:p>
             <a:r>
               <a:rPr lang="en-US" dirty="0" smtClean="0"/>
-              <a:t>Forming Range-Doppler Maps</a:t>
+              <a:t>Simulating </a:t>
+            </a:r>
+            <a:r>
+              <a:rPr lang="en-US" dirty="0" err="1" smtClean="0"/>
+              <a:t>WiFi</a:t>
+            </a:r>
+            <a:r>
+              <a:rPr lang="en-US" dirty="0" smtClean="0"/>
+              <a:t> OFDM Transmissions</a:t>
             </a:r>
             <a:endParaRPr lang="en-US" dirty="0"/>
           </a:p>
@@ -6008,7 +6554,12 @@
             <p:ph idx="1"/>
           </p:nvPr>
         </p:nvSpPr>
-        <p:spPr/>
+        <p:spPr>
+          <a:xfrm>
+            <a:off x="850231" y="1645151"/>
+            <a:ext cx="10515600" cy="4900028"/>
+          </a:xfrm>
+        </p:spPr>
         <p:txBody>
           <a:bodyPr>
             <a:normAutofit/>
@@ -6017,44 +6568,88 @@
           <a:p>
             <a:r>
               <a:rPr lang="en-US" dirty="0" smtClean="0"/>
-              <a:t>RDMs are a basic tool in radar</a:t>
-            </a:r>
-          </a:p>
-          <a:p>
-            <a:r>
-              <a:rPr lang="en-US" dirty="0" smtClean="0"/>
-              <a:t>Moving objects in field of view of the receiver show up as high-power spots at their range and velocity</a:t>
+              <a:t>Used and verified against IEEE 802.11g standard document a Simulink model available on MATLAB File Exchange</a:t>
+            </a:r>
+            <a:r>
+              <a:rPr lang="en-US" dirty="0"/>
+              <a:t>:  </a:t>
+            </a:r>
+            <a:r>
+              <a:rPr lang="en-US" dirty="0" smtClean="0"/>
+              <a:t> </a:t>
+            </a:r>
+          </a:p>
+          <a:p>
+            <a:r>
+              <a:rPr lang="en-US" sz="2000" dirty="0" smtClean="0">
+                <a:hlinkClick r:id="rId2"/>
+              </a:rPr>
+              <a:t>http</a:t>
+            </a:r>
+            <a:r>
+              <a:rPr lang="en-US" sz="2000" dirty="0">
+                <a:hlinkClick r:id="rId2"/>
+              </a:rPr>
+              <a:t>://</a:t>
+            </a:r>
+            <a:r>
+              <a:rPr lang="en-US" sz="2000" dirty="0" smtClean="0">
+                <a:hlinkClick r:id="rId2"/>
+              </a:rPr>
+              <a:t>www.mathworks.com/matlabcentral/fileexchange/38073-802-11g-wlan-phy-model</a:t>
+            </a:r>
+            <a:endParaRPr lang="en-US" sz="2000" dirty="0" smtClean="0"/>
+          </a:p>
+          <a:p>
+            <a:endParaRPr lang="en-US" sz="2000" dirty="0"/>
+          </a:p>
+          <a:p>
+            <a:r>
+              <a:rPr lang="en-US" dirty="0" smtClean="0"/>
+              <a:t>Each pulse contains a preamble with training data for channel estimation, data rate selection, diversity selection, etc. </a:t>
+            </a:r>
+            <a:endParaRPr lang="en-US" dirty="0"/>
+          </a:p>
+          <a:p>
+            <a:r>
+              <a:rPr lang="en-US" dirty="0" smtClean="0"/>
+              <a:t>Data frames follow, each of which is 4us long, including 0.8us guard interval</a:t>
             </a:r>
           </a:p>
           <a:p>
             <a:pPr lvl="1"/>
             <a:r>
               <a:rPr lang="en-US" dirty="0" smtClean="0"/>
-              <a:t>Maps are formed constantly over time and a target’s movement can be tracked</a:t>
-            </a:r>
-          </a:p>
-          <a:p>
-            <a:r>
-              <a:rPr lang="en-US" dirty="0" err="1" smtClean="0"/>
-              <a:t>WiFi</a:t>
-            </a:r>
-            <a:r>
-              <a:rPr lang="en-US" dirty="0" smtClean="0"/>
-              <a:t> signals are difficult to use for radar due to low power, multipath, and poor autocorrelation properties</a:t>
-            </a:r>
+              <a:t>Assumption: data is constantly transmitted</a:t>
+            </a:r>
+          </a:p>
+          <a:p>
+            <a:pPr lvl="1"/>
+            <a:r>
+              <a:rPr lang="en-US" dirty="0" smtClean="0"/>
+              <a:t>A more detailed simulation could partially decode the incoming reference data to determine pulse start times, since typically there will be time gaps between sent packets</a:t>
+            </a:r>
+            <a:endParaRPr lang="en-US" dirty="0"/>
           </a:p>
         </p:txBody>
       </p:sp>
     </p:spTree>
     <p:extLst>
       <p:ext uri="{BB962C8B-B14F-4D97-AF65-F5344CB8AC3E}">
-        <p14:creationId xmlns:p14="http://schemas.microsoft.com/office/powerpoint/2010/main" val="3937463607"/>
+        <p14:creationId xmlns:p14="http://schemas.microsoft.com/office/powerpoint/2010/main" val="2147660021"/>
       </p:ext>
     </p:extLst>
   </p:cSld>
   <p:clrMapOvr>
     <a:masterClrMapping/>
   </p:clrMapOvr>
+  <p:timing>
+    <p:tnLst>
+      <p:par>
+        <p:cTn id="1" dur="indefinite" restart="never" nodeType="tmRoot"/>
+      </p:par>
+    </p:tnLst>
+  </p:timing>
 </p:sld>
 </file>
 
@@ -6110,99 +6705,58 @@
         </p:nvSpPr>
         <p:spPr/>
         <p:txBody>
-          <a:bodyPr/>
-          <a:lstStyle/>
-          <a:p>
-            <a:r>
-              <a:rPr lang="en-US" dirty="0" smtClean="0"/>
-              <a:t>Autocorrelation function of simulated </a:t>
-            </a:r>
+          <a:bodyPr>
+            <a:normAutofit/>
+          </a:bodyPr>
+          <a:lstStyle/>
+          <a:p>
+            <a:r>
+              <a:rPr lang="en-US" dirty="0" smtClean="0"/>
+              <a:t>RDMs are a basic tool in radar</a:t>
+            </a:r>
+          </a:p>
+          <a:p>
+            <a:r>
+              <a:rPr lang="en-US" dirty="0" smtClean="0"/>
+              <a:t>Moving objects in field of view of the receiver show up as high-power spots at their range and velocity</a:t>
+            </a:r>
+          </a:p>
+          <a:p>
+            <a:pPr lvl="1"/>
+            <a:r>
+              <a:rPr lang="en-US" dirty="0" smtClean="0"/>
+              <a:t>Maps are formed constantly over time and a target’s movement can be tracked</a:t>
+            </a:r>
+          </a:p>
+          <a:p>
             <a:r>
               <a:rPr lang="en-US" dirty="0" err="1" smtClean="0"/>
               <a:t>WiFi</a:t>
             </a:r>
             <a:r>
               <a:rPr lang="en-US" dirty="0" smtClean="0"/>
-              <a:t> data used in project</a:t>
-            </a:r>
-            <a:endParaRPr lang="en-US" dirty="0"/>
-          </a:p>
-        </p:txBody>
-      </p:sp>
-      <p:pic>
-        <p:nvPicPr>
-          <p:cNvPr id="1026" name="Picture 2"/>
-          <p:cNvPicPr>
-            <a:picLocks noChangeAspect="1" noChangeArrowheads="1"/>
-          </p:cNvPicPr>
-          <p:nvPr/>
-        </p:nvPicPr>
-        <p:blipFill>
-          <a:blip r:embed="rId2">
-            <a:extLst>
-              <a:ext uri="{28A0092B-C50C-407E-A947-70E740481C1C}">
-                <a14:useLocalDpi xmlns:a14="http://schemas.microsoft.com/office/drawing/2010/main" val="0"/>
-              </a:ext>
-            </a:extLst>
-          </a:blip>
-          <a:srcRect/>
-          <a:stretch>
-            <a:fillRect/>
-          </a:stretch>
-        </p:blipFill>
-        <p:spPr bwMode="auto">
-          <a:xfrm>
-            <a:off x="2336800" y="2506579"/>
-            <a:ext cx="7315200" cy="4114800"/>
-          </a:xfrm>
-          <a:prstGeom prst="rect">
-            <a:avLst/>
-          </a:prstGeom>
-          <a:noFill/>
-          <a:ln>
-            <a:noFill/>
-          </a:ln>
-          <a:effectLst/>
-          <a:extLst>
-            <a:ext uri="{909E8E84-426E-40DD-AFC4-6F175D3DCCD1}">
-              <a14:hiddenFill xmlns:a14="http://schemas.microsoft.com/office/drawing/2010/main">
-                <a:solidFill>
-                  <a:schemeClr val="accent1"/>
-                </a:solidFill>
-              </a14:hiddenFill>
-            </a:ext>
-            <a:ext uri="{91240B29-F687-4F45-9708-019B960494DF}">
-              <a14:hiddenLine xmlns:a14="http://schemas.microsoft.com/office/drawing/2010/main" w="9525">
-                <a:solidFill>
-                  <a:schemeClr val="tx1"/>
-                </a:solidFill>
-                <a:miter lim="800000"/>
-                <a:headEnd/>
-                <a:tailEnd/>
-              </a14:hiddenLine>
-            </a:ext>
-            <a:ext uri="{AF507438-7753-43E0-B8FC-AC1667EBCBE1}">
-              <a14:hiddenEffects xmlns:a14="http://schemas.microsoft.com/office/drawing/2010/main">
-                <a:effectLst>
-                  <a:outerShdw dist="35921" dir="2700000" algn="ctr" rotWithShape="0">
-                    <a:schemeClr val="bg2"/>
-                  </a:outerShdw>
-                </a:effectLst>
-              </a14:hiddenEffects>
-            </a:ext>
-          </a:extLst>
-        </p:spPr>
-      </p:pic>
+              <a:t> signals are difficult to use for radar due to low power, multipath, and poor autocorrelation properties</a:t>
+            </a:r>
+          </a:p>
+        </p:txBody>
+      </p:sp>
     </p:spTree>
     <p:extLst>
       <p:ext uri="{BB962C8B-B14F-4D97-AF65-F5344CB8AC3E}">
-        <p14:creationId xmlns:p14="http://schemas.microsoft.com/office/powerpoint/2010/main" val="2498023344"/>
+        <p14:creationId xmlns:p14="http://schemas.microsoft.com/office/powerpoint/2010/main" val="3937463607"/>
       </p:ext>
     </p:extLst>
   </p:cSld>
   <p:clrMapOvr>
     <a:masterClrMapping/>
   </p:clrMapOvr>
+  <p:timing>
+    <p:tnLst>
+      <p:par>
+        <p:cTn id="1" dur="indefinite" restart="never" nodeType="tmRoot"/>
+      </p:par>
+    </p:tnLst>
+  </p:timing>
 </p:sld>
 </file>
 
@@ -6461,7 +7015,7 @@
   <a:extraClrSchemeLst/>
   <a:extLst>
     <a:ext uri="{05A4C25C-085E-4340-85A3-A5531E510DB2}">
-      <thm15:themeFamily xmlns:thm15="http://schemas.microsoft.com/office/thememl/2012/main" xmlns="" name="Office Theme" id="{62F939B6-93AF-4DB8-9C6B-D6C7DFDC589F}" vid="{4A3C46E8-61CC-4603-A589-7422A47A8E4A}"/>
+      <thm15:themeFamily xmlns:thm15="http://schemas.microsoft.com/office/thememl/2012/main" name="Office Theme" id="{62F939B6-93AF-4DB8-9C6B-D6C7DFDC589F}" vid="{4A3C46E8-61CC-4603-A589-7422A47A8E4A}"/>
     </a:ext>
   </a:extLst>
 </a:theme>
@@ -6722,7 +7276,7 @@
   <a:extraClrSchemeLst/>
   <a:extLst>
     <a:ext uri="{05A4C25C-085E-4340-85A3-A5531E510DB2}">
-      <thm15:themeFamily xmlns:thm15="http://schemas.microsoft.com/office/thememl/2012/main" xmlns="" name="Office Theme" id="{62F939B6-93AF-4DB8-9C6B-D6C7DFDC589F}" vid="{4A3C46E8-61CC-4603-A589-7422A47A8E4A}"/>
+      <thm15:themeFamily xmlns:thm15="http://schemas.microsoft.com/office/thememl/2012/main" name="Office Theme" id="{62F939B6-93AF-4DB8-9C6B-D6C7DFDC589F}" vid="{4A3C46E8-61CC-4603-A589-7422A47A8E4A}"/>
     </a:ext>
   </a:extLst>
 </a:theme>

--- a/presentation.pptx
+++ b/presentation.pptx
@@ -5174,12 +5174,66 @@
             <p:ph idx="1"/>
           </p:nvPr>
         </p:nvSpPr>
-        <p:spPr/>
-        <p:txBody>
-          <a:bodyPr/>
-          <a:lstStyle/>
-          <a:p>
-            <a:endParaRPr lang="en-US"/>
+        <p:spPr>
+          <a:xfrm>
+            <a:off x="838200" y="1825624"/>
+            <a:ext cx="10515600" cy="4676775"/>
+          </a:xfrm>
+        </p:spPr>
+        <p:txBody>
+          <a:bodyPr/>
+          <a:lstStyle/>
+          <a:p>
+            <a:r>
+              <a:rPr lang="en-US" dirty="0" smtClean="0"/>
+              <a:t>In situations with low noise and limited multipath fading from walls/furniture, detecting position of motion of object is feasible</a:t>
+            </a:r>
+          </a:p>
+          <a:p>
+            <a:r>
+              <a:rPr lang="en-US" dirty="0" smtClean="0"/>
+              <a:t>In a scheme with multiple receivers, trilateration (like in GPS) is a possible solution to indoor localization</a:t>
+            </a:r>
+          </a:p>
+          <a:p>
+            <a:r>
+              <a:rPr lang="en-US" dirty="0" smtClean="0"/>
+              <a:t>While other studies into </a:t>
+            </a:r>
+            <a:r>
+              <a:rPr lang="en-US" dirty="0" err="1" smtClean="0"/>
+              <a:t>bistatic</a:t>
+            </a:r>
+            <a:r>
+              <a:rPr lang="en-US" dirty="0" smtClean="0"/>
+              <a:t> radar using </a:t>
+            </a:r>
+            <a:r>
+              <a:rPr lang="en-US" dirty="0" err="1" smtClean="0"/>
+              <a:t>WiFi</a:t>
+            </a:r>
+            <a:r>
+              <a:rPr lang="en-US" dirty="0"/>
+              <a:t> </a:t>
+            </a:r>
+            <a:r>
+              <a:rPr lang="en-US" dirty="0" smtClean="0"/>
+              <a:t>have focused on using actual data with real antennas, simulation has value as well</a:t>
+            </a:r>
+          </a:p>
+          <a:p>
+            <a:r>
+              <a:rPr lang="en-US" dirty="0" smtClean="0"/>
+              <a:t>Simulations in this study allow studying which properties of environment are required for the procedure to work</a:t>
+            </a:r>
+          </a:p>
+          <a:p>
+            <a:pPr lvl="1"/>
+            <a:r>
+              <a:rPr lang="en-US" dirty="0" smtClean="0"/>
+              <a:t>Including for studying defense against such a scheme</a:t>
+            </a:r>
+            <a:endParaRPr lang="en-US" dirty="0"/>
           </a:p>
         </p:txBody>
       </p:sp>

--- a/presentation.pptx
+++ b/presentation.pptx
@@ -5,7 +5,7 @@
     <p:sldMasterId id="2147483648" r:id="rId1"/>
   </p:sldMasterIdLst>
   <p:notesMasterIdLst>
-    <p:notesMasterId r:id="rId10"/>
+    <p:notesMasterId r:id="rId17"/>
   </p:notesMasterIdLst>
   <p:sldIdLst>
     <p:sldId id="256" r:id="rId2"/>
@@ -14,8 +14,15 @@
     <p:sldId id="259" r:id="rId5"/>
     <p:sldId id="265" r:id="rId6"/>
     <p:sldId id="266" r:id="rId7"/>
-    <p:sldId id="267" r:id="rId8"/>
-    <p:sldId id="261" r:id="rId9"/>
+    <p:sldId id="273" r:id="rId8"/>
+    <p:sldId id="271" r:id="rId9"/>
+    <p:sldId id="267" r:id="rId10"/>
+    <p:sldId id="270" r:id="rId11"/>
+    <p:sldId id="268" r:id="rId12"/>
+    <p:sldId id="275" r:id="rId13"/>
+    <p:sldId id="272" r:id="rId14"/>
+    <p:sldId id="276" r:id="rId15"/>
+    <p:sldId id="261" r:id="rId16"/>
   </p:sldIdLst>
   <p:sldSz cx="12192000" cy="6858000"/>
   <p:notesSz cx="6858000" cy="9144000"/>
@@ -114,6 +121,22 @@
       </a:defRPr>
     </a:lvl9pPr>
   </p:defaultTextStyle>
+  <p:extLst>
+    <p:ext uri="{EFAFB233-063F-42B5-8137-9DF3F51BA10A}">
+      <p15:sldGuideLst xmlns:p15="http://schemas.microsoft.com/office/powerpoint/2012/main">
+        <p15:guide id="1" orient="horz" pos="2160">
+          <p15:clr>
+            <a:srgbClr val="A4A3A4"/>
+          </p15:clr>
+        </p15:guide>
+        <p15:guide id="2" pos="3840">
+          <p15:clr>
+            <a:srgbClr val="A4A3A4"/>
+          </p15:clr>
+        </p15:guide>
+      </p15:sldGuideLst>
+    </p:ext>
+  </p:extLst>
 </p:presentation>
 </file>
 
@@ -985,7 +1008,7 @@
           <a:p>
             <a:fld id="{280B9B96-5504-45C4-A7D4-ABBE9FEDE67C}" type="slidenum">
               <a:rPr lang="en-US" smtClean="0"/>
-              <a:t>7</a:t>
+              <a:t>9</a:t>
             </a:fld>
             <a:endParaRPr lang="en-US"/>
           </a:p>
@@ -1073,7 +1096,7 @@
           <a:p>
             <a:fld id="{280B9B96-5504-45C4-A7D4-ABBE9FEDE67C}" type="slidenum">
               <a:rPr lang="en-US" smtClean="0"/>
-              <a:t>8</a:t>
+              <a:t>15</a:t>
             </a:fld>
             <a:endParaRPr lang="en-US"/>
           </a:p>
@@ -4020,6 +4043,1620 @@
 </p:sld>
 </file>
 
+<file path=ppt/slides/slide10.xml><?xml version="1.0" encoding="utf-8"?>
+<p:sld xmlns:a="http://schemas.openxmlformats.org/drawingml/2006/main" xmlns:r="http://schemas.openxmlformats.org/officeDocument/2006/relationships" xmlns:p="http://schemas.openxmlformats.org/presentationml/2006/main">
+  <p:cSld>
+    <p:spTree>
+      <p:nvGrpSpPr>
+        <p:cNvPr id="1" name=""/>
+        <p:cNvGrpSpPr/>
+        <p:nvPr/>
+      </p:nvGrpSpPr>
+      <p:grpSpPr>
+        <a:xfrm>
+          <a:off x="0" y="0"/>
+          <a:ext cx="0" cy="0"/>
+          <a:chOff x="0" y="0"/>
+          <a:chExt cx="0" cy="0"/>
+        </a:xfrm>
+      </p:grpSpPr>
+      <p:sp>
+        <p:nvSpPr>
+          <p:cNvPr id="2" name="Title 1"/>
+          <p:cNvSpPr>
+            <a:spLocks noGrp="1"/>
+          </p:cNvSpPr>
+          <p:nvPr>
+            <p:ph type="title"/>
+          </p:nvPr>
+        </p:nvSpPr>
+        <p:spPr/>
+        <p:txBody>
+          <a:bodyPr/>
+          <a:lstStyle/>
+          <a:p>
+            <a:r>
+              <a:rPr lang="en-US" dirty="0" smtClean="0"/>
+              <a:t>Forming Range-Doppler Maps</a:t>
+            </a:r>
+            <a:endParaRPr lang="en-US" dirty="0"/>
+          </a:p>
+        </p:txBody>
+      </p:sp>
+      <p:sp>
+        <p:nvSpPr>
+          <p:cNvPr id="3" name="Content Placeholder 2"/>
+          <p:cNvSpPr>
+            <a:spLocks noGrp="1"/>
+          </p:cNvSpPr>
+          <p:nvPr>
+            <p:ph idx="1"/>
+          </p:nvPr>
+        </p:nvSpPr>
+        <p:spPr/>
+        <p:txBody>
+          <a:bodyPr/>
+          <a:lstStyle/>
+          <a:p>
+            <a:r>
+              <a:rPr lang="en-US" dirty="0" smtClean="0"/>
+              <a:t>Autocorrelation function of simulated </a:t>
+            </a:r>
+            <a:r>
+              <a:rPr lang="en-US" dirty="0" err="1" smtClean="0"/>
+              <a:t>WiFi</a:t>
+            </a:r>
+            <a:r>
+              <a:rPr lang="en-US" dirty="0" smtClean="0"/>
+              <a:t> data used in project</a:t>
+            </a:r>
+            <a:endParaRPr lang="en-US" dirty="0"/>
+          </a:p>
+        </p:txBody>
+      </p:sp>
+      <p:pic>
+        <p:nvPicPr>
+          <p:cNvPr id="1026" name="Picture 2"/>
+          <p:cNvPicPr>
+            <a:picLocks noChangeAspect="1" noChangeArrowheads="1"/>
+          </p:cNvPicPr>
+          <p:nvPr/>
+        </p:nvPicPr>
+        <p:blipFill>
+          <a:blip r:embed="rId2">
+            <a:extLst>
+              <a:ext uri="{28A0092B-C50C-407E-A947-70E740481C1C}">
+                <a14:useLocalDpi xmlns:a14="http://schemas.microsoft.com/office/drawing/2010/main" val="0"/>
+              </a:ext>
+            </a:extLst>
+          </a:blip>
+          <a:srcRect/>
+          <a:stretch>
+            <a:fillRect/>
+          </a:stretch>
+        </p:blipFill>
+        <p:spPr bwMode="auto">
+          <a:xfrm>
+            <a:off x="2336800" y="2506579"/>
+            <a:ext cx="7315200" cy="4114800"/>
+          </a:xfrm>
+          <a:prstGeom prst="rect">
+            <a:avLst/>
+          </a:prstGeom>
+          <a:noFill/>
+          <a:ln>
+            <a:noFill/>
+          </a:ln>
+          <a:effectLst/>
+          <a:extLst>
+            <a:ext uri="{909E8E84-426E-40DD-AFC4-6F175D3DCCD1}">
+              <a14:hiddenFill xmlns:a14="http://schemas.microsoft.com/office/drawing/2010/main">
+                <a:solidFill>
+                  <a:schemeClr val="accent1"/>
+                </a:solidFill>
+              </a14:hiddenFill>
+            </a:ext>
+            <a:ext uri="{91240B29-F687-4F45-9708-019B960494DF}">
+              <a14:hiddenLine xmlns:a14="http://schemas.microsoft.com/office/drawing/2010/main" w="9525">
+                <a:solidFill>
+                  <a:schemeClr val="tx1"/>
+                </a:solidFill>
+                <a:miter lim="800000"/>
+                <a:headEnd/>
+                <a:tailEnd/>
+              </a14:hiddenLine>
+            </a:ext>
+            <a:ext uri="{AF507438-7753-43E0-B8FC-AC1667EBCBE1}">
+              <a14:hiddenEffects xmlns:a14="http://schemas.microsoft.com/office/drawing/2010/main">
+                <a:effectLst>
+                  <a:outerShdw dist="35921" dir="2700000" algn="ctr" rotWithShape="0">
+                    <a:schemeClr val="bg2"/>
+                  </a:outerShdw>
+                </a:effectLst>
+              </a14:hiddenEffects>
+            </a:ext>
+          </a:extLst>
+        </p:spPr>
+      </p:pic>
+    </p:spTree>
+    <p:extLst>
+      <p:ext uri="{BB962C8B-B14F-4D97-AF65-F5344CB8AC3E}">
+        <p14:creationId xmlns:p14="http://schemas.microsoft.com/office/powerpoint/2010/main" val="2498023344"/>
+      </p:ext>
+    </p:extLst>
+  </p:cSld>
+  <p:clrMapOvr>
+    <a:masterClrMapping/>
+  </p:clrMapOvr>
+</p:sld>
+</file>
+
+<file path=ppt/slides/slide11.xml><?xml version="1.0" encoding="utf-8"?>
+<p:sld xmlns:a="http://schemas.openxmlformats.org/drawingml/2006/main" xmlns:r="http://schemas.openxmlformats.org/officeDocument/2006/relationships" xmlns:p="http://schemas.openxmlformats.org/presentationml/2006/main">
+  <p:cSld>
+    <p:spTree>
+      <p:nvGrpSpPr>
+        <p:cNvPr id="1" name=""/>
+        <p:cNvGrpSpPr/>
+        <p:nvPr/>
+      </p:nvGrpSpPr>
+      <p:grpSpPr>
+        <a:xfrm>
+          <a:off x="0" y="0"/>
+          <a:ext cx="0" cy="0"/>
+          <a:chOff x="0" y="0"/>
+          <a:chExt cx="0" cy="0"/>
+        </a:xfrm>
+      </p:grpSpPr>
+      <p:sp>
+        <p:nvSpPr>
+          <p:cNvPr id="2" name="Title 1"/>
+          <p:cNvSpPr>
+            <a:spLocks noGrp="1"/>
+          </p:cNvSpPr>
+          <p:nvPr>
+            <p:ph type="title"/>
+          </p:nvPr>
+        </p:nvSpPr>
+        <p:spPr/>
+        <p:txBody>
+          <a:bodyPr/>
+          <a:lstStyle/>
+          <a:p>
+            <a:r>
+              <a:rPr lang="en-US" dirty="0" smtClean="0"/>
+              <a:t>Forming Range-Doppler Maps</a:t>
+            </a:r>
+            <a:endParaRPr lang="en-US" dirty="0"/>
+          </a:p>
+        </p:txBody>
+      </p:sp>
+      <mc:AlternateContent xmlns:mc="http://schemas.openxmlformats.org/markup-compatibility/2006" xmlns:a14="http://schemas.microsoft.com/office/drawing/2010/main">
+        <mc:Choice Requires="a14">
+          <p:sp>
+            <p:nvSpPr>
+              <p:cNvPr id="3" name="Content Placeholder 2"/>
+              <p:cNvSpPr>
+                <a:spLocks noGrp="1"/>
+              </p:cNvSpPr>
+              <p:nvPr>
+                <p:ph idx="1"/>
+              </p:nvPr>
+            </p:nvSpPr>
+            <p:spPr>
+              <a:xfrm>
+                <a:off x="609600" y="1600200"/>
+                <a:ext cx="10972800" cy="4876800"/>
+              </a:xfrm>
+            </p:spPr>
+            <p:txBody>
+              <a:bodyPr>
+                <a:normAutofit fontScale="92500" lnSpcReduction="10000"/>
+              </a:bodyPr>
+              <a:lstStyle/>
+              <a:p>
+                <a:r>
+                  <a:rPr lang="en-US" sz="3000" dirty="0" smtClean="0"/>
+                  <a:t>The RDMs are a 2D cross-correlation over time delay and Doppler shift</a:t>
+                </a:r>
+              </a:p>
+              <a:p>
+                <a:r>
+                  <a:rPr lang="en-US" sz="3000" dirty="0" smtClean="0"/>
+                  <a:t>Frequency shifted and delayed version of the reference signal are correlated with the observed signal at the Rx</a:t>
+                </a:r>
+              </a:p>
+              <a:p>
+                <a:pPr marL="0" indent="0">
+                  <a:buNone/>
+                </a:pPr>
+                <a14:m>
+                  <m:oMathPara xmlns:m="http://schemas.openxmlformats.org/officeDocument/2006/math">
+                    <m:oMathParaPr>
+                      <m:jc m:val="centerGroup"/>
+                    </m:oMathParaPr>
+                    <m:oMath xmlns:m="http://schemas.openxmlformats.org/officeDocument/2006/math">
+                      <m:r>
+                        <a:rPr lang="en-US" sz="2400" b="0" i="1" smtClean="0">
+                          <a:latin typeface="Cambria Math"/>
+                        </a:rPr>
+                        <m:t>𝐶</m:t>
+                      </m:r>
+                      <m:d>
+                        <m:dPr>
+                          <m:begChr m:val="["/>
+                          <m:endChr m:val="]"/>
+                          <m:ctrlPr>
+                            <a:rPr lang="en-US" sz="2400" b="0" i="1" smtClean="0">
+                              <a:latin typeface="Cambria Math" panose="02040503050406030204" pitchFamily="18" charset="0"/>
+                            </a:rPr>
+                          </m:ctrlPr>
+                        </m:dPr>
+                        <m:e>
+                          <m:r>
+                            <a:rPr lang="en-US" sz="2400" b="0" i="1" smtClean="0">
+                              <a:latin typeface="Cambria Math"/>
+                            </a:rPr>
+                            <m:t>𝑙</m:t>
+                          </m:r>
+                          <m:r>
+                            <a:rPr lang="en-US" sz="2400" b="0" i="1" smtClean="0">
+                              <a:latin typeface="Cambria Math"/>
+                            </a:rPr>
+                            <m:t>, </m:t>
+                          </m:r>
+                          <m:r>
+                            <a:rPr lang="en-US" sz="2400" b="0" i="1" smtClean="0">
+                              <a:latin typeface="Cambria Math"/>
+                            </a:rPr>
+                            <m:t>𝑝</m:t>
+                          </m:r>
+                        </m:e>
+                      </m:d>
+                      <m:r>
+                        <a:rPr lang="en-US" sz="2400" b="0" i="1" smtClean="0">
+                          <a:latin typeface="Cambria Math"/>
+                        </a:rPr>
+                        <m:t>=</m:t>
+                      </m:r>
+                      <m:d>
+                        <m:dPr>
+                          <m:begChr m:val="|"/>
+                          <m:endChr m:val="|"/>
+                          <m:ctrlPr>
+                            <a:rPr lang="en-US" sz="2400" b="0" i="1" smtClean="0">
+                              <a:latin typeface="Cambria Math" panose="02040503050406030204" pitchFamily="18" charset="0"/>
+                            </a:rPr>
+                          </m:ctrlPr>
+                        </m:dPr>
+                        <m:e>
+                          <m:nary>
+                            <m:naryPr>
+                              <m:chr m:val="∑"/>
+                              <m:ctrlPr>
+                                <a:rPr lang="en-US" sz="2400" b="0" i="1" smtClean="0">
+                                  <a:latin typeface="Cambria Math" panose="02040503050406030204" pitchFamily="18" charset="0"/>
+                                </a:rPr>
+                              </m:ctrlPr>
+                            </m:naryPr>
+                            <m:sub>
+                              <m:r>
+                                <m:rPr>
+                                  <m:brk m:alnAt="23"/>
+                                </m:rPr>
+                                <a:rPr lang="en-US" sz="2400" b="0" i="1" smtClean="0">
+                                  <a:latin typeface="Cambria Math"/>
+                                </a:rPr>
+                                <m:t>𝑚</m:t>
+                              </m:r>
+                              <m:r>
+                                <a:rPr lang="en-US" sz="2400" b="0" i="1" smtClean="0">
+                                  <a:latin typeface="Cambria Math"/>
+                                </a:rPr>
+                                <m:t>=0</m:t>
+                              </m:r>
+                            </m:sub>
+                            <m:sup>
+                              <m:r>
+                                <a:rPr lang="en-US" sz="2400" b="0" i="1" smtClean="0">
+                                  <a:latin typeface="Cambria Math"/>
+                                </a:rPr>
+                                <m:t>𝑀</m:t>
+                              </m:r>
+                            </m:sup>
+                            <m:e>
+                              <m:sSup>
+                                <m:sSupPr>
+                                  <m:ctrlPr>
+                                    <a:rPr lang="en-US" sz="2400" b="0" i="1" smtClean="0">
+                                      <a:latin typeface="Cambria Math" panose="02040503050406030204" pitchFamily="18" charset="0"/>
+                                    </a:rPr>
+                                  </m:ctrlPr>
+                                </m:sSupPr>
+                                <m:e>
+                                  <m:r>
+                                    <a:rPr lang="en-US" sz="2400" b="0" i="1" smtClean="0">
+                                      <a:latin typeface="Cambria Math"/>
+                                    </a:rPr>
+                                    <m:t>𝑒</m:t>
+                                  </m:r>
+                                </m:e>
+                                <m:sup>
+                                  <m:r>
+                                    <a:rPr lang="en-US" sz="2400" b="0" i="1" smtClean="0">
+                                      <a:latin typeface="Cambria Math"/>
+                                    </a:rPr>
+                                    <m:t>−</m:t>
+                                  </m:r>
+                                  <m:r>
+                                    <a:rPr lang="en-US" sz="2400" b="0" i="1" smtClean="0">
+                                      <a:latin typeface="Cambria Math"/>
+                                    </a:rPr>
+                                    <m:t>𝑗</m:t>
+                                  </m:r>
+                                  <m:r>
+                                    <a:rPr lang="en-US" sz="2400" b="0" i="1" smtClean="0">
+                                      <a:latin typeface="Cambria Math"/>
+                                    </a:rPr>
+                                    <m:t>2</m:t>
+                                  </m:r>
+                                  <m:r>
+                                    <a:rPr lang="en-US" sz="2400" b="0" i="1" smtClean="0">
+                                      <a:latin typeface="Cambria Math"/>
+                                      <a:ea typeface="Cambria Math"/>
+                                    </a:rPr>
+                                    <m:t>𝜋</m:t>
+                                  </m:r>
+                                  <m:sSub>
+                                    <m:sSubPr>
+                                      <m:ctrlPr>
+                                        <a:rPr lang="en-US" sz="2400" b="0" i="1" smtClean="0">
+                                          <a:latin typeface="Cambria Math" panose="02040503050406030204" pitchFamily="18" charset="0"/>
+                                          <a:ea typeface="Cambria Math"/>
+                                        </a:rPr>
+                                      </m:ctrlPr>
+                                    </m:sSubPr>
+                                    <m:e>
+                                      <m:r>
+                                        <a:rPr lang="en-US" sz="2400" b="0" i="1" smtClean="0">
+                                          <a:latin typeface="Cambria Math"/>
+                                          <a:ea typeface="Cambria Math"/>
+                                        </a:rPr>
+                                        <m:t>𝑖</m:t>
+                                      </m:r>
+                                    </m:e>
+                                    <m:sub>
+                                      <m:r>
+                                        <a:rPr lang="en-US" sz="2400" b="0" i="1" smtClean="0">
+                                          <a:latin typeface="Cambria Math"/>
+                                          <a:ea typeface="Cambria Math"/>
+                                        </a:rPr>
+                                        <m:t>𝑚</m:t>
+                                      </m:r>
+                                    </m:sub>
+                                  </m:sSub>
+                                  <m:r>
+                                    <a:rPr lang="en-US" sz="2400" b="0" i="1" smtClean="0">
+                                      <a:latin typeface="Cambria Math"/>
+                                      <a:ea typeface="Cambria Math"/>
+                                    </a:rPr>
+                                    <m:t>/</m:t>
+                                  </m:r>
+                                  <m:sSub>
+                                    <m:sSubPr>
+                                      <m:ctrlPr>
+                                        <a:rPr lang="en-US" sz="2400" b="0" i="1" smtClean="0">
+                                          <a:latin typeface="Cambria Math" panose="02040503050406030204" pitchFamily="18" charset="0"/>
+                                          <a:ea typeface="Cambria Math"/>
+                                        </a:rPr>
+                                      </m:ctrlPr>
+                                    </m:sSubPr>
+                                    <m:e>
+                                      <m:r>
+                                        <a:rPr lang="en-US" sz="2400" b="0" i="1" smtClean="0">
+                                          <a:latin typeface="Cambria Math"/>
+                                          <a:ea typeface="Cambria Math"/>
+                                        </a:rPr>
+                                        <m:t>𝑁</m:t>
+                                      </m:r>
+                                    </m:e>
+                                    <m:sub>
+                                      <m:r>
+                                        <a:rPr lang="en-US" sz="2400" b="0" i="1" smtClean="0">
+                                          <a:latin typeface="Cambria Math"/>
+                                          <a:ea typeface="Cambria Math"/>
+                                        </a:rPr>
+                                        <m:t>𝑖𝑛𝑡</m:t>
+                                      </m:r>
+                                    </m:sub>
+                                  </m:sSub>
+                                </m:sup>
+                              </m:sSup>
+                            </m:e>
+                          </m:nary>
+                          <m:nary>
+                            <m:naryPr>
+                              <m:chr m:val="∑"/>
+                              <m:ctrlPr>
+                                <a:rPr lang="en-US" sz="2400" b="0" i="1" smtClean="0">
+                                  <a:latin typeface="Cambria Math" panose="02040503050406030204" pitchFamily="18" charset="0"/>
+                                </a:rPr>
+                              </m:ctrlPr>
+                            </m:naryPr>
+                            <m:sub>
+                              <m:r>
+                                <a:rPr lang="en-US" sz="2400" b="0" i="1" smtClean="0">
+                                  <a:latin typeface="Cambria Math"/>
+                                </a:rPr>
+                                <m:t>𝑛</m:t>
+                              </m:r>
+                              <m:r>
+                                <a:rPr lang="en-US" sz="2400" b="0" i="1" smtClean="0">
+                                  <a:latin typeface="Cambria Math"/>
+                                </a:rPr>
+                                <m:t>=0</m:t>
+                              </m:r>
+                            </m:sub>
+                            <m:sup>
+                              <m:sSub>
+                                <m:sSubPr>
+                                  <m:ctrlPr>
+                                    <a:rPr lang="en-US" sz="2400" b="0" i="1" smtClean="0">
+                                      <a:latin typeface="Cambria Math" panose="02040503050406030204" pitchFamily="18" charset="0"/>
+                                    </a:rPr>
+                                  </m:ctrlPr>
+                                </m:sSubPr>
+                                <m:e>
+                                  <m:r>
+                                    <a:rPr lang="en-US" sz="2400" b="0" i="1" smtClean="0">
+                                      <a:latin typeface="Cambria Math"/>
+                                    </a:rPr>
+                                    <m:t>𝑁</m:t>
+                                  </m:r>
+                                </m:e>
+                                <m:sub>
+                                  <m:r>
+                                    <a:rPr lang="en-US" sz="2400" b="0" i="1" smtClean="0">
+                                      <a:latin typeface="Cambria Math"/>
+                                    </a:rPr>
+                                    <m:t>𝑚</m:t>
+                                  </m:r>
+                                </m:sub>
+                              </m:sSub>
+                              <m:r>
+                                <a:rPr lang="en-US" sz="2400" b="0" i="1" smtClean="0">
+                                  <a:latin typeface="Cambria Math"/>
+                                </a:rPr>
+                                <m:t>−1</m:t>
+                              </m:r>
+                            </m:sup>
+                            <m:e>
+                              <m:sSub>
+                                <m:sSubPr>
+                                  <m:ctrlPr>
+                                    <a:rPr lang="en-US" sz="2400" b="0" i="1" smtClean="0">
+                                      <a:latin typeface="Cambria Math" panose="02040503050406030204" pitchFamily="18" charset="0"/>
+                                    </a:rPr>
+                                  </m:ctrlPr>
+                                </m:sSubPr>
+                                <m:e>
+                                  <m:r>
+                                    <a:rPr lang="en-US" sz="2400" b="0" i="1" smtClean="0">
+                                      <a:latin typeface="Cambria Math"/>
+                                    </a:rPr>
+                                    <m:t>𝑠</m:t>
+                                  </m:r>
+                                </m:e>
+                                <m:sub>
+                                  <m:r>
+                                    <a:rPr lang="en-US" sz="2400" b="0" i="1" smtClean="0">
+                                      <a:latin typeface="Cambria Math"/>
+                                    </a:rPr>
+                                    <m:t>𝑜𝑏𝑠</m:t>
+                                  </m:r>
+                                </m:sub>
+                              </m:sSub>
+                              <m:d>
+                                <m:dPr>
+                                  <m:begChr m:val="["/>
+                                  <m:endChr m:val="]"/>
+                                  <m:ctrlPr>
+                                    <a:rPr lang="en-US" sz="2400" b="0" i="1" smtClean="0">
+                                      <a:latin typeface="Cambria Math" panose="02040503050406030204" pitchFamily="18" charset="0"/>
+                                    </a:rPr>
+                                  </m:ctrlPr>
+                                </m:dPr>
+                                <m:e>
+                                  <m:sSub>
+                                    <m:sSubPr>
+                                      <m:ctrlPr>
+                                        <a:rPr lang="en-US" sz="2400" b="0" i="1" smtClean="0">
+                                          <a:latin typeface="Cambria Math" panose="02040503050406030204" pitchFamily="18" charset="0"/>
+                                        </a:rPr>
+                                      </m:ctrlPr>
+                                    </m:sSubPr>
+                                    <m:e>
+                                      <m:r>
+                                        <a:rPr lang="en-US" sz="2400" b="0" i="1" smtClean="0">
+                                          <a:latin typeface="Cambria Math"/>
+                                        </a:rPr>
+                                        <m:t>𝑖</m:t>
+                                      </m:r>
+                                    </m:e>
+                                    <m:sub>
+                                      <m:r>
+                                        <a:rPr lang="en-US" sz="2400" b="0" i="1" smtClean="0">
+                                          <a:latin typeface="Cambria Math"/>
+                                        </a:rPr>
+                                        <m:t>𝑚</m:t>
+                                      </m:r>
+                                    </m:sub>
+                                  </m:sSub>
+                                  <m:r>
+                                    <a:rPr lang="en-US" sz="2400" b="0" i="1" smtClean="0">
+                                      <a:latin typeface="Cambria Math"/>
+                                    </a:rPr>
+                                    <m:t>+</m:t>
+                                  </m:r>
+                                  <m:r>
+                                    <a:rPr lang="en-US" sz="2400" b="0" i="1" smtClean="0">
+                                      <a:latin typeface="Cambria Math"/>
+                                    </a:rPr>
+                                    <m:t>𝑛</m:t>
+                                  </m:r>
+                                </m:e>
+                              </m:d>
+                              <m:sSubSup>
+                                <m:sSubSupPr>
+                                  <m:ctrlPr>
+                                    <a:rPr lang="en-US" sz="2400" b="0" i="1" smtClean="0">
+                                      <a:latin typeface="Cambria Math" panose="02040503050406030204" pitchFamily="18" charset="0"/>
+                                    </a:rPr>
+                                  </m:ctrlPr>
+                                </m:sSubSupPr>
+                                <m:e>
+                                  <m:sSub>
+                                    <m:sSubPr>
+                                      <m:ctrlPr>
+                                        <a:rPr lang="en-US" sz="2400" b="0" i="1" smtClean="0">
+                                          <a:latin typeface="Cambria Math" panose="02040503050406030204" pitchFamily="18" charset="0"/>
+                                        </a:rPr>
+                                      </m:ctrlPr>
+                                    </m:sSubPr>
+                                    <m:e>
+                                      <m:r>
+                                        <a:rPr lang="en-US" sz="2400" b="0" i="1" smtClean="0">
+                                          <a:latin typeface="Cambria Math"/>
+                                        </a:rPr>
+                                        <m:t>𝑠</m:t>
+                                      </m:r>
+                                    </m:e>
+                                    <m:sub>
+                                      <m:r>
+                                        <a:rPr lang="en-US" sz="2400" b="0" i="1" smtClean="0">
+                                          <a:latin typeface="Cambria Math"/>
+                                        </a:rPr>
+                                        <m:t>𝑟𝑒𝑓</m:t>
+                                      </m:r>
+                                    </m:sub>
+                                  </m:sSub>
+                                </m:e>
+                                <m:sub/>
+                                <m:sup>
+                                  <m:r>
+                                    <a:rPr lang="en-US" sz="2400" b="0" i="1" smtClean="0">
+                                      <a:latin typeface="Cambria Math"/>
+                                    </a:rPr>
+                                    <m:t>∗</m:t>
+                                  </m:r>
+                                </m:sup>
+                              </m:sSubSup>
+                              <m:r>
+                                <a:rPr lang="en-US" sz="2400" b="0" i="1" smtClean="0">
+                                  <a:latin typeface="Cambria Math"/>
+                                </a:rPr>
+                                <m:t> [</m:t>
+                              </m:r>
+                              <m:sSub>
+                                <m:sSubPr>
+                                  <m:ctrlPr>
+                                    <a:rPr lang="en-US" sz="2400" b="0" i="1" smtClean="0">
+                                      <a:latin typeface="Cambria Math" panose="02040503050406030204" pitchFamily="18" charset="0"/>
+                                    </a:rPr>
+                                  </m:ctrlPr>
+                                </m:sSubPr>
+                                <m:e>
+                                  <m:r>
+                                    <a:rPr lang="en-US" sz="2400" b="0" i="1" smtClean="0">
+                                      <a:latin typeface="Cambria Math"/>
+                                    </a:rPr>
+                                    <m:t>𝑖</m:t>
+                                  </m:r>
+                                </m:e>
+                                <m:sub>
+                                  <m:r>
+                                    <a:rPr lang="en-US" sz="2400" b="0" i="1" smtClean="0">
+                                      <a:latin typeface="Cambria Math"/>
+                                    </a:rPr>
+                                    <m:t>𝑚</m:t>
+                                  </m:r>
+                                </m:sub>
+                              </m:sSub>
+                              <m:r>
+                                <a:rPr lang="en-US" sz="2400" b="0" i="1" smtClean="0">
+                                  <a:latin typeface="Cambria Math"/>
+                                </a:rPr>
+                                <m:t>+</m:t>
+                              </m:r>
+                              <m:r>
+                                <a:rPr lang="en-US" sz="2400" b="0" i="1" smtClean="0">
+                                  <a:latin typeface="Cambria Math"/>
+                                </a:rPr>
+                                <m:t>𝑛</m:t>
+                              </m:r>
+                              <m:r>
+                                <a:rPr lang="en-US" sz="2400" b="0" i="1" smtClean="0">
+                                  <a:latin typeface="Cambria Math"/>
+                                </a:rPr>
+                                <m:t>−</m:t>
+                              </m:r>
+                              <m:r>
+                                <a:rPr lang="en-US" sz="2400" b="0" i="1" smtClean="0">
+                                  <a:latin typeface="Cambria Math"/>
+                                </a:rPr>
+                                <m:t>𝑙</m:t>
+                              </m:r>
+                              <m:r>
+                                <a:rPr lang="en-US" sz="2400" b="0" i="1" smtClean="0">
+                                  <a:latin typeface="Cambria Math"/>
+                                </a:rPr>
+                                <m:t>]</m:t>
+                              </m:r>
+                            </m:e>
+                          </m:nary>
+                        </m:e>
+                      </m:d>
+                    </m:oMath>
+                  </m:oMathPara>
+                </a14:m>
+                <a:endParaRPr lang="en-US" sz="2400" dirty="0" smtClean="0"/>
+              </a:p>
+              <a:p>
+                <a:r>
+                  <a:rPr lang="en-US" sz="2800" dirty="0" smtClean="0"/>
+                  <a:t>Sums over number of pulses M, number of samples per pulse </a:t>
+                </a:r>
+                <a14:m>
+                  <m:oMath xmlns:m="http://schemas.openxmlformats.org/officeDocument/2006/math">
+                    <m:sSub>
+                      <m:sSubPr>
+                        <m:ctrlPr>
+                          <a:rPr lang="en-US" sz="2800" i="1" smtClean="0">
+                            <a:latin typeface="Cambria Math" panose="02040503050406030204" pitchFamily="18" charset="0"/>
+                          </a:rPr>
+                        </m:ctrlPr>
+                      </m:sSubPr>
+                      <m:e>
+                        <m:r>
+                          <a:rPr lang="en-US" sz="2800" b="0" i="1" smtClean="0">
+                            <a:latin typeface="Cambria Math"/>
+                          </a:rPr>
+                          <m:t>𝑁</m:t>
+                        </m:r>
+                      </m:e>
+                      <m:sub>
+                        <m:r>
+                          <a:rPr lang="en-US" sz="2800" b="0" i="1" smtClean="0">
+                            <a:latin typeface="Cambria Math"/>
+                          </a:rPr>
+                          <m:t>𝑚</m:t>
+                        </m:r>
+                      </m:sub>
+                    </m:sSub>
+                  </m:oMath>
+                </a14:m>
+                <a:r>
+                  <a:rPr lang="en-US" sz="3000" dirty="0" smtClean="0"/>
+                  <a:t>. Second sum term correlates over time, first correlates over Doppler shift frequency.</a:t>
+                </a:r>
+              </a:p>
+              <a:p>
+                <a:r>
+                  <a:rPr lang="en-US" sz="3000" dirty="0" smtClean="0"/>
+                  <a:t>Intuition: the delayed / Doppler shifted version of the observed signal will correlate well with the ref signal that has same delay and shift applied to it</a:t>
+                </a:r>
+                <a:endParaRPr lang="en-US" sz="3000" dirty="0"/>
+              </a:p>
+            </p:txBody>
+          </p:sp>
+        </mc:Choice>
+        <mc:Fallback xmlns="">
+          <p:sp>
+            <p:nvSpPr>
+              <p:cNvPr id="3" name="Content Placeholder 2"/>
+              <p:cNvSpPr>
+                <a:spLocks noGrp="1" noRot="1" noChangeAspect="1" noMove="1" noResize="1" noEditPoints="1" noAdjustHandles="1" noChangeArrowheads="1" noChangeShapeType="1" noTextEdit="1"/>
+              </p:cNvSpPr>
+              <p:nvPr>
+                <p:ph idx="1"/>
+              </p:nvPr>
+            </p:nvSpPr>
+            <p:spPr>
+              <a:xfrm>
+                <a:off x="609600" y="1600200"/>
+                <a:ext cx="10972800" cy="4876800"/>
+              </a:xfrm>
+              <a:blipFill rotWithShape="1">
+                <a:blip r:embed="rId2"/>
+                <a:stretch>
+                  <a:fillRect l="-944" t="-2750"/>
+                </a:stretch>
+              </a:blipFill>
+            </p:spPr>
+            <p:txBody>
+              <a:bodyPr/>
+              <a:lstStyle/>
+              <a:p>
+                <a:r>
+                  <a:rPr lang="en-US">
+                    <a:noFill/>
+                  </a:rPr>
+                  <a:t> </a:t>
+                </a:r>
+              </a:p>
+            </p:txBody>
+          </p:sp>
+        </mc:Fallback>
+      </mc:AlternateContent>
+    </p:spTree>
+    <p:extLst>
+      <p:ext uri="{BB962C8B-B14F-4D97-AF65-F5344CB8AC3E}">
+        <p14:creationId xmlns:p14="http://schemas.microsoft.com/office/powerpoint/2010/main" val="539532945"/>
+      </p:ext>
+    </p:extLst>
+  </p:cSld>
+  <p:clrMapOvr>
+    <a:masterClrMapping/>
+  </p:clrMapOvr>
+</p:sld>
+</file>
+
+<file path=ppt/slides/slide12.xml><?xml version="1.0" encoding="utf-8"?>
+<p:sld xmlns:a="http://schemas.openxmlformats.org/drawingml/2006/main" xmlns:r="http://schemas.openxmlformats.org/officeDocument/2006/relationships" xmlns:p="http://schemas.openxmlformats.org/presentationml/2006/main">
+  <p:cSld>
+    <p:spTree>
+      <p:nvGrpSpPr>
+        <p:cNvPr id="1" name=""/>
+        <p:cNvGrpSpPr/>
+        <p:nvPr/>
+      </p:nvGrpSpPr>
+      <p:grpSpPr>
+        <a:xfrm>
+          <a:off x="0" y="0"/>
+          <a:ext cx="0" cy="0"/>
+          <a:chOff x="0" y="0"/>
+          <a:chExt cx="0" cy="0"/>
+        </a:xfrm>
+      </p:grpSpPr>
+      <p:sp>
+        <p:nvSpPr>
+          <p:cNvPr id="2" name="Title 1"/>
+          <p:cNvSpPr>
+            <a:spLocks noGrp="1"/>
+          </p:cNvSpPr>
+          <p:nvPr>
+            <p:ph type="title"/>
+          </p:nvPr>
+        </p:nvSpPr>
+        <p:spPr/>
+        <p:txBody>
+          <a:bodyPr/>
+          <a:lstStyle/>
+          <a:p>
+            <a:r>
+              <a:rPr lang="en-US" dirty="0" smtClean="0"/>
+              <a:t>Full Simulation Results</a:t>
+            </a:r>
+            <a:endParaRPr lang="en-US" dirty="0"/>
+          </a:p>
+        </p:txBody>
+      </p:sp>
+      <mc:AlternateContent xmlns:mc="http://schemas.openxmlformats.org/markup-compatibility/2006">
+        <mc:Choice xmlns:a14="http://schemas.microsoft.com/office/drawing/2010/main" Requires="a14">
+          <p:sp>
+            <p:nvSpPr>
+              <p:cNvPr id="3" name="Content Placeholder 2"/>
+              <p:cNvSpPr>
+                <a:spLocks noGrp="1"/>
+              </p:cNvSpPr>
+              <p:nvPr>
+                <p:ph idx="1"/>
+              </p:nvPr>
+            </p:nvSpPr>
+            <p:spPr>
+              <a:xfrm>
+                <a:off x="838200" y="1480496"/>
+                <a:ext cx="4254063" cy="5257188"/>
+              </a:xfrm>
+            </p:spPr>
+            <p:txBody>
+              <a:bodyPr>
+                <a:normAutofit fontScale="85000" lnSpcReduction="20000"/>
+              </a:bodyPr>
+              <a:lstStyle/>
+              <a:p>
+                <a:r>
+                  <a:rPr lang="en-US" dirty="0" smtClean="0"/>
+                  <a:t>No walls</a:t>
+                </a:r>
+                <a:endParaRPr lang="en-US" dirty="0" smtClean="0"/>
+              </a:p>
+              <a:p>
+                <a:r>
+                  <a:rPr lang="en-US" dirty="0" smtClean="0"/>
+                  <a:t>Target moving </a:t>
+                </a:r>
+                <a:r>
+                  <a:rPr lang="en-US" dirty="0" smtClean="0"/>
+                  <a:t>4m/s </a:t>
+                </a:r>
+                <a:r>
+                  <a:rPr lang="en-US" dirty="0" smtClean="0"/>
+                  <a:t>towards </a:t>
+                </a:r>
+                <a:r>
+                  <a:rPr lang="en-US" dirty="0" err="1" smtClean="0"/>
+                  <a:t>Tx</a:t>
+                </a:r>
+                <a:r>
+                  <a:rPr lang="en-US" dirty="0" smtClean="0"/>
+                  <a:t> and Rx, </a:t>
+                </a:r>
+                <a:r>
+                  <a:rPr lang="en-US" dirty="0" smtClean="0"/>
+                  <a:t>no walls</a:t>
+                </a:r>
+              </a:p>
+              <a:p>
+                <a:r>
+                  <a:rPr lang="en-US" dirty="0" smtClean="0"/>
+                  <a:t>Target appears in time delay bin 4 – convert to range by </a:t>
+                </a:r>
+              </a:p>
+              <a:p>
+                <a:pPr marL="0" indent="0">
+                  <a:buNone/>
+                </a:pPr>
+                <a14:m>
+                  <m:oMathPara xmlns:m="http://schemas.openxmlformats.org/officeDocument/2006/math">
+                    <m:oMathParaPr>
+                      <m:jc m:val="centerGroup"/>
+                    </m:oMathParaPr>
+                    <m:oMath xmlns:m="http://schemas.openxmlformats.org/officeDocument/2006/math">
+                      <m:r>
+                        <a:rPr lang="en-US" i="1" smtClean="0">
+                          <a:latin typeface="Cambria Math" panose="02040503050406030204" pitchFamily="18" charset="0"/>
+                          <a:ea typeface="Cambria Math" panose="02040503050406030204" pitchFamily="18" charset="0"/>
+                        </a:rPr>
+                        <m:t>∆</m:t>
+                      </m:r>
+                      <m:r>
+                        <a:rPr lang="en-US" b="0" i="1" smtClean="0">
+                          <a:latin typeface="Cambria Math" panose="02040503050406030204" pitchFamily="18" charset="0"/>
+                          <a:ea typeface="Cambria Math" panose="02040503050406030204" pitchFamily="18" charset="0"/>
+                        </a:rPr>
+                        <m:t>𝑅</m:t>
+                      </m:r>
+                      <m:r>
+                        <a:rPr lang="en-US" b="0" i="1" smtClean="0">
+                          <a:latin typeface="Cambria Math" panose="02040503050406030204" pitchFamily="18" charset="0"/>
+                          <a:ea typeface="Cambria Math" panose="02040503050406030204" pitchFamily="18" charset="0"/>
+                        </a:rPr>
+                        <m:t>=</m:t>
+                      </m:r>
+                      <m:r>
+                        <a:rPr lang="en-US" b="0" i="1" smtClean="0">
+                          <a:latin typeface="Cambria Math" panose="02040503050406030204" pitchFamily="18" charset="0"/>
+                          <a:ea typeface="Cambria Math" panose="02040503050406030204" pitchFamily="18" charset="0"/>
+                        </a:rPr>
+                        <m:t>𝑐</m:t>
+                      </m:r>
+                      <m:sSub>
+                        <m:sSubPr>
+                          <m:ctrlPr>
+                            <a:rPr lang="en-US" b="0" i="1" smtClean="0">
+                              <a:latin typeface="Cambria Math" panose="02040503050406030204" pitchFamily="18" charset="0"/>
+                              <a:ea typeface="Cambria Math" panose="02040503050406030204" pitchFamily="18" charset="0"/>
+                            </a:rPr>
+                          </m:ctrlPr>
+                        </m:sSubPr>
+                        <m:e>
+                          <m:r>
+                            <a:rPr lang="en-US" b="0" i="1" smtClean="0">
+                              <a:latin typeface="Cambria Math" panose="02040503050406030204" pitchFamily="18" charset="0"/>
+                              <a:ea typeface="Cambria Math" panose="02040503050406030204" pitchFamily="18" charset="0"/>
+                            </a:rPr>
+                            <m:t>𝑇</m:t>
+                          </m:r>
+                        </m:e>
+                        <m:sub>
+                          <m:r>
+                            <a:rPr lang="en-US" b="0" i="1" smtClean="0">
+                              <a:latin typeface="Cambria Math" panose="02040503050406030204" pitchFamily="18" charset="0"/>
+                              <a:ea typeface="Cambria Math" panose="02040503050406030204" pitchFamily="18" charset="0"/>
+                            </a:rPr>
+                            <m:t>𝑠</m:t>
+                          </m:r>
+                        </m:sub>
+                      </m:sSub>
+                      <m:r>
+                        <a:rPr lang="en-US" b="0" i="1" smtClean="0">
+                          <a:latin typeface="Cambria Math" panose="02040503050406030204" pitchFamily="18" charset="0"/>
+                          <a:ea typeface="Cambria Math" panose="02040503050406030204" pitchFamily="18" charset="0"/>
+                        </a:rPr>
+                        <m:t>𝑙</m:t>
+                      </m:r>
+                    </m:oMath>
+                  </m:oMathPara>
+                </a14:m>
+                <a:endParaRPr lang="en-US" dirty="0" smtClean="0"/>
+              </a:p>
+              <a:p>
+                <a:pPr marL="0" indent="0">
+                  <a:buNone/>
+                </a:pPr>
+                <a:r>
+                  <a:rPr lang="en-US" dirty="0" smtClean="0"/>
+                  <a:t>Where l is time delay bin – 1. Here target </a:t>
+                </a:r>
+                <a:r>
+                  <a:rPr lang="en-US" dirty="0" smtClean="0"/>
+                  <a:t>moves between 40-48 m two-way range over 1s, this bin corresponds to 45m</a:t>
+                </a:r>
+              </a:p>
+              <a:p>
+                <a:r>
+                  <a:rPr lang="en-US" dirty="0" smtClean="0"/>
+                  <a:t>Each Doppler bin corresponds to </a:t>
+                </a:r>
+                <a:r>
+                  <a:rPr lang="en-US" dirty="0" err="1" smtClean="0"/>
+                  <a:t>freq</a:t>
+                </a:r>
+                <a:r>
+                  <a:rPr lang="en-US" dirty="0" smtClean="0"/>
+                  <a:t> shift of </a:t>
+                </a:r>
+                <a14:m>
+                  <m:oMath xmlns:m="http://schemas.openxmlformats.org/officeDocument/2006/math">
+                    <m:r>
+                      <a:rPr lang="en-US" b="0" i="1" smtClean="0">
+                        <a:latin typeface="Cambria Math" panose="02040503050406030204" pitchFamily="18" charset="0"/>
+                      </a:rPr>
+                      <m:t>1/(</m:t>
+                    </m:r>
+                    <m:sSub>
+                      <m:sSubPr>
+                        <m:ctrlPr>
+                          <a:rPr lang="en-US" b="0" i="1" smtClean="0">
+                            <a:latin typeface="Cambria Math" panose="02040503050406030204" pitchFamily="18" charset="0"/>
+                          </a:rPr>
+                        </m:ctrlPr>
+                      </m:sSubPr>
+                      <m:e>
+                        <m:r>
+                          <a:rPr lang="en-US" b="0" i="1" smtClean="0">
+                            <a:latin typeface="Cambria Math" panose="02040503050406030204" pitchFamily="18" charset="0"/>
+                          </a:rPr>
+                          <m:t>𝑁</m:t>
+                        </m:r>
+                      </m:e>
+                      <m:sub>
+                        <m:r>
+                          <a:rPr lang="en-US" b="0" i="1" smtClean="0">
+                            <a:latin typeface="Cambria Math" panose="02040503050406030204" pitchFamily="18" charset="0"/>
+                          </a:rPr>
+                          <m:t>𝑖𝑛𝑡</m:t>
+                        </m:r>
+                      </m:sub>
+                    </m:sSub>
+                    <m:sSub>
+                      <m:sSubPr>
+                        <m:ctrlPr>
+                          <a:rPr lang="en-US" b="0" i="1" smtClean="0">
+                            <a:latin typeface="Cambria Math" panose="02040503050406030204" pitchFamily="18" charset="0"/>
+                          </a:rPr>
+                        </m:ctrlPr>
+                      </m:sSubPr>
+                      <m:e>
+                        <m:r>
+                          <a:rPr lang="en-US" b="0" i="1" smtClean="0">
+                            <a:latin typeface="Cambria Math" panose="02040503050406030204" pitchFamily="18" charset="0"/>
+                          </a:rPr>
+                          <m:t>𝑇</m:t>
+                        </m:r>
+                      </m:e>
+                      <m:sub>
+                        <m:r>
+                          <a:rPr lang="en-US" b="0" i="1" smtClean="0">
+                            <a:latin typeface="Cambria Math" panose="02040503050406030204" pitchFamily="18" charset="0"/>
+                          </a:rPr>
+                          <m:t>𝑠</m:t>
+                        </m:r>
+                      </m:sub>
+                    </m:sSub>
+                    <m:r>
+                      <a:rPr lang="en-US" b="0" i="1" smtClean="0">
+                        <a:latin typeface="Cambria Math" panose="02040503050406030204" pitchFamily="18" charset="0"/>
+                      </a:rPr>
+                      <m:t>)</m:t>
+                    </m:r>
+                  </m:oMath>
+                </a14:m>
+                <a:r>
+                  <a:rPr lang="en-US" dirty="0" smtClean="0"/>
+                  <a:t> and corresponding velocity change of </a:t>
+                </a:r>
+                <a14:m>
+                  <m:oMath xmlns:m="http://schemas.openxmlformats.org/officeDocument/2006/math">
+                    <m:f>
+                      <m:fPr>
+                        <m:ctrlPr>
+                          <a:rPr lang="en-US" b="0" i="1" smtClean="0">
+                            <a:latin typeface="Cambria Math" panose="02040503050406030204" pitchFamily="18" charset="0"/>
+                          </a:rPr>
+                        </m:ctrlPr>
+                      </m:fPr>
+                      <m:num>
+                        <m:r>
+                          <a:rPr lang="en-US" b="0" i="1" smtClean="0">
+                            <a:latin typeface="Cambria Math" panose="02040503050406030204" pitchFamily="18" charset="0"/>
+                          </a:rPr>
+                          <m:t>𝑐</m:t>
+                        </m:r>
+                      </m:num>
+                      <m:den>
+                        <m:sSub>
+                          <m:sSubPr>
+                            <m:ctrlPr>
+                              <a:rPr lang="en-US" b="0" i="1" smtClean="0">
+                                <a:latin typeface="Cambria Math" panose="02040503050406030204" pitchFamily="18" charset="0"/>
+                              </a:rPr>
+                            </m:ctrlPr>
+                          </m:sSubPr>
+                          <m:e>
+                            <m:r>
+                              <a:rPr lang="en-US" b="0" i="1" smtClean="0">
+                                <a:latin typeface="Cambria Math" panose="02040503050406030204" pitchFamily="18" charset="0"/>
+                              </a:rPr>
+                              <m:t>𝑓</m:t>
+                            </m:r>
+                          </m:e>
+                          <m:sub>
+                            <m:r>
+                              <a:rPr lang="en-US" b="0" i="1" smtClean="0">
+                                <a:latin typeface="Cambria Math" panose="02040503050406030204" pitchFamily="18" charset="0"/>
+                              </a:rPr>
+                              <m:t>𝑐</m:t>
+                            </m:r>
+                          </m:sub>
+                        </m:sSub>
+                      </m:den>
+                    </m:f>
+                    <m:r>
+                      <a:rPr lang="en-US" b="0" i="1" smtClean="0">
+                        <a:latin typeface="Cambria Math" panose="02040503050406030204" pitchFamily="18" charset="0"/>
+                      </a:rPr>
+                      <m:t> </m:t>
+                    </m:r>
+                  </m:oMath>
+                </a14:m>
+                <a:r>
+                  <a:rPr lang="en-US" dirty="0" smtClean="0"/>
+                  <a:t>per bin</a:t>
+                </a:r>
+              </a:p>
+              <a:p>
+                <a:r>
+                  <a:rPr lang="en-US" dirty="0" smtClean="0"/>
+                  <a:t>Corresponds correctly to 4m/s here</a:t>
+                </a:r>
+                <a:endParaRPr lang="en-US" dirty="0"/>
+              </a:p>
+            </p:txBody>
+          </p:sp>
+        </mc:Choice>
+        <mc:Fallback>
+          <p:sp>
+            <p:nvSpPr>
+              <p:cNvPr id="3" name="Content Placeholder 2"/>
+              <p:cNvSpPr>
+                <a:spLocks noGrp="1" noRot="1" noChangeAspect="1" noMove="1" noResize="1" noEditPoints="1" noAdjustHandles="1" noChangeArrowheads="1" noChangeShapeType="1" noTextEdit="1"/>
+              </p:cNvSpPr>
+              <p:nvPr>
+                <p:ph idx="1"/>
+              </p:nvPr>
+            </p:nvSpPr>
+            <p:spPr>
+              <a:xfrm>
+                <a:off x="838200" y="1480496"/>
+                <a:ext cx="4254063" cy="5257188"/>
+              </a:xfrm>
+              <a:blipFill rotWithShape="0">
+                <a:blip r:embed="rId2"/>
+                <a:stretch>
+                  <a:fillRect l="-2296" t="-2668" r="-2009"/>
+                </a:stretch>
+              </a:blipFill>
+            </p:spPr>
+            <p:txBody>
+              <a:bodyPr/>
+              <a:lstStyle/>
+              <a:p>
+                <a:r>
+                  <a:rPr lang="en-US">
+                    <a:noFill/>
+                  </a:rPr>
+                  <a:t> </a:t>
+                </a:r>
+              </a:p>
+            </p:txBody>
+          </p:sp>
+        </mc:Fallback>
+      </mc:AlternateContent>
+      <p:pic>
+        <p:nvPicPr>
+          <p:cNvPr id="4" name="Picture 3"/>
+          <p:cNvPicPr>
+            <a:picLocks noChangeAspect="1"/>
+          </p:cNvPicPr>
+          <p:nvPr/>
+        </p:nvPicPr>
+        <p:blipFill>
+          <a:blip r:embed="rId3">
+            <a:extLst>
+              <a:ext uri="{28A0092B-C50C-407E-A947-70E740481C1C}">
+                <a14:useLocalDpi xmlns:a14="http://schemas.microsoft.com/office/drawing/2010/main" val="0"/>
+              </a:ext>
+            </a:extLst>
+          </a:blip>
+          <a:stretch>
+            <a:fillRect/>
+          </a:stretch>
+        </p:blipFill>
+        <p:spPr>
+          <a:xfrm>
+            <a:off x="5092263" y="1480497"/>
+            <a:ext cx="6831724" cy="5041593"/>
+          </a:xfrm>
+          <a:prstGeom prst="rect">
+            <a:avLst/>
+          </a:prstGeom>
+        </p:spPr>
+      </p:pic>
+    </p:spTree>
+    <p:extLst>
+      <p:ext uri="{BB962C8B-B14F-4D97-AF65-F5344CB8AC3E}">
+        <p14:creationId xmlns:p14="http://schemas.microsoft.com/office/powerpoint/2010/main" val="4192959977"/>
+      </p:ext>
+    </p:extLst>
+  </p:cSld>
+  <p:clrMapOvr>
+    <a:masterClrMapping/>
+  </p:clrMapOvr>
+</p:sld>
+</file>
+
+<file path=ppt/slides/slide13.xml><?xml version="1.0" encoding="utf-8"?>
+<p:sld xmlns:a="http://schemas.openxmlformats.org/drawingml/2006/main" xmlns:r="http://schemas.openxmlformats.org/officeDocument/2006/relationships" xmlns:p="http://schemas.openxmlformats.org/presentationml/2006/main">
+  <p:cSld>
+    <p:spTree>
+      <p:nvGrpSpPr>
+        <p:cNvPr id="1" name=""/>
+        <p:cNvGrpSpPr/>
+        <p:nvPr/>
+      </p:nvGrpSpPr>
+      <p:grpSpPr>
+        <a:xfrm>
+          <a:off x="0" y="0"/>
+          <a:ext cx="0" cy="0"/>
+          <a:chOff x="0" y="0"/>
+          <a:chExt cx="0" cy="0"/>
+        </a:xfrm>
+      </p:grpSpPr>
+      <p:sp>
+        <p:nvSpPr>
+          <p:cNvPr id="2" name="Title 1"/>
+          <p:cNvSpPr>
+            <a:spLocks noGrp="1"/>
+          </p:cNvSpPr>
+          <p:nvPr>
+            <p:ph type="title"/>
+          </p:nvPr>
+        </p:nvSpPr>
+        <p:spPr/>
+        <p:txBody>
+          <a:bodyPr/>
+          <a:lstStyle/>
+          <a:p>
+            <a:r>
+              <a:rPr lang="en-US" dirty="0" smtClean="0"/>
+              <a:t>Full Simulation Results</a:t>
+            </a:r>
+            <a:endParaRPr lang="en-US" dirty="0"/>
+          </a:p>
+        </p:txBody>
+      </p:sp>
+      <p:sp>
+        <p:nvSpPr>
+          <p:cNvPr id="3" name="Content Placeholder 2"/>
+          <p:cNvSpPr>
+            <a:spLocks noGrp="1"/>
+          </p:cNvSpPr>
+          <p:nvPr>
+            <p:ph idx="1"/>
+          </p:nvPr>
+        </p:nvSpPr>
+        <p:spPr>
+          <a:xfrm>
+            <a:off x="838200" y="1825625"/>
+            <a:ext cx="4680487" cy="4351338"/>
+          </a:xfrm>
+        </p:spPr>
+        <p:txBody>
+          <a:bodyPr/>
+          <a:lstStyle/>
+          <a:p>
+            <a:r>
+              <a:rPr lang="en-US" dirty="0" smtClean="0"/>
+              <a:t>44m from </a:t>
+            </a:r>
+            <a:r>
+              <a:rPr lang="en-US" dirty="0" err="1" smtClean="0"/>
+              <a:t>Tx</a:t>
+            </a:r>
+            <a:r>
+              <a:rPr lang="en-US" dirty="0" smtClean="0"/>
+              <a:t> to target to Rx </a:t>
+            </a:r>
+          </a:p>
+          <a:p>
+            <a:r>
+              <a:rPr lang="en-US" dirty="0" smtClean="0"/>
+              <a:t>Target moving 4m/s away from </a:t>
+            </a:r>
+            <a:r>
+              <a:rPr lang="en-US" dirty="0" err="1" smtClean="0"/>
+              <a:t>Tx</a:t>
+            </a:r>
+            <a:r>
+              <a:rPr lang="en-US" dirty="0" smtClean="0"/>
+              <a:t> and Rx</a:t>
+            </a:r>
+          </a:p>
+          <a:p>
+            <a:r>
+              <a:rPr lang="en-US" dirty="0" smtClean="0"/>
+              <a:t>1 wall in between </a:t>
+            </a:r>
+            <a:r>
+              <a:rPr lang="en-US" dirty="0" err="1" smtClean="0"/>
+              <a:t>Tx</a:t>
+            </a:r>
+            <a:r>
+              <a:rPr lang="en-US" dirty="0" smtClean="0"/>
+              <a:t> and target</a:t>
+            </a:r>
+            <a:endParaRPr lang="en-US" dirty="0"/>
+          </a:p>
+        </p:txBody>
+      </p:sp>
+      <p:pic>
+        <p:nvPicPr>
+          <p:cNvPr id="4" name="Picture 3"/>
+          <p:cNvPicPr>
+            <a:picLocks noChangeAspect="1"/>
+          </p:cNvPicPr>
+          <p:nvPr/>
+        </p:nvPicPr>
+        <p:blipFill>
+          <a:blip r:embed="rId2">
+            <a:extLst>
+              <a:ext uri="{28A0092B-C50C-407E-A947-70E740481C1C}">
+                <a14:useLocalDpi xmlns:a14="http://schemas.microsoft.com/office/drawing/2010/main" val="0"/>
+              </a:ext>
+            </a:extLst>
+          </a:blip>
+          <a:stretch>
+            <a:fillRect/>
+          </a:stretch>
+        </p:blipFill>
+        <p:spPr>
+          <a:xfrm>
+            <a:off x="5092263" y="1439397"/>
+            <a:ext cx="6831724" cy="5123793"/>
+          </a:xfrm>
+          <a:prstGeom prst="rect">
+            <a:avLst/>
+          </a:prstGeom>
+        </p:spPr>
+      </p:pic>
+    </p:spTree>
+    <p:extLst>
+      <p:ext uri="{BB962C8B-B14F-4D97-AF65-F5344CB8AC3E}">
+        <p14:creationId xmlns:p14="http://schemas.microsoft.com/office/powerpoint/2010/main" val="3550842965"/>
+      </p:ext>
+    </p:extLst>
+  </p:cSld>
+  <p:clrMapOvr>
+    <a:masterClrMapping/>
+  </p:clrMapOvr>
+</p:sld>
+</file>
+
+<file path=ppt/slides/slide14.xml><?xml version="1.0" encoding="utf-8"?>
+<p:sld xmlns:a="http://schemas.openxmlformats.org/drawingml/2006/main" xmlns:r="http://schemas.openxmlformats.org/officeDocument/2006/relationships" xmlns:p="http://schemas.openxmlformats.org/presentationml/2006/main">
+  <p:cSld>
+    <p:spTree>
+      <p:nvGrpSpPr>
+        <p:cNvPr id="1" name=""/>
+        <p:cNvGrpSpPr/>
+        <p:nvPr/>
+      </p:nvGrpSpPr>
+      <p:grpSpPr>
+        <a:xfrm>
+          <a:off x="0" y="0"/>
+          <a:ext cx="0" cy="0"/>
+          <a:chOff x="0" y="0"/>
+          <a:chExt cx="0" cy="0"/>
+        </a:xfrm>
+      </p:grpSpPr>
+      <p:sp>
+        <p:nvSpPr>
+          <p:cNvPr id="2" name="Title 1"/>
+          <p:cNvSpPr>
+            <a:spLocks noGrp="1"/>
+          </p:cNvSpPr>
+          <p:nvPr>
+            <p:ph type="title"/>
+          </p:nvPr>
+        </p:nvSpPr>
+        <p:spPr/>
+        <p:txBody>
+          <a:bodyPr/>
+          <a:lstStyle/>
+          <a:p>
+            <a:r>
+              <a:rPr lang="en-US" dirty="0" smtClean="0"/>
+              <a:t>Full Simulation Results</a:t>
+            </a:r>
+            <a:endParaRPr lang="en-US" dirty="0"/>
+          </a:p>
+        </p:txBody>
+      </p:sp>
+      <p:sp>
+        <p:nvSpPr>
+          <p:cNvPr id="3" name="Content Placeholder 2"/>
+          <p:cNvSpPr>
+            <a:spLocks noGrp="1"/>
+          </p:cNvSpPr>
+          <p:nvPr>
+            <p:ph idx="1"/>
+          </p:nvPr>
+        </p:nvSpPr>
+        <p:spPr>
+          <a:xfrm>
+            <a:off x="838200" y="1825624"/>
+            <a:ext cx="4455695" cy="4853229"/>
+          </a:xfrm>
+        </p:spPr>
+        <p:txBody>
+          <a:bodyPr>
+            <a:normAutofit/>
+          </a:bodyPr>
+          <a:lstStyle/>
+          <a:p>
+            <a:r>
+              <a:rPr lang="en-US" dirty="0" smtClean="0"/>
+              <a:t>Target and </a:t>
+            </a:r>
+            <a:r>
+              <a:rPr lang="en-US" dirty="0" err="1" smtClean="0"/>
+              <a:t>Tx</a:t>
+            </a:r>
+            <a:r>
+              <a:rPr lang="en-US" dirty="0" smtClean="0"/>
+              <a:t> inside 30x40 m room</a:t>
+            </a:r>
+          </a:p>
+          <a:p>
+            <a:r>
+              <a:rPr lang="en-US" dirty="0" smtClean="0"/>
+              <a:t>Target moving 1 m/s toward </a:t>
+            </a:r>
+            <a:r>
+              <a:rPr lang="en-US" dirty="0" err="1" smtClean="0"/>
+              <a:t>Tx</a:t>
+            </a:r>
+            <a:endParaRPr lang="en-US" dirty="0" smtClean="0"/>
+          </a:p>
+          <a:p>
+            <a:r>
+              <a:rPr lang="en-US" dirty="0" smtClean="0"/>
+              <a:t>Rx placed outside of walls</a:t>
+            </a:r>
+          </a:p>
+          <a:p>
+            <a:r>
+              <a:rPr lang="en-US" dirty="0" smtClean="0"/>
+              <a:t>Target is seen first in time bin 3 – 30m. Reflections from back wall seen in range bin 5, at weaker power and an additional 30m of propagation</a:t>
+            </a:r>
+          </a:p>
+        </p:txBody>
+      </p:sp>
+      <p:pic>
+        <p:nvPicPr>
+          <p:cNvPr id="4" name="Picture 3"/>
+          <p:cNvPicPr>
+            <a:picLocks noChangeAspect="1"/>
+          </p:cNvPicPr>
+          <p:nvPr/>
+        </p:nvPicPr>
+        <p:blipFill>
+          <a:blip r:embed="rId2"/>
+          <a:stretch>
+            <a:fillRect/>
+          </a:stretch>
+        </p:blipFill>
+        <p:spPr>
+          <a:xfrm>
+            <a:off x="5024783" y="1323733"/>
+            <a:ext cx="7119091" cy="5355121"/>
+          </a:xfrm>
+          <a:prstGeom prst="rect">
+            <a:avLst/>
+          </a:prstGeom>
+        </p:spPr>
+      </p:pic>
+    </p:spTree>
+    <p:extLst>
+      <p:ext uri="{BB962C8B-B14F-4D97-AF65-F5344CB8AC3E}">
+        <p14:creationId xmlns:p14="http://schemas.microsoft.com/office/powerpoint/2010/main" val="2183619799"/>
+      </p:ext>
+    </p:extLst>
+  </p:cSld>
+  <p:clrMapOvr>
+    <a:masterClrMapping/>
+  </p:clrMapOvr>
+</p:sld>
+</file>
+
+<file path=ppt/slides/slide15.xml><?xml version="1.0" encoding="utf-8"?>
+<p:sld xmlns:a="http://schemas.openxmlformats.org/drawingml/2006/main" xmlns:r="http://schemas.openxmlformats.org/officeDocument/2006/relationships" xmlns:p="http://schemas.openxmlformats.org/presentationml/2006/main">
+  <p:cSld>
+    <p:spTree>
+      <p:nvGrpSpPr>
+        <p:cNvPr id="1" name=""/>
+        <p:cNvGrpSpPr/>
+        <p:nvPr/>
+      </p:nvGrpSpPr>
+      <p:grpSpPr>
+        <a:xfrm>
+          <a:off x="0" y="0"/>
+          <a:ext cx="0" cy="0"/>
+          <a:chOff x="0" y="0"/>
+          <a:chExt cx="0" cy="0"/>
+        </a:xfrm>
+      </p:grpSpPr>
+      <p:sp>
+        <p:nvSpPr>
+          <p:cNvPr id="2" name="Title 1"/>
+          <p:cNvSpPr>
+            <a:spLocks noGrp="1"/>
+          </p:cNvSpPr>
+          <p:nvPr>
+            <p:ph type="title"/>
+          </p:nvPr>
+        </p:nvSpPr>
+        <p:spPr/>
+        <p:txBody>
+          <a:bodyPr/>
+          <a:lstStyle/>
+          <a:p>
+            <a:r>
+              <a:rPr lang="en-US" dirty="0" smtClean="0"/>
+              <a:t>Conclusion</a:t>
+            </a:r>
+            <a:endParaRPr lang="en-US" dirty="0"/>
+          </a:p>
+        </p:txBody>
+      </p:sp>
+      <p:sp>
+        <p:nvSpPr>
+          <p:cNvPr id="3" name="Content Placeholder 2"/>
+          <p:cNvSpPr>
+            <a:spLocks noGrp="1"/>
+          </p:cNvSpPr>
+          <p:nvPr>
+            <p:ph idx="1"/>
+          </p:nvPr>
+        </p:nvSpPr>
+        <p:spPr>
+          <a:xfrm>
+            <a:off x="838200" y="1825624"/>
+            <a:ext cx="10515600" cy="4676775"/>
+          </a:xfrm>
+        </p:spPr>
+        <p:txBody>
+          <a:bodyPr/>
+          <a:lstStyle/>
+          <a:p>
+            <a:r>
+              <a:rPr lang="en-US" dirty="0" smtClean="0"/>
+              <a:t>In situations with low noise and limited multipath fading from walls/furniture, detecting position of motion of object is feasible</a:t>
+            </a:r>
+          </a:p>
+          <a:p>
+            <a:r>
+              <a:rPr lang="en-US" dirty="0" smtClean="0"/>
+              <a:t>In a scheme with multiple receivers, trilateration (like in GPS) is a possible solution to indoor localization</a:t>
+            </a:r>
+          </a:p>
+          <a:p>
+            <a:r>
+              <a:rPr lang="en-US" dirty="0" smtClean="0"/>
+              <a:t>While other studies into </a:t>
+            </a:r>
+            <a:r>
+              <a:rPr lang="en-US" dirty="0" err="1" smtClean="0"/>
+              <a:t>bistatic</a:t>
+            </a:r>
+            <a:r>
+              <a:rPr lang="en-US" dirty="0" smtClean="0"/>
+              <a:t> radar using </a:t>
+            </a:r>
+            <a:r>
+              <a:rPr lang="en-US" dirty="0" err="1" smtClean="0"/>
+              <a:t>WiFi</a:t>
+            </a:r>
+            <a:r>
+              <a:rPr lang="en-US" dirty="0"/>
+              <a:t> </a:t>
+            </a:r>
+            <a:r>
+              <a:rPr lang="en-US" dirty="0" smtClean="0"/>
+              <a:t>have focused on using actual data with real antennas, simulation has value as well</a:t>
+            </a:r>
+          </a:p>
+          <a:p>
+            <a:r>
+              <a:rPr lang="en-US" dirty="0" smtClean="0"/>
+              <a:t>Simulations in this study allow studying which properties of environment are required for the procedure to work</a:t>
+            </a:r>
+          </a:p>
+          <a:p>
+            <a:pPr lvl="1"/>
+            <a:r>
+              <a:rPr lang="en-US" dirty="0" smtClean="0"/>
+              <a:t>Including for studying defense against such a scheme</a:t>
+            </a:r>
+            <a:endParaRPr lang="en-US" dirty="0"/>
+          </a:p>
+        </p:txBody>
+      </p:sp>
+    </p:spTree>
+    <p:extLst>
+      <p:ext uri="{BB962C8B-B14F-4D97-AF65-F5344CB8AC3E}">
+        <p14:creationId xmlns:p14="http://schemas.microsoft.com/office/powerpoint/2010/main" val="3194405820"/>
+      </p:ext>
+    </p:extLst>
+  </p:cSld>
+  <p:clrMapOvr>
+    <a:masterClrMapping/>
+  </p:clrMapOvr>
+</p:sld>
+</file>
+
 <file path=ppt/slides/slide2.xml><?xml version="1.0" encoding="utf-8"?>
 <p:sld xmlns:a="http://schemas.openxmlformats.org/drawingml/2006/main" xmlns:r="http://schemas.openxmlformats.org/officeDocument/2006/relationships" xmlns:p="http://schemas.openxmlformats.org/presentationml/2006/main">
   <p:cSld>
@@ -4116,7 +5753,7 @@
             </a:r>
             <a:r>
               <a:rPr lang="en-US" dirty="0" smtClean="0"/>
-              <a:t> is widely used in homes and offices, transmissions reflecting off walls, furniture, people all the time</a:t>
+              <a:t> is widely used in homes and offices, transmissions reflect off walls, furniture, people all the time</a:t>
             </a:r>
           </a:p>
           <a:p>
@@ -4212,6 +5849,9 @@
             </a:r>
           </a:p>
           <a:p>
+            <a:endParaRPr lang="en-US" dirty="0" smtClean="0"/>
+          </a:p>
+          <a:p>
             <a:r>
               <a:rPr lang="en-US" dirty="0" smtClean="0"/>
               <a:t>Assumptions:</a:t>
@@ -4240,19 +5880,16 @@
             </a:r>
           </a:p>
           <a:p>
+            <a:pPr lvl="1"/>
+            <a:endParaRPr lang="en-US" dirty="0" smtClean="0"/>
+          </a:p>
+          <a:p>
             <a:r>
               <a:rPr lang="en-US" dirty="0" smtClean="0"/>
               <a:t>Main idea: apply radar techniques and understanding of wireless communication protocols </a:t>
             </a:r>
           </a:p>
           <a:p>
-            <a:endParaRPr lang="en-US" dirty="0"/>
-          </a:p>
-          <a:p>
-            <a:r>
-              <a:rPr lang="en-US" dirty="0" smtClean="0"/>
-              <a:t>TODO radar formulas</a:t>
-            </a:r>
             <a:endParaRPr lang="en-US" dirty="0"/>
           </a:p>
         </p:txBody>
@@ -4310,8 +5947,8 @@
           </a:p>
         </p:txBody>
       </p:sp>
-      <mc:AlternateContent xmlns:mc="http://schemas.openxmlformats.org/markup-compatibility/2006">
-        <mc:Choice xmlns:a14="http://schemas.microsoft.com/office/drawing/2010/main" Requires="a14">
+      <mc:AlternateContent xmlns:mc="http://schemas.openxmlformats.org/markup-compatibility/2006" xmlns:a14="http://schemas.microsoft.com/office/drawing/2010/main">
+        <mc:Choice Requires="a14">
           <p:sp>
             <p:nvSpPr>
               <p:cNvPr id="3" name="Content Placeholder 2"/>
@@ -4324,7 +5961,9 @@
             </p:nvSpPr>
             <p:spPr/>
             <p:txBody>
-              <a:bodyPr/>
+              <a:bodyPr>
+                <a:normAutofit lnSpcReduction="10000"/>
+              </a:bodyPr>
               <a:lstStyle/>
               <a:p>
                 <a:r>
@@ -4337,6 +5976,245 @@
                 <a:r>
                   <a:rPr lang="en-US" dirty="0" smtClean="0"/>
                   <a:t>Receiver sees not only the transmissions from the router but also reflections of the moving target</a:t>
+                </a:r>
+              </a:p>
+              <a:p>
+                <a:pPr lvl="1"/>
+                <a:r>
+                  <a:rPr lang="en-US" dirty="0" smtClean="0"/>
+                  <a:t>Model </a:t>
+                </a:r>
+                <a14:m>
+                  <m:oMath xmlns:m="http://schemas.openxmlformats.org/officeDocument/2006/math">
+                    <m:r>
+                      <a:rPr lang="en-US" b="0" i="1" smtClean="0">
+                        <a:latin typeface="Cambria Math" panose="02040503050406030204" pitchFamily="18" charset="0"/>
+                      </a:rPr>
+                      <m:t>h</m:t>
+                    </m:r>
+                    <m:d>
+                      <m:dPr>
+                        <m:ctrlPr>
+                          <a:rPr lang="en-US" b="0" i="1" smtClean="0">
+                            <a:latin typeface="Cambria Math" panose="02040503050406030204" pitchFamily="18" charset="0"/>
+                          </a:rPr>
+                        </m:ctrlPr>
+                      </m:dPr>
+                      <m:e>
+                        <m:r>
+                          <a:rPr lang="en-US" b="0" i="1" smtClean="0">
+                            <a:latin typeface="Cambria Math" panose="02040503050406030204" pitchFamily="18" charset="0"/>
+                          </a:rPr>
+                          <m:t>𝑡</m:t>
+                        </m:r>
+                      </m:e>
+                    </m:d>
+                    <m:r>
+                      <a:rPr lang="en-US" b="0" i="1" smtClean="0">
+                        <a:latin typeface="Cambria Math" panose="02040503050406030204" pitchFamily="18" charset="0"/>
+                      </a:rPr>
+                      <m:t>=</m:t>
+                    </m:r>
+                    <m:nary>
+                      <m:naryPr>
+                        <m:chr m:val="∑"/>
+                        <m:ctrlPr>
+                          <a:rPr lang="en-US" b="0" i="1" smtClean="0">
+                            <a:latin typeface="Cambria Math" panose="02040503050406030204" pitchFamily="18" charset="0"/>
+                          </a:rPr>
+                        </m:ctrlPr>
+                      </m:naryPr>
+                      <m:sub>
+                        <m:r>
+                          <m:rPr>
+                            <m:brk m:alnAt="23"/>
+                          </m:rPr>
+                          <a:rPr lang="en-US" b="0" i="1" smtClean="0">
+                            <a:latin typeface="Cambria Math" panose="02040503050406030204" pitchFamily="18" charset="0"/>
+                          </a:rPr>
+                          <m:t>𝑘</m:t>
+                        </m:r>
+                        <m:r>
+                          <a:rPr lang="en-US" b="0" i="1" smtClean="0">
+                            <a:latin typeface="Cambria Math" panose="02040503050406030204" pitchFamily="18" charset="0"/>
+                          </a:rPr>
+                          <m:t>=0</m:t>
+                        </m:r>
+                      </m:sub>
+                      <m:sup>
+                        <m:r>
+                          <a:rPr lang="en-US" b="0" i="1" smtClean="0">
+                            <a:latin typeface="Cambria Math" panose="02040503050406030204" pitchFamily="18" charset="0"/>
+                          </a:rPr>
+                          <m:t>𝑛</m:t>
+                        </m:r>
+                      </m:sup>
+                      <m:e>
+                        <m:sSub>
+                          <m:sSubPr>
+                            <m:ctrlPr>
+                              <a:rPr lang="en-US" b="0" i="1" smtClean="0">
+                                <a:latin typeface="Cambria Math" panose="02040503050406030204" pitchFamily="18" charset="0"/>
+                              </a:rPr>
+                            </m:ctrlPr>
+                          </m:sSubPr>
+                          <m:e>
+                            <m:r>
+                              <a:rPr lang="en-US" b="0" i="1" smtClean="0">
+                                <a:latin typeface="Cambria Math" panose="02040503050406030204" pitchFamily="18" charset="0"/>
+                              </a:rPr>
+                              <m:t>𝐴</m:t>
+                            </m:r>
+                          </m:e>
+                          <m:sub>
+                            <m:r>
+                              <a:rPr lang="en-US" b="0" i="1" smtClean="0">
+                                <a:latin typeface="Cambria Math" panose="02040503050406030204" pitchFamily="18" charset="0"/>
+                              </a:rPr>
+                              <m:t>𝑘</m:t>
+                            </m:r>
+                          </m:sub>
+                        </m:sSub>
+                        <m:sSup>
+                          <m:sSupPr>
+                            <m:ctrlPr>
+                              <a:rPr lang="en-US" b="0" i="1" smtClean="0">
+                                <a:latin typeface="Cambria Math" panose="02040503050406030204" pitchFamily="18" charset="0"/>
+                              </a:rPr>
+                            </m:ctrlPr>
+                          </m:sSupPr>
+                          <m:e>
+                            <m:r>
+                              <a:rPr lang="en-US" b="0" i="1" smtClean="0">
+                                <a:latin typeface="Cambria Math" panose="02040503050406030204" pitchFamily="18" charset="0"/>
+                              </a:rPr>
+                              <m:t>𝑒</m:t>
+                            </m:r>
+                          </m:e>
+                          <m:sup>
+                            <m:r>
+                              <a:rPr lang="en-US" b="0" i="1" smtClean="0">
+                                <a:latin typeface="Cambria Math" panose="02040503050406030204" pitchFamily="18" charset="0"/>
+                              </a:rPr>
+                              <m:t>−</m:t>
+                            </m:r>
+                            <m:r>
+                              <a:rPr lang="en-US" b="0" i="1" smtClean="0">
+                                <a:latin typeface="Cambria Math" panose="02040503050406030204" pitchFamily="18" charset="0"/>
+                              </a:rPr>
+                              <m:t>𝑖</m:t>
+                            </m:r>
+                            <m:sSub>
+                              <m:sSubPr>
+                                <m:ctrlPr>
+                                  <a:rPr lang="en-US" b="0" i="1" smtClean="0">
+                                    <a:latin typeface="Cambria Math" panose="02040503050406030204" pitchFamily="18" charset="0"/>
+                                    <a:ea typeface="Cambria Math" panose="02040503050406030204" pitchFamily="18" charset="0"/>
+                                  </a:rPr>
+                                </m:ctrlPr>
+                              </m:sSubPr>
+                              <m:e>
+                                <m:r>
+                                  <a:rPr lang="en-US" b="0" i="1" smtClean="0">
+                                    <a:latin typeface="Cambria Math" panose="02040503050406030204" pitchFamily="18" charset="0"/>
+                                    <a:ea typeface="Cambria Math" panose="02040503050406030204" pitchFamily="18" charset="0"/>
+                                  </a:rPr>
+                                  <m:t>𝜃</m:t>
+                                </m:r>
+                              </m:e>
+                              <m:sub>
+                                <m:r>
+                                  <a:rPr lang="en-US" b="0" i="1" smtClean="0">
+                                    <a:latin typeface="Cambria Math" panose="02040503050406030204" pitchFamily="18" charset="0"/>
+                                    <a:ea typeface="Cambria Math" panose="02040503050406030204" pitchFamily="18" charset="0"/>
+                                  </a:rPr>
+                                  <m:t>𝑘</m:t>
+                                </m:r>
+                              </m:sub>
+                            </m:sSub>
+                          </m:sup>
+                        </m:sSup>
+                        <m:r>
+                          <a:rPr lang="en-US" b="0" i="1" smtClean="0">
+                            <a:latin typeface="Cambria Math" panose="02040503050406030204" pitchFamily="18" charset="0"/>
+                            <a:ea typeface="Cambria Math" panose="02040503050406030204" pitchFamily="18" charset="0"/>
+                          </a:rPr>
+                          <m:t>𝛿</m:t>
+                        </m:r>
+                        <m:r>
+                          <a:rPr lang="en-US" b="0" i="1" smtClean="0">
+                            <a:latin typeface="Cambria Math" panose="02040503050406030204" pitchFamily="18" charset="0"/>
+                            <a:ea typeface="Cambria Math" panose="02040503050406030204" pitchFamily="18" charset="0"/>
+                          </a:rPr>
+                          <m:t>(</m:t>
+                        </m:r>
+                        <m:r>
+                          <a:rPr lang="en-US" b="0" i="1" smtClean="0">
+                            <a:latin typeface="Cambria Math" panose="02040503050406030204" pitchFamily="18" charset="0"/>
+                            <a:ea typeface="Cambria Math" panose="02040503050406030204" pitchFamily="18" charset="0"/>
+                          </a:rPr>
+                          <m:t>𝑡</m:t>
+                        </m:r>
+                        <m:r>
+                          <a:rPr lang="en-US" b="0" i="1" smtClean="0">
+                            <a:latin typeface="Cambria Math" panose="02040503050406030204" pitchFamily="18" charset="0"/>
+                            <a:ea typeface="Cambria Math" panose="02040503050406030204" pitchFamily="18" charset="0"/>
+                          </a:rPr>
+                          <m:t>−</m:t>
+                        </m:r>
+                        <m:sSub>
+                          <m:sSubPr>
+                            <m:ctrlPr>
+                              <a:rPr lang="en-US" b="0" i="1" smtClean="0">
+                                <a:latin typeface="Cambria Math" panose="02040503050406030204" pitchFamily="18" charset="0"/>
+                                <a:ea typeface="Cambria Math" panose="02040503050406030204" pitchFamily="18" charset="0"/>
+                              </a:rPr>
+                            </m:ctrlPr>
+                          </m:sSubPr>
+                          <m:e>
+                            <m:r>
+                              <a:rPr lang="en-US" b="0" i="1" smtClean="0">
+                                <a:latin typeface="Cambria Math" panose="02040503050406030204" pitchFamily="18" charset="0"/>
+                                <a:ea typeface="Cambria Math" panose="02040503050406030204" pitchFamily="18" charset="0"/>
+                              </a:rPr>
+                              <m:t>𝜏</m:t>
+                            </m:r>
+                          </m:e>
+                          <m:sub>
+                            <m:r>
+                              <a:rPr lang="en-US" b="0" i="1" smtClean="0">
+                                <a:latin typeface="Cambria Math" panose="02040503050406030204" pitchFamily="18" charset="0"/>
+                                <a:ea typeface="Cambria Math" panose="02040503050406030204" pitchFamily="18" charset="0"/>
+                              </a:rPr>
+                              <m:t>𝑘</m:t>
+                            </m:r>
+                          </m:sub>
+                        </m:sSub>
+                        <m:r>
+                          <a:rPr lang="en-US" b="0" i="1" smtClean="0">
+                            <a:latin typeface="Cambria Math" panose="02040503050406030204" pitchFamily="18" charset="0"/>
+                            <a:ea typeface="Cambria Math" panose="02040503050406030204" pitchFamily="18" charset="0"/>
+                          </a:rPr>
+                          <m:t>)</m:t>
+                        </m:r>
+                      </m:e>
+                    </m:nary>
+                  </m:oMath>
+                </a14:m>
+                <a:endParaRPr lang="en-US" b="0" dirty="0" smtClean="0"/>
+              </a:p>
+              <a:p>
+                <a:pPr lvl="1"/>
+                <a:r>
+                  <a:rPr lang="en-US" b="0" dirty="0" smtClean="0"/>
+                  <a:t>Use ray tracing to sample the impulse response</a:t>
+                </a:r>
+              </a:p>
+              <a:p>
+                <a:pPr lvl="1"/>
+                <a:r>
+                  <a:rPr lang="en-US" dirty="0" smtClean="0"/>
+                  <a:t>Track gains, phase shifts, and propagation delays</a:t>
                 </a:r>
               </a:p>
               <a:p>
@@ -4399,23 +6277,24 @@
                 </a:r>
               </a:p>
               <a:p>
-                <a:pPr lvl="1"/>
-                <a:r>
-                  <a:rPr lang="en-US" dirty="0" smtClean="0"/>
-                  <a:t>TODO more mathematical description</a:t>
-                </a:r>
-              </a:p>
-              <a:p>
-                <a:pPr lvl="1"/>
-                <a:endParaRPr lang="en-US" dirty="0" smtClean="0"/>
-              </a:p>
-              <a:p>
                 <a:r>
                   <a:rPr lang="en-US" dirty="0" smtClean="0"/>
                   <a:t>Simulate OFDM transmissions over the channel </a:t>
                 </a:r>
               </a:p>
               <a:p>
+                <a:pPr lvl="1"/>
+                <a:r>
+                  <a:rPr lang="en-US" dirty="0" smtClean="0"/>
+                  <a:t>All 802.11g data rates</a:t>
+                </a:r>
+              </a:p>
+              <a:p>
+                <a:pPr lvl="1"/>
+                <a:r>
+                  <a:rPr lang="en-US" dirty="0" smtClean="0"/>
+                  <a:t>Assume OFDM symbols constantly transmitted</a:t>
+                </a:r>
                 <a:endParaRPr lang="en-US" dirty="0"/>
               </a:p>
               <a:p>
@@ -4427,7 +6306,7 @@
             </p:txBody>
           </p:sp>
         </mc:Choice>
-        <mc:Fallback>
+        <mc:Fallback xmlns="">
           <p:sp>
             <p:nvSpPr>
               <p:cNvPr id="3" name="Content Placeholder 2"/>
@@ -4442,7 +6321,7 @@
               <a:blipFill rotWithShape="0">
                 <a:blip r:embed="rId3"/>
                 <a:stretch>
-                  <a:fillRect l="-1043" t="-2241"/>
+                  <a:fillRect l="-1043" t="-3081" b="-140"/>
                 </a:stretch>
               </a:blipFill>
             </p:spPr>
@@ -4514,8 +6393,8 @@
           </a:p>
         </p:txBody>
       </p:sp>
-      <mc:AlternateContent xmlns:mc="http://schemas.openxmlformats.org/markup-compatibility/2006">
-        <mc:Choice xmlns:a14="http://schemas.microsoft.com/office/drawing/2010/main" Requires="a14">
+      <mc:AlternateContent xmlns:mc="http://schemas.openxmlformats.org/markup-compatibility/2006" xmlns:a14="http://schemas.microsoft.com/office/drawing/2010/main">
+        <mc:Choice Requires="a14">
           <p:sp>
             <p:nvSpPr>
               <p:cNvPr id="3" name="Content Placeholder 2"/>
@@ -4528,7 +6407,9 @@
             </p:nvSpPr>
             <p:spPr/>
             <p:txBody>
-              <a:bodyPr/>
+              <a:bodyPr>
+                <a:normAutofit lnSpcReduction="10000"/>
+              </a:bodyPr>
               <a:lstStyle/>
               <a:p>
                 <a:r>
@@ -4553,8 +6434,93 @@
                 <a:pPr lvl="1"/>
                 <a:r>
                   <a:rPr lang="en-US" dirty="0" smtClean="0"/>
-                  <a:t>Walls both reflect some energy and transmit some energy</a:t>
+                  <a:t>Walls both reflect (</a:t>
                 </a:r>
+                <a14:m>
+                  <m:oMath xmlns:m="http://schemas.openxmlformats.org/officeDocument/2006/math">
+                    <m:sSub>
+                      <m:sSubPr>
+                        <m:ctrlPr>
+                          <a:rPr lang="en-US" i="1" smtClean="0">
+                            <a:latin typeface="Cambria Math" panose="02040503050406030204" pitchFamily="18" charset="0"/>
+                          </a:rPr>
+                        </m:ctrlPr>
+                      </m:sSubPr>
+                      <m:e>
+                        <m:r>
+                          <a:rPr lang="en-US" b="0" i="1" smtClean="0">
+                            <a:latin typeface="Cambria Math" panose="02040503050406030204" pitchFamily="18" charset="0"/>
+                          </a:rPr>
+                          <m:t>𝐴</m:t>
+                        </m:r>
+                      </m:e>
+                      <m:sub>
+                        <m:r>
+                          <a:rPr lang="en-US" b="0" i="1" smtClean="0">
+                            <a:latin typeface="Cambria Math" panose="02040503050406030204" pitchFamily="18" charset="0"/>
+                          </a:rPr>
+                          <m:t>𝑟𝑒𝑓𝑙</m:t>
+                        </m:r>
+                      </m:sub>
+                    </m:sSub>
+                    <m:r>
+                      <a:rPr lang="en-US" b="0" i="1" smtClean="0">
+                        <a:latin typeface="Cambria Math" panose="02040503050406030204" pitchFamily="18" charset="0"/>
+                      </a:rPr>
+                      <m:t>=0.7)</m:t>
+                    </m:r>
+                  </m:oMath>
+                </a14:m>
+                <a:r>
+                  <a:rPr lang="en-US" dirty="0" smtClean="0"/>
+                  <a:t> and transmit </a:t>
+                </a:r>
+                <a14:m>
+                  <m:oMath xmlns:m="http://schemas.openxmlformats.org/officeDocument/2006/math">
+                    <m:r>
+                      <a:rPr lang="en-US" b="0" i="1" smtClean="0">
+                        <a:latin typeface="Cambria Math" panose="02040503050406030204" pitchFamily="18" charset="0"/>
+                      </a:rPr>
+                      <m:t>(</m:t>
+                    </m:r>
+                    <m:sSub>
+                      <m:sSubPr>
+                        <m:ctrlPr>
+                          <a:rPr lang="en-US" b="0" i="1" smtClean="0">
+                            <a:latin typeface="Cambria Math" panose="02040503050406030204" pitchFamily="18" charset="0"/>
+                          </a:rPr>
+                        </m:ctrlPr>
+                      </m:sSubPr>
+                      <m:e>
+                        <m:r>
+                          <a:rPr lang="en-US" b="0" i="1" smtClean="0">
+                            <a:latin typeface="Cambria Math" panose="02040503050406030204" pitchFamily="18" charset="0"/>
+                          </a:rPr>
+                          <m:t>𝐴</m:t>
+                        </m:r>
+                      </m:e>
+                      <m:sub>
+                        <m:r>
+                          <a:rPr lang="en-US" b="0" i="1" smtClean="0">
+                            <a:latin typeface="Cambria Math" panose="02040503050406030204" pitchFamily="18" charset="0"/>
+                          </a:rPr>
+                          <m:t>𝑡𝑟𝑎𝑛𝑠</m:t>
+                        </m:r>
+                      </m:sub>
+                    </m:sSub>
+                    <m:r>
+                      <a:rPr lang="en-US" b="0" i="1" smtClean="0">
+                        <a:latin typeface="Cambria Math" panose="02040503050406030204" pitchFamily="18" charset="0"/>
+                      </a:rPr>
+                      <m:t>=0.5)</m:t>
+                    </m:r>
+                  </m:oMath>
+                </a14:m>
+                <a:r>
+                  <a:rPr lang="en-US" dirty="0"/>
+                  <a:t> some energy </a:t>
+                </a:r>
+                <a:endParaRPr lang="en-US" dirty="0" smtClean="0"/>
               </a:p>
               <a:p>
                 <a:pPr lvl="1"/>
@@ -4629,13 +6595,13 @@
                 </a14:m>
                 <a:r>
                   <a:rPr lang="en-US" dirty="0" smtClean="0"/>
-                  <a:t> from reflections of target will shift</a:t>
+                  <a:t> from reflections of target will shift in amplitude, phase, and propagation delay</a:t>
                 </a:r>
               </a:p>
             </p:txBody>
           </p:sp>
         </mc:Choice>
-        <mc:Fallback>
+        <mc:Fallback xmlns="">
           <p:sp>
             <p:nvSpPr>
               <p:cNvPr id="3" name="Content Placeholder 2"/>
@@ -4650,7 +6616,7 @@
               <a:blipFill rotWithShape="0">
                 <a:blip r:embed="rId3"/>
                 <a:stretch>
-                  <a:fillRect l="-1043" t="-2241" r="-1855"/>
+                  <a:fillRect l="-1043" t="-3081" r="-1855"/>
                 </a:stretch>
               </a:blipFill>
             </p:spPr>
@@ -4722,29 +6688,35 @@
           </a:p>
         </p:txBody>
       </p:sp>
-      <p:sp>
-        <p:nvSpPr>
-          <p:cNvPr id="3" name="Content Placeholder 2"/>
-          <p:cNvSpPr>
-            <a:spLocks noGrp="1"/>
-          </p:cNvSpPr>
+      <p:pic>
+        <p:nvPicPr>
+          <p:cNvPr id="4" name="Content Placeholder 3"/>
+          <p:cNvPicPr>
+            <a:picLocks noGrp="1" noChangeAspect="1"/>
+          </p:cNvPicPr>
           <p:nvPr>
             <p:ph idx="1"/>
           </p:nvPr>
-        </p:nvSpPr>
-        <p:spPr/>
-        <p:txBody>
-          <a:bodyPr/>
-          <a:lstStyle/>
-          <a:p>
-            <a:r>
-              <a:rPr lang="en-US" dirty="0" smtClean="0"/>
-              <a:t>TODO pictures</a:t>
-            </a:r>
-            <a:endParaRPr lang="en-US" dirty="0"/>
-          </a:p>
-        </p:txBody>
-      </p:sp>
+        </p:nvPicPr>
+        <p:blipFill>
+          <a:blip r:embed="rId2">
+            <a:extLst>
+              <a:ext uri="{28A0092B-C50C-407E-A947-70E740481C1C}">
+                <a14:useLocalDpi xmlns:a14="http://schemas.microsoft.com/office/drawing/2010/main" val="0"/>
+              </a:ext>
+            </a:extLst>
+          </a:blip>
+          <a:stretch>
+            <a:fillRect/>
+          </a:stretch>
+        </p:blipFill>
+        <p:spPr>
+          <a:xfrm>
+            <a:off x="3016623" y="1570738"/>
+            <a:ext cx="6158753" cy="4619065"/>
+          </a:xfrm>
+        </p:spPr>
+      </p:pic>
     </p:spTree>
     <p:extLst>
       <p:ext uri="{BB962C8B-B14F-4D97-AF65-F5344CB8AC3E}">
@@ -4755,6 +6727,13 @@
   <p:clrMapOvr>
     <a:masterClrMapping/>
   </p:clrMapOvr>
+  <p:timing>
+    <p:tnLst>
+      <p:par>
+        <p:cTn id="1" dur="indefinite" restart="never" nodeType="tmRoot"/>
+      </p:par>
+    </p:tnLst>
+  </p:timing>
 </p:sld>
 </file>
 
@@ -4775,62 +6754,206 @@
           <a:chExt cx="0" cy="0"/>
         </a:xfrm>
       </p:grpSpPr>
-      <p:sp>
-        <p:nvSpPr>
-          <p:cNvPr id="2" name="Title 1"/>
-          <p:cNvSpPr>
-            <a:spLocks noGrp="1"/>
-          </p:cNvSpPr>
-          <p:nvPr>
-            <p:ph type="title"/>
-          </p:nvPr>
-        </p:nvSpPr>
-        <p:spPr/>
-        <p:txBody>
-          <a:bodyPr/>
-          <a:lstStyle/>
-          <a:p>
-            <a:r>
-              <a:rPr lang="en-US" dirty="0" smtClean="0"/>
-              <a:t>Radar Stuff</a:t>
-            </a:r>
-            <a:endParaRPr lang="en-US" dirty="0"/>
-          </a:p>
-        </p:txBody>
-      </p:sp>
-      <p:sp>
-        <p:nvSpPr>
-          <p:cNvPr id="3" name="Content Placeholder 2"/>
-          <p:cNvSpPr>
-            <a:spLocks noGrp="1"/>
-          </p:cNvSpPr>
+      <mc:AlternateContent xmlns:mc="http://schemas.openxmlformats.org/markup-compatibility/2006" xmlns:a14="http://schemas.microsoft.com/office/drawing/2010/main">
+        <mc:Choice Requires="a14">
+          <p:sp>
+            <p:nvSpPr>
+              <p:cNvPr id="2" name="Title 1"/>
+              <p:cNvSpPr>
+                <a:spLocks noGrp="1"/>
+              </p:cNvSpPr>
+              <p:nvPr>
+                <p:ph type="title"/>
+              </p:nvPr>
+            </p:nvSpPr>
+            <p:spPr>
+              <a:xfrm>
+                <a:off x="256032" y="365125"/>
+                <a:ext cx="11722608" cy="1325563"/>
+              </a:xfrm>
+            </p:spPr>
+            <p:txBody>
+              <a:bodyPr>
+                <a:normAutofit fontScale="90000"/>
+              </a:bodyPr>
+              <a:lstStyle/>
+              <a:p>
+                <a:r>
+                  <a:rPr lang="en-US" dirty="0" smtClean="0"/>
+                  <a:t>Simulating the Indoor Channel</a:t>
+                </a:r>
+                <a:br>
+                  <a:rPr lang="en-US" dirty="0" smtClean="0"/>
+                </a:br>
+                <a14:m>
+                  <m:oMath xmlns:m="http://schemas.openxmlformats.org/officeDocument/2006/math">
+                    <m:d>
+                      <m:dPr>
+                        <m:begChr m:val="|"/>
+                        <m:endChr m:val="|"/>
+                        <m:ctrlPr>
+                          <a:rPr lang="en-US" b="0" i="1" smtClean="0">
+                            <a:latin typeface="Cambria Math" panose="02040503050406030204" pitchFamily="18" charset="0"/>
+                          </a:rPr>
+                        </m:ctrlPr>
+                      </m:dPr>
+                      <m:e>
+                        <m:sSub>
+                          <m:sSubPr>
+                            <m:ctrlPr>
+                              <a:rPr lang="en-US" b="0" i="1" smtClean="0">
+                                <a:latin typeface="Cambria Math" panose="02040503050406030204" pitchFamily="18" charset="0"/>
+                              </a:rPr>
+                            </m:ctrlPr>
+                          </m:sSubPr>
+                          <m:e>
+                            <m:r>
+                              <a:rPr lang="en-US" b="0" i="1" smtClean="0">
+                                <a:latin typeface="Cambria Math" panose="02040503050406030204" pitchFamily="18" charset="0"/>
+                              </a:rPr>
+                              <m:t>h</m:t>
+                            </m:r>
+                          </m:e>
+                          <m:sub>
+                            <m:r>
+                              <a:rPr lang="en-US" b="0" i="1" smtClean="0">
+                                <a:latin typeface="Cambria Math" panose="02040503050406030204" pitchFamily="18" charset="0"/>
+                              </a:rPr>
+                              <m:t>𝑙</m:t>
+                            </m:r>
+                          </m:sub>
+                        </m:sSub>
+                        <m:d>
+                          <m:dPr>
+                            <m:begChr m:val="["/>
+                            <m:endChr m:val="]"/>
+                            <m:ctrlPr>
+                              <a:rPr lang="en-US" b="0" i="1" smtClean="0">
+                                <a:latin typeface="Cambria Math" panose="02040503050406030204" pitchFamily="18" charset="0"/>
+                              </a:rPr>
+                            </m:ctrlPr>
+                          </m:dPr>
+                          <m:e>
+                            <m:r>
+                              <a:rPr lang="en-US" b="0" i="1" smtClean="0">
+                                <a:latin typeface="Cambria Math" panose="02040503050406030204" pitchFamily="18" charset="0"/>
+                              </a:rPr>
+                              <m:t>𝑚</m:t>
+                            </m:r>
+                          </m:e>
+                        </m:d>
+                      </m:e>
+                    </m:d>
+                  </m:oMath>
+                </a14:m>
+                <a:r>
+                  <a:rPr lang="en-US" dirty="0" smtClean="0"/>
+                  <a:t> at m corresponding to t=[0, 0.25, 0.5, 0.75] sec</a:t>
+                </a:r>
+                <a:br>
+                  <a:rPr lang="en-US" dirty="0" smtClean="0"/>
+                </a:br>
+                <a:r>
+                  <a:rPr lang="en-US" dirty="0" smtClean="0"/>
+                  <a:t>Target moving 4m/s away from </a:t>
+                </a:r>
+                <a:r>
+                  <a:rPr lang="en-US" dirty="0" err="1" smtClean="0"/>
+                  <a:t>Tx</a:t>
+                </a:r>
+                <a:r>
+                  <a:rPr lang="en-US" dirty="0" smtClean="0"/>
+                  <a:t> and Rx</a:t>
+                </a:r>
+                <a:endParaRPr lang="en-US" dirty="0"/>
+              </a:p>
+            </p:txBody>
+          </p:sp>
+        </mc:Choice>
+        <mc:Fallback xmlns="">
+          <p:sp>
+            <p:nvSpPr>
+              <p:cNvPr id="2" name="Title 1"/>
+              <p:cNvSpPr>
+                <a:spLocks noGrp="1" noRot="1" noChangeAspect="1" noMove="1" noResize="1" noEditPoints="1" noAdjustHandles="1" noChangeArrowheads="1" noChangeShapeType="1" noTextEdit="1"/>
+              </p:cNvSpPr>
+              <p:nvPr>
+                <p:ph type="title"/>
+              </p:nvPr>
+            </p:nvSpPr>
+            <p:spPr>
+              <a:xfrm>
+                <a:off x="256032" y="365125"/>
+                <a:ext cx="11722608" cy="1325563"/>
+              </a:xfrm>
+              <a:blipFill rotWithShape="0">
+                <a:blip r:embed="rId2"/>
+                <a:stretch>
+                  <a:fillRect l="-1820" t="-28571" b="-35484"/>
+                </a:stretch>
+              </a:blipFill>
+            </p:spPr>
+            <p:txBody>
+              <a:bodyPr/>
+              <a:lstStyle/>
+              <a:p>
+                <a:r>
+                  <a:rPr lang="en-US">
+                    <a:noFill/>
+                  </a:rPr>
+                  <a:t> </a:t>
+                </a:r>
+              </a:p>
+            </p:txBody>
+          </p:sp>
+        </mc:Fallback>
+      </mc:AlternateContent>
+      <p:pic>
+        <p:nvPicPr>
+          <p:cNvPr id="4" name="Content Placeholder 3"/>
+          <p:cNvPicPr>
+            <a:picLocks noGrp="1" noChangeAspect="1"/>
+          </p:cNvPicPr>
           <p:nvPr>
             <p:ph idx="1"/>
           </p:nvPr>
-        </p:nvSpPr>
-        <p:spPr/>
-        <p:txBody>
-          <a:bodyPr/>
-          <a:lstStyle/>
-          <a:p>
-            <a:r>
-              <a:rPr lang="en-US" dirty="0" smtClean="0"/>
-              <a:t>TODO</a:t>
-            </a:r>
-            <a:endParaRPr lang="en-US" dirty="0"/>
-          </a:p>
-        </p:txBody>
-      </p:sp>
+        </p:nvPicPr>
+        <p:blipFill>
+          <a:blip r:embed="rId3">
+            <a:extLst>
+              <a:ext uri="{28A0092B-C50C-407E-A947-70E740481C1C}">
+                <a14:useLocalDpi xmlns:a14="http://schemas.microsoft.com/office/drawing/2010/main" val="0"/>
+              </a:ext>
+            </a:extLst>
+          </a:blip>
+          <a:stretch>
+            <a:fillRect/>
+          </a:stretch>
+        </p:blipFill>
+        <p:spPr>
+          <a:xfrm>
+            <a:off x="694945" y="1801626"/>
+            <a:ext cx="9765244" cy="5125145"/>
+          </a:xfrm>
+        </p:spPr>
+      </p:pic>
     </p:spTree>
     <p:extLst>
       <p:ext uri="{BB962C8B-B14F-4D97-AF65-F5344CB8AC3E}">
-        <p14:creationId xmlns:p14="http://schemas.microsoft.com/office/powerpoint/2010/main" val="284725016"/>
+        <p14:creationId xmlns:p14="http://schemas.microsoft.com/office/powerpoint/2010/main" val="2724342147"/>
       </p:ext>
     </p:extLst>
   </p:cSld>
   <p:clrMapOvr>
     <a:masterClrMapping/>
   </p:clrMapOvr>
+  <p:timing>
+    <p:tnLst>
+      <p:par>
+        <p:cTn id="1" dur="indefinite" restart="never" nodeType="tmRoot"/>
+      </p:par>
+    </p:tnLst>
+  </p:timing>
 </p:sld>
 </file>
 
@@ -4868,7 +6991,15 @@
           <a:p>
             <a:r>
               <a:rPr lang="en-US" dirty="0" smtClean="0"/>
-              <a:t>Conclusion</a:t>
+              <a:t>Simulating </a:t>
+            </a:r>
+            <a:r>
+              <a:rPr lang="en-US" dirty="0" err="1" smtClean="0"/>
+              <a:t>WiFi</a:t>
+            </a:r>
+            <a:r>
+              <a:rPr lang="en-US" dirty="0" smtClean="0"/>
+              <a:t> OFDM Transmissions</a:t>
             </a:r>
             <a:endParaRPr lang="en-US" dirty="0"/>
           </a:p>
@@ -4884,25 +7015,209 @@
             <p:ph idx="1"/>
           </p:nvPr>
         </p:nvSpPr>
-        <p:spPr/>
-        <p:txBody>
-          <a:bodyPr/>
-          <a:lstStyle/>
-          <a:p>
-            <a:endParaRPr lang="en-US"/>
+        <p:spPr>
+          <a:xfrm>
+            <a:off x="850231" y="1645151"/>
+            <a:ext cx="10515600" cy="4900028"/>
+          </a:xfrm>
+        </p:spPr>
+        <p:txBody>
+          <a:bodyPr>
+            <a:normAutofit/>
+          </a:bodyPr>
+          <a:lstStyle/>
+          <a:p>
+            <a:r>
+              <a:rPr lang="en-US" dirty="0" smtClean="0"/>
+              <a:t>Used and verified against IEEE 802.11g standard document a Simulink model available on MATLAB File Exchange</a:t>
+            </a:r>
+            <a:r>
+              <a:rPr lang="en-US" dirty="0"/>
+              <a:t>:  </a:t>
+            </a:r>
+            <a:r>
+              <a:rPr lang="en-US" dirty="0" smtClean="0"/>
+              <a:t> </a:t>
+            </a:r>
+          </a:p>
+          <a:p>
+            <a:r>
+              <a:rPr lang="en-US" sz="2000" dirty="0" smtClean="0">
+                <a:hlinkClick r:id="rId2"/>
+              </a:rPr>
+              <a:t>http</a:t>
+            </a:r>
+            <a:r>
+              <a:rPr lang="en-US" sz="2000" dirty="0">
+                <a:hlinkClick r:id="rId2"/>
+              </a:rPr>
+              <a:t>://</a:t>
+            </a:r>
+            <a:r>
+              <a:rPr lang="en-US" sz="2000" dirty="0" smtClean="0">
+                <a:hlinkClick r:id="rId2"/>
+              </a:rPr>
+              <a:t>www.mathworks.com/matlabcentral/fileexchange/38073-802-11g-wlan-phy-model</a:t>
+            </a:r>
+            <a:endParaRPr lang="en-US" sz="2000" dirty="0" smtClean="0"/>
+          </a:p>
+          <a:p>
+            <a:endParaRPr lang="en-US" sz="2000" dirty="0"/>
+          </a:p>
+          <a:p>
+            <a:r>
+              <a:rPr lang="en-US" dirty="0" smtClean="0"/>
+              <a:t>Each pulse contains a preamble with training data for channel estimation, data rate selection, diversity selection, etc. </a:t>
+            </a:r>
+            <a:endParaRPr lang="en-US" dirty="0"/>
+          </a:p>
+          <a:p>
+            <a:r>
+              <a:rPr lang="en-US" dirty="0" smtClean="0"/>
+              <a:t>Data frames follow, each of which is 4us long, including 0.8us guard interval</a:t>
+            </a:r>
+          </a:p>
+          <a:p>
+            <a:pPr lvl="1"/>
+            <a:r>
+              <a:rPr lang="en-US" dirty="0" smtClean="0"/>
+              <a:t>Assumption: data is constantly transmitted</a:t>
+            </a:r>
+          </a:p>
+          <a:p>
+            <a:pPr lvl="1"/>
+            <a:r>
+              <a:rPr lang="en-US" dirty="0" smtClean="0"/>
+              <a:t>A more detailed simulation could partially decode the incoming reference data to determine pulse start times, since typically there will be time gaps between sent packets</a:t>
+            </a:r>
+            <a:endParaRPr lang="en-US" dirty="0"/>
           </a:p>
         </p:txBody>
       </p:sp>
     </p:spTree>
     <p:extLst>
       <p:ext uri="{BB962C8B-B14F-4D97-AF65-F5344CB8AC3E}">
-        <p14:creationId xmlns:p14="http://schemas.microsoft.com/office/powerpoint/2010/main" val="3194405820"/>
+        <p14:creationId xmlns:p14="http://schemas.microsoft.com/office/powerpoint/2010/main" val="2147660021"/>
       </p:ext>
     </p:extLst>
   </p:cSld>
   <p:clrMapOvr>
     <a:masterClrMapping/>
   </p:clrMapOvr>
+  <p:timing>
+    <p:tnLst>
+      <p:par>
+        <p:cTn id="1" dur="indefinite" restart="never" nodeType="tmRoot"/>
+      </p:par>
+    </p:tnLst>
+  </p:timing>
+</p:sld>
+</file>
+
+<file path=ppt/slides/slide9.xml><?xml version="1.0" encoding="utf-8"?>
+<p:sld xmlns:a="http://schemas.openxmlformats.org/drawingml/2006/main" xmlns:r="http://schemas.openxmlformats.org/officeDocument/2006/relationships" xmlns:p="http://schemas.openxmlformats.org/presentationml/2006/main">
+  <p:cSld>
+    <p:spTree>
+      <p:nvGrpSpPr>
+        <p:cNvPr id="1" name=""/>
+        <p:cNvGrpSpPr/>
+        <p:nvPr/>
+      </p:nvGrpSpPr>
+      <p:grpSpPr>
+        <a:xfrm>
+          <a:off x="0" y="0"/>
+          <a:ext cx="0" cy="0"/>
+          <a:chOff x="0" y="0"/>
+          <a:chExt cx="0" cy="0"/>
+        </a:xfrm>
+      </p:grpSpPr>
+      <p:sp>
+        <p:nvSpPr>
+          <p:cNvPr id="2" name="Title 1"/>
+          <p:cNvSpPr>
+            <a:spLocks noGrp="1"/>
+          </p:cNvSpPr>
+          <p:nvPr>
+            <p:ph type="title"/>
+          </p:nvPr>
+        </p:nvSpPr>
+        <p:spPr/>
+        <p:txBody>
+          <a:bodyPr/>
+          <a:lstStyle/>
+          <a:p>
+            <a:r>
+              <a:rPr lang="en-US" dirty="0" smtClean="0"/>
+              <a:t>Forming Range-Doppler Maps</a:t>
+            </a:r>
+            <a:endParaRPr lang="en-US" dirty="0"/>
+          </a:p>
+        </p:txBody>
+      </p:sp>
+      <p:sp>
+        <p:nvSpPr>
+          <p:cNvPr id="3" name="Content Placeholder 2"/>
+          <p:cNvSpPr>
+            <a:spLocks noGrp="1"/>
+          </p:cNvSpPr>
+          <p:nvPr>
+            <p:ph idx="1"/>
+          </p:nvPr>
+        </p:nvSpPr>
+        <p:spPr/>
+        <p:txBody>
+          <a:bodyPr>
+            <a:normAutofit/>
+          </a:bodyPr>
+          <a:lstStyle/>
+          <a:p>
+            <a:r>
+              <a:rPr lang="en-US" dirty="0" smtClean="0"/>
+              <a:t>RDMs are a basic tool in radar</a:t>
+            </a:r>
+          </a:p>
+          <a:p>
+            <a:r>
+              <a:rPr lang="en-US" dirty="0" smtClean="0"/>
+              <a:t>Moving objects in field of view of the receiver show up as high-power spots at their range and velocity</a:t>
+            </a:r>
+          </a:p>
+          <a:p>
+            <a:pPr lvl="1"/>
+            <a:r>
+              <a:rPr lang="en-US" dirty="0" smtClean="0"/>
+              <a:t>Maps are formed constantly over time and a target’s movement can be tracked</a:t>
+            </a:r>
+          </a:p>
+          <a:p>
+            <a:r>
+              <a:rPr lang="en-US" dirty="0" err="1" smtClean="0"/>
+              <a:t>WiFi</a:t>
+            </a:r>
+            <a:r>
+              <a:rPr lang="en-US" dirty="0" smtClean="0"/>
+              <a:t> signals are difficult to use for radar due to low power, multipath, and poor autocorrelation properties</a:t>
+            </a:r>
+          </a:p>
+        </p:txBody>
+      </p:sp>
+    </p:spTree>
+    <p:extLst>
+      <p:ext uri="{BB962C8B-B14F-4D97-AF65-F5344CB8AC3E}">
+        <p14:creationId xmlns:p14="http://schemas.microsoft.com/office/powerpoint/2010/main" val="3937463607"/>
+      </p:ext>
+    </p:extLst>
+  </p:cSld>
+  <p:clrMapOvr>
+    <a:masterClrMapping/>
+  </p:clrMapOvr>
+  <p:timing>
+    <p:tnLst>
+      <p:par>
+        <p:cTn id="1" dur="indefinite" restart="never" nodeType="tmRoot"/>
+      </p:par>
+    </p:tnLst>
+  </p:timing>
 </p:sld>
 </file>
 
@@ -4949,7 +7264,7 @@
     </a:clrScheme>
     <a:fontScheme name="Office">
       <a:majorFont>
-        <a:latin typeface="Calibri Light" panose="020F0302020204030204"/>
+        <a:latin typeface="Calibri Light"/>
         <a:ea typeface=""/>
         <a:cs typeface=""/>
         <a:font script="Jpan" typeface="ＭＳ Ｐゴシック"/>
@@ -4984,7 +7299,7 @@
         <a:font script="Geor" typeface="Sylfaen"/>
       </a:majorFont>
       <a:minorFont>
-        <a:latin typeface="Calibri" panose="020F0502020204030204"/>
+        <a:latin typeface="Calibri"/>
         <a:ea typeface=""/>
         <a:cs typeface=""/>
         <a:font script="Jpan" typeface="ＭＳ Ｐゴシック"/>
@@ -5210,7 +7525,7 @@
     </a:clrScheme>
     <a:fontScheme name="Office">
       <a:majorFont>
-        <a:latin typeface="Calibri Light" panose="020F0302020204030204"/>
+        <a:latin typeface="Calibri Light"/>
         <a:ea typeface=""/>
         <a:cs typeface=""/>
         <a:font script="Jpan" typeface="ＭＳ Ｐゴシック"/>
@@ -5245,7 +7560,7 @@
         <a:font script="Geor" typeface="Sylfaen"/>
       </a:majorFont>
       <a:minorFont>
-        <a:latin typeface="Calibri" panose="020F0502020204030204"/>
+        <a:latin typeface="Calibri"/>
         <a:ea typeface=""/>
         <a:cs typeface=""/>
         <a:font script="Jpan" typeface="ＭＳ Ｐゴシック"/>

--- a/presentation.pptx
+++ b/presentation.pptx
@@ -4040,6 +4040,13 @@
   <p:clrMapOvr>
     <a:masterClrMapping/>
   </p:clrMapOvr>
+  <p:timing>
+    <p:tnLst>
+      <p:par>
+        <p:cTn id="1" dur="indefinite" restart="never" nodeType="tmRoot"/>
+      </p:par>
+    </p:tnLst>
+  </p:timing>
 </p:sld>
 </file>
 
@@ -4188,6 +4195,13 @@
   <p:clrMapOvr>
     <a:masterClrMapping/>
   </p:clrMapOvr>
+  <p:timing>
+    <p:tnLst>
+      <p:par>
+        <p:cTn id="1" dur="indefinite" restart="never" nodeType="tmRoot"/>
+      </p:par>
+    </p:tnLst>
+  </p:timing>
 </p:sld>
 </file>
 
@@ -4231,8 +4245,8 @@
           </a:p>
         </p:txBody>
       </p:sp>
-      <mc:AlternateContent xmlns:mc="http://schemas.openxmlformats.org/markup-compatibility/2006" xmlns:a14="http://schemas.microsoft.com/office/drawing/2010/main">
-        <mc:Choice Requires="a14">
+      <mc:AlternateContent xmlns:mc="http://schemas.openxmlformats.org/markup-compatibility/2006">
+        <mc:Choice xmlns:a14="http://schemas.microsoft.com/office/drawing/2010/main" Requires="a14">
           <p:sp>
             <p:nvSpPr>
               <p:cNvPr id="3" name="Content Placeholder 2"/>
@@ -4615,37 +4629,25 @@
                                   </m:ctrlPr>
                                 </m:sSubSupPr>
                                 <m:e>
-                                  <m:sSub>
-                                    <m:sSubPr>
-                                      <m:ctrlPr>
-                                        <a:rPr lang="en-US" sz="2400" b="0" i="1" smtClean="0">
-                                          <a:latin typeface="Cambria Math" panose="02040503050406030204" pitchFamily="18" charset="0"/>
-                                        </a:rPr>
-                                      </m:ctrlPr>
-                                    </m:sSubPr>
-                                    <m:e>
-                                      <m:r>
-                                        <a:rPr lang="en-US" sz="2400" b="0" i="1" smtClean="0">
-                                          <a:latin typeface="Cambria Math"/>
-                                        </a:rPr>
-                                        <m:t>𝑠</m:t>
-                                      </m:r>
-                                    </m:e>
-                                    <m:sub>
-                                      <m:r>
-                                        <a:rPr lang="en-US" sz="2400" b="0" i="1" smtClean="0">
-                                          <a:latin typeface="Cambria Math"/>
-                                        </a:rPr>
-                                        <m:t>𝑟𝑒𝑓</m:t>
-                                      </m:r>
-                                    </m:sub>
-                                  </m:sSub>
+                                  <m:r>
+                                    <a:rPr lang="en-US" sz="2400" b="0" i="1" smtClean="0">
+                                      <a:latin typeface="Cambria Math" panose="02040503050406030204" pitchFamily="18" charset="0"/>
+                                    </a:rPr>
+                                    <m:t>𝑠</m:t>
+                                  </m:r>
                                 </m:e>
-                                <m:sub/>
+                                <m:sub>
+                                  <m:r>
+                                    <a:rPr lang="en-US" sz="2400" b="0" i="1" smtClean="0">
+                                      <a:latin typeface="Cambria Math" panose="02040503050406030204" pitchFamily="18" charset="0"/>
+                                    </a:rPr>
+                                    <m:t>𝑟𝑒𝑓</m:t>
+                                  </m:r>
+                                </m:sub>
                                 <m:sup>
                                   <m:r>
                                     <a:rPr lang="en-US" sz="2400" b="0" i="1" smtClean="0">
-                                      <a:latin typeface="Cambria Math"/>
+                                      <a:latin typeface="Cambria Math" panose="02040503050406030204" pitchFamily="18" charset="0"/>
                                     </a:rPr>
                                     <m:t>∗</m:t>
                                   </m:r>
@@ -4770,7 +4772,7 @@
             </p:txBody>
           </p:sp>
         </mc:Choice>
-        <mc:Fallback xmlns="">
+        <mc:Fallback>
           <p:sp>
             <p:nvSpPr>
               <p:cNvPr id="3" name="Content Placeholder 2"/>
@@ -4786,10 +4788,10 @@
                 <a:off x="609600" y="1600200"/>
                 <a:ext cx="10972800" cy="4876800"/>
               </a:xfrm>
-              <a:blipFill rotWithShape="1">
+              <a:blipFill rotWithShape="0">
                 <a:blip r:embed="rId2"/>
                 <a:stretch>
-                  <a:fillRect l="-944" t="-2750"/>
+                  <a:fillRect l="-1000" t="-2875"/>
                 </a:stretch>
               </a:blipFill>
             </p:spPr>
@@ -4818,6 +4820,13 @@
   <p:clrMapOvr>
     <a:masterClrMapping/>
   </p:clrMapOvr>
+  <p:timing>
+    <p:tnLst>
+      <p:par>
+        <p:cTn id="1" dur="indefinite" restart="never" nodeType="tmRoot"/>
+      </p:par>
+    </p:tnLst>
+  </p:timing>
 </p:sld>
 </file>
 
@@ -5244,6 +5253,13 @@
   <p:clrMapOvr>
     <a:masterClrMapping/>
   </p:clrMapOvr>
+  <p:timing>
+    <p:tnLst>
+      <p:par>
+        <p:cTn id="1" dur="indefinite" restart="never" nodeType="tmRoot"/>
+      </p:par>
+    </p:tnLst>
+  </p:timing>
 </p:sld>
 </file>
 
@@ -5391,6 +5407,13 @@
   <p:clrMapOvr>
     <a:masterClrMapping/>
   </p:clrMapOvr>
+  <p:timing>
+    <p:tnLst>
+      <p:par>
+        <p:cTn id="1" dur="indefinite" restart="never" nodeType="tmRoot"/>
+      </p:par>
+    </p:tnLst>
+  </p:timing>
 </p:sld>
 </file>
 
@@ -5528,6 +5551,13 @@
   <p:clrMapOvr>
     <a:masterClrMapping/>
   </p:clrMapOvr>
+  <p:timing>
+    <p:tnLst>
+      <p:par>
+        <p:cTn id="1" dur="indefinite" restart="never" nodeType="tmRoot"/>
+      </p:par>
+    </p:tnLst>
+  </p:timing>
 </p:sld>
 </file>
 
@@ -5654,6 +5684,13 @@
   <p:clrMapOvr>
     <a:masterClrMapping/>
   </p:clrMapOvr>
+  <p:timing>
+    <p:tnLst>
+      <p:par>
+        <p:cTn id="1" dur="indefinite" restart="never" nodeType="tmRoot"/>
+      </p:par>
+    </p:tnLst>
+  </p:timing>
 </p:sld>
 </file>
 
@@ -5777,6 +5814,13 @@
   <p:clrMapOvr>
     <a:masterClrMapping/>
   </p:clrMapOvr>
+  <p:timing>
+    <p:tnLst>
+      <p:par>
+        <p:cTn id="1" dur="indefinite" restart="never" nodeType="tmRoot"/>
+      </p:par>
+    </p:tnLst>
+  </p:timing>
 </p:sld>
 </file>
 
@@ -5904,6 +5948,13 @@
   <p:clrMapOvr>
     <a:masterClrMapping/>
   </p:clrMapOvr>
+  <p:timing>
+    <p:tnLst>
+      <p:par>
+        <p:cTn id="1" dur="indefinite" restart="never" nodeType="tmRoot"/>
+      </p:par>
+    </p:tnLst>
+  </p:timing>
 </p:sld>
 </file>
 
@@ -6350,6 +6401,13 @@
   <p:clrMapOvr>
     <a:masterClrMapping/>
   </p:clrMapOvr>
+  <p:timing>
+    <p:tnLst>
+      <p:par>
+        <p:cTn id="1" dur="indefinite" restart="never" nodeType="tmRoot"/>
+      </p:par>
+    </p:tnLst>
+  </p:timing>
 </p:sld>
 </file>
 
@@ -6645,6 +6703,13 @@
   <p:clrMapOvr>
     <a:masterClrMapping/>
   </p:clrMapOvr>
+  <p:timing>
+    <p:tnLst>
+      <p:par>
+        <p:cTn id="1" dur="indefinite" restart="never" nodeType="tmRoot"/>
+      </p:par>
+    </p:tnLst>
+  </p:timing>
 </p:sld>
 </file>
 
@@ -7173,8 +7238,13 @@
           <a:p>
             <a:r>
               <a:rPr lang="en-US" dirty="0" smtClean="0"/>
-              <a:t>RDMs are a basic tool in radar</a:t>
-            </a:r>
+              <a:t>RDMs are a </a:t>
+            </a:r>
+            <a:r>
+              <a:rPr lang="en-US" dirty="0" smtClean="0"/>
+              <a:t>2D power map with dimensions of time delay and freq. shift</a:t>
+            </a:r>
+            <a:endParaRPr lang="en-US" dirty="0" smtClean="0"/>
           </a:p>
           <a:p>
             <a:r>
@@ -7196,8 +7266,55 @@
             </a:r>
             <a:r>
               <a:rPr lang="en-US" dirty="0" smtClean="0"/>
-              <a:t> signals are difficult to use for radar due to low power, multipath, and poor autocorrelation properties</a:t>
-            </a:r>
+              <a:t> signals are difficult to use for radar due to low power, multipath, and poor autocorrelation </a:t>
+            </a:r>
+            <a:r>
+              <a:rPr lang="en-US" dirty="0" smtClean="0"/>
+              <a:t>properties</a:t>
+            </a:r>
+          </a:p>
+          <a:p>
+            <a:r>
+              <a:rPr lang="en-US" dirty="0"/>
+              <a:t>Main reference: “</a:t>
+            </a:r>
+            <a:r>
+              <a:rPr lang="en-US" dirty="0" err="1"/>
+              <a:t>WiFi</a:t>
+            </a:r>
+            <a:r>
+              <a:rPr lang="en-US" dirty="0"/>
+              <a:t>-Based Passive </a:t>
+            </a:r>
+            <a:r>
+              <a:rPr lang="en-US" dirty="0" smtClean="0"/>
+              <a:t>Bistatic Radar</a:t>
+            </a:r>
+            <a:r>
+              <a:rPr lang="en-US" dirty="0"/>
+              <a:t>: Data </a:t>
+            </a:r>
+            <a:r>
+              <a:rPr lang="en-US" dirty="0" smtClean="0"/>
+              <a:t>Processing Schemes </a:t>
+            </a:r>
+            <a:r>
+              <a:rPr lang="en-US" dirty="0"/>
+              <a:t>and </a:t>
+            </a:r>
+            <a:r>
+              <a:rPr lang="en-US" dirty="0" smtClean="0"/>
+              <a:t>Experimental Results” by </a:t>
+            </a:r>
+            <a:r>
+              <a:rPr lang="en-US" dirty="0" err="1" smtClean="0"/>
+              <a:t>Colone</a:t>
+            </a:r>
+            <a:r>
+              <a:rPr lang="en-US" dirty="0" smtClean="0"/>
+              <a:t>, et. al</a:t>
+            </a:r>
+            <a:endParaRPr lang="en-US" dirty="0" smtClean="0"/>
           </a:p>
         </p:txBody>
       </p:sp>
